--- a/AspNetCore2.0Courses/PPT/asp.net core(一).pptx
+++ b/AspNetCore2.0Courses/PPT/asp.net core(一).pptx
@@ -5,33 +5,27 @@
     <p:sldMasterId id="2147483660" r:id="rId1"/>
   </p:sldMasterIdLst>
   <p:notesMasterIdLst>
-    <p:notesMasterId r:id="rId26"/>
+    <p:notesMasterId r:id="rId20"/>
   </p:notesMasterIdLst>
   <p:sldIdLst>
     <p:sldId id="256" r:id="rId2"/>
     <p:sldId id="257" r:id="rId3"/>
-    <p:sldId id="287" r:id="rId4"/>
-    <p:sldId id="288" r:id="rId5"/>
-    <p:sldId id="284" r:id="rId6"/>
-    <p:sldId id="285" r:id="rId7"/>
-    <p:sldId id="286" r:id="rId8"/>
-    <p:sldId id="272" r:id="rId9"/>
-    <p:sldId id="281" r:id="rId10"/>
-    <p:sldId id="280" r:id="rId11"/>
-    <p:sldId id="273" r:id="rId12"/>
-    <p:sldId id="289" r:id="rId13"/>
-    <p:sldId id="283" r:id="rId14"/>
-    <p:sldId id="274" r:id="rId15"/>
-    <p:sldId id="275" r:id="rId16"/>
-    <p:sldId id="282" r:id="rId17"/>
-    <p:sldId id="258" r:id="rId18"/>
-    <p:sldId id="259" r:id="rId19"/>
-    <p:sldId id="276" r:id="rId20"/>
-    <p:sldId id="277" r:id="rId21"/>
-    <p:sldId id="261" r:id="rId22"/>
-    <p:sldId id="278" r:id="rId23"/>
-    <p:sldId id="260" r:id="rId24"/>
-    <p:sldId id="279" r:id="rId25"/>
+    <p:sldId id="290" r:id="rId4"/>
+    <p:sldId id="291" r:id="rId5"/>
+    <p:sldId id="286" r:id="rId6"/>
+    <p:sldId id="272" r:id="rId7"/>
+    <p:sldId id="281" r:id="rId8"/>
+    <p:sldId id="280" r:id="rId9"/>
+    <p:sldId id="273" r:id="rId10"/>
+    <p:sldId id="289" r:id="rId11"/>
+    <p:sldId id="283" r:id="rId12"/>
+    <p:sldId id="274" r:id="rId13"/>
+    <p:sldId id="275" r:id="rId14"/>
+    <p:sldId id="282" r:id="rId15"/>
+    <p:sldId id="258" r:id="rId16"/>
+    <p:sldId id="259" r:id="rId17"/>
+    <p:sldId id="276" r:id="rId18"/>
+    <p:sldId id="279" r:id="rId19"/>
   </p:sldIdLst>
   <p:sldSz cx="9144000" cy="6858000" type="screen4x3"/>
   <p:notesSz cx="6858000" cy="9144000"/>
@@ -7355,7 +7349,7 @@
           <a:p>
             <a:fld id="{9B32E45A-ABA7-46F3-84D5-79B4C63E12AD}" type="datetimeFigureOut">
               <a:rPr lang="zh-CN" altLang="en-US" smtClean="0"/>
-              <a:t>2017/9/23</a:t>
+              <a:t>2017/10/28</a:t>
             </a:fld>
             <a:endParaRPr lang="zh-CN" altLang="en-US"/>
           </a:p>
@@ -7767,7 +7761,7 @@
           <a:p>
             <a:fld id="{1F6EC031-4754-44EF-9D23-89C47356BD9B}" type="datetimeFigureOut">
               <a:rPr lang="zh-CN" altLang="en-US" smtClean="0"/>
-              <a:t>2017/9/23</a:t>
+              <a:t>2017/10/28</a:t>
             </a:fld>
             <a:endParaRPr lang="zh-CN" altLang="en-US"/>
           </a:p>
@@ -7937,7 +7931,7 @@
           <a:p>
             <a:fld id="{1F6EC031-4754-44EF-9D23-89C47356BD9B}" type="datetimeFigureOut">
               <a:rPr lang="zh-CN" altLang="en-US" smtClean="0"/>
-              <a:t>2017/9/23</a:t>
+              <a:t>2017/10/28</a:t>
             </a:fld>
             <a:endParaRPr lang="zh-CN" altLang="en-US"/>
           </a:p>
@@ -8117,7 +8111,7 @@
           <a:p>
             <a:fld id="{1F6EC031-4754-44EF-9D23-89C47356BD9B}" type="datetimeFigureOut">
               <a:rPr lang="zh-CN" altLang="en-US" smtClean="0"/>
-              <a:t>2017/9/23</a:t>
+              <a:t>2017/10/28</a:t>
             </a:fld>
             <a:endParaRPr lang="zh-CN" altLang="en-US"/>
           </a:p>
@@ -8301,7 +8295,7 @@
           <a:p>
             <a:fld id="{1F6EC031-4754-44EF-9D23-89C47356BD9B}" type="datetimeFigureOut">
               <a:rPr lang="zh-CN" altLang="en-US" smtClean="0"/>
-              <a:t>2017/9/23</a:t>
+              <a:t>2017/10/28</a:t>
             </a:fld>
             <a:endParaRPr lang="zh-CN" altLang="en-US"/>
           </a:p>
@@ -8545,7 +8539,7 @@
           <a:p>
             <a:fld id="{1F6EC031-4754-44EF-9D23-89C47356BD9B}" type="datetimeFigureOut">
               <a:rPr lang="zh-CN" altLang="en-US" smtClean="0"/>
-              <a:t>2017/9/23</a:t>
+              <a:t>2017/10/28</a:t>
             </a:fld>
             <a:endParaRPr lang="zh-CN" altLang="en-US"/>
           </a:p>
@@ -8777,7 +8771,7 @@
           <a:p>
             <a:fld id="{1F6EC031-4754-44EF-9D23-89C47356BD9B}" type="datetimeFigureOut">
               <a:rPr lang="zh-CN" altLang="en-US" smtClean="0"/>
-              <a:t>2017/9/23</a:t>
+              <a:t>2017/10/28</a:t>
             </a:fld>
             <a:endParaRPr lang="zh-CN" altLang="en-US"/>
           </a:p>
@@ -9144,7 +9138,7 @@
           <a:p>
             <a:fld id="{1F6EC031-4754-44EF-9D23-89C47356BD9B}" type="datetimeFigureOut">
               <a:rPr lang="zh-CN" altLang="en-US" smtClean="0"/>
-              <a:t>2017/9/23</a:t>
+              <a:t>2017/10/28</a:t>
             </a:fld>
             <a:endParaRPr lang="zh-CN" altLang="en-US"/>
           </a:p>
@@ -9262,7 +9256,7 @@
           <a:p>
             <a:fld id="{1F6EC031-4754-44EF-9D23-89C47356BD9B}" type="datetimeFigureOut">
               <a:rPr lang="zh-CN" altLang="en-US" smtClean="0"/>
-              <a:t>2017/9/23</a:t>
+              <a:t>2017/10/28</a:t>
             </a:fld>
             <a:endParaRPr lang="zh-CN" altLang="en-US"/>
           </a:p>
@@ -9357,7 +9351,7 @@
           <a:p>
             <a:fld id="{1F6EC031-4754-44EF-9D23-89C47356BD9B}" type="datetimeFigureOut">
               <a:rPr lang="zh-CN" altLang="en-US" smtClean="0"/>
-              <a:t>2017/9/23</a:t>
+              <a:t>2017/10/28</a:t>
             </a:fld>
             <a:endParaRPr lang="zh-CN" altLang="en-US"/>
           </a:p>
@@ -9634,7 +9628,7 @@
           <a:p>
             <a:fld id="{1F6EC031-4754-44EF-9D23-89C47356BD9B}" type="datetimeFigureOut">
               <a:rPr lang="zh-CN" altLang="en-US" smtClean="0"/>
-              <a:t>2017/9/23</a:t>
+              <a:t>2017/10/28</a:t>
             </a:fld>
             <a:endParaRPr lang="zh-CN" altLang="en-US"/>
           </a:p>
@@ -9891,7 +9885,7 @@
           <a:p>
             <a:fld id="{1F6EC031-4754-44EF-9D23-89C47356BD9B}" type="datetimeFigureOut">
               <a:rPr lang="zh-CN" altLang="en-US" smtClean="0"/>
-              <a:t>2017/9/23</a:t>
+              <a:t>2017/10/28</a:t>
             </a:fld>
             <a:endParaRPr lang="zh-CN" altLang="en-US"/>
           </a:p>
@@ -10113,7 +10107,7 @@
           <a:p>
             <a:fld id="{1F6EC031-4754-44EF-9D23-89C47356BD9B}" type="datetimeFigureOut">
               <a:rPr lang="zh-CN" altLang="en-US" smtClean="0"/>
-              <a:t>2017/9/23</a:t>
+              <a:t>2017/10/28</a:t>
             </a:fld>
             <a:endParaRPr lang="zh-CN" altLang="en-US"/>
           </a:p>
@@ -10734,1962 +10728,6 @@
             </a:r>
             <a:r>
               <a:rPr lang="zh-CN" altLang="en-US" dirty="0"/>
-              <a:t>的安装</a:t>
-            </a:r>
-          </a:p>
-        </p:txBody>
-      </p:sp>
-      <p:pic>
-        <p:nvPicPr>
-          <p:cNvPr id="4" name="图片 3">
-            <a:extLst>
-              <a:ext uri="{FF2B5EF4-FFF2-40B4-BE49-F238E27FC236}">
-                <a16:creationId xmlns:a16="http://schemas.microsoft.com/office/drawing/2014/main" id="{E5714AE6-D928-4D95-9E5B-1BC2707DF2B5}"/>
-              </a:ext>
-            </a:extLst>
-          </p:cNvPr>
-          <p:cNvPicPr>
-            <a:picLocks noChangeAspect="1"/>
-          </p:cNvPicPr>
-          <p:nvPr/>
-        </p:nvPicPr>
-        <p:blipFill>
-          <a:blip r:embed="rId2"/>
-          <a:stretch>
-            <a:fillRect/>
-          </a:stretch>
-        </p:blipFill>
-        <p:spPr>
-          <a:xfrm>
-            <a:off x="585926" y="1783480"/>
-            <a:ext cx="7972148" cy="4274462"/>
-          </a:xfrm>
-          <a:prstGeom prst="rect">
-            <a:avLst/>
-          </a:prstGeom>
-          <a:ln>
-            <a:noFill/>
-          </a:ln>
-          <a:effectLst>
-            <a:outerShdw blurRad="292100" dist="139700" dir="2700000" algn="tl" rotWithShape="0">
-              <a:srgbClr val="333333">
-                <a:alpha val="65000"/>
-              </a:srgbClr>
-            </a:outerShdw>
-          </a:effectLst>
-        </p:spPr>
-      </p:pic>
-    </p:spTree>
-    <p:extLst>
-      <p:ext uri="{BB962C8B-B14F-4D97-AF65-F5344CB8AC3E}">
-        <p14:creationId xmlns:p14="http://schemas.microsoft.com/office/powerpoint/2010/main" val="3992856089"/>
-      </p:ext>
-    </p:extLst>
-  </p:cSld>
-  <p:clrMapOvr>
-    <a:masterClrMapping/>
-  </p:clrMapOvr>
-</p:sld>
-</file>
-
-<file path=ppt/slides/slide11.xml><?xml version="1.0" encoding="utf-8"?>
-<p:sld xmlns:a="http://schemas.openxmlformats.org/drawingml/2006/main" xmlns:r="http://schemas.openxmlformats.org/officeDocument/2006/relationships" xmlns:p="http://schemas.openxmlformats.org/presentationml/2006/main">
-  <p:cSld>
-    <p:spTree>
-      <p:nvGrpSpPr>
-        <p:cNvPr id="1" name=""/>
-        <p:cNvGrpSpPr/>
-        <p:nvPr/>
-      </p:nvGrpSpPr>
-      <p:grpSpPr>
-        <a:xfrm>
-          <a:off x="0" y="0"/>
-          <a:ext cx="0" cy="0"/>
-          <a:chOff x="0" y="0"/>
-          <a:chExt cx="0" cy="0"/>
-        </a:xfrm>
-      </p:grpSpPr>
-      <p:sp>
-        <p:nvSpPr>
-          <p:cNvPr id="2" name="标题 1"/>
-          <p:cNvSpPr>
-            <a:spLocks noGrp="1"/>
-          </p:cNvSpPr>
-          <p:nvPr>
-            <p:ph type="title"/>
-          </p:nvPr>
-        </p:nvSpPr>
-        <p:spPr/>
-        <p:txBody>
-          <a:bodyPr/>
-          <a:lstStyle/>
-          <a:p>
-            <a:r>
-              <a:rPr lang="en-US" altLang="zh-CN" dirty="0" err="1"/>
-              <a:t>.net</a:t>
-            </a:r>
-            <a:r>
-              <a:rPr lang="en-US" altLang="zh-CN" dirty="0"/>
-              <a:t> core</a:t>
-            </a:r>
-            <a:r>
-              <a:rPr lang="zh-CN" altLang="en-US" dirty="0"/>
-              <a:t>的</a:t>
-            </a:r>
-            <a:r>
-              <a:rPr lang="en-US" altLang="zh-CN" dirty="0"/>
-              <a:t>command-line</a:t>
-            </a:r>
-            <a:endParaRPr lang="zh-CN" altLang="en-US" dirty="0"/>
-          </a:p>
-        </p:txBody>
-      </p:sp>
-      <p:sp>
-        <p:nvSpPr>
-          <p:cNvPr id="4" name="Rectangle 1"/>
-          <p:cNvSpPr>
-            <a:spLocks noChangeArrowheads="1"/>
-          </p:cNvSpPr>
-          <p:nvPr/>
-        </p:nvSpPr>
-        <p:spPr bwMode="auto">
-          <a:xfrm>
-            <a:off x="509029" y="1286801"/>
-            <a:ext cx="8125942" cy="5424562"/>
-          </a:xfrm>
-          <a:prstGeom prst="rect">
-            <a:avLst/>
-          </a:prstGeom>
-          <a:solidFill>
-            <a:schemeClr val="tx1"/>
-          </a:solidFill>
-          <a:ln>
-            <a:noFill/>
-          </a:ln>
-          <a:effectLst>
-            <a:outerShdw blurRad="50800" dist="38100" dir="5400000" algn="t" rotWithShape="0">
-              <a:prstClr val="black">
-                <a:alpha val="40000"/>
-              </a:prstClr>
-            </a:outerShdw>
-          </a:effectLst>
-          <a:extLst/>
-        </p:spPr>
-        <p:txBody>
-          <a:bodyPr vert="horz" wrap="none" lIns="91440" tIns="45720" rIns="91440" bIns="45720" numCol="1" anchor="ctr" anchorCtr="0" compatLnSpc="1">
-            <a:prstTxWarp prst="textNoShape">
-              <a:avLst/>
-            </a:prstTxWarp>
-            <a:spAutoFit/>
-          </a:bodyPr>
-          <a:lstStyle/>
-          <a:p>
-            <a:pPr lvl="0" defTabSz="914400" eaLnBrk="0" fontAlgn="base" hangingPunct="0">
-              <a:spcBef>
-                <a:spcPct val="0"/>
-              </a:spcBef>
-              <a:spcAft>
-                <a:spcPct val="0"/>
-              </a:spcAft>
-            </a:pPr>
-            <a:r>
-              <a:rPr lang="en-US" altLang="zh-CN" sz="1050" dirty="0">
-                <a:solidFill>
-                  <a:schemeClr val="bg1"/>
-                </a:solidFill>
-                <a:latin typeface="Anonymous Pro" panose="02060609030202000504" pitchFamily="49" charset="0"/>
-              </a:rPr>
-              <a:t> new              </a:t>
-            </a:r>
-            <a:r>
-              <a:rPr lang="zh-CN" altLang="en-US" sz="1050" dirty="0">
-                <a:solidFill>
-                  <a:schemeClr val="bg1"/>
-                </a:solidFill>
-                <a:latin typeface="Anonymous Pro" panose="02060609030202000504" pitchFamily="49" charset="0"/>
-              </a:rPr>
-              <a:t>初始化 </a:t>
-            </a:r>
-            <a:r>
-              <a:rPr lang="en-US" altLang="zh-CN" sz="1050" dirty="0">
-                <a:solidFill>
-                  <a:schemeClr val="bg1"/>
-                </a:solidFill>
-                <a:latin typeface="Anonymous Pro" panose="02060609030202000504" pitchFamily="49" charset="0"/>
-              </a:rPr>
-              <a:t>.NET </a:t>
-            </a:r>
-            <a:r>
-              <a:rPr lang="zh-CN" altLang="en-US" sz="1050" dirty="0">
-                <a:solidFill>
-                  <a:schemeClr val="bg1"/>
-                </a:solidFill>
-                <a:latin typeface="Anonymous Pro" panose="02060609030202000504" pitchFamily="49" charset="0"/>
-              </a:rPr>
-              <a:t>项目。</a:t>
-            </a:r>
-          </a:p>
-          <a:p>
-            <a:pPr lvl="0" defTabSz="914400" eaLnBrk="0" fontAlgn="base" hangingPunct="0">
-              <a:spcBef>
-                <a:spcPct val="0"/>
-              </a:spcBef>
-              <a:spcAft>
-                <a:spcPct val="0"/>
-              </a:spcAft>
-            </a:pPr>
-            <a:r>
-              <a:rPr lang="zh-CN" altLang="en-US" sz="1050" dirty="0">
-                <a:solidFill>
-                  <a:schemeClr val="bg1"/>
-                </a:solidFill>
-                <a:latin typeface="Anonymous Pro" panose="02060609030202000504" pitchFamily="49" charset="0"/>
-              </a:rPr>
-              <a:t>  </a:t>
-            </a:r>
-            <a:r>
-              <a:rPr lang="en-US" altLang="zh-CN" sz="1050" dirty="0">
-                <a:solidFill>
-                  <a:schemeClr val="bg1"/>
-                </a:solidFill>
-                <a:latin typeface="Anonymous Pro" panose="02060609030202000504" pitchFamily="49" charset="0"/>
-              </a:rPr>
-              <a:t>restore          </a:t>
-            </a:r>
-            <a:r>
-              <a:rPr lang="zh-CN" altLang="en-US" sz="1050" dirty="0">
-                <a:solidFill>
-                  <a:schemeClr val="bg1"/>
-                </a:solidFill>
-                <a:latin typeface="Anonymous Pro" panose="02060609030202000504" pitchFamily="49" charset="0"/>
-              </a:rPr>
-              <a:t>还原 </a:t>
-            </a:r>
-            <a:r>
-              <a:rPr lang="en-US" altLang="zh-CN" sz="1050" dirty="0">
-                <a:solidFill>
-                  <a:schemeClr val="bg1"/>
-                </a:solidFill>
-                <a:latin typeface="Anonymous Pro" panose="02060609030202000504" pitchFamily="49" charset="0"/>
-              </a:rPr>
-              <a:t>.NET </a:t>
-            </a:r>
-            <a:r>
-              <a:rPr lang="zh-CN" altLang="en-US" sz="1050" dirty="0">
-                <a:solidFill>
-                  <a:schemeClr val="bg1"/>
-                </a:solidFill>
-                <a:latin typeface="Anonymous Pro" panose="02060609030202000504" pitchFamily="49" charset="0"/>
-              </a:rPr>
-              <a:t>项目中指定的依赖项。</a:t>
-            </a:r>
-          </a:p>
-          <a:p>
-            <a:pPr lvl="0" defTabSz="914400" eaLnBrk="0" fontAlgn="base" hangingPunct="0">
-              <a:spcBef>
-                <a:spcPct val="0"/>
-              </a:spcBef>
-              <a:spcAft>
-                <a:spcPct val="0"/>
-              </a:spcAft>
-            </a:pPr>
-            <a:r>
-              <a:rPr lang="zh-CN" altLang="en-US" sz="1050" dirty="0">
-                <a:solidFill>
-                  <a:schemeClr val="bg1"/>
-                </a:solidFill>
-                <a:latin typeface="Anonymous Pro" panose="02060609030202000504" pitchFamily="49" charset="0"/>
-              </a:rPr>
-              <a:t>  </a:t>
-            </a:r>
-            <a:r>
-              <a:rPr lang="en-US" altLang="zh-CN" sz="1050" dirty="0">
-                <a:solidFill>
-                  <a:schemeClr val="bg1"/>
-                </a:solidFill>
-                <a:latin typeface="Anonymous Pro" panose="02060609030202000504" pitchFamily="49" charset="0"/>
-              </a:rPr>
-              <a:t>run              </a:t>
-            </a:r>
-            <a:r>
-              <a:rPr lang="zh-CN" altLang="en-US" sz="1050" dirty="0">
-                <a:solidFill>
-                  <a:schemeClr val="bg1"/>
-                </a:solidFill>
-                <a:latin typeface="Anonymous Pro" panose="02060609030202000504" pitchFamily="49" charset="0"/>
-              </a:rPr>
-              <a:t>编译并立即执行 </a:t>
-            </a:r>
-            <a:r>
-              <a:rPr lang="en-US" altLang="zh-CN" sz="1050" dirty="0">
-                <a:solidFill>
-                  <a:schemeClr val="bg1"/>
-                </a:solidFill>
-                <a:latin typeface="Anonymous Pro" panose="02060609030202000504" pitchFamily="49" charset="0"/>
-              </a:rPr>
-              <a:t>.NET </a:t>
-            </a:r>
-            <a:r>
-              <a:rPr lang="zh-CN" altLang="en-US" sz="1050" dirty="0">
-                <a:solidFill>
-                  <a:schemeClr val="bg1"/>
-                </a:solidFill>
-                <a:latin typeface="Anonymous Pro" panose="02060609030202000504" pitchFamily="49" charset="0"/>
-              </a:rPr>
-              <a:t>项目。</a:t>
-            </a:r>
-          </a:p>
-          <a:p>
-            <a:pPr lvl="0" defTabSz="914400" eaLnBrk="0" fontAlgn="base" hangingPunct="0">
-              <a:spcBef>
-                <a:spcPct val="0"/>
-              </a:spcBef>
-              <a:spcAft>
-                <a:spcPct val="0"/>
-              </a:spcAft>
-            </a:pPr>
-            <a:r>
-              <a:rPr lang="zh-CN" altLang="en-US" sz="1050" dirty="0">
-                <a:solidFill>
-                  <a:schemeClr val="bg1"/>
-                </a:solidFill>
-                <a:latin typeface="Anonymous Pro" panose="02060609030202000504" pitchFamily="49" charset="0"/>
-              </a:rPr>
-              <a:t>  </a:t>
-            </a:r>
-            <a:r>
-              <a:rPr lang="en-US" altLang="zh-CN" sz="1050" dirty="0">
-                <a:solidFill>
-                  <a:schemeClr val="bg1"/>
-                </a:solidFill>
-                <a:latin typeface="Anonymous Pro" panose="02060609030202000504" pitchFamily="49" charset="0"/>
-              </a:rPr>
-              <a:t>build            </a:t>
-            </a:r>
-            <a:r>
-              <a:rPr lang="zh-CN" altLang="en-US" sz="1050" dirty="0">
-                <a:solidFill>
-                  <a:schemeClr val="bg1"/>
-                </a:solidFill>
-                <a:latin typeface="Anonymous Pro" panose="02060609030202000504" pitchFamily="49" charset="0"/>
-              </a:rPr>
-              <a:t>生成 </a:t>
-            </a:r>
-            <a:r>
-              <a:rPr lang="en-US" altLang="zh-CN" sz="1050" dirty="0">
-                <a:solidFill>
-                  <a:schemeClr val="bg1"/>
-                </a:solidFill>
-                <a:latin typeface="Anonymous Pro" panose="02060609030202000504" pitchFamily="49" charset="0"/>
-              </a:rPr>
-              <a:t>.NET </a:t>
-            </a:r>
-            <a:r>
-              <a:rPr lang="zh-CN" altLang="en-US" sz="1050" dirty="0">
-                <a:solidFill>
-                  <a:schemeClr val="bg1"/>
-                </a:solidFill>
-                <a:latin typeface="Anonymous Pro" panose="02060609030202000504" pitchFamily="49" charset="0"/>
-              </a:rPr>
-              <a:t>项目。</a:t>
-            </a:r>
-          </a:p>
-          <a:p>
-            <a:pPr lvl="0" defTabSz="914400" eaLnBrk="0" fontAlgn="base" hangingPunct="0">
-              <a:spcBef>
-                <a:spcPct val="0"/>
-              </a:spcBef>
-              <a:spcAft>
-                <a:spcPct val="0"/>
-              </a:spcAft>
-            </a:pPr>
-            <a:r>
-              <a:rPr lang="zh-CN" altLang="en-US" sz="1050" dirty="0">
-                <a:solidFill>
-                  <a:schemeClr val="bg1"/>
-                </a:solidFill>
-                <a:latin typeface="Anonymous Pro" panose="02060609030202000504" pitchFamily="49" charset="0"/>
-              </a:rPr>
-              <a:t>  </a:t>
-            </a:r>
-            <a:r>
-              <a:rPr lang="en-US" altLang="zh-CN" sz="1050" dirty="0">
-                <a:solidFill>
-                  <a:schemeClr val="bg1"/>
-                </a:solidFill>
-                <a:latin typeface="Anonymous Pro" panose="02060609030202000504" pitchFamily="49" charset="0"/>
-              </a:rPr>
-              <a:t>publish          </a:t>
-            </a:r>
-            <a:r>
-              <a:rPr lang="zh-CN" altLang="en-US" sz="1050" dirty="0">
-                <a:solidFill>
-                  <a:schemeClr val="bg1"/>
-                </a:solidFill>
-                <a:latin typeface="Anonymous Pro" panose="02060609030202000504" pitchFamily="49" charset="0"/>
-              </a:rPr>
-              <a:t>发布 </a:t>
-            </a:r>
-            <a:r>
-              <a:rPr lang="en-US" altLang="zh-CN" sz="1050" dirty="0">
-                <a:solidFill>
-                  <a:schemeClr val="bg1"/>
-                </a:solidFill>
-                <a:latin typeface="Anonymous Pro" panose="02060609030202000504" pitchFamily="49" charset="0"/>
-              </a:rPr>
-              <a:t>.NET </a:t>
-            </a:r>
-            <a:r>
-              <a:rPr lang="zh-CN" altLang="en-US" sz="1050" dirty="0">
-                <a:solidFill>
-                  <a:schemeClr val="bg1"/>
-                </a:solidFill>
-                <a:latin typeface="Anonymous Pro" panose="02060609030202000504" pitchFamily="49" charset="0"/>
-              </a:rPr>
-              <a:t>项目以进行部署</a:t>
-            </a:r>
-            <a:r>
-              <a:rPr lang="en-US" altLang="zh-CN" sz="1050" dirty="0">
-                <a:solidFill>
-                  <a:schemeClr val="bg1"/>
-                </a:solidFill>
-                <a:latin typeface="Anonymous Pro" panose="02060609030202000504" pitchFamily="49" charset="0"/>
-              </a:rPr>
-              <a:t>(</a:t>
-            </a:r>
-            <a:r>
-              <a:rPr lang="zh-CN" altLang="en-US" sz="1050" dirty="0">
-                <a:solidFill>
-                  <a:schemeClr val="bg1"/>
-                </a:solidFill>
-                <a:latin typeface="Anonymous Pro" panose="02060609030202000504" pitchFamily="49" charset="0"/>
-              </a:rPr>
-              <a:t>包括运行时</a:t>
-            </a:r>
-            <a:r>
-              <a:rPr lang="en-US" altLang="zh-CN" sz="1050" dirty="0">
-                <a:solidFill>
-                  <a:schemeClr val="bg1"/>
-                </a:solidFill>
-                <a:latin typeface="Anonymous Pro" panose="02060609030202000504" pitchFamily="49" charset="0"/>
-              </a:rPr>
-              <a:t>)</a:t>
-            </a:r>
-            <a:r>
-              <a:rPr lang="zh-CN" altLang="en-US" sz="1050" dirty="0">
-                <a:solidFill>
-                  <a:schemeClr val="bg1"/>
-                </a:solidFill>
-                <a:latin typeface="Anonymous Pro" panose="02060609030202000504" pitchFamily="49" charset="0"/>
-              </a:rPr>
-              <a:t>。</a:t>
-            </a:r>
-          </a:p>
-          <a:p>
-            <a:pPr lvl="0" defTabSz="914400" eaLnBrk="0" fontAlgn="base" hangingPunct="0">
-              <a:spcBef>
-                <a:spcPct val="0"/>
-              </a:spcBef>
-              <a:spcAft>
-                <a:spcPct val="0"/>
-              </a:spcAft>
-            </a:pPr>
-            <a:r>
-              <a:rPr lang="zh-CN" altLang="en-US" sz="1050" dirty="0">
-                <a:solidFill>
-                  <a:schemeClr val="bg1"/>
-                </a:solidFill>
-                <a:latin typeface="Anonymous Pro" panose="02060609030202000504" pitchFamily="49" charset="0"/>
-              </a:rPr>
-              <a:t>  </a:t>
-            </a:r>
-            <a:r>
-              <a:rPr lang="en-US" altLang="zh-CN" sz="1050" dirty="0">
-                <a:solidFill>
-                  <a:schemeClr val="bg1"/>
-                </a:solidFill>
-                <a:latin typeface="Anonymous Pro" panose="02060609030202000504" pitchFamily="49" charset="0"/>
-              </a:rPr>
-              <a:t>test             </a:t>
-            </a:r>
-            <a:r>
-              <a:rPr lang="zh-CN" altLang="en-US" sz="1050" dirty="0">
-                <a:solidFill>
-                  <a:schemeClr val="bg1"/>
-                </a:solidFill>
-                <a:latin typeface="Anonymous Pro" panose="02060609030202000504" pitchFamily="49" charset="0"/>
-              </a:rPr>
-              <a:t>使用项目中指定的测试运行程序运行单元测试。</a:t>
-            </a:r>
-          </a:p>
-          <a:p>
-            <a:pPr lvl="0" defTabSz="914400" eaLnBrk="0" fontAlgn="base" hangingPunct="0">
-              <a:spcBef>
-                <a:spcPct val="0"/>
-              </a:spcBef>
-              <a:spcAft>
-                <a:spcPct val="0"/>
-              </a:spcAft>
-            </a:pPr>
-            <a:r>
-              <a:rPr lang="zh-CN" altLang="en-US" sz="1050" dirty="0">
-                <a:solidFill>
-                  <a:schemeClr val="bg1"/>
-                </a:solidFill>
-                <a:latin typeface="Anonymous Pro" panose="02060609030202000504" pitchFamily="49" charset="0"/>
-              </a:rPr>
-              <a:t>  </a:t>
-            </a:r>
-            <a:r>
-              <a:rPr lang="en-US" altLang="zh-CN" sz="1050" dirty="0">
-                <a:solidFill>
-                  <a:schemeClr val="bg1"/>
-                </a:solidFill>
-                <a:latin typeface="Anonymous Pro" panose="02060609030202000504" pitchFamily="49" charset="0"/>
-              </a:rPr>
-              <a:t>pack             </a:t>
-            </a:r>
-            <a:r>
-              <a:rPr lang="zh-CN" altLang="en-US" sz="1050" dirty="0">
-                <a:solidFill>
-                  <a:schemeClr val="bg1"/>
-                </a:solidFill>
-                <a:latin typeface="Anonymous Pro" panose="02060609030202000504" pitchFamily="49" charset="0"/>
-              </a:rPr>
-              <a:t>创建 </a:t>
-            </a:r>
-            <a:r>
-              <a:rPr lang="en-US" altLang="zh-CN" sz="1050" dirty="0">
-                <a:solidFill>
-                  <a:schemeClr val="bg1"/>
-                </a:solidFill>
-                <a:latin typeface="Anonymous Pro" panose="02060609030202000504" pitchFamily="49" charset="0"/>
-              </a:rPr>
-              <a:t>NuGet </a:t>
-            </a:r>
-            <a:r>
-              <a:rPr lang="zh-CN" altLang="en-US" sz="1050" dirty="0">
-                <a:solidFill>
-                  <a:schemeClr val="bg1"/>
-                </a:solidFill>
-                <a:latin typeface="Anonymous Pro" panose="02060609030202000504" pitchFamily="49" charset="0"/>
-              </a:rPr>
-              <a:t>包。</a:t>
-            </a:r>
-          </a:p>
-          <a:p>
-            <a:pPr lvl="0" defTabSz="914400" eaLnBrk="0" fontAlgn="base" hangingPunct="0">
-              <a:spcBef>
-                <a:spcPct val="0"/>
-              </a:spcBef>
-              <a:spcAft>
-                <a:spcPct val="0"/>
-              </a:spcAft>
-            </a:pPr>
-            <a:r>
-              <a:rPr lang="zh-CN" altLang="en-US" sz="1050" dirty="0">
-                <a:solidFill>
-                  <a:schemeClr val="bg1"/>
-                </a:solidFill>
-                <a:latin typeface="Anonymous Pro" panose="02060609030202000504" pitchFamily="49" charset="0"/>
-              </a:rPr>
-              <a:t>  </a:t>
-            </a:r>
-            <a:r>
-              <a:rPr lang="en-US" altLang="zh-CN" sz="1050" dirty="0">
-                <a:solidFill>
-                  <a:schemeClr val="bg1"/>
-                </a:solidFill>
-                <a:latin typeface="Anonymous Pro" panose="02060609030202000504" pitchFamily="49" charset="0"/>
-              </a:rPr>
-              <a:t>migrate          </a:t>
-            </a:r>
-            <a:r>
-              <a:rPr lang="zh-CN" altLang="en-US" sz="1050" dirty="0">
-                <a:solidFill>
-                  <a:schemeClr val="bg1"/>
-                </a:solidFill>
-                <a:latin typeface="Anonymous Pro" panose="02060609030202000504" pitchFamily="49" charset="0"/>
-              </a:rPr>
-              <a:t>将基于 </a:t>
-            </a:r>
-            <a:r>
-              <a:rPr lang="en-US" altLang="zh-CN" sz="1050" dirty="0" err="1">
-                <a:solidFill>
-                  <a:schemeClr val="bg1"/>
-                </a:solidFill>
-                <a:latin typeface="Anonymous Pro" panose="02060609030202000504" pitchFamily="49" charset="0"/>
-              </a:rPr>
-              <a:t>project.json</a:t>
-            </a:r>
-            <a:r>
-              <a:rPr lang="en-US" altLang="zh-CN" sz="1050" dirty="0">
-                <a:solidFill>
-                  <a:schemeClr val="bg1"/>
-                </a:solidFill>
-                <a:latin typeface="Anonymous Pro" panose="02060609030202000504" pitchFamily="49" charset="0"/>
-              </a:rPr>
-              <a:t> </a:t>
-            </a:r>
-            <a:r>
-              <a:rPr lang="zh-CN" altLang="en-US" sz="1050" dirty="0">
-                <a:solidFill>
-                  <a:schemeClr val="bg1"/>
-                </a:solidFill>
-                <a:latin typeface="Anonymous Pro" panose="02060609030202000504" pitchFamily="49" charset="0"/>
-              </a:rPr>
-              <a:t>的项目迁移到基于 </a:t>
-            </a:r>
-            <a:r>
-              <a:rPr lang="en-US" altLang="zh-CN" sz="1050" dirty="0" err="1">
-                <a:solidFill>
-                  <a:schemeClr val="bg1"/>
-                </a:solidFill>
-                <a:latin typeface="Anonymous Pro" panose="02060609030202000504" pitchFamily="49" charset="0"/>
-              </a:rPr>
-              <a:t>MSBuild</a:t>
-            </a:r>
-            <a:r>
-              <a:rPr lang="en-US" altLang="zh-CN" sz="1050" dirty="0">
-                <a:solidFill>
-                  <a:schemeClr val="bg1"/>
-                </a:solidFill>
-                <a:latin typeface="Anonymous Pro" panose="02060609030202000504" pitchFamily="49" charset="0"/>
-              </a:rPr>
-              <a:t> </a:t>
-            </a:r>
-            <a:r>
-              <a:rPr lang="zh-CN" altLang="en-US" sz="1050" dirty="0">
-                <a:solidFill>
-                  <a:schemeClr val="bg1"/>
-                </a:solidFill>
-                <a:latin typeface="Anonymous Pro" panose="02060609030202000504" pitchFamily="49" charset="0"/>
-              </a:rPr>
-              <a:t>的项目。</a:t>
-            </a:r>
-          </a:p>
-          <a:p>
-            <a:pPr lvl="0" defTabSz="914400" eaLnBrk="0" fontAlgn="base" hangingPunct="0">
-              <a:spcBef>
-                <a:spcPct val="0"/>
-              </a:spcBef>
-              <a:spcAft>
-                <a:spcPct val="0"/>
-              </a:spcAft>
-            </a:pPr>
-            <a:r>
-              <a:rPr lang="zh-CN" altLang="en-US" sz="1050" dirty="0">
-                <a:solidFill>
-                  <a:schemeClr val="bg1"/>
-                </a:solidFill>
-                <a:latin typeface="Anonymous Pro" panose="02060609030202000504" pitchFamily="49" charset="0"/>
-              </a:rPr>
-              <a:t>  </a:t>
-            </a:r>
-            <a:r>
-              <a:rPr lang="en-US" altLang="zh-CN" sz="1050" dirty="0">
-                <a:solidFill>
-                  <a:schemeClr val="bg1"/>
-                </a:solidFill>
-                <a:latin typeface="Anonymous Pro" panose="02060609030202000504" pitchFamily="49" charset="0"/>
-              </a:rPr>
-              <a:t>clean            </a:t>
-            </a:r>
-            <a:r>
-              <a:rPr lang="zh-CN" altLang="en-US" sz="1050" dirty="0">
-                <a:solidFill>
-                  <a:schemeClr val="bg1"/>
-                </a:solidFill>
-                <a:latin typeface="Anonymous Pro" panose="02060609030202000504" pitchFamily="49" charset="0"/>
-              </a:rPr>
-              <a:t>清除生成输出。</a:t>
-            </a:r>
-          </a:p>
-          <a:p>
-            <a:pPr lvl="0" defTabSz="914400" eaLnBrk="0" fontAlgn="base" hangingPunct="0">
-              <a:spcBef>
-                <a:spcPct val="0"/>
-              </a:spcBef>
-              <a:spcAft>
-                <a:spcPct val="0"/>
-              </a:spcAft>
-            </a:pPr>
-            <a:r>
-              <a:rPr lang="zh-CN" altLang="en-US" sz="1050" dirty="0">
-                <a:solidFill>
-                  <a:schemeClr val="bg1"/>
-                </a:solidFill>
-                <a:latin typeface="Anonymous Pro" panose="02060609030202000504" pitchFamily="49" charset="0"/>
-              </a:rPr>
-              <a:t>  </a:t>
-            </a:r>
-            <a:r>
-              <a:rPr lang="en-US" altLang="zh-CN" sz="1050" dirty="0" err="1">
-                <a:solidFill>
-                  <a:schemeClr val="bg1"/>
-                </a:solidFill>
-                <a:latin typeface="Anonymous Pro" panose="02060609030202000504" pitchFamily="49" charset="0"/>
-              </a:rPr>
-              <a:t>sln</a:t>
-            </a:r>
-            <a:r>
-              <a:rPr lang="en-US" altLang="zh-CN" sz="1050" dirty="0">
-                <a:solidFill>
-                  <a:schemeClr val="bg1"/>
-                </a:solidFill>
-                <a:latin typeface="Anonymous Pro" panose="02060609030202000504" pitchFamily="49" charset="0"/>
-              </a:rPr>
-              <a:t>              </a:t>
-            </a:r>
-            <a:r>
-              <a:rPr lang="zh-CN" altLang="en-US" sz="1050" dirty="0">
-                <a:solidFill>
-                  <a:schemeClr val="bg1"/>
-                </a:solidFill>
-                <a:latin typeface="Anonymous Pro" panose="02060609030202000504" pitchFamily="49" charset="0"/>
-              </a:rPr>
-              <a:t>修改解决方案</a:t>
-            </a:r>
-            <a:r>
-              <a:rPr lang="en-US" altLang="zh-CN" sz="1050" dirty="0">
-                <a:solidFill>
-                  <a:schemeClr val="bg1"/>
-                </a:solidFill>
-                <a:latin typeface="Anonymous Pro" panose="02060609030202000504" pitchFamily="49" charset="0"/>
-              </a:rPr>
-              <a:t>(SLN)</a:t>
-            </a:r>
-            <a:r>
-              <a:rPr lang="zh-CN" altLang="en-US" sz="1050" dirty="0">
-                <a:solidFill>
-                  <a:schemeClr val="bg1"/>
-                </a:solidFill>
-                <a:latin typeface="Anonymous Pro" panose="02060609030202000504" pitchFamily="49" charset="0"/>
-              </a:rPr>
-              <a:t>文件。</a:t>
-            </a:r>
-          </a:p>
-          <a:p>
-            <a:pPr lvl="0" defTabSz="914400" eaLnBrk="0" fontAlgn="base" hangingPunct="0">
-              <a:spcBef>
-                <a:spcPct val="0"/>
-              </a:spcBef>
-              <a:spcAft>
-                <a:spcPct val="0"/>
-              </a:spcAft>
-            </a:pPr>
-            <a:r>
-              <a:rPr lang="zh-CN" altLang="en-US" sz="1050" dirty="0">
-                <a:solidFill>
-                  <a:schemeClr val="bg1"/>
-                </a:solidFill>
-                <a:latin typeface="Anonymous Pro" panose="02060609030202000504" pitchFamily="49" charset="0"/>
-              </a:rPr>
-              <a:t>  </a:t>
-            </a:r>
-            <a:r>
-              <a:rPr lang="en-US" altLang="zh-CN" sz="1050" dirty="0">
-                <a:solidFill>
-                  <a:schemeClr val="bg1"/>
-                </a:solidFill>
-                <a:latin typeface="Anonymous Pro" panose="02060609030202000504" pitchFamily="49" charset="0"/>
-              </a:rPr>
-              <a:t>add              </a:t>
-            </a:r>
-            <a:r>
-              <a:rPr lang="zh-CN" altLang="en-US" sz="1050" dirty="0">
-                <a:solidFill>
-                  <a:schemeClr val="bg1"/>
-                </a:solidFill>
-                <a:latin typeface="Anonymous Pro" panose="02060609030202000504" pitchFamily="49" charset="0"/>
-              </a:rPr>
-              <a:t>将引用添加到项目中。</a:t>
-            </a:r>
-          </a:p>
-          <a:p>
-            <a:pPr lvl="0" defTabSz="914400" eaLnBrk="0" fontAlgn="base" hangingPunct="0">
-              <a:spcBef>
-                <a:spcPct val="0"/>
-              </a:spcBef>
-              <a:spcAft>
-                <a:spcPct val="0"/>
-              </a:spcAft>
-            </a:pPr>
-            <a:r>
-              <a:rPr lang="zh-CN" altLang="en-US" sz="1050" dirty="0">
-                <a:solidFill>
-                  <a:schemeClr val="bg1"/>
-                </a:solidFill>
-                <a:latin typeface="Anonymous Pro" panose="02060609030202000504" pitchFamily="49" charset="0"/>
-              </a:rPr>
-              <a:t>  </a:t>
-            </a:r>
-            <a:r>
-              <a:rPr lang="en-US" altLang="zh-CN" sz="1050" dirty="0">
-                <a:solidFill>
-                  <a:schemeClr val="bg1"/>
-                </a:solidFill>
-                <a:latin typeface="Anonymous Pro" panose="02060609030202000504" pitchFamily="49" charset="0"/>
-              </a:rPr>
-              <a:t>remove           </a:t>
-            </a:r>
-            <a:r>
-              <a:rPr lang="zh-CN" altLang="en-US" sz="1050" dirty="0">
-                <a:solidFill>
-                  <a:schemeClr val="bg1"/>
-                </a:solidFill>
-                <a:latin typeface="Anonymous Pro" panose="02060609030202000504" pitchFamily="49" charset="0"/>
-              </a:rPr>
-              <a:t>从项目中删除引用。</a:t>
-            </a:r>
-          </a:p>
-          <a:p>
-            <a:pPr lvl="0" defTabSz="914400" eaLnBrk="0" fontAlgn="base" hangingPunct="0">
-              <a:spcBef>
-                <a:spcPct val="0"/>
-              </a:spcBef>
-              <a:spcAft>
-                <a:spcPct val="0"/>
-              </a:spcAft>
-            </a:pPr>
-            <a:r>
-              <a:rPr lang="zh-CN" altLang="en-US" sz="1050" dirty="0">
-                <a:solidFill>
-                  <a:schemeClr val="bg1"/>
-                </a:solidFill>
-                <a:latin typeface="Anonymous Pro" panose="02060609030202000504" pitchFamily="49" charset="0"/>
-              </a:rPr>
-              <a:t>  </a:t>
-            </a:r>
-            <a:r>
-              <a:rPr lang="en-US" altLang="zh-CN" sz="1050" dirty="0">
-                <a:solidFill>
-                  <a:schemeClr val="bg1"/>
-                </a:solidFill>
-                <a:latin typeface="Anonymous Pro" panose="02060609030202000504" pitchFamily="49" charset="0"/>
-              </a:rPr>
-              <a:t>list             </a:t>
-            </a:r>
-            <a:r>
-              <a:rPr lang="zh-CN" altLang="en-US" sz="1050" dirty="0">
-                <a:solidFill>
-                  <a:schemeClr val="bg1"/>
-                </a:solidFill>
-                <a:latin typeface="Anonymous Pro" panose="02060609030202000504" pitchFamily="49" charset="0"/>
-              </a:rPr>
-              <a:t>列出项目中的引用。</a:t>
-            </a:r>
-          </a:p>
-          <a:p>
-            <a:pPr lvl="0" defTabSz="914400" eaLnBrk="0" fontAlgn="base" hangingPunct="0">
-              <a:spcBef>
-                <a:spcPct val="0"/>
-              </a:spcBef>
-              <a:spcAft>
-                <a:spcPct val="0"/>
-              </a:spcAft>
-            </a:pPr>
-            <a:r>
-              <a:rPr lang="zh-CN" altLang="en-US" sz="1050" dirty="0">
-                <a:solidFill>
-                  <a:schemeClr val="bg1"/>
-                </a:solidFill>
-                <a:latin typeface="Anonymous Pro" panose="02060609030202000504" pitchFamily="49" charset="0"/>
-              </a:rPr>
-              <a:t>  </a:t>
-            </a:r>
-            <a:r>
-              <a:rPr lang="en-US" altLang="zh-CN" sz="1050" dirty="0" err="1">
-                <a:solidFill>
-                  <a:schemeClr val="bg1"/>
-                </a:solidFill>
-                <a:latin typeface="Anonymous Pro" panose="02060609030202000504" pitchFamily="49" charset="0"/>
-              </a:rPr>
-              <a:t>nuget</a:t>
-            </a:r>
-            <a:r>
-              <a:rPr lang="en-US" altLang="zh-CN" sz="1050" dirty="0">
-                <a:solidFill>
-                  <a:schemeClr val="bg1"/>
-                </a:solidFill>
-                <a:latin typeface="Anonymous Pro" panose="02060609030202000504" pitchFamily="49" charset="0"/>
-              </a:rPr>
-              <a:t>            </a:t>
-            </a:r>
-            <a:r>
-              <a:rPr lang="zh-CN" altLang="en-US" sz="1050" dirty="0">
-                <a:solidFill>
-                  <a:schemeClr val="bg1"/>
-                </a:solidFill>
-                <a:latin typeface="Anonymous Pro" panose="02060609030202000504" pitchFamily="49" charset="0"/>
-              </a:rPr>
-              <a:t>提供其他 </a:t>
-            </a:r>
-            <a:r>
-              <a:rPr lang="en-US" altLang="zh-CN" sz="1050" dirty="0">
-                <a:solidFill>
-                  <a:schemeClr val="bg1"/>
-                </a:solidFill>
-                <a:latin typeface="Anonymous Pro" panose="02060609030202000504" pitchFamily="49" charset="0"/>
-              </a:rPr>
-              <a:t>NuGet </a:t>
-            </a:r>
-            <a:r>
-              <a:rPr lang="zh-CN" altLang="en-US" sz="1050" dirty="0">
-                <a:solidFill>
-                  <a:schemeClr val="bg1"/>
-                </a:solidFill>
-                <a:latin typeface="Anonymous Pro" panose="02060609030202000504" pitchFamily="49" charset="0"/>
-              </a:rPr>
-              <a:t>命令。</a:t>
-            </a:r>
-          </a:p>
-          <a:p>
-            <a:pPr lvl="0" defTabSz="914400" eaLnBrk="0" fontAlgn="base" hangingPunct="0">
-              <a:spcBef>
-                <a:spcPct val="0"/>
-              </a:spcBef>
-              <a:spcAft>
-                <a:spcPct val="0"/>
-              </a:spcAft>
-            </a:pPr>
-            <a:r>
-              <a:rPr lang="zh-CN" altLang="en-US" sz="1050" dirty="0">
-                <a:solidFill>
-                  <a:schemeClr val="bg1"/>
-                </a:solidFill>
-                <a:latin typeface="Anonymous Pro" panose="02060609030202000504" pitchFamily="49" charset="0"/>
-              </a:rPr>
-              <a:t>  </a:t>
-            </a:r>
-            <a:r>
-              <a:rPr lang="en-US" altLang="zh-CN" sz="1050" dirty="0" err="1">
-                <a:solidFill>
-                  <a:schemeClr val="bg1"/>
-                </a:solidFill>
-                <a:latin typeface="Anonymous Pro" panose="02060609030202000504" pitchFamily="49" charset="0"/>
-              </a:rPr>
-              <a:t>msbuild</a:t>
-            </a:r>
-            <a:r>
-              <a:rPr lang="en-US" altLang="zh-CN" sz="1050" dirty="0">
-                <a:solidFill>
-                  <a:schemeClr val="bg1"/>
-                </a:solidFill>
-                <a:latin typeface="Anonymous Pro" panose="02060609030202000504" pitchFamily="49" charset="0"/>
-              </a:rPr>
-              <a:t>          </a:t>
-            </a:r>
-            <a:r>
-              <a:rPr lang="zh-CN" altLang="en-US" sz="1050" dirty="0">
-                <a:solidFill>
-                  <a:schemeClr val="bg1"/>
-                </a:solidFill>
-                <a:latin typeface="Anonymous Pro" panose="02060609030202000504" pitchFamily="49" charset="0"/>
-              </a:rPr>
-              <a:t>运行 </a:t>
-            </a:r>
-            <a:r>
-              <a:rPr lang="en-US" altLang="zh-CN" sz="1050" dirty="0">
-                <a:solidFill>
-                  <a:schemeClr val="bg1"/>
-                </a:solidFill>
-                <a:latin typeface="Anonymous Pro" panose="02060609030202000504" pitchFamily="49" charset="0"/>
-              </a:rPr>
-              <a:t>Microsoft </a:t>
-            </a:r>
-            <a:r>
-              <a:rPr lang="zh-CN" altLang="en-US" sz="1050" dirty="0">
-                <a:solidFill>
-                  <a:schemeClr val="bg1"/>
-                </a:solidFill>
-                <a:latin typeface="Anonymous Pro" panose="02060609030202000504" pitchFamily="49" charset="0"/>
-              </a:rPr>
-              <a:t>生成引擎 </a:t>
-            </a:r>
-            <a:r>
-              <a:rPr lang="en-US" altLang="zh-CN" sz="1050" dirty="0">
-                <a:solidFill>
-                  <a:schemeClr val="bg1"/>
-                </a:solidFill>
-                <a:latin typeface="Anonymous Pro" panose="02060609030202000504" pitchFamily="49" charset="0"/>
-              </a:rPr>
-              <a:t>(</a:t>
-            </a:r>
-            <a:r>
-              <a:rPr lang="en-US" altLang="zh-CN" sz="1050" dirty="0" err="1">
-                <a:solidFill>
-                  <a:schemeClr val="bg1"/>
-                </a:solidFill>
-                <a:latin typeface="Anonymous Pro" panose="02060609030202000504" pitchFamily="49" charset="0"/>
-              </a:rPr>
-              <a:t>MSBuild</a:t>
-            </a:r>
-            <a:r>
-              <a:rPr lang="en-US" altLang="zh-CN" sz="1050" dirty="0">
-                <a:solidFill>
-                  <a:schemeClr val="bg1"/>
-                </a:solidFill>
-                <a:latin typeface="Anonymous Pro" panose="02060609030202000504" pitchFamily="49" charset="0"/>
-              </a:rPr>
-              <a:t>)</a:t>
-            </a:r>
-            <a:r>
-              <a:rPr lang="zh-CN" altLang="en-US" sz="1050" dirty="0">
-                <a:solidFill>
-                  <a:schemeClr val="bg1"/>
-                </a:solidFill>
-                <a:latin typeface="Anonymous Pro" panose="02060609030202000504" pitchFamily="49" charset="0"/>
-              </a:rPr>
-              <a:t>。</a:t>
-            </a:r>
-          </a:p>
-          <a:p>
-            <a:pPr lvl="0" defTabSz="914400" eaLnBrk="0" fontAlgn="base" hangingPunct="0">
-              <a:spcBef>
-                <a:spcPct val="0"/>
-              </a:spcBef>
-              <a:spcAft>
-                <a:spcPct val="0"/>
-              </a:spcAft>
-            </a:pPr>
-            <a:r>
-              <a:rPr lang="zh-CN" altLang="en-US" sz="1050" dirty="0">
-                <a:solidFill>
-                  <a:schemeClr val="bg1"/>
-                </a:solidFill>
-                <a:latin typeface="Anonymous Pro" panose="02060609030202000504" pitchFamily="49" charset="0"/>
-              </a:rPr>
-              <a:t>  </a:t>
-            </a:r>
-            <a:r>
-              <a:rPr lang="en-US" altLang="zh-CN" sz="1050" dirty="0" err="1">
-                <a:solidFill>
-                  <a:schemeClr val="bg1"/>
-                </a:solidFill>
-                <a:latin typeface="Anonymous Pro" panose="02060609030202000504" pitchFamily="49" charset="0"/>
-              </a:rPr>
-              <a:t>vstest</a:t>
-            </a:r>
-            <a:r>
-              <a:rPr lang="en-US" altLang="zh-CN" sz="1050" dirty="0">
-                <a:solidFill>
-                  <a:schemeClr val="bg1"/>
-                </a:solidFill>
-                <a:latin typeface="Anonymous Pro" panose="02060609030202000504" pitchFamily="49" charset="0"/>
-              </a:rPr>
-              <a:t>           </a:t>
-            </a:r>
-            <a:r>
-              <a:rPr lang="zh-CN" altLang="en-US" sz="1050" dirty="0">
-                <a:solidFill>
-                  <a:schemeClr val="bg1"/>
-                </a:solidFill>
-                <a:latin typeface="Anonymous Pro" panose="02060609030202000504" pitchFamily="49" charset="0"/>
-              </a:rPr>
-              <a:t>运行 </a:t>
-            </a:r>
-            <a:r>
-              <a:rPr lang="en-US" altLang="zh-CN" sz="1050" dirty="0">
-                <a:solidFill>
-                  <a:schemeClr val="bg1"/>
-                </a:solidFill>
-                <a:latin typeface="Anonymous Pro" panose="02060609030202000504" pitchFamily="49" charset="0"/>
-              </a:rPr>
-              <a:t>Microsoft </a:t>
-            </a:r>
-            <a:r>
-              <a:rPr lang="zh-CN" altLang="en-US" sz="1050" dirty="0">
-                <a:solidFill>
-                  <a:schemeClr val="bg1"/>
-                </a:solidFill>
-                <a:latin typeface="Anonymous Pro" panose="02060609030202000504" pitchFamily="49" charset="0"/>
-              </a:rPr>
-              <a:t>测试执行命令行工具。</a:t>
-            </a:r>
-          </a:p>
-          <a:p>
-            <a:pPr lvl="0" defTabSz="914400" eaLnBrk="0" fontAlgn="base" hangingPunct="0">
-              <a:spcBef>
-                <a:spcPct val="0"/>
-              </a:spcBef>
-              <a:spcAft>
-                <a:spcPct val="0"/>
-              </a:spcAft>
-            </a:pPr>
-            <a:endParaRPr lang="zh-CN" altLang="en-US" sz="1050" dirty="0">
-              <a:solidFill>
-                <a:schemeClr val="bg1"/>
-              </a:solidFill>
-              <a:latin typeface="Anonymous Pro" panose="02060609030202000504" pitchFamily="49" charset="0"/>
-            </a:endParaRPr>
-          </a:p>
-          <a:p>
-            <a:pPr lvl="0" defTabSz="914400" eaLnBrk="0" fontAlgn="base" hangingPunct="0">
-              <a:spcBef>
-                <a:spcPct val="0"/>
-              </a:spcBef>
-              <a:spcAft>
-                <a:spcPct val="0"/>
-              </a:spcAft>
-            </a:pPr>
-            <a:r>
-              <a:rPr lang="zh-CN" altLang="en-US" sz="1050" dirty="0">
-                <a:solidFill>
-                  <a:schemeClr val="bg1"/>
-                </a:solidFill>
-                <a:latin typeface="Anonymous Pro" panose="02060609030202000504" pitchFamily="49" charset="0"/>
-              </a:rPr>
-              <a:t>常用选项</a:t>
-            </a:r>
-            <a:r>
-              <a:rPr lang="en-US" altLang="zh-CN" sz="1050" dirty="0">
-                <a:solidFill>
-                  <a:schemeClr val="bg1"/>
-                </a:solidFill>
-                <a:latin typeface="Anonymous Pro" panose="02060609030202000504" pitchFamily="49" charset="0"/>
-              </a:rPr>
-              <a:t>:</a:t>
-            </a:r>
-          </a:p>
-          <a:p>
-            <a:pPr lvl="0" defTabSz="914400" eaLnBrk="0" fontAlgn="base" hangingPunct="0">
-              <a:spcBef>
-                <a:spcPct val="0"/>
-              </a:spcBef>
-              <a:spcAft>
-                <a:spcPct val="0"/>
-              </a:spcAft>
-            </a:pPr>
-            <a:r>
-              <a:rPr lang="en-US" altLang="zh-CN" sz="1050" dirty="0">
-                <a:solidFill>
-                  <a:schemeClr val="bg1"/>
-                </a:solidFill>
-                <a:latin typeface="Anonymous Pro" panose="02060609030202000504" pitchFamily="49" charset="0"/>
-              </a:rPr>
-              <a:t>  -v|--verbosity        </a:t>
-            </a:r>
-            <a:r>
-              <a:rPr lang="zh-CN" altLang="en-US" sz="1050" dirty="0">
-                <a:solidFill>
-                  <a:schemeClr val="bg1"/>
-                </a:solidFill>
-                <a:latin typeface="Anonymous Pro" panose="02060609030202000504" pitchFamily="49" charset="0"/>
-              </a:rPr>
-              <a:t>设置命令的详细级别。允许值为 </a:t>
-            </a:r>
-            <a:r>
-              <a:rPr lang="en-US" altLang="zh-CN" sz="1050" dirty="0">
-                <a:solidFill>
-                  <a:schemeClr val="bg1"/>
-                </a:solidFill>
-                <a:latin typeface="Anonymous Pro" panose="02060609030202000504" pitchFamily="49" charset="0"/>
-              </a:rPr>
-              <a:t>q[</a:t>
-            </a:r>
-            <a:r>
-              <a:rPr lang="en-US" altLang="zh-CN" sz="1050" dirty="0" err="1">
-                <a:solidFill>
-                  <a:schemeClr val="bg1"/>
-                </a:solidFill>
-                <a:latin typeface="Anonymous Pro" panose="02060609030202000504" pitchFamily="49" charset="0"/>
-              </a:rPr>
-              <a:t>uiet</a:t>
-            </a:r>
-            <a:r>
-              <a:rPr lang="en-US" altLang="zh-CN" sz="1050" dirty="0">
-                <a:solidFill>
-                  <a:schemeClr val="bg1"/>
-                </a:solidFill>
-                <a:latin typeface="Anonymous Pro" panose="02060609030202000504" pitchFamily="49" charset="0"/>
-              </a:rPr>
-              <a:t>]</a:t>
-            </a:r>
-            <a:r>
-              <a:rPr lang="zh-CN" altLang="en-US" sz="1050" dirty="0">
-                <a:solidFill>
-                  <a:schemeClr val="bg1"/>
-                </a:solidFill>
-                <a:latin typeface="Anonymous Pro" panose="02060609030202000504" pitchFamily="49" charset="0"/>
-              </a:rPr>
-              <a:t>、</a:t>
-            </a:r>
-            <a:r>
-              <a:rPr lang="en-US" altLang="zh-CN" sz="1050" dirty="0">
-                <a:solidFill>
-                  <a:schemeClr val="bg1"/>
-                </a:solidFill>
-                <a:latin typeface="Anonymous Pro" panose="02060609030202000504" pitchFamily="49" charset="0"/>
-              </a:rPr>
-              <a:t>m[</a:t>
-            </a:r>
-            <a:r>
-              <a:rPr lang="en-US" altLang="zh-CN" sz="1050" dirty="0" err="1">
-                <a:solidFill>
-                  <a:schemeClr val="bg1"/>
-                </a:solidFill>
-                <a:latin typeface="Anonymous Pro" panose="02060609030202000504" pitchFamily="49" charset="0"/>
-              </a:rPr>
-              <a:t>inimal</a:t>
-            </a:r>
-            <a:r>
-              <a:rPr lang="en-US" altLang="zh-CN" sz="1050" dirty="0">
-                <a:solidFill>
-                  <a:schemeClr val="bg1"/>
-                </a:solidFill>
-                <a:latin typeface="Anonymous Pro" panose="02060609030202000504" pitchFamily="49" charset="0"/>
-              </a:rPr>
-              <a:t>]</a:t>
-            </a:r>
-            <a:r>
-              <a:rPr lang="zh-CN" altLang="en-US" sz="1050" dirty="0">
-                <a:solidFill>
-                  <a:schemeClr val="bg1"/>
-                </a:solidFill>
-                <a:latin typeface="Anonymous Pro" panose="02060609030202000504" pitchFamily="49" charset="0"/>
-              </a:rPr>
-              <a:t>、</a:t>
-            </a:r>
-            <a:r>
-              <a:rPr lang="en-US" altLang="zh-CN" sz="1050" dirty="0">
-                <a:solidFill>
-                  <a:schemeClr val="bg1"/>
-                </a:solidFill>
-                <a:latin typeface="Anonymous Pro" panose="02060609030202000504" pitchFamily="49" charset="0"/>
-              </a:rPr>
-              <a:t>n[</a:t>
-            </a:r>
-            <a:r>
-              <a:rPr lang="en-US" altLang="zh-CN" sz="1050" dirty="0" err="1">
-                <a:solidFill>
-                  <a:schemeClr val="bg1"/>
-                </a:solidFill>
-                <a:latin typeface="Anonymous Pro" panose="02060609030202000504" pitchFamily="49" charset="0"/>
-              </a:rPr>
-              <a:t>ormal</a:t>
-            </a:r>
-            <a:r>
-              <a:rPr lang="en-US" altLang="zh-CN" sz="1050" dirty="0">
-                <a:solidFill>
-                  <a:schemeClr val="bg1"/>
-                </a:solidFill>
-                <a:latin typeface="Anonymous Pro" panose="02060609030202000504" pitchFamily="49" charset="0"/>
-              </a:rPr>
-              <a:t>]</a:t>
-            </a:r>
-            <a:r>
-              <a:rPr lang="zh-CN" altLang="en-US" sz="1050" dirty="0">
-                <a:solidFill>
-                  <a:schemeClr val="bg1"/>
-                </a:solidFill>
-                <a:latin typeface="Anonymous Pro" panose="02060609030202000504" pitchFamily="49" charset="0"/>
-              </a:rPr>
-              <a:t>、</a:t>
-            </a:r>
-            <a:r>
-              <a:rPr lang="en-US" altLang="zh-CN" sz="1050" dirty="0">
-                <a:solidFill>
-                  <a:schemeClr val="bg1"/>
-                </a:solidFill>
-                <a:latin typeface="Anonymous Pro" panose="02060609030202000504" pitchFamily="49" charset="0"/>
-              </a:rPr>
-              <a:t>d[</a:t>
-            </a:r>
-            <a:r>
-              <a:rPr lang="en-US" altLang="zh-CN" sz="1050" dirty="0" err="1">
-                <a:solidFill>
-                  <a:schemeClr val="bg1"/>
-                </a:solidFill>
-                <a:latin typeface="Anonymous Pro" panose="02060609030202000504" pitchFamily="49" charset="0"/>
-              </a:rPr>
-              <a:t>etailed</a:t>
-            </a:r>
-            <a:r>
-              <a:rPr lang="en-US" altLang="zh-CN" sz="1050" dirty="0">
-                <a:solidFill>
-                  <a:schemeClr val="bg1"/>
-                </a:solidFill>
-                <a:latin typeface="Anonymous Pro" panose="02060609030202000504" pitchFamily="49" charset="0"/>
-              </a:rPr>
-              <a:t>] </a:t>
-            </a:r>
-            <a:r>
-              <a:rPr lang="zh-CN" altLang="en-US" sz="1050" dirty="0">
-                <a:solidFill>
-                  <a:schemeClr val="bg1"/>
-                </a:solidFill>
-                <a:latin typeface="Anonymous Pro" panose="02060609030202000504" pitchFamily="49" charset="0"/>
-              </a:rPr>
-              <a:t>和 </a:t>
-            </a:r>
-            <a:r>
-              <a:rPr lang="en-US" altLang="zh-CN" sz="1050" dirty="0" err="1">
-                <a:solidFill>
-                  <a:schemeClr val="bg1"/>
-                </a:solidFill>
-                <a:latin typeface="Anonymous Pro" panose="02060609030202000504" pitchFamily="49" charset="0"/>
-              </a:rPr>
-              <a:t>diag</a:t>
-            </a:r>
-            <a:r>
-              <a:rPr lang="en-US" altLang="zh-CN" sz="1050" dirty="0">
-                <a:solidFill>
-                  <a:schemeClr val="bg1"/>
-                </a:solidFill>
-                <a:latin typeface="Anonymous Pro" panose="02060609030202000504" pitchFamily="49" charset="0"/>
-              </a:rPr>
-              <a:t>[</a:t>
-            </a:r>
-            <a:r>
-              <a:rPr lang="en-US" altLang="zh-CN" sz="1050" dirty="0" err="1">
-                <a:solidFill>
-                  <a:schemeClr val="bg1"/>
-                </a:solidFill>
-                <a:latin typeface="Anonymous Pro" panose="02060609030202000504" pitchFamily="49" charset="0"/>
-              </a:rPr>
-              <a:t>nostic</a:t>
-            </a:r>
-            <a:r>
-              <a:rPr lang="en-US" altLang="zh-CN" sz="1050" dirty="0">
-                <a:solidFill>
-                  <a:schemeClr val="bg1"/>
-                </a:solidFill>
-                <a:latin typeface="Anonymous Pro" panose="02060609030202000504" pitchFamily="49" charset="0"/>
-              </a:rPr>
-              <a:t>]</a:t>
-            </a:r>
-            <a:r>
-              <a:rPr lang="zh-CN" altLang="en-US" sz="1050" dirty="0">
-                <a:solidFill>
-                  <a:schemeClr val="bg1"/>
-                </a:solidFill>
-                <a:latin typeface="Anonymous Pro" panose="02060609030202000504" pitchFamily="49" charset="0"/>
-              </a:rPr>
-              <a:t>。</a:t>
-            </a:r>
-          </a:p>
-          <a:p>
-            <a:pPr lvl="0" defTabSz="914400" eaLnBrk="0" fontAlgn="base" hangingPunct="0">
-              <a:spcBef>
-                <a:spcPct val="0"/>
-              </a:spcBef>
-              <a:spcAft>
-                <a:spcPct val="0"/>
-              </a:spcAft>
-            </a:pPr>
-            <a:r>
-              <a:rPr lang="zh-CN" altLang="en-US" sz="1050" dirty="0">
-                <a:solidFill>
-                  <a:schemeClr val="bg1"/>
-                </a:solidFill>
-                <a:latin typeface="Anonymous Pro" panose="02060609030202000504" pitchFamily="49" charset="0"/>
-              </a:rPr>
-              <a:t>  </a:t>
-            </a:r>
-            <a:r>
-              <a:rPr lang="en-US" altLang="zh-CN" sz="1050" dirty="0">
-                <a:solidFill>
-                  <a:schemeClr val="bg1"/>
-                </a:solidFill>
-                <a:latin typeface="Anonymous Pro" panose="02060609030202000504" pitchFamily="49" charset="0"/>
-              </a:rPr>
-              <a:t>-h|--help             </a:t>
-            </a:r>
-            <a:r>
-              <a:rPr lang="zh-CN" altLang="en-US" sz="1050" dirty="0">
-                <a:solidFill>
-                  <a:schemeClr val="bg1"/>
-                </a:solidFill>
-                <a:latin typeface="Anonymous Pro" panose="02060609030202000504" pitchFamily="49" charset="0"/>
-              </a:rPr>
-              <a:t>显示帮助。</a:t>
-            </a:r>
-          </a:p>
-          <a:p>
-            <a:pPr lvl="0" defTabSz="914400" eaLnBrk="0" fontAlgn="base" hangingPunct="0">
-              <a:spcBef>
-                <a:spcPct val="0"/>
-              </a:spcBef>
-              <a:spcAft>
-                <a:spcPct val="0"/>
-              </a:spcAft>
-            </a:pPr>
-            <a:endParaRPr lang="zh-CN" altLang="en-US" sz="1050" dirty="0">
-              <a:solidFill>
-                <a:schemeClr val="bg1"/>
-              </a:solidFill>
-              <a:latin typeface="Anonymous Pro" panose="02060609030202000504" pitchFamily="49" charset="0"/>
-            </a:endParaRPr>
-          </a:p>
-          <a:p>
-            <a:pPr lvl="0" defTabSz="914400" eaLnBrk="0" fontAlgn="base" hangingPunct="0">
-              <a:spcBef>
-                <a:spcPct val="0"/>
-              </a:spcBef>
-              <a:spcAft>
-                <a:spcPct val="0"/>
-              </a:spcAft>
-            </a:pPr>
-            <a:r>
-              <a:rPr lang="zh-CN" altLang="en-US" sz="1050" dirty="0">
-                <a:solidFill>
-                  <a:schemeClr val="bg1"/>
-                </a:solidFill>
-                <a:latin typeface="Anonymous Pro" panose="02060609030202000504" pitchFamily="49" charset="0"/>
-              </a:rPr>
-              <a:t>运行“</a:t>
-            </a:r>
-            <a:r>
-              <a:rPr lang="en-US" altLang="zh-CN" sz="1050" dirty="0" err="1">
-                <a:solidFill>
-                  <a:schemeClr val="bg1"/>
-                </a:solidFill>
-                <a:latin typeface="Anonymous Pro" panose="02060609030202000504" pitchFamily="49" charset="0"/>
-              </a:rPr>
-              <a:t>dotnet</a:t>
-            </a:r>
-            <a:r>
-              <a:rPr lang="en-US" altLang="zh-CN" sz="1050" dirty="0">
-                <a:solidFill>
-                  <a:schemeClr val="bg1"/>
-                </a:solidFill>
-                <a:latin typeface="Anonymous Pro" panose="02060609030202000504" pitchFamily="49" charset="0"/>
-              </a:rPr>
-              <a:t> </a:t>
-            </a:r>
-            <a:r>
-              <a:rPr lang="zh-CN" altLang="en-US" sz="1050" dirty="0">
-                <a:solidFill>
-                  <a:schemeClr val="bg1"/>
-                </a:solidFill>
-                <a:latin typeface="Anonymous Pro" panose="02060609030202000504" pitchFamily="49" charset="0"/>
-              </a:rPr>
-              <a:t>命令 </a:t>
-            </a:r>
-            <a:r>
-              <a:rPr lang="en-US" altLang="zh-CN" sz="1050" dirty="0">
-                <a:solidFill>
-                  <a:schemeClr val="bg1"/>
-                </a:solidFill>
-                <a:latin typeface="Anonymous Pro" panose="02060609030202000504" pitchFamily="49" charset="0"/>
-              </a:rPr>
-              <a:t>--help”</a:t>
-            </a:r>
-            <a:r>
-              <a:rPr lang="zh-CN" altLang="en-US" sz="1050" dirty="0">
-                <a:solidFill>
-                  <a:schemeClr val="bg1"/>
-                </a:solidFill>
-                <a:latin typeface="Anonymous Pro" panose="02060609030202000504" pitchFamily="49" charset="0"/>
-              </a:rPr>
-              <a:t>，获取有关命令的详细信息。</a:t>
-            </a:r>
-          </a:p>
-          <a:p>
-            <a:pPr lvl="0" defTabSz="914400" eaLnBrk="0" fontAlgn="base" hangingPunct="0">
-              <a:spcBef>
-                <a:spcPct val="0"/>
-              </a:spcBef>
-              <a:spcAft>
-                <a:spcPct val="0"/>
-              </a:spcAft>
-            </a:pPr>
-            <a:endParaRPr lang="zh-CN" altLang="en-US" sz="1050" dirty="0">
-              <a:solidFill>
-                <a:schemeClr val="bg1"/>
-              </a:solidFill>
-              <a:latin typeface="Anonymous Pro" panose="02060609030202000504" pitchFamily="49" charset="0"/>
-            </a:endParaRPr>
-          </a:p>
-          <a:p>
-            <a:pPr lvl="0" defTabSz="914400" eaLnBrk="0" fontAlgn="base" hangingPunct="0">
-              <a:spcBef>
-                <a:spcPct val="0"/>
-              </a:spcBef>
-              <a:spcAft>
-                <a:spcPct val="0"/>
-              </a:spcAft>
-            </a:pPr>
-            <a:r>
-              <a:rPr lang="en-US" altLang="zh-CN" sz="1050" dirty="0" err="1">
-                <a:solidFill>
-                  <a:schemeClr val="bg1"/>
-                </a:solidFill>
-                <a:latin typeface="Anonymous Pro" panose="02060609030202000504" pitchFamily="49" charset="0"/>
-              </a:rPr>
-              <a:t>sdk</a:t>
-            </a:r>
-            <a:r>
-              <a:rPr lang="en-US" altLang="zh-CN" sz="1050" dirty="0">
-                <a:solidFill>
-                  <a:schemeClr val="bg1"/>
-                </a:solidFill>
-                <a:latin typeface="Anonymous Pro" panose="02060609030202000504" pitchFamily="49" charset="0"/>
-              </a:rPr>
-              <a:t>-options:</a:t>
-            </a:r>
-          </a:p>
-          <a:p>
-            <a:pPr lvl="0" defTabSz="914400" eaLnBrk="0" fontAlgn="base" hangingPunct="0">
-              <a:spcBef>
-                <a:spcPct val="0"/>
-              </a:spcBef>
-              <a:spcAft>
-                <a:spcPct val="0"/>
-              </a:spcAft>
-            </a:pPr>
-            <a:r>
-              <a:rPr lang="en-US" altLang="zh-CN" sz="1050" dirty="0">
-                <a:solidFill>
-                  <a:schemeClr val="bg1"/>
-                </a:solidFill>
-                <a:latin typeface="Anonymous Pro" panose="02060609030202000504" pitchFamily="49" charset="0"/>
-              </a:rPr>
-              <a:t>  --version        </a:t>
-            </a:r>
-            <a:r>
-              <a:rPr lang="zh-CN" altLang="en-US" sz="1050" dirty="0">
-                <a:solidFill>
-                  <a:schemeClr val="bg1"/>
-                </a:solidFill>
-                <a:latin typeface="Anonymous Pro" panose="02060609030202000504" pitchFamily="49" charset="0"/>
-              </a:rPr>
-              <a:t>显示 </a:t>
-            </a:r>
-            <a:r>
-              <a:rPr lang="en-US" altLang="zh-CN" sz="1050" dirty="0">
-                <a:solidFill>
-                  <a:schemeClr val="bg1"/>
-                </a:solidFill>
-                <a:latin typeface="Anonymous Pro" panose="02060609030202000504" pitchFamily="49" charset="0"/>
-              </a:rPr>
-              <a:t>.NET Core SDK </a:t>
-            </a:r>
-            <a:r>
-              <a:rPr lang="zh-CN" altLang="en-US" sz="1050" dirty="0">
-                <a:solidFill>
-                  <a:schemeClr val="bg1"/>
-                </a:solidFill>
-                <a:latin typeface="Anonymous Pro" panose="02060609030202000504" pitchFamily="49" charset="0"/>
-              </a:rPr>
-              <a:t>版本。</a:t>
-            </a:r>
-          </a:p>
-          <a:p>
-            <a:pPr lvl="0" defTabSz="914400" eaLnBrk="0" fontAlgn="base" hangingPunct="0">
-              <a:spcBef>
-                <a:spcPct val="0"/>
-              </a:spcBef>
-              <a:spcAft>
-                <a:spcPct val="0"/>
-              </a:spcAft>
-            </a:pPr>
-            <a:r>
-              <a:rPr lang="zh-CN" altLang="en-US" sz="1050" dirty="0">
-                <a:solidFill>
-                  <a:schemeClr val="bg1"/>
-                </a:solidFill>
-                <a:latin typeface="Anonymous Pro" panose="02060609030202000504" pitchFamily="49" charset="0"/>
-              </a:rPr>
-              <a:t>  </a:t>
-            </a:r>
-            <a:r>
-              <a:rPr lang="en-US" altLang="zh-CN" sz="1050" dirty="0">
-                <a:solidFill>
-                  <a:schemeClr val="bg1"/>
-                </a:solidFill>
-                <a:latin typeface="Anonymous Pro" panose="02060609030202000504" pitchFamily="49" charset="0"/>
-              </a:rPr>
-              <a:t>--info           </a:t>
-            </a:r>
-            <a:r>
-              <a:rPr lang="zh-CN" altLang="en-US" sz="1050" dirty="0">
-                <a:solidFill>
-                  <a:schemeClr val="bg1"/>
-                </a:solidFill>
-                <a:latin typeface="Anonymous Pro" panose="02060609030202000504" pitchFamily="49" charset="0"/>
-              </a:rPr>
-              <a:t>显示 </a:t>
-            </a:r>
-            <a:r>
-              <a:rPr lang="en-US" altLang="zh-CN" sz="1050" dirty="0">
-                <a:solidFill>
-                  <a:schemeClr val="bg1"/>
-                </a:solidFill>
-                <a:latin typeface="Anonymous Pro" panose="02060609030202000504" pitchFamily="49" charset="0"/>
-              </a:rPr>
-              <a:t>.NET Core </a:t>
-            </a:r>
-            <a:r>
-              <a:rPr lang="zh-CN" altLang="en-US" sz="1050" dirty="0">
-                <a:solidFill>
-                  <a:schemeClr val="bg1"/>
-                </a:solidFill>
-                <a:latin typeface="Anonymous Pro" panose="02060609030202000504" pitchFamily="49" charset="0"/>
-              </a:rPr>
-              <a:t>信息。</a:t>
-            </a:r>
-          </a:p>
-          <a:p>
-            <a:pPr lvl="0" defTabSz="914400" eaLnBrk="0" fontAlgn="base" hangingPunct="0">
-              <a:spcBef>
-                <a:spcPct val="0"/>
-              </a:spcBef>
-              <a:spcAft>
-                <a:spcPct val="0"/>
-              </a:spcAft>
-            </a:pPr>
-            <a:r>
-              <a:rPr lang="zh-CN" altLang="en-US" sz="1050" dirty="0">
-                <a:solidFill>
-                  <a:schemeClr val="bg1"/>
-                </a:solidFill>
-                <a:latin typeface="Anonymous Pro" panose="02060609030202000504" pitchFamily="49" charset="0"/>
-              </a:rPr>
-              <a:t>  </a:t>
-            </a:r>
-            <a:r>
-              <a:rPr lang="en-US" altLang="zh-CN" sz="1050" dirty="0">
-                <a:solidFill>
-                  <a:schemeClr val="bg1"/>
-                </a:solidFill>
-                <a:latin typeface="Anonymous Pro" panose="02060609030202000504" pitchFamily="49" charset="0"/>
-              </a:rPr>
-              <a:t>-d|--diagnostics </a:t>
-            </a:r>
-            <a:r>
-              <a:rPr lang="zh-CN" altLang="en-US" sz="1050" dirty="0">
-                <a:solidFill>
-                  <a:schemeClr val="bg1"/>
-                </a:solidFill>
-                <a:latin typeface="Anonymous Pro" panose="02060609030202000504" pitchFamily="49" charset="0"/>
-              </a:rPr>
-              <a:t>启用诊断输出。</a:t>
-            </a:r>
-          </a:p>
-          <a:p>
-            <a:pPr lvl="0" defTabSz="914400" eaLnBrk="0" fontAlgn="base" hangingPunct="0">
-              <a:spcBef>
-                <a:spcPct val="0"/>
-              </a:spcBef>
-              <a:spcAft>
-                <a:spcPct val="0"/>
-              </a:spcAft>
-            </a:pPr>
-            <a:endParaRPr lang="zh-CN" altLang="en-US" sz="1050" dirty="0">
-              <a:solidFill>
-                <a:schemeClr val="bg1"/>
-              </a:solidFill>
-              <a:latin typeface="Anonymous Pro" panose="02060609030202000504" pitchFamily="49" charset="0"/>
-            </a:endParaRPr>
-          </a:p>
-          <a:p>
-            <a:pPr lvl="0" defTabSz="914400" eaLnBrk="0" fontAlgn="base" hangingPunct="0">
-              <a:spcBef>
-                <a:spcPct val="0"/>
-              </a:spcBef>
-              <a:spcAft>
-                <a:spcPct val="0"/>
-              </a:spcAft>
-            </a:pPr>
-            <a:r>
-              <a:rPr lang="en-US" altLang="zh-CN" sz="1050" dirty="0">
-                <a:solidFill>
-                  <a:schemeClr val="bg1"/>
-                </a:solidFill>
-                <a:latin typeface="Anonymous Pro" panose="02060609030202000504" pitchFamily="49" charset="0"/>
-              </a:rPr>
-              <a:t>runtime-options:</a:t>
-            </a:r>
-          </a:p>
-          <a:p>
-            <a:pPr lvl="0" defTabSz="914400" eaLnBrk="0" fontAlgn="base" hangingPunct="0">
-              <a:spcBef>
-                <a:spcPct val="0"/>
-              </a:spcBef>
-              <a:spcAft>
-                <a:spcPct val="0"/>
-              </a:spcAft>
-            </a:pPr>
-            <a:r>
-              <a:rPr lang="en-US" altLang="zh-CN" sz="1050" dirty="0">
-                <a:solidFill>
-                  <a:schemeClr val="bg1"/>
-                </a:solidFill>
-                <a:latin typeface="Anonymous Pro" panose="02060609030202000504" pitchFamily="49" charset="0"/>
-              </a:rPr>
-              <a:t>  --</a:t>
-            </a:r>
-            <a:r>
-              <a:rPr lang="en-US" altLang="zh-CN" sz="1050" dirty="0" err="1">
-                <a:solidFill>
-                  <a:schemeClr val="bg1"/>
-                </a:solidFill>
-                <a:latin typeface="Anonymous Pro" panose="02060609030202000504" pitchFamily="49" charset="0"/>
-              </a:rPr>
-              <a:t>additionalprobingpath</a:t>
-            </a:r>
-            <a:r>
-              <a:rPr lang="en-US" altLang="zh-CN" sz="1050" dirty="0">
-                <a:solidFill>
-                  <a:schemeClr val="bg1"/>
-                </a:solidFill>
-                <a:latin typeface="Anonymous Pro" panose="02060609030202000504" pitchFamily="49" charset="0"/>
-              </a:rPr>
-              <a:t> &lt;path&gt;    </a:t>
-            </a:r>
-            <a:r>
-              <a:rPr lang="zh-CN" altLang="en-US" sz="1050" dirty="0">
-                <a:solidFill>
-                  <a:schemeClr val="bg1"/>
-                </a:solidFill>
-                <a:latin typeface="Anonymous Pro" panose="02060609030202000504" pitchFamily="49" charset="0"/>
-              </a:rPr>
-              <a:t>要探测的包含探测策略和程序集的路径。</a:t>
-            </a:r>
-          </a:p>
-          <a:p>
-            <a:pPr lvl="0" defTabSz="914400" eaLnBrk="0" fontAlgn="base" hangingPunct="0">
-              <a:spcBef>
-                <a:spcPct val="0"/>
-              </a:spcBef>
-              <a:spcAft>
-                <a:spcPct val="0"/>
-              </a:spcAft>
-            </a:pPr>
-            <a:r>
-              <a:rPr lang="zh-CN" altLang="en-US" sz="1050" dirty="0">
-                <a:solidFill>
-                  <a:schemeClr val="bg1"/>
-                </a:solidFill>
-                <a:latin typeface="Anonymous Pro" panose="02060609030202000504" pitchFamily="49" charset="0"/>
-              </a:rPr>
-              <a:t>  </a:t>
-            </a:r>
-            <a:r>
-              <a:rPr lang="en-US" altLang="zh-CN" sz="1050" dirty="0">
-                <a:solidFill>
-                  <a:schemeClr val="bg1"/>
-                </a:solidFill>
-                <a:latin typeface="Anonymous Pro" panose="02060609030202000504" pitchFamily="49" charset="0"/>
-              </a:rPr>
-              <a:t>--</a:t>
-            </a:r>
-            <a:r>
-              <a:rPr lang="en-US" altLang="zh-CN" sz="1050" dirty="0" err="1">
-                <a:solidFill>
-                  <a:schemeClr val="bg1"/>
-                </a:solidFill>
-                <a:latin typeface="Anonymous Pro" panose="02060609030202000504" pitchFamily="49" charset="0"/>
-              </a:rPr>
-              <a:t>fx</a:t>
-            </a:r>
-            <a:r>
-              <a:rPr lang="en-US" altLang="zh-CN" sz="1050" dirty="0">
-                <a:solidFill>
-                  <a:schemeClr val="bg1"/>
-                </a:solidFill>
-                <a:latin typeface="Anonymous Pro" panose="02060609030202000504" pitchFamily="49" charset="0"/>
-              </a:rPr>
-              <a:t>-version &lt;version&gt;            </a:t>
-            </a:r>
-            <a:r>
-              <a:rPr lang="zh-CN" altLang="en-US" sz="1050" dirty="0">
-                <a:solidFill>
-                  <a:schemeClr val="bg1"/>
-                </a:solidFill>
-                <a:latin typeface="Anonymous Pro" panose="02060609030202000504" pitchFamily="49" charset="0"/>
-              </a:rPr>
-              <a:t>要用于运行应用程序的安装版共享框架的版本。</a:t>
-            </a:r>
-          </a:p>
-          <a:p>
-            <a:pPr lvl="0" defTabSz="914400" eaLnBrk="0" fontAlgn="base" hangingPunct="0">
-              <a:spcBef>
-                <a:spcPct val="0"/>
-              </a:spcBef>
-              <a:spcAft>
-                <a:spcPct val="0"/>
-              </a:spcAft>
-            </a:pPr>
-            <a:r>
-              <a:rPr lang="zh-CN" altLang="en-US" sz="1050" dirty="0">
-                <a:solidFill>
-                  <a:schemeClr val="bg1"/>
-                </a:solidFill>
-                <a:latin typeface="Anonymous Pro" panose="02060609030202000504" pitchFamily="49" charset="0"/>
-              </a:rPr>
-              <a:t>  </a:t>
-            </a:r>
-            <a:r>
-              <a:rPr lang="en-US" altLang="zh-CN" sz="1050" dirty="0">
-                <a:solidFill>
-                  <a:schemeClr val="bg1"/>
-                </a:solidFill>
-                <a:latin typeface="Anonymous Pro" panose="02060609030202000504" pitchFamily="49" charset="0"/>
-              </a:rPr>
-              <a:t>--roll-forward-on-no-candidate-</a:t>
-            </a:r>
-            <a:r>
-              <a:rPr lang="en-US" altLang="zh-CN" sz="1050" dirty="0" err="1">
-                <a:solidFill>
-                  <a:schemeClr val="bg1"/>
-                </a:solidFill>
-                <a:latin typeface="Anonymous Pro" panose="02060609030202000504" pitchFamily="49" charset="0"/>
-              </a:rPr>
-              <a:t>fx</a:t>
-            </a:r>
-            <a:r>
-              <a:rPr lang="en-US" altLang="zh-CN" sz="1050" dirty="0">
-                <a:solidFill>
-                  <a:schemeClr val="bg1"/>
-                </a:solidFill>
-                <a:latin typeface="Anonymous Pro" panose="02060609030202000504" pitchFamily="49" charset="0"/>
-              </a:rPr>
-              <a:t> </a:t>
-            </a:r>
-            <a:r>
-              <a:rPr lang="zh-CN" altLang="en-US" sz="1050" dirty="0">
-                <a:solidFill>
-                  <a:schemeClr val="bg1"/>
-                </a:solidFill>
-                <a:latin typeface="Anonymous Pro" panose="02060609030202000504" pitchFamily="49" charset="0"/>
-              </a:rPr>
-              <a:t>已启用“不前滚到候选共享框架”。</a:t>
-            </a:r>
-          </a:p>
-          <a:p>
-            <a:pPr lvl="0" defTabSz="914400" eaLnBrk="0" fontAlgn="base" hangingPunct="0">
-              <a:spcBef>
-                <a:spcPct val="0"/>
-              </a:spcBef>
-              <a:spcAft>
-                <a:spcPct val="0"/>
-              </a:spcAft>
-            </a:pPr>
-            <a:r>
-              <a:rPr lang="zh-CN" altLang="en-US" sz="1050" dirty="0">
-                <a:solidFill>
-                  <a:schemeClr val="bg1"/>
-                </a:solidFill>
-                <a:latin typeface="Anonymous Pro" panose="02060609030202000504" pitchFamily="49" charset="0"/>
-              </a:rPr>
-              <a:t>  </a:t>
-            </a:r>
-            <a:r>
-              <a:rPr lang="en-US" altLang="zh-CN" sz="1050" dirty="0">
-                <a:solidFill>
-                  <a:schemeClr val="bg1"/>
-                </a:solidFill>
-                <a:latin typeface="Anonymous Pro" panose="02060609030202000504" pitchFamily="49" charset="0"/>
-              </a:rPr>
-              <a:t>--additional-deps &lt;path&gt;          </a:t>
-            </a:r>
-            <a:r>
-              <a:rPr lang="zh-CN" altLang="en-US" sz="1050" dirty="0">
-                <a:solidFill>
-                  <a:schemeClr val="bg1"/>
-                </a:solidFill>
-                <a:latin typeface="Anonymous Pro" panose="02060609030202000504" pitchFamily="49" charset="0"/>
-              </a:rPr>
-              <a:t>其他 </a:t>
-            </a:r>
-            <a:r>
-              <a:rPr lang="en-US" altLang="zh-CN" sz="1050" dirty="0" err="1">
-                <a:solidFill>
-                  <a:schemeClr val="bg1"/>
-                </a:solidFill>
-                <a:latin typeface="Anonymous Pro" panose="02060609030202000504" pitchFamily="49" charset="0"/>
-              </a:rPr>
-              <a:t>deps.json</a:t>
-            </a:r>
-            <a:r>
-              <a:rPr lang="en-US" altLang="zh-CN" sz="1050" dirty="0">
-                <a:solidFill>
-                  <a:schemeClr val="bg1"/>
-                </a:solidFill>
-                <a:latin typeface="Anonymous Pro" panose="02060609030202000504" pitchFamily="49" charset="0"/>
-              </a:rPr>
-              <a:t> </a:t>
-            </a:r>
-            <a:r>
-              <a:rPr lang="zh-CN" altLang="en-US" sz="1050" dirty="0">
-                <a:solidFill>
-                  <a:schemeClr val="bg1"/>
-                </a:solidFill>
-                <a:latin typeface="Anonymous Pro" panose="02060609030202000504" pitchFamily="49" charset="0"/>
-              </a:rPr>
-              <a:t>文件的路径。</a:t>
-            </a:r>
-            <a:endParaRPr kumimoji="0" lang="zh-CN" altLang="zh-CN" sz="1050" b="0" i="0" u="none" strike="noStrike" cap="none" normalizeH="0" baseline="0" dirty="0">
-              <a:ln>
-                <a:noFill/>
-              </a:ln>
-              <a:solidFill>
-                <a:schemeClr val="bg1"/>
-              </a:solidFill>
-              <a:effectLst/>
-              <a:latin typeface="Arial" panose="020B0604020202020204" pitchFamily="34" charset="0"/>
-            </a:endParaRPr>
-          </a:p>
-        </p:txBody>
-      </p:sp>
-    </p:spTree>
-    <p:extLst>
-      <p:ext uri="{BB962C8B-B14F-4D97-AF65-F5344CB8AC3E}">
-        <p14:creationId xmlns:p14="http://schemas.microsoft.com/office/powerpoint/2010/main" val="2329505190"/>
-      </p:ext>
-    </p:extLst>
-  </p:cSld>
-  <p:clrMapOvr>
-    <a:masterClrMapping/>
-  </p:clrMapOvr>
-</p:sld>
-</file>
-
-<file path=ppt/slides/slide12.xml><?xml version="1.0" encoding="utf-8"?>
-<p:sld xmlns:a="http://schemas.openxmlformats.org/drawingml/2006/main" xmlns:r="http://schemas.openxmlformats.org/officeDocument/2006/relationships" xmlns:p="http://schemas.openxmlformats.org/presentationml/2006/main">
-  <p:cSld>
-    <p:spTree>
-      <p:nvGrpSpPr>
-        <p:cNvPr id="1" name=""/>
-        <p:cNvGrpSpPr/>
-        <p:nvPr/>
-      </p:nvGrpSpPr>
-      <p:grpSpPr>
-        <a:xfrm>
-          <a:off x="0" y="0"/>
-          <a:ext cx="0" cy="0"/>
-          <a:chOff x="0" y="0"/>
-          <a:chExt cx="0" cy="0"/>
-        </a:xfrm>
-      </p:grpSpPr>
-      <p:sp>
-        <p:nvSpPr>
-          <p:cNvPr id="2" name="标题 1"/>
-          <p:cNvSpPr>
-            <a:spLocks noGrp="1"/>
-          </p:cNvSpPr>
-          <p:nvPr>
-            <p:ph type="title"/>
-          </p:nvPr>
-        </p:nvSpPr>
-        <p:spPr/>
-        <p:txBody>
-          <a:bodyPr/>
-          <a:lstStyle/>
-          <a:p>
-            <a:r>
-              <a:rPr lang="en-US" altLang="zh-CN" dirty="0" err="1"/>
-              <a:t>.net</a:t>
-            </a:r>
-            <a:r>
-              <a:rPr lang="en-US" altLang="zh-CN" dirty="0"/>
-              <a:t> core</a:t>
-            </a:r>
-            <a:r>
-              <a:rPr lang="zh-CN" altLang="en-US" dirty="0"/>
               <a:t>的</a:t>
             </a:r>
             <a:r>
@@ -12947,7 +10985,7 @@
 </p:sld>
 </file>
 
-<file path=ppt/slides/slide13.xml><?xml version="1.0" encoding="utf-8"?>
+<file path=ppt/slides/slide11.xml><?xml version="1.0" encoding="utf-8"?>
 <p:sld xmlns:a="http://schemas.openxmlformats.org/drawingml/2006/main" xmlns:r="http://schemas.openxmlformats.org/officeDocument/2006/relationships" xmlns:p="http://schemas.openxmlformats.org/presentationml/2006/main">
   <p:cSld>
     <p:spTree>
@@ -13111,7 +11149,7 @@
 </p:sld>
 </file>
 
-<file path=ppt/slides/slide14.xml><?xml version="1.0" encoding="utf-8"?>
+<file path=ppt/slides/slide12.xml><?xml version="1.0" encoding="utf-8"?>
 <p:sld xmlns:a="http://schemas.openxmlformats.org/drawingml/2006/main" xmlns:r="http://schemas.openxmlformats.org/officeDocument/2006/relationships" xmlns:p="http://schemas.openxmlformats.org/presentationml/2006/main">
   <p:cSld>
     <p:spTree>
@@ -13275,7 +11313,7 @@
 </p:sld>
 </file>
 
-<file path=ppt/slides/slide15.xml><?xml version="1.0" encoding="utf-8"?>
+<file path=ppt/slides/slide13.xml><?xml version="1.0" encoding="utf-8"?>
 <p:sld xmlns:a="http://schemas.openxmlformats.org/drawingml/2006/main" xmlns:r="http://schemas.openxmlformats.org/officeDocument/2006/relationships" xmlns:p="http://schemas.openxmlformats.org/presentationml/2006/main">
   <p:cSld>
     <p:spTree>
@@ -14026,7 +12064,7 @@
 </p:sld>
 </file>
 
-<file path=ppt/slides/slide16.xml><?xml version="1.0" encoding="utf-8"?>
+<file path=ppt/slides/slide14.xml><?xml version="1.0" encoding="utf-8"?>
 <p:sld xmlns:a="http://schemas.openxmlformats.org/drawingml/2006/main" xmlns:r="http://schemas.openxmlformats.org/officeDocument/2006/relationships" xmlns:p="http://schemas.openxmlformats.org/presentationml/2006/main">
   <p:cSld>
     <p:spTree>
@@ -14167,7 +12205,7 @@
 </p:sld>
 </file>
 
-<file path=ppt/slides/slide17.xml><?xml version="1.0" encoding="utf-8"?>
+<file path=ppt/slides/slide15.xml><?xml version="1.0" encoding="utf-8"?>
 <p:sld xmlns:a="http://schemas.openxmlformats.org/drawingml/2006/main" xmlns:r="http://schemas.openxmlformats.org/officeDocument/2006/relationships" xmlns:p="http://schemas.openxmlformats.org/presentationml/2006/main">
   <p:cSld>
     <p:spTree>
@@ -14682,7 +12720,7 @@
 </p:sld>
 </file>
 
-<file path=ppt/slides/slide18.xml><?xml version="1.0" encoding="utf-8"?>
+<file path=ppt/slides/slide16.xml><?xml version="1.0" encoding="utf-8"?>
 <p:sld xmlns:a="http://schemas.openxmlformats.org/drawingml/2006/main" xmlns:r="http://schemas.openxmlformats.org/officeDocument/2006/relationships" xmlns:p="http://schemas.openxmlformats.org/presentationml/2006/main">
   <p:cSld>
     <p:spTree>
@@ -14989,7 +13027,7 @@
 </p:sld>
 </file>
 
-<file path=ppt/slides/slide19.xml><?xml version="1.0" encoding="utf-8"?>
+<file path=ppt/slides/slide17.xml><?xml version="1.0" encoding="utf-8"?>
 <p:sld xmlns:a="http://schemas.openxmlformats.org/drawingml/2006/main" xmlns:r="http://schemas.openxmlformats.org/officeDocument/2006/relationships" xmlns:p="http://schemas.openxmlformats.org/presentationml/2006/main">
   <p:cSld>
     <p:spTree>
@@ -15161,1756 +13199,7 @@
 </p:sld>
 </file>
 
-<file path=ppt/slides/slide2.xml><?xml version="1.0" encoding="utf-8"?>
-<p:sld xmlns:a="http://schemas.openxmlformats.org/drawingml/2006/main" xmlns:r="http://schemas.openxmlformats.org/officeDocument/2006/relationships" xmlns:p="http://schemas.openxmlformats.org/presentationml/2006/main">
-  <p:cSld>
-    <p:spTree>
-      <p:nvGrpSpPr>
-        <p:cNvPr id="1" name=""/>
-        <p:cNvGrpSpPr/>
-        <p:nvPr/>
-      </p:nvGrpSpPr>
-      <p:grpSpPr>
-        <a:xfrm>
-          <a:off x="0" y="0"/>
-          <a:ext cx="0" cy="0"/>
-          <a:chOff x="0" y="0"/>
-          <a:chExt cx="0" cy="0"/>
-        </a:xfrm>
-      </p:grpSpPr>
-      <p:sp>
-        <p:nvSpPr>
-          <p:cNvPr id="2" name="标题 1"/>
-          <p:cNvSpPr>
-            <a:spLocks noGrp="1"/>
-          </p:cNvSpPr>
-          <p:nvPr>
-            <p:ph type="title"/>
-          </p:nvPr>
-        </p:nvSpPr>
-        <p:spPr/>
-        <p:txBody>
-          <a:bodyPr/>
-          <a:lstStyle/>
-          <a:p>
-            <a:r>
-              <a:rPr lang="zh-CN" altLang="en-US" dirty="0"/>
-              <a:t>大纲</a:t>
-            </a:r>
-          </a:p>
-        </p:txBody>
-      </p:sp>
-      <p:sp>
-        <p:nvSpPr>
-          <p:cNvPr id="3" name="内容占位符 2"/>
-          <p:cNvSpPr>
-            <a:spLocks noGrp="1"/>
-          </p:cNvSpPr>
-          <p:nvPr>
-            <p:ph idx="1"/>
-          </p:nvPr>
-        </p:nvSpPr>
-        <p:spPr/>
-        <p:txBody>
-          <a:bodyPr/>
-          <a:lstStyle/>
-          <a:p>
-            <a:r>
-              <a:rPr lang="en-US" altLang="zh-CN" dirty="0"/>
-              <a:t>.net</a:t>
-            </a:r>
-            <a:r>
-              <a:rPr lang="zh-CN" altLang="en-US" dirty="0"/>
-              <a:t> </a:t>
-            </a:r>
-            <a:r>
-              <a:rPr lang="en-US" altLang="zh-CN" dirty="0"/>
-              <a:t>core</a:t>
-            </a:r>
-            <a:r>
-              <a:rPr lang="zh-CN" altLang="en-US" dirty="0"/>
-              <a:t>介绍</a:t>
-            </a:r>
-            <a:endParaRPr lang="en-US" altLang="zh-CN" dirty="0"/>
-          </a:p>
-          <a:p>
-            <a:r>
-              <a:rPr lang="en-US" altLang="zh-CN" dirty="0"/>
-              <a:t>Vs</a:t>
-            </a:r>
-            <a:r>
-              <a:rPr lang="zh-CN" altLang="en-US" dirty="0"/>
-              <a:t>介绍</a:t>
-            </a:r>
-            <a:endParaRPr lang="en-US" altLang="zh-CN" dirty="0"/>
-          </a:p>
-          <a:p>
-            <a:r>
-              <a:rPr lang="en-US" altLang="zh-CN" dirty="0"/>
-              <a:t>asp.net core</a:t>
-            </a:r>
-            <a:r>
-              <a:rPr lang="zh-CN" altLang="en-US" dirty="0"/>
-              <a:t>介绍</a:t>
-            </a:r>
-            <a:endParaRPr lang="en-US" altLang="zh-CN" dirty="0"/>
-          </a:p>
-          <a:p>
-            <a:r>
-              <a:rPr lang="zh-CN" altLang="en-US" dirty="0"/>
-              <a:t>配置文件</a:t>
-            </a:r>
-            <a:endParaRPr lang="en-US" altLang="zh-CN" dirty="0"/>
-          </a:p>
-          <a:p>
-            <a:r>
-              <a:rPr lang="zh-CN" altLang="en-US" dirty="0"/>
-              <a:t>日志</a:t>
-            </a:r>
-            <a:endParaRPr lang="en-US" altLang="zh-CN" dirty="0"/>
-          </a:p>
-          <a:p>
-            <a:r>
-              <a:rPr lang="zh-CN" altLang="en-US" dirty="0"/>
-              <a:t>依赖注入</a:t>
-            </a:r>
-            <a:endParaRPr lang="en-US" altLang="zh-CN" dirty="0"/>
-          </a:p>
-          <a:p>
-            <a:r>
-              <a:rPr lang="zh-CN" altLang="en-US" dirty="0"/>
-              <a:t>中间件</a:t>
-            </a:r>
-            <a:endParaRPr lang="en-US" altLang="zh-CN" dirty="0"/>
-          </a:p>
-          <a:p>
-            <a:pPr marL="0" indent="0">
-              <a:buNone/>
-            </a:pPr>
-            <a:endParaRPr lang="zh-CN" altLang="en-US" dirty="0"/>
-          </a:p>
-        </p:txBody>
-      </p:sp>
-    </p:spTree>
-    <p:extLst>
-      <p:ext uri="{BB962C8B-B14F-4D97-AF65-F5344CB8AC3E}">
-        <p14:creationId xmlns:p14="http://schemas.microsoft.com/office/powerpoint/2010/main" val="1425305440"/>
-      </p:ext>
-    </p:extLst>
-  </p:cSld>
-  <p:clrMapOvr>
-    <a:masterClrMapping/>
-  </p:clrMapOvr>
-</p:sld>
-</file>
-
-<file path=ppt/slides/slide20.xml><?xml version="1.0" encoding="utf-8"?>
-<p:sld xmlns:a="http://schemas.openxmlformats.org/drawingml/2006/main" xmlns:r="http://schemas.openxmlformats.org/officeDocument/2006/relationships" xmlns:p="http://schemas.openxmlformats.org/presentationml/2006/main">
-  <p:cSld>
-    <p:spTree>
-      <p:nvGrpSpPr>
-        <p:cNvPr id="1" name=""/>
-        <p:cNvGrpSpPr/>
-        <p:nvPr/>
-      </p:nvGrpSpPr>
-      <p:grpSpPr>
-        <a:xfrm>
-          <a:off x="0" y="0"/>
-          <a:ext cx="0" cy="0"/>
-          <a:chOff x="0" y="0"/>
-          <a:chExt cx="0" cy="0"/>
-        </a:xfrm>
-      </p:grpSpPr>
-      <p:sp>
-        <p:nvSpPr>
-          <p:cNvPr id="2" name="标题 1"/>
-          <p:cNvSpPr>
-            <a:spLocks noGrp="1"/>
-          </p:cNvSpPr>
-          <p:nvPr>
-            <p:ph type="title"/>
-          </p:nvPr>
-        </p:nvSpPr>
-        <p:spPr/>
-        <p:txBody>
-          <a:bodyPr/>
-          <a:lstStyle/>
-          <a:p>
-            <a:r>
-              <a:rPr lang="en-US" altLang="zh-CN" dirty="0"/>
-              <a:t>Log</a:t>
-            </a:r>
-            <a:endParaRPr lang="zh-CN" altLang="en-US" dirty="0"/>
-          </a:p>
-        </p:txBody>
-      </p:sp>
-      <p:pic>
-        <p:nvPicPr>
-          <p:cNvPr id="7" name="图片 6">
-            <a:extLst>
-              <a:ext uri="{FF2B5EF4-FFF2-40B4-BE49-F238E27FC236}">
-                <a16:creationId xmlns:a16="http://schemas.microsoft.com/office/drawing/2014/main" id="{57A10291-DC34-47C6-98AC-311DAF5485EA}"/>
-              </a:ext>
-            </a:extLst>
-          </p:cNvPr>
-          <p:cNvPicPr>
-            <a:picLocks noChangeAspect="1"/>
-          </p:cNvPicPr>
-          <p:nvPr/>
-        </p:nvPicPr>
-        <p:blipFill>
-          <a:blip r:embed="rId2"/>
-          <a:stretch>
-            <a:fillRect/>
-          </a:stretch>
-        </p:blipFill>
-        <p:spPr>
-          <a:xfrm>
-            <a:off x="876377" y="2901438"/>
-            <a:ext cx="6054357" cy="1224204"/>
-          </a:xfrm>
-          <a:prstGeom prst="rect">
-            <a:avLst/>
-          </a:prstGeom>
-          <a:ln>
-            <a:noFill/>
-          </a:ln>
-          <a:effectLst>
-            <a:outerShdw blurRad="292100" dist="139700" dir="2700000" algn="tl" rotWithShape="0">
-              <a:srgbClr val="333333">
-                <a:alpha val="65000"/>
-              </a:srgbClr>
-            </a:outerShdw>
-          </a:effectLst>
-        </p:spPr>
-      </p:pic>
-      <p:pic>
-        <p:nvPicPr>
-          <p:cNvPr id="8" name="图片 7">
-            <a:extLst>
-              <a:ext uri="{FF2B5EF4-FFF2-40B4-BE49-F238E27FC236}">
-                <a16:creationId xmlns:a16="http://schemas.microsoft.com/office/drawing/2014/main" id="{A50E9C52-2175-436C-99EA-0D78DF38DBC4}"/>
-              </a:ext>
-            </a:extLst>
-          </p:cNvPr>
-          <p:cNvPicPr>
-            <a:picLocks noChangeAspect="1"/>
-          </p:cNvPicPr>
-          <p:nvPr/>
-        </p:nvPicPr>
-        <p:blipFill>
-          <a:blip r:embed="rId3"/>
-          <a:stretch>
-            <a:fillRect/>
-          </a:stretch>
-        </p:blipFill>
-        <p:spPr>
-          <a:xfrm>
-            <a:off x="876377" y="1428844"/>
-            <a:ext cx="6092594" cy="1137021"/>
-          </a:xfrm>
-          <a:prstGeom prst="rect">
-            <a:avLst/>
-          </a:prstGeom>
-          <a:ln>
-            <a:noFill/>
-          </a:ln>
-          <a:effectLst>
-            <a:outerShdw blurRad="292100" dist="139700" dir="2700000" algn="tl" rotWithShape="0">
-              <a:srgbClr val="333333">
-                <a:alpha val="65000"/>
-              </a:srgbClr>
-            </a:outerShdw>
-          </a:effectLst>
-        </p:spPr>
-      </p:pic>
-      <p:pic>
-        <p:nvPicPr>
-          <p:cNvPr id="9" name="图片 8">
-            <a:extLst>
-              <a:ext uri="{FF2B5EF4-FFF2-40B4-BE49-F238E27FC236}">
-                <a16:creationId xmlns:a16="http://schemas.microsoft.com/office/drawing/2014/main" id="{550BE874-27A6-4E52-AD9D-699BA340EAEB}"/>
-              </a:ext>
-            </a:extLst>
-          </p:cNvPr>
-          <p:cNvPicPr>
-            <a:picLocks noChangeAspect="1"/>
-          </p:cNvPicPr>
-          <p:nvPr/>
-        </p:nvPicPr>
-        <p:blipFill>
-          <a:blip r:embed="rId4"/>
-          <a:stretch>
-            <a:fillRect/>
-          </a:stretch>
-        </p:blipFill>
-        <p:spPr>
-          <a:xfrm>
-            <a:off x="876377" y="4461215"/>
-            <a:ext cx="5127492" cy="2110367"/>
-          </a:xfrm>
-          <a:prstGeom prst="rect">
-            <a:avLst/>
-          </a:prstGeom>
-          <a:ln>
-            <a:noFill/>
-          </a:ln>
-          <a:effectLst>
-            <a:outerShdw blurRad="292100" dist="139700" dir="2700000" algn="tl" rotWithShape="0">
-              <a:srgbClr val="333333">
-                <a:alpha val="65000"/>
-              </a:srgbClr>
-            </a:outerShdw>
-          </a:effectLst>
-        </p:spPr>
-      </p:pic>
-    </p:spTree>
-    <p:extLst>
-      <p:ext uri="{BB962C8B-B14F-4D97-AF65-F5344CB8AC3E}">
-        <p14:creationId xmlns:p14="http://schemas.microsoft.com/office/powerpoint/2010/main" val="1239166143"/>
-      </p:ext>
-    </p:extLst>
-  </p:cSld>
-  <p:clrMapOvr>
-    <a:masterClrMapping/>
-  </p:clrMapOvr>
-</p:sld>
-</file>
-
-<file path=ppt/slides/slide21.xml><?xml version="1.0" encoding="utf-8"?>
-<p:sld xmlns:a="http://schemas.openxmlformats.org/drawingml/2006/main" xmlns:r="http://schemas.openxmlformats.org/officeDocument/2006/relationships" xmlns:p="http://schemas.openxmlformats.org/presentationml/2006/main">
-  <p:cSld>
-    <p:spTree>
-      <p:nvGrpSpPr>
-        <p:cNvPr id="1" name=""/>
-        <p:cNvGrpSpPr/>
-        <p:nvPr/>
-      </p:nvGrpSpPr>
-      <p:grpSpPr>
-        <a:xfrm>
-          <a:off x="0" y="0"/>
-          <a:ext cx="0" cy="0"/>
-          <a:chOff x="0" y="0"/>
-          <a:chExt cx="0" cy="0"/>
-        </a:xfrm>
-      </p:grpSpPr>
-      <p:sp>
-        <p:nvSpPr>
-          <p:cNvPr id="2" name="标题 1"/>
-          <p:cNvSpPr>
-            <a:spLocks noGrp="1"/>
-          </p:cNvSpPr>
-          <p:nvPr>
-            <p:ph type="title"/>
-          </p:nvPr>
-        </p:nvSpPr>
-        <p:spPr/>
-        <p:txBody>
-          <a:bodyPr/>
-          <a:lstStyle/>
-          <a:p>
-            <a:r>
-              <a:rPr lang="en-US" altLang="zh-CN" dirty="0"/>
-              <a:t>Dependency Injection</a:t>
-            </a:r>
-            <a:endParaRPr lang="zh-CN" altLang="en-US" dirty="0"/>
-          </a:p>
-        </p:txBody>
-      </p:sp>
-      <p:sp>
-        <p:nvSpPr>
-          <p:cNvPr id="3" name="内容占位符 2"/>
-          <p:cNvSpPr>
-            <a:spLocks noGrp="1"/>
-          </p:cNvSpPr>
-          <p:nvPr>
-            <p:ph idx="1"/>
-          </p:nvPr>
-        </p:nvSpPr>
-        <p:spPr/>
-        <p:txBody>
-          <a:bodyPr/>
-          <a:lstStyle/>
-          <a:p>
-            <a:r>
-              <a:rPr lang="en-US" altLang="zh-CN" dirty="0" err="1"/>
-              <a:t>AddTransient</a:t>
-            </a:r>
-            <a:r>
-              <a:rPr lang="zh-CN" altLang="en-US" dirty="0"/>
-              <a:t>：每次调用范围，瞬态</a:t>
-            </a:r>
-            <a:endParaRPr lang="en-US" altLang="zh-CN" dirty="0"/>
-          </a:p>
-          <a:p>
-            <a:r>
-              <a:rPr lang="en-US" altLang="zh-CN" dirty="0" err="1"/>
-              <a:t>AddScoped</a:t>
-            </a:r>
-            <a:r>
-              <a:rPr lang="zh-CN" altLang="en-US" dirty="0"/>
-              <a:t>：单次请求范围内，域内</a:t>
-            </a:r>
-            <a:endParaRPr lang="en-US" altLang="zh-CN" dirty="0"/>
-          </a:p>
-          <a:p>
-            <a:r>
-              <a:rPr lang="en-US" altLang="zh-CN" dirty="0" err="1"/>
-              <a:t>AddSingleton</a:t>
-            </a:r>
-            <a:r>
-              <a:rPr lang="zh-CN" altLang="en-US" dirty="0"/>
-              <a:t>：整个应用范围，单例</a:t>
-            </a:r>
-          </a:p>
-        </p:txBody>
-      </p:sp>
-    </p:spTree>
-    <p:extLst>
-      <p:ext uri="{BB962C8B-B14F-4D97-AF65-F5344CB8AC3E}">
-        <p14:creationId xmlns:p14="http://schemas.microsoft.com/office/powerpoint/2010/main" val="3864464518"/>
-      </p:ext>
-    </p:extLst>
-  </p:cSld>
-  <p:clrMapOvr>
-    <a:masterClrMapping/>
-  </p:clrMapOvr>
-</p:sld>
-</file>
-
-<file path=ppt/slides/slide22.xml><?xml version="1.0" encoding="utf-8"?>
-<p:sld xmlns:a="http://schemas.openxmlformats.org/drawingml/2006/main" xmlns:r="http://schemas.openxmlformats.org/officeDocument/2006/relationships" xmlns:p="http://schemas.openxmlformats.org/presentationml/2006/main">
-  <p:cSld>
-    <p:spTree>
-      <p:nvGrpSpPr>
-        <p:cNvPr id="1" name=""/>
-        <p:cNvGrpSpPr/>
-        <p:nvPr/>
-      </p:nvGrpSpPr>
-      <p:grpSpPr>
-        <a:xfrm>
-          <a:off x="0" y="0"/>
-          <a:ext cx="0" cy="0"/>
-          <a:chOff x="0" y="0"/>
-          <a:chExt cx="0" cy="0"/>
-        </a:xfrm>
-      </p:grpSpPr>
-      <p:sp>
-        <p:nvSpPr>
-          <p:cNvPr id="2" name="标题 1"/>
-          <p:cNvSpPr>
-            <a:spLocks noGrp="1"/>
-          </p:cNvSpPr>
-          <p:nvPr>
-            <p:ph type="title"/>
-          </p:nvPr>
-        </p:nvSpPr>
-        <p:spPr/>
-        <p:txBody>
-          <a:bodyPr/>
-          <a:lstStyle/>
-          <a:p>
-            <a:r>
-              <a:rPr lang="en-US" altLang="zh-CN" dirty="0"/>
-              <a:t>Middleware</a:t>
-            </a:r>
-            <a:endParaRPr lang="zh-CN" altLang="en-US" dirty="0"/>
-          </a:p>
-        </p:txBody>
-      </p:sp>
-      <p:sp>
-        <p:nvSpPr>
-          <p:cNvPr id="3" name="内容占位符 2"/>
-          <p:cNvSpPr>
-            <a:spLocks noGrp="1"/>
-          </p:cNvSpPr>
-          <p:nvPr>
-            <p:ph idx="1"/>
-          </p:nvPr>
-        </p:nvSpPr>
-        <p:spPr/>
-        <p:txBody>
-          <a:bodyPr/>
-          <a:lstStyle/>
-          <a:p>
-            <a:r>
-              <a:rPr lang="en-US" altLang="zh-CN" dirty="0"/>
-              <a:t>Use</a:t>
-            </a:r>
-          </a:p>
-          <a:p>
-            <a:r>
-              <a:rPr lang="en-US" altLang="zh-CN" dirty="0"/>
-              <a:t>Map</a:t>
-            </a:r>
-          </a:p>
-          <a:p>
-            <a:r>
-              <a:rPr lang="en-US" altLang="zh-CN" dirty="0"/>
-              <a:t>Run</a:t>
-            </a:r>
-            <a:endParaRPr lang="zh-CN" altLang="en-US" dirty="0"/>
-          </a:p>
-        </p:txBody>
-      </p:sp>
-    </p:spTree>
-    <p:extLst>
-      <p:ext uri="{BB962C8B-B14F-4D97-AF65-F5344CB8AC3E}">
-        <p14:creationId xmlns:p14="http://schemas.microsoft.com/office/powerpoint/2010/main" val="3276795306"/>
-      </p:ext>
-    </p:extLst>
-  </p:cSld>
-  <p:clrMapOvr>
-    <a:masterClrMapping/>
-  </p:clrMapOvr>
-</p:sld>
-</file>
-
-<file path=ppt/slides/slide23.xml><?xml version="1.0" encoding="utf-8"?>
-<p:sld xmlns:a="http://schemas.openxmlformats.org/drawingml/2006/main" xmlns:r="http://schemas.openxmlformats.org/officeDocument/2006/relationships" xmlns:p="http://schemas.openxmlformats.org/presentationml/2006/main">
-  <p:cSld>
-    <p:spTree>
-      <p:nvGrpSpPr>
-        <p:cNvPr id="1" name=""/>
-        <p:cNvGrpSpPr/>
-        <p:nvPr/>
-      </p:nvGrpSpPr>
-      <p:grpSpPr>
-        <a:xfrm>
-          <a:off x="0" y="0"/>
-          <a:ext cx="0" cy="0"/>
-          <a:chOff x="0" y="0"/>
-          <a:chExt cx="0" cy="0"/>
-        </a:xfrm>
-      </p:grpSpPr>
-      <p:sp>
-        <p:nvSpPr>
-          <p:cNvPr id="2" name="标题 1"/>
-          <p:cNvSpPr>
-            <a:spLocks noGrp="1"/>
-          </p:cNvSpPr>
-          <p:nvPr>
-            <p:ph type="title"/>
-          </p:nvPr>
-        </p:nvSpPr>
-        <p:spPr/>
-        <p:txBody>
-          <a:bodyPr/>
-          <a:lstStyle/>
-          <a:p>
-            <a:r>
-              <a:rPr lang="en-US" altLang="zh-CN" dirty="0"/>
-              <a:t>Middleware</a:t>
-            </a:r>
-            <a:endParaRPr lang="zh-CN" altLang="en-US" dirty="0"/>
-          </a:p>
-        </p:txBody>
-      </p:sp>
-      <p:sp>
-        <p:nvSpPr>
-          <p:cNvPr id="4" name="矩形 3">
-            <a:extLst>
-              <a:ext uri="{FF2B5EF4-FFF2-40B4-BE49-F238E27FC236}">
-                <a16:creationId xmlns:a16="http://schemas.microsoft.com/office/drawing/2014/main" id="{A2240697-84AE-473B-AC3B-BE24DB90D6DC}"/>
-              </a:ext>
-            </a:extLst>
-          </p:cNvPr>
-          <p:cNvSpPr/>
-          <p:nvPr/>
-        </p:nvSpPr>
-        <p:spPr>
-          <a:xfrm>
-            <a:off x="461638" y="2243697"/>
-            <a:ext cx="8229601" cy="4616648"/>
-          </a:xfrm>
-          <a:prstGeom prst="rect">
-            <a:avLst/>
-          </a:prstGeom>
-        </p:spPr>
-        <p:txBody>
-          <a:bodyPr wrap="square">
-            <a:spAutoFit/>
-          </a:bodyPr>
-          <a:lstStyle/>
-          <a:p>
-            <a:r>
-              <a:rPr lang="en-US" altLang="zh-CN" sz="1400" dirty="0">
-                <a:solidFill>
-                  <a:srgbClr val="0000FF"/>
-                </a:solidFill>
-                <a:latin typeface="新宋体" panose="02010609030101010101" pitchFamily="49" charset="-122"/>
-                <a:ea typeface="新宋体" panose="02010609030101010101" pitchFamily="49" charset="-122"/>
-              </a:rPr>
-              <a:t>public</a:t>
-            </a:r>
-            <a:r>
-              <a:rPr lang="en-US" altLang="zh-CN" sz="1400" dirty="0">
-                <a:solidFill>
-                  <a:srgbClr val="000000"/>
-                </a:solidFill>
-                <a:latin typeface="新宋体" panose="02010609030101010101" pitchFamily="49" charset="-122"/>
-                <a:ea typeface="新宋体" panose="02010609030101010101" pitchFamily="49" charset="-122"/>
-              </a:rPr>
-              <a:t> </a:t>
-            </a:r>
-            <a:r>
-              <a:rPr lang="en-US" altLang="zh-CN" sz="1400" dirty="0">
-                <a:solidFill>
-                  <a:srgbClr val="0000FF"/>
-                </a:solidFill>
-                <a:latin typeface="新宋体" panose="02010609030101010101" pitchFamily="49" charset="-122"/>
-                <a:ea typeface="新宋体" panose="02010609030101010101" pitchFamily="49" charset="-122"/>
-              </a:rPr>
-              <a:t>class</a:t>
-            </a:r>
-            <a:r>
-              <a:rPr lang="en-US" altLang="zh-CN" sz="1400" dirty="0">
-                <a:solidFill>
-                  <a:srgbClr val="000000"/>
-                </a:solidFill>
-                <a:latin typeface="新宋体" panose="02010609030101010101" pitchFamily="49" charset="-122"/>
-                <a:ea typeface="新宋体" panose="02010609030101010101" pitchFamily="49" charset="-122"/>
-              </a:rPr>
-              <a:t> </a:t>
-            </a:r>
-            <a:r>
-              <a:rPr lang="en-US" altLang="zh-CN" sz="1400" dirty="0" err="1">
-                <a:solidFill>
-                  <a:srgbClr val="2B91AF"/>
-                </a:solidFill>
-                <a:latin typeface="新宋体" panose="02010609030101010101" pitchFamily="49" charset="-122"/>
-                <a:ea typeface="新宋体" panose="02010609030101010101" pitchFamily="49" charset="-122"/>
-              </a:rPr>
-              <a:t>RequestCultureMiddleware</a:t>
-            </a:r>
-            <a:endParaRPr lang="en-US" altLang="zh-CN" sz="1400" dirty="0">
-              <a:solidFill>
-                <a:srgbClr val="000000"/>
-              </a:solidFill>
-              <a:latin typeface="新宋体" panose="02010609030101010101" pitchFamily="49" charset="-122"/>
-              <a:ea typeface="新宋体" panose="02010609030101010101" pitchFamily="49" charset="-122"/>
-            </a:endParaRPr>
-          </a:p>
-          <a:p>
-            <a:r>
-              <a:rPr lang="zh-CN" altLang="en-US" sz="1400" dirty="0">
-                <a:solidFill>
-                  <a:srgbClr val="000000"/>
-                </a:solidFill>
-                <a:latin typeface="新宋体" panose="02010609030101010101" pitchFamily="49" charset="-122"/>
-                <a:ea typeface="新宋体" panose="02010609030101010101" pitchFamily="49" charset="-122"/>
-              </a:rPr>
-              <a:t>    </a:t>
-            </a:r>
-            <a:r>
-              <a:rPr lang="en-US" altLang="zh-CN" sz="1400" dirty="0">
-                <a:solidFill>
-                  <a:srgbClr val="000000"/>
-                </a:solidFill>
-                <a:latin typeface="新宋体" panose="02010609030101010101" pitchFamily="49" charset="-122"/>
-                <a:ea typeface="新宋体" panose="02010609030101010101" pitchFamily="49" charset="-122"/>
-              </a:rPr>
-              <a:t>{</a:t>
-            </a:r>
-          </a:p>
-          <a:p>
-            <a:r>
-              <a:rPr lang="en-US" altLang="zh-CN" sz="1400" dirty="0">
-                <a:solidFill>
-                  <a:srgbClr val="000000"/>
-                </a:solidFill>
-                <a:latin typeface="新宋体" panose="02010609030101010101" pitchFamily="49" charset="-122"/>
-                <a:ea typeface="新宋体" panose="02010609030101010101" pitchFamily="49" charset="-122"/>
-              </a:rPr>
-              <a:t>        </a:t>
-            </a:r>
-            <a:r>
-              <a:rPr lang="en-US" altLang="zh-CN" sz="1400" dirty="0">
-                <a:solidFill>
-                  <a:srgbClr val="0000FF"/>
-                </a:solidFill>
-                <a:latin typeface="新宋体" panose="02010609030101010101" pitchFamily="49" charset="-122"/>
-                <a:ea typeface="新宋体" panose="02010609030101010101" pitchFamily="49" charset="-122"/>
-              </a:rPr>
-              <a:t>private</a:t>
-            </a:r>
-            <a:r>
-              <a:rPr lang="en-US" altLang="zh-CN" sz="1400" dirty="0">
-                <a:solidFill>
-                  <a:srgbClr val="000000"/>
-                </a:solidFill>
-                <a:latin typeface="新宋体" panose="02010609030101010101" pitchFamily="49" charset="-122"/>
-                <a:ea typeface="新宋体" panose="02010609030101010101" pitchFamily="49" charset="-122"/>
-              </a:rPr>
-              <a:t> </a:t>
-            </a:r>
-            <a:r>
-              <a:rPr lang="en-US" altLang="zh-CN" sz="1400" dirty="0" err="1">
-                <a:solidFill>
-                  <a:srgbClr val="0000FF"/>
-                </a:solidFill>
-                <a:latin typeface="新宋体" panose="02010609030101010101" pitchFamily="49" charset="-122"/>
-                <a:ea typeface="新宋体" panose="02010609030101010101" pitchFamily="49" charset="-122"/>
-              </a:rPr>
-              <a:t>readonly</a:t>
-            </a:r>
-            <a:r>
-              <a:rPr lang="en-US" altLang="zh-CN" sz="1400" dirty="0">
-                <a:solidFill>
-                  <a:srgbClr val="000000"/>
-                </a:solidFill>
-                <a:latin typeface="新宋体" panose="02010609030101010101" pitchFamily="49" charset="-122"/>
-                <a:ea typeface="新宋体" panose="02010609030101010101" pitchFamily="49" charset="-122"/>
-              </a:rPr>
-              <a:t> </a:t>
-            </a:r>
-            <a:r>
-              <a:rPr lang="en-US" altLang="zh-CN" sz="1400" dirty="0" err="1">
-                <a:solidFill>
-                  <a:srgbClr val="2B91AF"/>
-                </a:solidFill>
-                <a:latin typeface="新宋体" panose="02010609030101010101" pitchFamily="49" charset="-122"/>
-                <a:ea typeface="新宋体" panose="02010609030101010101" pitchFamily="49" charset="-122"/>
-              </a:rPr>
-              <a:t>RequestDelegate</a:t>
-            </a:r>
-            <a:r>
-              <a:rPr lang="en-US" altLang="zh-CN" sz="1400" dirty="0">
-                <a:solidFill>
-                  <a:srgbClr val="000000"/>
-                </a:solidFill>
-                <a:latin typeface="新宋体" panose="02010609030101010101" pitchFamily="49" charset="-122"/>
-                <a:ea typeface="新宋体" panose="02010609030101010101" pitchFamily="49" charset="-122"/>
-              </a:rPr>
-              <a:t> _next;</a:t>
-            </a:r>
-          </a:p>
-          <a:p>
-            <a:r>
-              <a:rPr lang="en-US" altLang="zh-CN" sz="1400" dirty="0">
-                <a:solidFill>
-                  <a:srgbClr val="000000"/>
-                </a:solidFill>
-                <a:latin typeface="新宋体" panose="02010609030101010101" pitchFamily="49" charset="-122"/>
-                <a:ea typeface="新宋体" panose="02010609030101010101" pitchFamily="49" charset="-122"/>
-              </a:rPr>
-              <a:t>        </a:t>
-            </a:r>
-            <a:r>
-              <a:rPr lang="en-US" altLang="zh-CN" sz="1400" dirty="0">
-                <a:solidFill>
-                  <a:srgbClr val="0000FF"/>
-                </a:solidFill>
-                <a:latin typeface="新宋体" panose="02010609030101010101" pitchFamily="49" charset="-122"/>
-                <a:ea typeface="新宋体" panose="02010609030101010101" pitchFamily="49" charset="-122"/>
-              </a:rPr>
-              <a:t>public</a:t>
-            </a:r>
-            <a:r>
-              <a:rPr lang="en-US" altLang="zh-CN" sz="1400" dirty="0">
-                <a:solidFill>
-                  <a:srgbClr val="000000"/>
-                </a:solidFill>
-                <a:latin typeface="新宋体" panose="02010609030101010101" pitchFamily="49" charset="-122"/>
-                <a:ea typeface="新宋体" panose="02010609030101010101" pitchFamily="49" charset="-122"/>
-              </a:rPr>
-              <a:t> </a:t>
-            </a:r>
-            <a:r>
-              <a:rPr lang="en-US" altLang="zh-CN" sz="1400" dirty="0" err="1">
-                <a:solidFill>
-                  <a:srgbClr val="000000"/>
-                </a:solidFill>
-                <a:latin typeface="新宋体" panose="02010609030101010101" pitchFamily="49" charset="-122"/>
-                <a:ea typeface="新宋体" panose="02010609030101010101" pitchFamily="49" charset="-122"/>
-              </a:rPr>
-              <a:t>RequestCultureMiddleware</a:t>
-            </a:r>
-            <a:r>
-              <a:rPr lang="en-US" altLang="zh-CN" sz="1400" dirty="0">
-                <a:solidFill>
-                  <a:srgbClr val="000000"/>
-                </a:solidFill>
-                <a:latin typeface="新宋体" panose="02010609030101010101" pitchFamily="49" charset="-122"/>
-                <a:ea typeface="新宋体" panose="02010609030101010101" pitchFamily="49" charset="-122"/>
-              </a:rPr>
-              <a:t>(</a:t>
-            </a:r>
-            <a:r>
-              <a:rPr lang="en-US" altLang="zh-CN" sz="1400" dirty="0" err="1">
-                <a:solidFill>
-                  <a:srgbClr val="2B91AF"/>
-                </a:solidFill>
-                <a:latin typeface="新宋体" panose="02010609030101010101" pitchFamily="49" charset="-122"/>
-                <a:ea typeface="新宋体" panose="02010609030101010101" pitchFamily="49" charset="-122"/>
-              </a:rPr>
-              <a:t>RequestDelegate</a:t>
-            </a:r>
-            <a:r>
-              <a:rPr lang="en-US" altLang="zh-CN" sz="1400" dirty="0">
-                <a:solidFill>
-                  <a:srgbClr val="000000"/>
-                </a:solidFill>
-                <a:latin typeface="新宋体" panose="02010609030101010101" pitchFamily="49" charset="-122"/>
-                <a:ea typeface="新宋体" panose="02010609030101010101" pitchFamily="49" charset="-122"/>
-              </a:rPr>
-              <a:t> next)</a:t>
-            </a:r>
-          </a:p>
-          <a:p>
-            <a:r>
-              <a:rPr lang="zh-CN" altLang="en-US" sz="1400" dirty="0">
-                <a:solidFill>
-                  <a:srgbClr val="000000"/>
-                </a:solidFill>
-                <a:latin typeface="新宋体" panose="02010609030101010101" pitchFamily="49" charset="-122"/>
-                <a:ea typeface="新宋体" panose="02010609030101010101" pitchFamily="49" charset="-122"/>
-              </a:rPr>
-              <a:t>        </a:t>
-            </a:r>
-            <a:r>
-              <a:rPr lang="en-US" altLang="zh-CN" sz="1400" dirty="0">
-                <a:solidFill>
-                  <a:srgbClr val="000000"/>
-                </a:solidFill>
-                <a:latin typeface="新宋体" panose="02010609030101010101" pitchFamily="49" charset="-122"/>
-                <a:ea typeface="新宋体" panose="02010609030101010101" pitchFamily="49" charset="-122"/>
-              </a:rPr>
-              <a:t>{</a:t>
-            </a:r>
-          </a:p>
-          <a:p>
-            <a:r>
-              <a:rPr lang="en-US" altLang="zh-CN" sz="1400" dirty="0">
-                <a:solidFill>
-                  <a:srgbClr val="000000"/>
-                </a:solidFill>
-                <a:latin typeface="新宋体" panose="02010609030101010101" pitchFamily="49" charset="-122"/>
-                <a:ea typeface="新宋体" panose="02010609030101010101" pitchFamily="49" charset="-122"/>
-              </a:rPr>
-              <a:t>            _next = next;</a:t>
-            </a:r>
-          </a:p>
-          <a:p>
-            <a:r>
-              <a:rPr lang="zh-CN" altLang="en-US" sz="1400" dirty="0">
-                <a:solidFill>
-                  <a:srgbClr val="000000"/>
-                </a:solidFill>
-                <a:latin typeface="新宋体" panose="02010609030101010101" pitchFamily="49" charset="-122"/>
-                <a:ea typeface="新宋体" panose="02010609030101010101" pitchFamily="49" charset="-122"/>
-              </a:rPr>
-              <a:t>        </a:t>
-            </a:r>
-            <a:r>
-              <a:rPr lang="en-US" altLang="zh-CN" sz="1400" dirty="0">
-                <a:solidFill>
-                  <a:srgbClr val="000000"/>
-                </a:solidFill>
-                <a:latin typeface="新宋体" panose="02010609030101010101" pitchFamily="49" charset="-122"/>
-                <a:ea typeface="新宋体" panose="02010609030101010101" pitchFamily="49" charset="-122"/>
-              </a:rPr>
-              <a:t>}</a:t>
-            </a:r>
-          </a:p>
-          <a:p>
-            <a:r>
-              <a:rPr lang="en-US" altLang="zh-CN" sz="1400" dirty="0">
-                <a:solidFill>
-                  <a:srgbClr val="000000"/>
-                </a:solidFill>
-                <a:latin typeface="新宋体" panose="02010609030101010101" pitchFamily="49" charset="-122"/>
-                <a:ea typeface="新宋体" panose="02010609030101010101" pitchFamily="49" charset="-122"/>
-              </a:rPr>
-              <a:t>        </a:t>
-            </a:r>
-            <a:r>
-              <a:rPr lang="en-US" altLang="zh-CN" sz="1400" dirty="0">
-                <a:solidFill>
-                  <a:srgbClr val="0000FF"/>
-                </a:solidFill>
-                <a:latin typeface="新宋体" panose="02010609030101010101" pitchFamily="49" charset="-122"/>
-                <a:ea typeface="新宋体" panose="02010609030101010101" pitchFamily="49" charset="-122"/>
-              </a:rPr>
-              <a:t>public</a:t>
-            </a:r>
-            <a:r>
-              <a:rPr lang="en-US" altLang="zh-CN" sz="1400" dirty="0">
-                <a:solidFill>
-                  <a:srgbClr val="000000"/>
-                </a:solidFill>
-                <a:latin typeface="新宋体" panose="02010609030101010101" pitchFamily="49" charset="-122"/>
-                <a:ea typeface="新宋体" panose="02010609030101010101" pitchFamily="49" charset="-122"/>
-              </a:rPr>
-              <a:t> </a:t>
-            </a:r>
-            <a:r>
-              <a:rPr lang="en-US" altLang="zh-CN" sz="1400" dirty="0">
-                <a:solidFill>
-                  <a:srgbClr val="2B91AF"/>
-                </a:solidFill>
-                <a:latin typeface="新宋体" panose="02010609030101010101" pitchFamily="49" charset="-122"/>
-                <a:ea typeface="新宋体" panose="02010609030101010101" pitchFamily="49" charset="-122"/>
-              </a:rPr>
-              <a:t>Task</a:t>
-            </a:r>
-            <a:r>
-              <a:rPr lang="en-US" altLang="zh-CN" sz="1400" dirty="0">
-                <a:solidFill>
-                  <a:srgbClr val="000000"/>
-                </a:solidFill>
-                <a:latin typeface="新宋体" panose="02010609030101010101" pitchFamily="49" charset="-122"/>
-                <a:ea typeface="新宋体" panose="02010609030101010101" pitchFamily="49" charset="-122"/>
-              </a:rPr>
-              <a:t> Invoke(</a:t>
-            </a:r>
-            <a:r>
-              <a:rPr lang="en-US" altLang="zh-CN" sz="1400" dirty="0" err="1">
-                <a:solidFill>
-                  <a:srgbClr val="2B91AF"/>
-                </a:solidFill>
-                <a:latin typeface="新宋体" panose="02010609030101010101" pitchFamily="49" charset="-122"/>
-                <a:ea typeface="新宋体" panose="02010609030101010101" pitchFamily="49" charset="-122"/>
-              </a:rPr>
-              <a:t>HttpContext</a:t>
-            </a:r>
-            <a:r>
-              <a:rPr lang="en-US" altLang="zh-CN" sz="1400" dirty="0">
-                <a:solidFill>
-                  <a:srgbClr val="000000"/>
-                </a:solidFill>
-                <a:latin typeface="新宋体" panose="02010609030101010101" pitchFamily="49" charset="-122"/>
-                <a:ea typeface="新宋体" panose="02010609030101010101" pitchFamily="49" charset="-122"/>
-              </a:rPr>
-              <a:t> context)</a:t>
-            </a:r>
-          </a:p>
-          <a:p>
-            <a:r>
-              <a:rPr lang="zh-CN" altLang="en-US" sz="1400" dirty="0">
-                <a:solidFill>
-                  <a:srgbClr val="000000"/>
-                </a:solidFill>
-                <a:latin typeface="新宋体" panose="02010609030101010101" pitchFamily="49" charset="-122"/>
-                <a:ea typeface="新宋体" panose="02010609030101010101" pitchFamily="49" charset="-122"/>
-              </a:rPr>
-              <a:t>        </a:t>
-            </a:r>
-            <a:r>
-              <a:rPr lang="en-US" altLang="zh-CN" sz="1400" dirty="0">
-                <a:solidFill>
-                  <a:srgbClr val="000000"/>
-                </a:solidFill>
-                <a:latin typeface="新宋体" panose="02010609030101010101" pitchFamily="49" charset="-122"/>
-                <a:ea typeface="新宋体" panose="02010609030101010101" pitchFamily="49" charset="-122"/>
-              </a:rPr>
-              <a:t>{</a:t>
-            </a:r>
-          </a:p>
-          <a:p>
-            <a:r>
-              <a:rPr lang="zh-CN" altLang="en-US" sz="1400" dirty="0">
-                <a:solidFill>
-                  <a:srgbClr val="000000"/>
-                </a:solidFill>
-                <a:latin typeface="新宋体" panose="02010609030101010101" pitchFamily="49" charset="-122"/>
-                <a:ea typeface="新宋体" panose="02010609030101010101" pitchFamily="49" charset="-122"/>
-              </a:rPr>
-              <a:t>           </a:t>
-            </a:r>
-            <a:r>
-              <a:rPr lang="en-US" altLang="zh-CN" sz="1400" dirty="0">
-                <a:solidFill>
-                  <a:srgbClr val="008000"/>
-                </a:solidFill>
-                <a:latin typeface="新宋体" panose="02010609030101010101" pitchFamily="49" charset="-122"/>
-                <a:ea typeface="新宋体" panose="02010609030101010101" pitchFamily="49" charset="-122"/>
-              </a:rPr>
-              <a:t>//</a:t>
-            </a:r>
-            <a:r>
-              <a:rPr lang="zh-CN" altLang="en-US" sz="1400" dirty="0">
-                <a:solidFill>
-                  <a:srgbClr val="008000"/>
-                </a:solidFill>
-                <a:latin typeface="新宋体" panose="02010609030101010101" pitchFamily="49" charset="-122"/>
-                <a:ea typeface="新宋体" panose="02010609030101010101" pitchFamily="49" charset="-122"/>
-              </a:rPr>
-              <a:t>这里是获取</a:t>
-            </a:r>
-            <a:r>
-              <a:rPr lang="en-US" altLang="zh-CN" sz="1400" dirty="0">
-                <a:solidFill>
-                  <a:srgbClr val="008000"/>
-                </a:solidFill>
-                <a:latin typeface="新宋体" panose="02010609030101010101" pitchFamily="49" charset="-122"/>
-                <a:ea typeface="新宋体" panose="02010609030101010101" pitchFamily="49" charset="-122"/>
-              </a:rPr>
-              <a:t>context</a:t>
-            </a:r>
-            <a:r>
-              <a:rPr lang="zh-CN" altLang="en-US" sz="1400" dirty="0">
-                <a:solidFill>
-                  <a:srgbClr val="008000"/>
-                </a:solidFill>
-                <a:latin typeface="新宋体" panose="02010609030101010101" pitchFamily="49" charset="-122"/>
-                <a:ea typeface="新宋体" panose="02010609030101010101" pitchFamily="49" charset="-122"/>
-              </a:rPr>
-              <a:t>信息后处理的代码</a:t>
-            </a:r>
-            <a:endParaRPr lang="zh-CN" altLang="en-US" sz="1400" dirty="0">
-              <a:solidFill>
-                <a:srgbClr val="000000"/>
-              </a:solidFill>
-              <a:latin typeface="新宋体" panose="02010609030101010101" pitchFamily="49" charset="-122"/>
-              <a:ea typeface="新宋体" panose="02010609030101010101" pitchFamily="49" charset="-122"/>
-            </a:endParaRPr>
-          </a:p>
-          <a:p>
-            <a:r>
-              <a:rPr lang="en-US" altLang="zh-CN" sz="1400" dirty="0">
-                <a:solidFill>
-                  <a:srgbClr val="000000"/>
-                </a:solidFill>
-                <a:latin typeface="新宋体" panose="02010609030101010101" pitchFamily="49" charset="-122"/>
-                <a:ea typeface="新宋体" panose="02010609030101010101" pitchFamily="49" charset="-122"/>
-              </a:rPr>
-              <a:t>            </a:t>
-            </a:r>
-            <a:r>
-              <a:rPr lang="en-US" altLang="zh-CN" sz="1400" dirty="0">
-                <a:solidFill>
-                  <a:srgbClr val="0000FF"/>
-                </a:solidFill>
-                <a:latin typeface="新宋体" panose="02010609030101010101" pitchFamily="49" charset="-122"/>
-                <a:ea typeface="新宋体" panose="02010609030101010101" pitchFamily="49" charset="-122"/>
-              </a:rPr>
-              <a:t>return</a:t>
-            </a:r>
-            <a:r>
-              <a:rPr lang="en-US" altLang="zh-CN" sz="1400" dirty="0">
-                <a:solidFill>
-                  <a:srgbClr val="000000"/>
-                </a:solidFill>
-                <a:latin typeface="新宋体" panose="02010609030101010101" pitchFamily="49" charset="-122"/>
-                <a:ea typeface="新宋体" panose="02010609030101010101" pitchFamily="49" charset="-122"/>
-              </a:rPr>
-              <a:t> </a:t>
-            </a:r>
-            <a:r>
-              <a:rPr lang="en-US" altLang="zh-CN" sz="1400" dirty="0" err="1">
-                <a:solidFill>
-                  <a:srgbClr val="0000FF"/>
-                </a:solidFill>
-                <a:latin typeface="新宋体" panose="02010609030101010101" pitchFamily="49" charset="-122"/>
-                <a:ea typeface="新宋体" panose="02010609030101010101" pitchFamily="49" charset="-122"/>
-              </a:rPr>
-              <a:t>this</a:t>
-            </a:r>
-            <a:r>
-              <a:rPr lang="en-US" altLang="zh-CN" sz="1400" dirty="0" err="1">
-                <a:solidFill>
-                  <a:srgbClr val="000000"/>
-                </a:solidFill>
-                <a:latin typeface="新宋体" panose="02010609030101010101" pitchFamily="49" charset="-122"/>
-                <a:ea typeface="新宋体" panose="02010609030101010101" pitchFamily="49" charset="-122"/>
-              </a:rPr>
-              <a:t>._next</a:t>
-            </a:r>
-            <a:r>
-              <a:rPr lang="en-US" altLang="zh-CN" sz="1400" dirty="0">
-                <a:solidFill>
-                  <a:srgbClr val="000000"/>
-                </a:solidFill>
-                <a:latin typeface="新宋体" panose="02010609030101010101" pitchFamily="49" charset="-122"/>
-                <a:ea typeface="新宋体" panose="02010609030101010101" pitchFamily="49" charset="-122"/>
-              </a:rPr>
-              <a:t>(context);</a:t>
-            </a:r>
-          </a:p>
-          <a:p>
-            <a:r>
-              <a:rPr lang="zh-CN" altLang="en-US" sz="1400" dirty="0">
-                <a:solidFill>
-                  <a:srgbClr val="000000"/>
-                </a:solidFill>
-                <a:latin typeface="新宋体" panose="02010609030101010101" pitchFamily="49" charset="-122"/>
-                <a:ea typeface="新宋体" panose="02010609030101010101" pitchFamily="49" charset="-122"/>
-              </a:rPr>
-              <a:t>        </a:t>
-            </a:r>
-            <a:r>
-              <a:rPr lang="en-US" altLang="zh-CN" sz="1400" dirty="0">
-                <a:solidFill>
-                  <a:srgbClr val="000000"/>
-                </a:solidFill>
-                <a:latin typeface="新宋体" panose="02010609030101010101" pitchFamily="49" charset="-122"/>
-                <a:ea typeface="新宋体" panose="02010609030101010101" pitchFamily="49" charset="-122"/>
-              </a:rPr>
-              <a:t>}</a:t>
-            </a:r>
-          </a:p>
-          <a:p>
-            <a:r>
-              <a:rPr lang="zh-CN" altLang="en-US" sz="1400" dirty="0">
-                <a:solidFill>
-                  <a:srgbClr val="000000"/>
-                </a:solidFill>
-                <a:latin typeface="新宋体" panose="02010609030101010101" pitchFamily="49" charset="-122"/>
-                <a:ea typeface="新宋体" panose="02010609030101010101" pitchFamily="49" charset="-122"/>
-              </a:rPr>
-              <a:t>    </a:t>
-            </a:r>
-            <a:r>
-              <a:rPr lang="en-US" altLang="zh-CN" sz="1400" dirty="0">
-                <a:solidFill>
-                  <a:srgbClr val="000000"/>
-                </a:solidFill>
-                <a:latin typeface="新宋体" panose="02010609030101010101" pitchFamily="49" charset="-122"/>
-                <a:ea typeface="新宋体" panose="02010609030101010101" pitchFamily="49" charset="-122"/>
-              </a:rPr>
-              <a:t>}</a:t>
-            </a:r>
-          </a:p>
-          <a:p>
-            <a:r>
-              <a:rPr lang="en-US" altLang="zh-CN" sz="1400" dirty="0">
-                <a:solidFill>
-                  <a:srgbClr val="000000"/>
-                </a:solidFill>
-                <a:latin typeface="新宋体" panose="02010609030101010101" pitchFamily="49" charset="-122"/>
-                <a:ea typeface="新宋体" panose="02010609030101010101" pitchFamily="49" charset="-122"/>
-              </a:rPr>
-              <a:t>    </a:t>
-            </a:r>
-            <a:r>
-              <a:rPr lang="en-US" altLang="zh-CN" sz="1400" dirty="0">
-                <a:solidFill>
-                  <a:srgbClr val="0000FF"/>
-                </a:solidFill>
-                <a:latin typeface="新宋体" panose="02010609030101010101" pitchFamily="49" charset="-122"/>
-                <a:ea typeface="新宋体" panose="02010609030101010101" pitchFamily="49" charset="-122"/>
-              </a:rPr>
-              <a:t>public</a:t>
-            </a:r>
-            <a:r>
-              <a:rPr lang="en-US" altLang="zh-CN" sz="1400" dirty="0">
-                <a:solidFill>
-                  <a:srgbClr val="000000"/>
-                </a:solidFill>
-                <a:latin typeface="新宋体" panose="02010609030101010101" pitchFamily="49" charset="-122"/>
-                <a:ea typeface="新宋体" panose="02010609030101010101" pitchFamily="49" charset="-122"/>
-              </a:rPr>
-              <a:t> </a:t>
-            </a:r>
-            <a:r>
-              <a:rPr lang="en-US" altLang="zh-CN" sz="1400" dirty="0">
-                <a:solidFill>
-                  <a:srgbClr val="0000FF"/>
-                </a:solidFill>
-                <a:latin typeface="新宋体" panose="02010609030101010101" pitchFamily="49" charset="-122"/>
-                <a:ea typeface="新宋体" panose="02010609030101010101" pitchFamily="49" charset="-122"/>
-              </a:rPr>
-              <a:t>static</a:t>
-            </a:r>
-            <a:r>
-              <a:rPr lang="en-US" altLang="zh-CN" sz="1400" dirty="0">
-                <a:solidFill>
-                  <a:srgbClr val="000000"/>
-                </a:solidFill>
-                <a:latin typeface="新宋体" panose="02010609030101010101" pitchFamily="49" charset="-122"/>
-                <a:ea typeface="新宋体" panose="02010609030101010101" pitchFamily="49" charset="-122"/>
-              </a:rPr>
-              <a:t> </a:t>
-            </a:r>
-            <a:r>
-              <a:rPr lang="en-US" altLang="zh-CN" sz="1400" dirty="0">
-                <a:solidFill>
-                  <a:srgbClr val="0000FF"/>
-                </a:solidFill>
-                <a:latin typeface="新宋体" panose="02010609030101010101" pitchFamily="49" charset="-122"/>
-                <a:ea typeface="新宋体" panose="02010609030101010101" pitchFamily="49" charset="-122"/>
-              </a:rPr>
-              <a:t>class</a:t>
-            </a:r>
-            <a:r>
-              <a:rPr lang="en-US" altLang="zh-CN" sz="1400" dirty="0">
-                <a:solidFill>
-                  <a:srgbClr val="000000"/>
-                </a:solidFill>
-                <a:latin typeface="新宋体" panose="02010609030101010101" pitchFamily="49" charset="-122"/>
-                <a:ea typeface="新宋体" panose="02010609030101010101" pitchFamily="49" charset="-122"/>
-              </a:rPr>
-              <a:t> </a:t>
-            </a:r>
-            <a:r>
-              <a:rPr lang="en-US" altLang="zh-CN" sz="1400" dirty="0" err="1">
-                <a:solidFill>
-                  <a:srgbClr val="2B91AF"/>
-                </a:solidFill>
-                <a:latin typeface="新宋体" panose="02010609030101010101" pitchFamily="49" charset="-122"/>
-                <a:ea typeface="新宋体" panose="02010609030101010101" pitchFamily="49" charset="-122"/>
-              </a:rPr>
-              <a:t>RequestCultureMiddlewareExtensions</a:t>
-            </a:r>
-            <a:endParaRPr lang="en-US" altLang="zh-CN" sz="1400" dirty="0">
-              <a:solidFill>
-                <a:srgbClr val="000000"/>
-              </a:solidFill>
-              <a:latin typeface="新宋体" panose="02010609030101010101" pitchFamily="49" charset="-122"/>
-              <a:ea typeface="新宋体" panose="02010609030101010101" pitchFamily="49" charset="-122"/>
-            </a:endParaRPr>
-          </a:p>
-          <a:p>
-            <a:r>
-              <a:rPr lang="zh-CN" altLang="en-US" sz="1400" dirty="0">
-                <a:solidFill>
-                  <a:srgbClr val="000000"/>
-                </a:solidFill>
-                <a:latin typeface="新宋体" panose="02010609030101010101" pitchFamily="49" charset="-122"/>
-                <a:ea typeface="新宋体" panose="02010609030101010101" pitchFamily="49" charset="-122"/>
-              </a:rPr>
-              <a:t>    </a:t>
-            </a:r>
-            <a:r>
-              <a:rPr lang="en-US" altLang="zh-CN" sz="1400" dirty="0">
-                <a:solidFill>
-                  <a:srgbClr val="000000"/>
-                </a:solidFill>
-                <a:latin typeface="新宋体" panose="02010609030101010101" pitchFamily="49" charset="-122"/>
-                <a:ea typeface="新宋体" panose="02010609030101010101" pitchFamily="49" charset="-122"/>
-              </a:rPr>
-              <a:t>{</a:t>
-            </a:r>
-          </a:p>
-          <a:p>
-            <a:r>
-              <a:rPr lang="en-US" altLang="zh-CN" sz="1400" dirty="0">
-                <a:solidFill>
-                  <a:srgbClr val="000000"/>
-                </a:solidFill>
-                <a:latin typeface="新宋体" panose="02010609030101010101" pitchFamily="49" charset="-122"/>
-                <a:ea typeface="新宋体" panose="02010609030101010101" pitchFamily="49" charset="-122"/>
-              </a:rPr>
-              <a:t>        </a:t>
-            </a:r>
-            <a:r>
-              <a:rPr lang="en-US" altLang="zh-CN" sz="1400" dirty="0">
-                <a:solidFill>
-                  <a:srgbClr val="0000FF"/>
-                </a:solidFill>
-                <a:latin typeface="新宋体" panose="02010609030101010101" pitchFamily="49" charset="-122"/>
-                <a:ea typeface="新宋体" panose="02010609030101010101" pitchFamily="49" charset="-122"/>
-              </a:rPr>
-              <a:t>public</a:t>
-            </a:r>
-            <a:r>
-              <a:rPr lang="en-US" altLang="zh-CN" sz="1400" dirty="0">
-                <a:solidFill>
-                  <a:srgbClr val="000000"/>
-                </a:solidFill>
-                <a:latin typeface="新宋体" panose="02010609030101010101" pitchFamily="49" charset="-122"/>
-                <a:ea typeface="新宋体" panose="02010609030101010101" pitchFamily="49" charset="-122"/>
-              </a:rPr>
-              <a:t> </a:t>
-            </a:r>
-            <a:r>
-              <a:rPr lang="en-US" altLang="zh-CN" sz="1400" dirty="0">
-                <a:solidFill>
-                  <a:srgbClr val="0000FF"/>
-                </a:solidFill>
-                <a:latin typeface="新宋体" panose="02010609030101010101" pitchFamily="49" charset="-122"/>
-                <a:ea typeface="新宋体" panose="02010609030101010101" pitchFamily="49" charset="-122"/>
-              </a:rPr>
-              <a:t>static</a:t>
-            </a:r>
-            <a:r>
-              <a:rPr lang="en-US" altLang="zh-CN" sz="1400" dirty="0">
-                <a:solidFill>
-                  <a:srgbClr val="000000"/>
-                </a:solidFill>
-                <a:latin typeface="新宋体" panose="02010609030101010101" pitchFamily="49" charset="-122"/>
-                <a:ea typeface="新宋体" panose="02010609030101010101" pitchFamily="49" charset="-122"/>
-              </a:rPr>
-              <a:t> </a:t>
-            </a:r>
-            <a:r>
-              <a:rPr lang="en-US" altLang="zh-CN" sz="1400" dirty="0" err="1">
-                <a:solidFill>
-                  <a:srgbClr val="2B91AF"/>
-                </a:solidFill>
-                <a:latin typeface="新宋体" panose="02010609030101010101" pitchFamily="49" charset="-122"/>
-                <a:ea typeface="新宋体" panose="02010609030101010101" pitchFamily="49" charset="-122"/>
-              </a:rPr>
-              <a:t>IApplicationBuilder</a:t>
-            </a:r>
-            <a:r>
-              <a:rPr lang="en-US" altLang="zh-CN" sz="1400" dirty="0">
-                <a:solidFill>
-                  <a:srgbClr val="000000"/>
-                </a:solidFill>
-                <a:latin typeface="新宋体" panose="02010609030101010101" pitchFamily="49" charset="-122"/>
-                <a:ea typeface="新宋体" panose="02010609030101010101" pitchFamily="49" charset="-122"/>
-              </a:rPr>
-              <a:t> </a:t>
-            </a:r>
-            <a:r>
-              <a:rPr lang="en-US" altLang="zh-CN" sz="1400" dirty="0" err="1">
-                <a:solidFill>
-                  <a:srgbClr val="000000"/>
-                </a:solidFill>
-                <a:latin typeface="新宋体" panose="02010609030101010101" pitchFamily="49" charset="-122"/>
-                <a:ea typeface="新宋体" panose="02010609030101010101" pitchFamily="49" charset="-122"/>
-              </a:rPr>
-              <a:t>UseRequestCulture</a:t>
-            </a:r>
-            <a:r>
-              <a:rPr lang="en-US" altLang="zh-CN" sz="1400" dirty="0">
-                <a:solidFill>
-                  <a:srgbClr val="000000"/>
-                </a:solidFill>
-                <a:latin typeface="新宋体" panose="02010609030101010101" pitchFamily="49" charset="-122"/>
-                <a:ea typeface="新宋体" panose="02010609030101010101" pitchFamily="49" charset="-122"/>
-              </a:rPr>
-              <a:t>(</a:t>
-            </a:r>
-          </a:p>
-          <a:p>
-            <a:r>
-              <a:rPr lang="en-US" altLang="zh-CN" sz="1400" dirty="0">
-                <a:solidFill>
-                  <a:srgbClr val="000000"/>
-                </a:solidFill>
-                <a:latin typeface="新宋体" panose="02010609030101010101" pitchFamily="49" charset="-122"/>
-                <a:ea typeface="新宋体" panose="02010609030101010101" pitchFamily="49" charset="-122"/>
-              </a:rPr>
-              <a:t>            </a:t>
-            </a:r>
-            <a:r>
-              <a:rPr lang="en-US" altLang="zh-CN" sz="1400" dirty="0">
-                <a:solidFill>
-                  <a:srgbClr val="0000FF"/>
-                </a:solidFill>
-                <a:latin typeface="新宋体" panose="02010609030101010101" pitchFamily="49" charset="-122"/>
-                <a:ea typeface="新宋体" panose="02010609030101010101" pitchFamily="49" charset="-122"/>
-              </a:rPr>
-              <a:t>this</a:t>
-            </a:r>
-            <a:r>
-              <a:rPr lang="en-US" altLang="zh-CN" sz="1400" dirty="0">
-                <a:solidFill>
-                  <a:srgbClr val="000000"/>
-                </a:solidFill>
-                <a:latin typeface="新宋体" panose="02010609030101010101" pitchFamily="49" charset="-122"/>
-                <a:ea typeface="新宋体" panose="02010609030101010101" pitchFamily="49" charset="-122"/>
-              </a:rPr>
-              <a:t> </a:t>
-            </a:r>
-            <a:r>
-              <a:rPr lang="en-US" altLang="zh-CN" sz="1400" dirty="0" err="1">
-                <a:solidFill>
-                  <a:srgbClr val="2B91AF"/>
-                </a:solidFill>
-                <a:latin typeface="新宋体" panose="02010609030101010101" pitchFamily="49" charset="-122"/>
-                <a:ea typeface="新宋体" panose="02010609030101010101" pitchFamily="49" charset="-122"/>
-              </a:rPr>
-              <a:t>IApplicationBuilder</a:t>
-            </a:r>
-            <a:r>
-              <a:rPr lang="en-US" altLang="zh-CN" sz="1400" dirty="0">
-                <a:solidFill>
-                  <a:srgbClr val="000000"/>
-                </a:solidFill>
-                <a:latin typeface="新宋体" panose="02010609030101010101" pitchFamily="49" charset="-122"/>
-                <a:ea typeface="新宋体" panose="02010609030101010101" pitchFamily="49" charset="-122"/>
-              </a:rPr>
-              <a:t> builder)</a:t>
-            </a:r>
-          </a:p>
-          <a:p>
-            <a:r>
-              <a:rPr lang="zh-CN" altLang="en-US" sz="1400" dirty="0">
-                <a:solidFill>
-                  <a:srgbClr val="000000"/>
-                </a:solidFill>
-                <a:latin typeface="新宋体" panose="02010609030101010101" pitchFamily="49" charset="-122"/>
-                <a:ea typeface="新宋体" panose="02010609030101010101" pitchFamily="49" charset="-122"/>
-              </a:rPr>
-              <a:t>        </a:t>
-            </a:r>
-            <a:r>
-              <a:rPr lang="en-US" altLang="zh-CN" sz="1400" dirty="0">
-                <a:solidFill>
-                  <a:srgbClr val="000000"/>
-                </a:solidFill>
-                <a:latin typeface="新宋体" panose="02010609030101010101" pitchFamily="49" charset="-122"/>
-                <a:ea typeface="新宋体" panose="02010609030101010101" pitchFamily="49" charset="-122"/>
-              </a:rPr>
-              <a:t>{</a:t>
-            </a:r>
-          </a:p>
-          <a:p>
-            <a:r>
-              <a:rPr lang="en-US" altLang="zh-CN" sz="1400" dirty="0">
-                <a:solidFill>
-                  <a:srgbClr val="000000"/>
-                </a:solidFill>
-                <a:latin typeface="新宋体" panose="02010609030101010101" pitchFamily="49" charset="-122"/>
-                <a:ea typeface="新宋体" panose="02010609030101010101" pitchFamily="49" charset="-122"/>
-              </a:rPr>
-              <a:t>            </a:t>
-            </a:r>
-            <a:r>
-              <a:rPr lang="en-US" altLang="zh-CN" sz="1400" dirty="0">
-                <a:solidFill>
-                  <a:srgbClr val="0000FF"/>
-                </a:solidFill>
-                <a:latin typeface="新宋体" panose="02010609030101010101" pitchFamily="49" charset="-122"/>
-                <a:ea typeface="新宋体" panose="02010609030101010101" pitchFamily="49" charset="-122"/>
-              </a:rPr>
-              <a:t>return</a:t>
-            </a:r>
-            <a:r>
-              <a:rPr lang="en-US" altLang="zh-CN" sz="1400" dirty="0">
-                <a:solidFill>
-                  <a:srgbClr val="000000"/>
-                </a:solidFill>
-                <a:latin typeface="新宋体" panose="02010609030101010101" pitchFamily="49" charset="-122"/>
-                <a:ea typeface="新宋体" panose="02010609030101010101" pitchFamily="49" charset="-122"/>
-              </a:rPr>
-              <a:t> </a:t>
-            </a:r>
-            <a:r>
-              <a:rPr lang="en-US" altLang="zh-CN" sz="1400" dirty="0" err="1">
-                <a:solidFill>
-                  <a:srgbClr val="000000"/>
-                </a:solidFill>
-                <a:latin typeface="新宋体" panose="02010609030101010101" pitchFamily="49" charset="-122"/>
-                <a:ea typeface="新宋体" panose="02010609030101010101" pitchFamily="49" charset="-122"/>
-              </a:rPr>
-              <a:t>builder.UseMiddleware</a:t>
-            </a:r>
-            <a:r>
-              <a:rPr lang="en-US" altLang="zh-CN" sz="1400" dirty="0">
-                <a:solidFill>
-                  <a:srgbClr val="000000"/>
-                </a:solidFill>
-                <a:latin typeface="新宋体" panose="02010609030101010101" pitchFamily="49" charset="-122"/>
-                <a:ea typeface="新宋体" panose="02010609030101010101" pitchFamily="49" charset="-122"/>
-              </a:rPr>
-              <a:t>&lt;</a:t>
-            </a:r>
-            <a:r>
-              <a:rPr lang="en-US" altLang="zh-CN" sz="1400" dirty="0" err="1">
-                <a:solidFill>
-                  <a:srgbClr val="2B91AF"/>
-                </a:solidFill>
-                <a:latin typeface="新宋体" panose="02010609030101010101" pitchFamily="49" charset="-122"/>
-                <a:ea typeface="新宋体" panose="02010609030101010101" pitchFamily="49" charset="-122"/>
-              </a:rPr>
-              <a:t>RequestCultureMiddleware</a:t>
-            </a:r>
-            <a:r>
-              <a:rPr lang="en-US" altLang="zh-CN" sz="1400" dirty="0">
-                <a:solidFill>
-                  <a:srgbClr val="000000"/>
-                </a:solidFill>
-                <a:latin typeface="新宋体" panose="02010609030101010101" pitchFamily="49" charset="-122"/>
-                <a:ea typeface="新宋体" panose="02010609030101010101" pitchFamily="49" charset="-122"/>
-              </a:rPr>
-              <a:t>&gt;();</a:t>
-            </a:r>
-          </a:p>
-          <a:p>
-            <a:r>
-              <a:rPr lang="zh-CN" altLang="en-US" sz="1400" dirty="0">
-                <a:solidFill>
-                  <a:srgbClr val="000000"/>
-                </a:solidFill>
-                <a:latin typeface="新宋体" panose="02010609030101010101" pitchFamily="49" charset="-122"/>
-                <a:ea typeface="新宋体" panose="02010609030101010101" pitchFamily="49" charset="-122"/>
-              </a:rPr>
-              <a:t>        </a:t>
-            </a:r>
-            <a:r>
-              <a:rPr lang="en-US" altLang="zh-CN" sz="1400" dirty="0">
-                <a:solidFill>
-                  <a:srgbClr val="000000"/>
-                </a:solidFill>
-                <a:latin typeface="新宋体" panose="02010609030101010101" pitchFamily="49" charset="-122"/>
-                <a:ea typeface="新宋体" panose="02010609030101010101" pitchFamily="49" charset="-122"/>
-              </a:rPr>
-              <a:t>}</a:t>
-            </a:r>
-          </a:p>
-          <a:p>
-            <a:r>
-              <a:rPr lang="zh-CN" altLang="en-US" sz="1400" dirty="0">
-                <a:solidFill>
-                  <a:srgbClr val="000000"/>
-                </a:solidFill>
-                <a:latin typeface="新宋体" panose="02010609030101010101" pitchFamily="49" charset="-122"/>
-                <a:ea typeface="新宋体" panose="02010609030101010101" pitchFamily="49" charset="-122"/>
-              </a:rPr>
-              <a:t>    </a:t>
-            </a:r>
-            <a:r>
-              <a:rPr lang="en-US" altLang="zh-CN" sz="1400" dirty="0">
-                <a:solidFill>
-                  <a:srgbClr val="000000"/>
-                </a:solidFill>
-                <a:latin typeface="新宋体" panose="02010609030101010101" pitchFamily="49" charset="-122"/>
-                <a:ea typeface="新宋体" panose="02010609030101010101" pitchFamily="49" charset="-122"/>
-              </a:rPr>
-              <a:t>}</a:t>
-            </a:r>
-            <a:endParaRPr lang="zh-CN" altLang="en-US" sz="1400" dirty="0"/>
-          </a:p>
-        </p:txBody>
-      </p:sp>
-      <p:sp>
-        <p:nvSpPr>
-          <p:cNvPr id="7" name="矩形 6">
-            <a:extLst>
-              <a:ext uri="{FF2B5EF4-FFF2-40B4-BE49-F238E27FC236}">
-                <a16:creationId xmlns:a16="http://schemas.microsoft.com/office/drawing/2014/main" id="{B57DA9A7-3435-42A4-8708-C9EFECF416D4}"/>
-              </a:ext>
-            </a:extLst>
-          </p:cNvPr>
-          <p:cNvSpPr/>
-          <p:nvPr/>
-        </p:nvSpPr>
-        <p:spPr>
-          <a:xfrm>
-            <a:off x="390617" y="1158043"/>
-            <a:ext cx="8300622" cy="1384995"/>
-          </a:xfrm>
-          <a:prstGeom prst="rect">
-            <a:avLst/>
-          </a:prstGeom>
-        </p:spPr>
-        <p:txBody>
-          <a:bodyPr wrap="square">
-            <a:spAutoFit/>
-          </a:bodyPr>
-          <a:lstStyle/>
-          <a:p>
-            <a:r>
-              <a:rPr lang="en-US" altLang="zh-CN" sz="1400" dirty="0">
-                <a:solidFill>
-                  <a:srgbClr val="0000FF"/>
-                </a:solidFill>
-                <a:latin typeface="新宋体" panose="02010609030101010101" pitchFamily="49" charset="-122"/>
-                <a:ea typeface="新宋体" panose="02010609030101010101" pitchFamily="49" charset="-122"/>
-              </a:rPr>
-              <a:t>public</a:t>
-            </a:r>
-            <a:r>
-              <a:rPr lang="en-US" altLang="zh-CN" sz="1400" dirty="0">
-                <a:solidFill>
-                  <a:srgbClr val="000000"/>
-                </a:solidFill>
-                <a:latin typeface="新宋体" panose="02010609030101010101" pitchFamily="49" charset="-122"/>
-                <a:ea typeface="新宋体" panose="02010609030101010101" pitchFamily="49" charset="-122"/>
-              </a:rPr>
-              <a:t> </a:t>
-            </a:r>
-            <a:r>
-              <a:rPr lang="en-US" altLang="zh-CN" sz="1400" dirty="0">
-                <a:solidFill>
-                  <a:srgbClr val="0000FF"/>
-                </a:solidFill>
-                <a:latin typeface="新宋体" panose="02010609030101010101" pitchFamily="49" charset="-122"/>
-                <a:ea typeface="新宋体" panose="02010609030101010101" pitchFamily="49" charset="-122"/>
-              </a:rPr>
-              <a:t>void</a:t>
-            </a:r>
-            <a:r>
-              <a:rPr lang="en-US" altLang="zh-CN" sz="1400" dirty="0">
-                <a:solidFill>
-                  <a:srgbClr val="000000"/>
-                </a:solidFill>
-                <a:latin typeface="新宋体" panose="02010609030101010101" pitchFamily="49" charset="-122"/>
-                <a:ea typeface="新宋体" panose="02010609030101010101" pitchFamily="49" charset="-122"/>
-              </a:rPr>
-              <a:t> Configure(</a:t>
-            </a:r>
-            <a:r>
-              <a:rPr lang="en-US" altLang="zh-CN" sz="1400" dirty="0" err="1">
-                <a:solidFill>
-                  <a:srgbClr val="2B91AF"/>
-                </a:solidFill>
-                <a:latin typeface="新宋体" panose="02010609030101010101" pitchFamily="49" charset="-122"/>
-                <a:ea typeface="新宋体" panose="02010609030101010101" pitchFamily="49" charset="-122"/>
-              </a:rPr>
-              <a:t>IApplicationBuilder</a:t>
-            </a:r>
-            <a:r>
-              <a:rPr lang="en-US" altLang="zh-CN" sz="1400" dirty="0">
-                <a:solidFill>
-                  <a:srgbClr val="000000"/>
-                </a:solidFill>
-                <a:latin typeface="新宋体" panose="02010609030101010101" pitchFamily="49" charset="-122"/>
-                <a:ea typeface="新宋体" panose="02010609030101010101" pitchFamily="49" charset="-122"/>
-              </a:rPr>
-              <a:t> app, </a:t>
-            </a:r>
-            <a:r>
-              <a:rPr lang="en-US" altLang="zh-CN" sz="1400" dirty="0" err="1">
-                <a:solidFill>
-                  <a:srgbClr val="2B91AF"/>
-                </a:solidFill>
-                <a:latin typeface="新宋体" panose="02010609030101010101" pitchFamily="49" charset="-122"/>
-                <a:ea typeface="新宋体" panose="02010609030101010101" pitchFamily="49" charset="-122"/>
-              </a:rPr>
-              <a:t>IHostingEnvironment</a:t>
-            </a:r>
-            <a:r>
-              <a:rPr lang="en-US" altLang="zh-CN" sz="1400" dirty="0">
-                <a:solidFill>
-                  <a:srgbClr val="000000"/>
-                </a:solidFill>
-                <a:latin typeface="新宋体" panose="02010609030101010101" pitchFamily="49" charset="-122"/>
-                <a:ea typeface="新宋体" panose="02010609030101010101" pitchFamily="49" charset="-122"/>
-              </a:rPr>
-              <a:t> </a:t>
-            </a:r>
-            <a:r>
-              <a:rPr lang="en-US" altLang="zh-CN" sz="1400" dirty="0" err="1">
-                <a:solidFill>
-                  <a:srgbClr val="000000"/>
-                </a:solidFill>
-                <a:latin typeface="新宋体" panose="02010609030101010101" pitchFamily="49" charset="-122"/>
-                <a:ea typeface="新宋体" panose="02010609030101010101" pitchFamily="49" charset="-122"/>
-              </a:rPr>
-              <a:t>env</a:t>
-            </a:r>
-            <a:r>
-              <a:rPr lang="en-US" altLang="zh-CN" sz="1400" dirty="0">
-                <a:solidFill>
-                  <a:srgbClr val="000000"/>
-                </a:solidFill>
-                <a:latin typeface="新宋体" panose="02010609030101010101" pitchFamily="49" charset="-122"/>
-                <a:ea typeface="新宋体" panose="02010609030101010101" pitchFamily="49" charset="-122"/>
-              </a:rPr>
-              <a:t>, </a:t>
-            </a:r>
-            <a:r>
-              <a:rPr lang="en-US" altLang="zh-CN" sz="1400" dirty="0" err="1">
-                <a:solidFill>
-                  <a:srgbClr val="2B91AF"/>
-                </a:solidFill>
-                <a:latin typeface="新宋体" panose="02010609030101010101" pitchFamily="49" charset="-122"/>
-                <a:ea typeface="新宋体" panose="02010609030101010101" pitchFamily="49" charset="-122"/>
-              </a:rPr>
-              <a:t>ILoggerFactory</a:t>
-            </a:r>
-            <a:r>
-              <a:rPr lang="en-US" altLang="zh-CN" sz="1400" dirty="0">
-                <a:solidFill>
-                  <a:srgbClr val="000000"/>
-                </a:solidFill>
-                <a:latin typeface="新宋体" panose="02010609030101010101" pitchFamily="49" charset="-122"/>
-                <a:ea typeface="新宋体" panose="02010609030101010101" pitchFamily="49" charset="-122"/>
-              </a:rPr>
-              <a:t> </a:t>
-            </a:r>
-            <a:r>
-              <a:rPr lang="en-US" altLang="zh-CN" sz="1400" dirty="0" err="1">
-                <a:solidFill>
-                  <a:srgbClr val="000000"/>
-                </a:solidFill>
-                <a:latin typeface="新宋体" panose="02010609030101010101" pitchFamily="49" charset="-122"/>
-                <a:ea typeface="新宋体" panose="02010609030101010101" pitchFamily="49" charset="-122"/>
-              </a:rPr>
-              <a:t>loggerFactory</a:t>
-            </a:r>
-            <a:r>
-              <a:rPr lang="en-US" altLang="zh-CN" sz="1400" dirty="0">
-                <a:solidFill>
-                  <a:srgbClr val="000000"/>
-                </a:solidFill>
-                <a:latin typeface="新宋体" panose="02010609030101010101" pitchFamily="49" charset="-122"/>
-                <a:ea typeface="新宋体" panose="02010609030101010101" pitchFamily="49" charset="-122"/>
-              </a:rPr>
-              <a:t>)</a:t>
-            </a:r>
-          </a:p>
-          <a:p>
-            <a:r>
-              <a:rPr lang="en-US" altLang="zh-CN" sz="1400" dirty="0">
-                <a:solidFill>
-                  <a:srgbClr val="000000"/>
-                </a:solidFill>
-                <a:latin typeface="新宋体" panose="02010609030101010101" pitchFamily="49" charset="-122"/>
-                <a:ea typeface="新宋体" panose="02010609030101010101" pitchFamily="49" charset="-122"/>
-              </a:rPr>
-              <a:t>{</a:t>
-            </a:r>
-          </a:p>
-          <a:p>
-            <a:r>
-              <a:rPr lang="en-US" altLang="zh-CN" sz="1400" dirty="0">
-                <a:solidFill>
-                  <a:srgbClr val="000000"/>
-                </a:solidFill>
-                <a:latin typeface="新宋体" panose="02010609030101010101" pitchFamily="49" charset="-122"/>
-                <a:ea typeface="新宋体" panose="02010609030101010101" pitchFamily="49" charset="-122"/>
-              </a:rPr>
-              <a:t>     </a:t>
-            </a:r>
-            <a:r>
-              <a:rPr lang="en-US" altLang="zh-CN" sz="1400" dirty="0" err="1">
-                <a:solidFill>
-                  <a:srgbClr val="000000"/>
-                </a:solidFill>
-                <a:latin typeface="新宋体" panose="02010609030101010101" pitchFamily="49" charset="-122"/>
-                <a:ea typeface="新宋体" panose="02010609030101010101" pitchFamily="49" charset="-122"/>
-              </a:rPr>
-              <a:t>app.UseRequestCulture</a:t>
-            </a:r>
-            <a:r>
-              <a:rPr lang="en-US" altLang="zh-CN" sz="1400" dirty="0">
-                <a:solidFill>
-                  <a:srgbClr val="000000"/>
-                </a:solidFill>
-                <a:latin typeface="新宋体" panose="02010609030101010101" pitchFamily="49" charset="-122"/>
-                <a:ea typeface="新宋体" panose="02010609030101010101" pitchFamily="49" charset="-122"/>
-              </a:rPr>
-              <a:t>();</a:t>
-            </a:r>
-          </a:p>
-          <a:p>
-            <a:r>
-              <a:rPr lang="en-US" altLang="zh-CN" sz="1400" dirty="0">
-                <a:solidFill>
-                  <a:srgbClr val="000000"/>
-                </a:solidFill>
-                <a:latin typeface="新宋体" panose="02010609030101010101" pitchFamily="49" charset="-122"/>
-                <a:ea typeface="新宋体" panose="02010609030101010101" pitchFamily="49" charset="-122"/>
-              </a:rPr>
-              <a:t>}</a:t>
-            </a:r>
-          </a:p>
-          <a:p>
-            <a:endParaRPr lang="zh-CN" altLang="en-US" sz="1400" dirty="0"/>
-          </a:p>
-        </p:txBody>
-      </p:sp>
-    </p:spTree>
-    <p:extLst>
-      <p:ext uri="{BB962C8B-B14F-4D97-AF65-F5344CB8AC3E}">
-        <p14:creationId xmlns:p14="http://schemas.microsoft.com/office/powerpoint/2010/main" val="3646504362"/>
-      </p:ext>
-    </p:extLst>
-  </p:cSld>
-  <p:clrMapOvr>
-    <a:masterClrMapping/>
-  </p:clrMapOvr>
-</p:sld>
-</file>
-
-<file path=ppt/slides/slide24.xml><?xml version="1.0" encoding="utf-8"?>
+<file path=ppt/slides/slide18.xml><?xml version="1.0" encoding="utf-8"?>
 <p:sld xmlns:a="http://schemas.openxmlformats.org/drawingml/2006/main" xmlns:r="http://schemas.openxmlformats.org/officeDocument/2006/relationships" xmlns:p="http://schemas.openxmlformats.org/presentationml/2006/main">
   <p:cSld>
     <p:spTree>
@@ -17006,6 +13295,121 @@
 </p:sld>
 </file>
 
+<file path=ppt/slides/slide2.xml><?xml version="1.0" encoding="utf-8"?>
+<p:sld xmlns:a="http://schemas.openxmlformats.org/drawingml/2006/main" xmlns:r="http://schemas.openxmlformats.org/officeDocument/2006/relationships" xmlns:p="http://schemas.openxmlformats.org/presentationml/2006/main">
+  <p:cSld>
+    <p:spTree>
+      <p:nvGrpSpPr>
+        <p:cNvPr id="1" name=""/>
+        <p:cNvGrpSpPr/>
+        <p:nvPr/>
+      </p:nvGrpSpPr>
+      <p:grpSpPr>
+        <a:xfrm>
+          <a:off x="0" y="0"/>
+          <a:ext cx="0" cy="0"/>
+          <a:chOff x="0" y="0"/>
+          <a:chExt cx="0" cy="0"/>
+        </a:xfrm>
+      </p:grpSpPr>
+      <p:sp>
+        <p:nvSpPr>
+          <p:cNvPr id="2" name="标题 1"/>
+          <p:cNvSpPr>
+            <a:spLocks noGrp="1"/>
+          </p:cNvSpPr>
+          <p:nvPr>
+            <p:ph type="title"/>
+          </p:nvPr>
+        </p:nvSpPr>
+        <p:spPr/>
+        <p:txBody>
+          <a:bodyPr/>
+          <a:lstStyle/>
+          <a:p>
+            <a:r>
+              <a:rPr lang="zh-CN" altLang="en-US" dirty="0"/>
+              <a:t>大纲</a:t>
+            </a:r>
+          </a:p>
+        </p:txBody>
+      </p:sp>
+      <p:sp>
+        <p:nvSpPr>
+          <p:cNvPr id="3" name="内容占位符 2"/>
+          <p:cNvSpPr>
+            <a:spLocks noGrp="1"/>
+          </p:cNvSpPr>
+          <p:nvPr>
+            <p:ph idx="1"/>
+          </p:nvPr>
+        </p:nvSpPr>
+        <p:spPr/>
+        <p:txBody>
+          <a:bodyPr/>
+          <a:lstStyle/>
+          <a:p>
+            <a:r>
+              <a:rPr lang="en-US" altLang="zh-CN" dirty="0" err="1"/>
+              <a:t>.net</a:t>
+            </a:r>
+            <a:r>
+              <a:rPr lang="en-US" altLang="zh-CN" dirty="0"/>
+              <a:t> standard</a:t>
+            </a:r>
+          </a:p>
+          <a:p>
+            <a:r>
+              <a:rPr lang="en-US" altLang="zh-CN" dirty="0" err="1"/>
+              <a:t>.net</a:t>
+            </a:r>
+            <a:r>
+              <a:rPr lang="zh-CN" altLang="en-US" dirty="0"/>
+              <a:t> </a:t>
+            </a:r>
+            <a:r>
+              <a:rPr lang="en-US" altLang="zh-CN" dirty="0"/>
+              <a:t>core</a:t>
+            </a:r>
+          </a:p>
+          <a:p>
+            <a:r>
+              <a:rPr lang="en-US" altLang="zh-CN" dirty="0"/>
+              <a:t>visual studio</a:t>
+            </a:r>
+          </a:p>
+          <a:p>
+            <a:r>
+              <a:rPr lang="en-US" altLang="zh-CN" dirty="0"/>
+              <a:t>asp.net core</a:t>
+            </a:r>
+          </a:p>
+          <a:p>
+            <a:r>
+              <a:rPr lang="zh-CN" altLang="en-US" dirty="0"/>
+              <a:t>初识</a:t>
+            </a:r>
+            <a:r>
+              <a:rPr lang="en-US" altLang="zh-CN" dirty="0"/>
+              <a:t>asp.net core</a:t>
+            </a:r>
+            <a:endParaRPr lang="zh-CN" altLang="en-US" dirty="0"/>
+          </a:p>
+        </p:txBody>
+      </p:sp>
+    </p:spTree>
+    <p:extLst>
+      <p:ext uri="{BB962C8B-B14F-4D97-AF65-F5344CB8AC3E}">
+        <p14:creationId xmlns:p14="http://schemas.microsoft.com/office/powerpoint/2010/main" val="1425305440"/>
+      </p:ext>
+    </p:extLst>
+  </p:cSld>
+  <p:clrMapOvr>
+    <a:masterClrMapping/>
+  </p:clrMapOvr>
+</p:sld>
+</file>
+
 <file path=ppt/slides/slide3.xml><?xml version="1.0" encoding="utf-8"?>
 <p:sld xmlns:a="http://schemas.openxmlformats.org/drawingml/2006/main" xmlns:r="http://schemas.openxmlformats.org/officeDocument/2006/relationships" xmlns:p="http://schemas.openxmlformats.org/presentationml/2006/main">
   <p:cSld>
@@ -17044,56 +13448,875 @@
             </a:r>
             <a:r>
               <a:rPr lang="en-US" altLang="zh-CN" dirty="0"/>
-              <a:t> core</a:t>
+              <a:t> standard</a:t>
             </a:r>
             <a:endParaRPr lang="zh-CN" altLang="en-US" dirty="0"/>
           </a:p>
         </p:txBody>
       </p:sp>
-      <p:pic>
-        <p:nvPicPr>
-          <p:cNvPr id="3" name="图片 2">
+      <p:grpSp>
+        <p:nvGrpSpPr>
+          <p:cNvPr id="18" name="组合 17">
             <a:extLst>
               <a:ext uri="{FF2B5EF4-FFF2-40B4-BE49-F238E27FC236}">
-                <a16:creationId xmlns:a16="http://schemas.microsoft.com/office/drawing/2014/main" id="{8D7D75C0-C597-4AD7-B685-4B7FCB55B25A}"/>
+                <a16:creationId xmlns:a16="http://schemas.microsoft.com/office/drawing/2014/main" id="{A06F497D-A21D-43E5-BD52-E9FBD5F87B47}"/>
               </a:ext>
             </a:extLst>
           </p:cNvPr>
-          <p:cNvPicPr>
-            <a:picLocks noChangeAspect="1"/>
-          </p:cNvPicPr>
+          <p:cNvGrpSpPr/>
           <p:nvPr/>
-        </p:nvPicPr>
-        <p:blipFill>
-          <a:blip r:embed="rId2"/>
-          <a:stretch>
-            <a:fillRect/>
-          </a:stretch>
-        </p:blipFill>
-        <p:spPr>
+        </p:nvGrpSpPr>
+        <p:grpSpPr>
           <a:xfrm>
-            <a:off x="1656758" y="1997817"/>
-            <a:ext cx="5333333" cy="3980952"/>
+            <a:off x="956344" y="2348917"/>
+            <a:ext cx="7357146" cy="2650921"/>
+            <a:chOff x="922788" y="2139191"/>
+            <a:chExt cx="7357146" cy="2650921"/>
           </a:xfrm>
-          <a:prstGeom prst="rect">
-            <a:avLst/>
-          </a:prstGeom>
-          <a:ln>
-            <a:noFill/>
-          </a:ln>
-          <a:effectLst>
-            <a:outerShdw blurRad="292100" dist="139700" dir="2700000" algn="tl" rotWithShape="0">
-              <a:srgbClr val="333333">
-                <a:alpha val="65000"/>
-              </a:srgbClr>
-            </a:outerShdw>
-          </a:effectLst>
-        </p:spPr>
-      </p:pic>
+        </p:grpSpPr>
+        <p:sp>
+          <p:nvSpPr>
+            <p:cNvPr id="4" name="矩形 3">
+              <a:extLst>
+                <a:ext uri="{FF2B5EF4-FFF2-40B4-BE49-F238E27FC236}">
+                  <a16:creationId xmlns:a16="http://schemas.microsoft.com/office/drawing/2014/main" id="{FC35FD80-F748-4CEE-A411-D220152D15C0}"/>
+                </a:ext>
+              </a:extLst>
+            </p:cNvPr>
+            <p:cNvSpPr/>
+            <p:nvPr/>
+          </p:nvSpPr>
+          <p:spPr>
+            <a:xfrm>
+              <a:off x="922789" y="2860644"/>
+              <a:ext cx="5503178" cy="1929468"/>
+            </a:xfrm>
+            <a:prstGeom prst="rect">
+              <a:avLst/>
+            </a:prstGeom>
+            <a:solidFill>
+              <a:schemeClr val="tx1">
+                <a:lumMod val="65000"/>
+                <a:lumOff val="35000"/>
+              </a:schemeClr>
+            </a:solidFill>
+            <a:ln>
+              <a:noFill/>
+            </a:ln>
+          </p:spPr>
+          <p:style>
+            <a:lnRef idx="2">
+              <a:schemeClr val="accent3">
+                <a:shade val="50000"/>
+              </a:schemeClr>
+            </a:lnRef>
+            <a:fillRef idx="1">
+              <a:schemeClr val="accent3"/>
+            </a:fillRef>
+            <a:effectRef idx="0">
+              <a:schemeClr val="accent3"/>
+            </a:effectRef>
+            <a:fontRef idx="minor">
+              <a:schemeClr val="lt1"/>
+            </a:fontRef>
+          </p:style>
+          <p:txBody>
+            <a:bodyPr rtlCol="0" anchor="ctr"/>
+            <a:lstStyle/>
+            <a:p>
+              <a:pPr algn="ctr"/>
+              <a:r>
+                <a:rPr lang="en-US" altLang="zh-CN" dirty="0"/>
+                <a:t>.NET STANDARD</a:t>
+              </a:r>
+            </a:p>
+            <a:p>
+              <a:pPr algn="ctr"/>
+              <a:endParaRPr lang="en-US" altLang="zh-CN" dirty="0"/>
+            </a:p>
+            <a:p>
+              <a:pPr algn="ctr"/>
+              <a:endParaRPr lang="en-US" altLang="zh-CN" dirty="0"/>
+            </a:p>
+            <a:p>
+              <a:pPr algn="ctr"/>
+              <a:endParaRPr lang="en-US" altLang="zh-CN" dirty="0"/>
+            </a:p>
+            <a:p>
+              <a:pPr algn="ctr"/>
+              <a:endParaRPr lang="zh-CN" altLang="en-US" dirty="0"/>
+            </a:p>
+          </p:txBody>
+        </p:sp>
+        <p:sp>
+          <p:nvSpPr>
+            <p:cNvPr id="5" name="矩形 4">
+              <a:extLst>
+                <a:ext uri="{FF2B5EF4-FFF2-40B4-BE49-F238E27FC236}">
+                  <a16:creationId xmlns:a16="http://schemas.microsoft.com/office/drawing/2014/main" id="{7384E74D-1D7F-41F7-9DCE-F49886EA218D}"/>
+                </a:ext>
+              </a:extLst>
+            </p:cNvPr>
+            <p:cNvSpPr/>
+            <p:nvPr/>
+          </p:nvSpPr>
+          <p:spPr>
+            <a:xfrm>
+              <a:off x="1057012" y="3624044"/>
+              <a:ext cx="5243120" cy="1031846"/>
+            </a:xfrm>
+            <a:prstGeom prst="rect">
+              <a:avLst/>
+            </a:prstGeom>
+            <a:solidFill>
+              <a:schemeClr val="bg1">
+                <a:lumMod val="50000"/>
+              </a:schemeClr>
+            </a:solidFill>
+            <a:ln>
+              <a:noFill/>
+            </a:ln>
+          </p:spPr>
+          <p:style>
+            <a:lnRef idx="2">
+              <a:schemeClr val="accent1">
+                <a:shade val="50000"/>
+              </a:schemeClr>
+            </a:lnRef>
+            <a:fillRef idx="1">
+              <a:schemeClr val="accent1"/>
+            </a:fillRef>
+            <a:effectRef idx="0">
+              <a:schemeClr val="accent1"/>
+            </a:effectRef>
+            <a:fontRef idx="minor">
+              <a:schemeClr val="lt1"/>
+            </a:fontRef>
+          </p:style>
+          <p:txBody>
+            <a:bodyPr rtlCol="0" anchor="ctr"/>
+            <a:lstStyle/>
+            <a:p>
+              <a:pPr algn="ctr"/>
+              <a:r>
+                <a:rPr lang="en-US" altLang="zh-CN" dirty="0"/>
+                <a:t>INFRASTRUCTURE</a:t>
+              </a:r>
+            </a:p>
+            <a:p>
+              <a:pPr algn="ctr"/>
+              <a:endParaRPr lang="zh-CN" altLang="en-US" dirty="0"/>
+            </a:p>
+          </p:txBody>
+        </p:sp>
+        <p:sp>
+          <p:nvSpPr>
+            <p:cNvPr id="6" name="矩形 5">
+              <a:extLst>
+                <a:ext uri="{FF2B5EF4-FFF2-40B4-BE49-F238E27FC236}">
+                  <a16:creationId xmlns:a16="http://schemas.microsoft.com/office/drawing/2014/main" id="{56ADE370-D5B5-4CE4-8D1E-9E6531D3ABB9}"/>
+                </a:ext>
+              </a:extLst>
+            </p:cNvPr>
+            <p:cNvSpPr/>
+            <p:nvPr/>
+          </p:nvSpPr>
+          <p:spPr>
+            <a:xfrm>
+              <a:off x="1208015" y="4261606"/>
+              <a:ext cx="1468073" cy="293615"/>
+            </a:xfrm>
+            <a:prstGeom prst="rect">
+              <a:avLst/>
+            </a:prstGeom>
+            <a:solidFill>
+              <a:schemeClr val="bg1">
+                <a:lumMod val="85000"/>
+              </a:schemeClr>
+            </a:solidFill>
+            <a:ln>
+              <a:noFill/>
+            </a:ln>
+          </p:spPr>
+          <p:style>
+            <a:lnRef idx="2">
+              <a:schemeClr val="accent1">
+                <a:shade val="50000"/>
+              </a:schemeClr>
+            </a:lnRef>
+            <a:fillRef idx="1">
+              <a:schemeClr val="accent1"/>
+            </a:fillRef>
+            <a:effectRef idx="0">
+              <a:schemeClr val="accent1"/>
+            </a:effectRef>
+            <a:fontRef idx="minor">
+              <a:schemeClr val="lt1"/>
+            </a:fontRef>
+          </p:style>
+          <p:txBody>
+            <a:bodyPr rtlCol="0" anchor="ctr"/>
+            <a:lstStyle/>
+            <a:p>
+              <a:pPr algn="ctr"/>
+              <a:r>
+                <a:rPr lang="en-US" altLang="zh-CN" sz="1200" dirty="0">
+                  <a:solidFill>
+                    <a:schemeClr val="tx1"/>
+                  </a:solidFill>
+                </a:rPr>
+                <a:t>COMPLILERS</a:t>
+              </a:r>
+              <a:endParaRPr lang="zh-CN" altLang="en-US" sz="1200" dirty="0">
+                <a:solidFill>
+                  <a:schemeClr val="tx1"/>
+                </a:solidFill>
+              </a:endParaRPr>
+            </a:p>
+          </p:txBody>
+        </p:sp>
+        <p:sp>
+          <p:nvSpPr>
+            <p:cNvPr id="7" name="矩形 6">
+              <a:extLst>
+                <a:ext uri="{FF2B5EF4-FFF2-40B4-BE49-F238E27FC236}">
+                  <a16:creationId xmlns:a16="http://schemas.microsoft.com/office/drawing/2014/main" id="{18CC9282-7111-440B-9BF9-D554D1F969DC}"/>
+                </a:ext>
+              </a:extLst>
+            </p:cNvPr>
+            <p:cNvSpPr/>
+            <p:nvPr/>
+          </p:nvSpPr>
+          <p:spPr>
+            <a:xfrm>
+              <a:off x="2810311" y="4261606"/>
+              <a:ext cx="1468073" cy="293615"/>
+            </a:xfrm>
+            <a:prstGeom prst="rect">
+              <a:avLst/>
+            </a:prstGeom>
+            <a:solidFill>
+              <a:schemeClr val="bg1">
+                <a:lumMod val="85000"/>
+              </a:schemeClr>
+            </a:solidFill>
+            <a:ln>
+              <a:noFill/>
+            </a:ln>
+          </p:spPr>
+          <p:style>
+            <a:lnRef idx="2">
+              <a:schemeClr val="accent1">
+                <a:shade val="50000"/>
+              </a:schemeClr>
+            </a:lnRef>
+            <a:fillRef idx="1">
+              <a:schemeClr val="accent1"/>
+            </a:fillRef>
+            <a:effectRef idx="0">
+              <a:schemeClr val="accent1"/>
+            </a:effectRef>
+            <a:fontRef idx="minor">
+              <a:schemeClr val="lt1"/>
+            </a:fontRef>
+          </p:style>
+          <p:txBody>
+            <a:bodyPr rtlCol="0" anchor="ctr"/>
+            <a:lstStyle/>
+            <a:p>
+              <a:pPr algn="ctr"/>
+              <a:r>
+                <a:rPr lang="en-US" altLang="zh-CN" sz="1200" dirty="0">
+                  <a:solidFill>
+                    <a:schemeClr val="tx1"/>
+                  </a:solidFill>
+                </a:rPr>
+                <a:t>LANGUAGES</a:t>
+              </a:r>
+              <a:endParaRPr lang="zh-CN" altLang="en-US" sz="1200" dirty="0">
+                <a:solidFill>
+                  <a:schemeClr val="tx1"/>
+                </a:solidFill>
+              </a:endParaRPr>
+            </a:p>
+          </p:txBody>
+        </p:sp>
+        <p:sp>
+          <p:nvSpPr>
+            <p:cNvPr id="8" name="矩形 7">
+              <a:extLst>
+                <a:ext uri="{FF2B5EF4-FFF2-40B4-BE49-F238E27FC236}">
+                  <a16:creationId xmlns:a16="http://schemas.microsoft.com/office/drawing/2014/main" id="{BC7546EE-0315-4CE3-B6A1-BA2669400B57}"/>
+                </a:ext>
+              </a:extLst>
+            </p:cNvPr>
+            <p:cNvSpPr/>
+            <p:nvPr/>
+          </p:nvSpPr>
+          <p:spPr>
+            <a:xfrm>
+              <a:off x="4412607" y="4261606"/>
+              <a:ext cx="1746311" cy="293615"/>
+            </a:xfrm>
+            <a:prstGeom prst="rect">
+              <a:avLst/>
+            </a:prstGeom>
+            <a:solidFill>
+              <a:schemeClr val="bg1">
+                <a:lumMod val="85000"/>
+              </a:schemeClr>
+            </a:solidFill>
+            <a:ln>
+              <a:noFill/>
+            </a:ln>
+          </p:spPr>
+          <p:style>
+            <a:lnRef idx="2">
+              <a:schemeClr val="accent1">
+                <a:shade val="50000"/>
+              </a:schemeClr>
+            </a:lnRef>
+            <a:fillRef idx="1">
+              <a:schemeClr val="accent1"/>
+            </a:fillRef>
+            <a:effectRef idx="0">
+              <a:schemeClr val="accent1"/>
+            </a:effectRef>
+            <a:fontRef idx="minor">
+              <a:schemeClr val="lt1"/>
+            </a:fontRef>
+          </p:style>
+          <p:txBody>
+            <a:bodyPr rtlCol="0" anchor="ctr"/>
+            <a:lstStyle/>
+            <a:p>
+              <a:pPr algn="ctr"/>
+              <a:r>
+                <a:rPr lang="en-US" altLang="zh-CN" sz="1200" dirty="0">
+                  <a:solidFill>
+                    <a:schemeClr val="tx1"/>
+                  </a:solidFill>
+                </a:rPr>
+                <a:t>RUNTIME COMPONENTS</a:t>
+              </a:r>
+              <a:endParaRPr lang="zh-CN" altLang="en-US" sz="1200" dirty="0">
+                <a:solidFill>
+                  <a:schemeClr val="tx1"/>
+                </a:solidFill>
+              </a:endParaRPr>
+            </a:p>
+          </p:txBody>
+        </p:sp>
+        <p:sp>
+          <p:nvSpPr>
+            <p:cNvPr id="9" name="矩形 8">
+              <a:extLst>
+                <a:ext uri="{FF2B5EF4-FFF2-40B4-BE49-F238E27FC236}">
+                  <a16:creationId xmlns:a16="http://schemas.microsoft.com/office/drawing/2014/main" id="{49109ED6-376E-4F1E-AE07-EA63BA3552E6}"/>
+                </a:ext>
+              </a:extLst>
+            </p:cNvPr>
+            <p:cNvSpPr/>
+            <p:nvPr/>
+          </p:nvSpPr>
+          <p:spPr>
+            <a:xfrm>
+              <a:off x="922788" y="2139191"/>
+              <a:ext cx="956345" cy="662729"/>
+            </a:xfrm>
+            <a:prstGeom prst="rect">
+              <a:avLst/>
+            </a:prstGeom>
+            <a:solidFill>
+              <a:srgbClr val="7030A0"/>
+            </a:solidFill>
+            <a:ln>
+              <a:noFill/>
+            </a:ln>
+          </p:spPr>
+          <p:style>
+            <a:lnRef idx="2">
+              <a:schemeClr val="accent1">
+                <a:shade val="50000"/>
+              </a:schemeClr>
+            </a:lnRef>
+            <a:fillRef idx="1">
+              <a:schemeClr val="accent1"/>
+            </a:fillRef>
+            <a:effectRef idx="0">
+              <a:schemeClr val="accent1"/>
+            </a:effectRef>
+            <a:fontRef idx="minor">
+              <a:schemeClr val="lt1"/>
+            </a:fontRef>
+          </p:style>
+          <p:txBody>
+            <a:bodyPr rtlCol="0" anchor="ctr"/>
+            <a:lstStyle/>
+            <a:p>
+              <a:pPr algn="ctr"/>
+              <a:r>
+                <a:rPr lang="en-US" altLang="zh-CN" sz="1000" dirty="0"/>
+                <a:t>DESKTOP</a:t>
+              </a:r>
+              <a:endParaRPr lang="zh-CN" altLang="en-US" sz="1000" dirty="0"/>
+            </a:p>
+          </p:txBody>
+        </p:sp>
+        <p:sp>
+          <p:nvSpPr>
+            <p:cNvPr id="10" name="矩形 9">
+              <a:extLst>
+                <a:ext uri="{FF2B5EF4-FFF2-40B4-BE49-F238E27FC236}">
+                  <a16:creationId xmlns:a16="http://schemas.microsoft.com/office/drawing/2014/main" id="{BF704BA7-E692-4EBA-8C96-8AA0C435F581}"/>
+                </a:ext>
+              </a:extLst>
+            </p:cNvPr>
+            <p:cNvSpPr/>
+            <p:nvPr/>
+          </p:nvSpPr>
+          <p:spPr>
+            <a:xfrm>
+              <a:off x="1942051" y="2139191"/>
+              <a:ext cx="1673602" cy="662729"/>
+            </a:xfrm>
+            <a:prstGeom prst="rect">
+              <a:avLst/>
+            </a:prstGeom>
+            <a:solidFill>
+              <a:srgbClr val="C00000"/>
+            </a:solidFill>
+            <a:ln>
+              <a:noFill/>
+            </a:ln>
+          </p:spPr>
+          <p:style>
+            <a:lnRef idx="2">
+              <a:schemeClr val="accent1">
+                <a:shade val="50000"/>
+              </a:schemeClr>
+            </a:lnRef>
+            <a:fillRef idx="1">
+              <a:schemeClr val="accent1"/>
+            </a:fillRef>
+            <a:effectRef idx="0">
+              <a:schemeClr val="accent1"/>
+            </a:effectRef>
+            <a:fontRef idx="minor">
+              <a:schemeClr val="lt1"/>
+            </a:fontRef>
+          </p:style>
+          <p:txBody>
+            <a:bodyPr rtlCol="0" anchor="ctr"/>
+            <a:lstStyle/>
+            <a:p>
+              <a:pPr algn="ctr"/>
+              <a:r>
+                <a:rPr lang="en-US" altLang="zh-CN" sz="1000" dirty="0"/>
+                <a:t>CLOUD MICROSERVICES</a:t>
+              </a:r>
+              <a:endParaRPr lang="zh-CN" altLang="en-US" sz="1000" dirty="0"/>
+            </a:p>
+          </p:txBody>
+        </p:sp>
+        <p:sp>
+          <p:nvSpPr>
+            <p:cNvPr id="11" name="矩形 10">
+              <a:extLst>
+                <a:ext uri="{FF2B5EF4-FFF2-40B4-BE49-F238E27FC236}">
+                  <a16:creationId xmlns:a16="http://schemas.microsoft.com/office/drawing/2014/main" id="{85271180-58DE-46C7-933F-492BB26C9F90}"/>
+                </a:ext>
+              </a:extLst>
+            </p:cNvPr>
+            <p:cNvSpPr/>
+            <p:nvPr/>
+          </p:nvSpPr>
+          <p:spPr>
+            <a:xfrm>
+              <a:off x="3691154" y="2147578"/>
+              <a:ext cx="796954" cy="662729"/>
+            </a:xfrm>
+            <a:prstGeom prst="rect">
+              <a:avLst/>
+            </a:prstGeom>
+            <a:solidFill>
+              <a:srgbClr val="002060"/>
+            </a:solidFill>
+            <a:ln>
+              <a:noFill/>
+            </a:ln>
+          </p:spPr>
+          <p:style>
+            <a:lnRef idx="2">
+              <a:schemeClr val="accent1">
+                <a:shade val="50000"/>
+              </a:schemeClr>
+            </a:lnRef>
+            <a:fillRef idx="1">
+              <a:schemeClr val="accent1"/>
+            </a:fillRef>
+            <a:effectRef idx="0">
+              <a:schemeClr val="accent1"/>
+            </a:effectRef>
+            <a:fontRef idx="minor">
+              <a:schemeClr val="lt1"/>
+            </a:fontRef>
+          </p:style>
+          <p:txBody>
+            <a:bodyPr rtlCol="0" anchor="ctr"/>
+            <a:lstStyle/>
+            <a:p>
+              <a:pPr algn="ctr"/>
+              <a:r>
+                <a:rPr lang="en-US" altLang="zh-CN" sz="1000" dirty="0"/>
+                <a:t>UWP</a:t>
+              </a:r>
+              <a:endParaRPr lang="zh-CN" altLang="en-US" sz="1000" dirty="0"/>
+            </a:p>
+          </p:txBody>
+        </p:sp>
+        <p:sp>
+          <p:nvSpPr>
+            <p:cNvPr id="12" name="矩形 11">
+              <a:extLst>
+                <a:ext uri="{FF2B5EF4-FFF2-40B4-BE49-F238E27FC236}">
+                  <a16:creationId xmlns:a16="http://schemas.microsoft.com/office/drawing/2014/main" id="{33D6D381-6233-4C49-A181-933939CEF4B3}"/>
+                </a:ext>
+              </a:extLst>
+            </p:cNvPr>
+            <p:cNvSpPr/>
+            <p:nvPr/>
+          </p:nvSpPr>
+          <p:spPr>
+            <a:xfrm>
+              <a:off x="4580389" y="2147578"/>
+              <a:ext cx="960538" cy="662729"/>
+            </a:xfrm>
+            <a:prstGeom prst="rect">
+              <a:avLst/>
+            </a:prstGeom>
+            <a:solidFill>
+              <a:schemeClr val="accent6">
+                <a:lumMod val="75000"/>
+              </a:schemeClr>
+            </a:solidFill>
+            <a:ln>
+              <a:noFill/>
+            </a:ln>
+          </p:spPr>
+          <p:style>
+            <a:lnRef idx="2">
+              <a:schemeClr val="accent1">
+                <a:shade val="50000"/>
+              </a:schemeClr>
+            </a:lnRef>
+            <a:fillRef idx="1">
+              <a:schemeClr val="accent1"/>
+            </a:fillRef>
+            <a:effectRef idx="0">
+              <a:schemeClr val="accent1"/>
+            </a:effectRef>
+            <a:fontRef idx="minor">
+              <a:schemeClr val="lt1"/>
+            </a:fontRef>
+          </p:style>
+          <p:txBody>
+            <a:bodyPr rtlCol="0" anchor="ctr"/>
+            <a:lstStyle/>
+            <a:p>
+              <a:pPr algn="ctr"/>
+              <a:r>
+                <a:rPr lang="en-US" altLang="zh-CN" sz="1000" dirty="0"/>
+                <a:t>IOS,ANDROID</a:t>
+              </a:r>
+              <a:endParaRPr lang="zh-CN" altLang="en-US" sz="1000" dirty="0"/>
+            </a:p>
+          </p:txBody>
+        </p:sp>
+        <p:sp>
+          <p:nvSpPr>
+            <p:cNvPr id="13" name="矩形 12">
+              <a:extLst>
+                <a:ext uri="{FF2B5EF4-FFF2-40B4-BE49-F238E27FC236}">
+                  <a16:creationId xmlns:a16="http://schemas.microsoft.com/office/drawing/2014/main" id="{3155D272-9E1A-471B-9562-21F5DF902BF7}"/>
+                </a:ext>
+              </a:extLst>
+            </p:cNvPr>
+            <p:cNvSpPr/>
+            <p:nvPr/>
+          </p:nvSpPr>
+          <p:spPr>
+            <a:xfrm>
+              <a:off x="5629013" y="2147579"/>
+              <a:ext cx="796954" cy="662729"/>
+            </a:xfrm>
+            <a:prstGeom prst="rect">
+              <a:avLst/>
+            </a:prstGeom>
+            <a:solidFill>
+              <a:srgbClr val="00B0F0"/>
+            </a:solidFill>
+            <a:ln>
+              <a:noFill/>
+            </a:ln>
+          </p:spPr>
+          <p:style>
+            <a:lnRef idx="2">
+              <a:schemeClr val="accent1">
+                <a:shade val="50000"/>
+              </a:schemeClr>
+            </a:lnRef>
+            <a:fillRef idx="1">
+              <a:schemeClr val="accent1"/>
+            </a:fillRef>
+            <a:effectRef idx="0">
+              <a:schemeClr val="accent1"/>
+            </a:effectRef>
+            <a:fontRef idx="minor">
+              <a:schemeClr val="lt1"/>
+            </a:fontRef>
+          </p:style>
+          <p:txBody>
+            <a:bodyPr rtlCol="0" anchor="ctr"/>
+            <a:lstStyle/>
+            <a:p>
+              <a:pPr algn="ctr"/>
+              <a:r>
+                <a:rPr lang="en-US" altLang="zh-CN" sz="1000" dirty="0"/>
+                <a:t>GAMES/3D</a:t>
+              </a:r>
+              <a:endParaRPr lang="zh-CN" altLang="en-US" sz="1000" dirty="0"/>
+            </a:p>
+          </p:txBody>
+        </p:sp>
+        <p:sp>
+          <p:nvSpPr>
+            <p:cNvPr id="14" name="矩形 13">
+              <a:extLst>
+                <a:ext uri="{FF2B5EF4-FFF2-40B4-BE49-F238E27FC236}">
+                  <a16:creationId xmlns:a16="http://schemas.microsoft.com/office/drawing/2014/main" id="{E2701414-830E-4F4A-B1BE-6348828FA5BA}"/>
+                </a:ext>
+              </a:extLst>
+            </p:cNvPr>
+            <p:cNvSpPr/>
+            <p:nvPr/>
+          </p:nvSpPr>
+          <p:spPr>
+            <a:xfrm>
+              <a:off x="6493079" y="2139191"/>
+              <a:ext cx="1786855" cy="2650921"/>
+            </a:xfrm>
+            <a:prstGeom prst="rect">
+              <a:avLst/>
+            </a:prstGeom>
+            <a:solidFill>
+              <a:schemeClr val="tx1">
+                <a:lumMod val="65000"/>
+                <a:lumOff val="35000"/>
+              </a:schemeClr>
+            </a:solidFill>
+            <a:ln>
+              <a:noFill/>
+            </a:ln>
+          </p:spPr>
+          <p:style>
+            <a:lnRef idx="2">
+              <a:schemeClr val="accent1">
+                <a:shade val="50000"/>
+              </a:schemeClr>
+            </a:lnRef>
+            <a:fillRef idx="1">
+              <a:schemeClr val="accent1"/>
+            </a:fillRef>
+            <a:effectRef idx="0">
+              <a:schemeClr val="accent1"/>
+            </a:effectRef>
+            <a:fontRef idx="minor">
+              <a:schemeClr val="lt1"/>
+            </a:fontRef>
+          </p:style>
+          <p:txBody>
+            <a:bodyPr rtlCol="0" anchor="ctr"/>
+            <a:lstStyle/>
+            <a:p>
+              <a:pPr algn="ctr"/>
+              <a:endParaRPr lang="zh-CN" altLang="en-US" dirty="0"/>
+            </a:p>
+          </p:txBody>
+        </p:sp>
+        <p:sp>
+          <p:nvSpPr>
+            <p:cNvPr id="15" name="矩形 14">
+              <a:extLst>
+                <a:ext uri="{FF2B5EF4-FFF2-40B4-BE49-F238E27FC236}">
+                  <a16:creationId xmlns:a16="http://schemas.microsoft.com/office/drawing/2014/main" id="{2192432A-DDC5-49BB-87CC-52CE83216A99}"/>
+                </a:ext>
+              </a:extLst>
+            </p:cNvPr>
+            <p:cNvSpPr/>
+            <p:nvPr/>
+          </p:nvSpPr>
+          <p:spPr>
+            <a:xfrm>
+              <a:off x="6608428" y="2273417"/>
+              <a:ext cx="1556156" cy="704676"/>
+            </a:xfrm>
+            <a:prstGeom prst="rect">
+              <a:avLst/>
+            </a:prstGeom>
+            <a:solidFill>
+              <a:srgbClr val="7030A0"/>
+            </a:solidFill>
+            <a:ln>
+              <a:noFill/>
+            </a:ln>
+          </p:spPr>
+          <p:style>
+            <a:lnRef idx="2">
+              <a:schemeClr val="accent1">
+                <a:shade val="50000"/>
+              </a:schemeClr>
+            </a:lnRef>
+            <a:fillRef idx="1">
+              <a:schemeClr val="accent1"/>
+            </a:fillRef>
+            <a:effectRef idx="0">
+              <a:schemeClr val="accent1"/>
+            </a:effectRef>
+            <a:fontRef idx="minor">
+              <a:schemeClr val="lt1"/>
+            </a:fontRef>
+          </p:style>
+          <p:txBody>
+            <a:bodyPr rtlCol="0" anchor="ctr"/>
+            <a:lstStyle/>
+            <a:p>
+              <a:pPr algn="ctr"/>
+              <a:r>
+                <a:rPr lang="en-US" altLang="zh-CN" sz="1400" dirty="0"/>
+                <a:t>Visual Studio</a:t>
+              </a:r>
+              <a:endParaRPr lang="zh-CN" altLang="en-US" sz="1400" dirty="0"/>
+            </a:p>
+          </p:txBody>
+        </p:sp>
+        <p:sp>
+          <p:nvSpPr>
+            <p:cNvPr id="16" name="矩形 15">
+              <a:extLst>
+                <a:ext uri="{FF2B5EF4-FFF2-40B4-BE49-F238E27FC236}">
+                  <a16:creationId xmlns:a16="http://schemas.microsoft.com/office/drawing/2014/main" id="{AB7DD253-92A4-4B40-B5C5-D962A7E591C6}"/>
+                </a:ext>
+              </a:extLst>
+            </p:cNvPr>
+            <p:cNvSpPr/>
+            <p:nvPr/>
+          </p:nvSpPr>
+          <p:spPr>
+            <a:xfrm>
+              <a:off x="6608428" y="3101898"/>
+              <a:ext cx="1556156" cy="704676"/>
+            </a:xfrm>
+            <a:prstGeom prst="rect">
+              <a:avLst/>
+            </a:prstGeom>
+            <a:solidFill>
+              <a:srgbClr val="00B0F0"/>
+            </a:solidFill>
+            <a:ln>
+              <a:noFill/>
+            </a:ln>
+          </p:spPr>
+          <p:style>
+            <a:lnRef idx="2">
+              <a:schemeClr val="accent1">
+                <a:shade val="50000"/>
+              </a:schemeClr>
+            </a:lnRef>
+            <a:fillRef idx="1">
+              <a:schemeClr val="accent1"/>
+            </a:fillRef>
+            <a:effectRef idx="0">
+              <a:schemeClr val="accent1"/>
+            </a:effectRef>
+            <a:fontRef idx="minor">
+              <a:schemeClr val="lt1"/>
+            </a:fontRef>
+          </p:style>
+          <p:txBody>
+            <a:bodyPr rtlCol="0" anchor="ctr"/>
+            <a:lstStyle/>
+            <a:p>
+              <a:pPr algn="ctr"/>
+              <a:r>
+                <a:rPr lang="en-US" altLang="zh-CN" sz="1400" dirty="0"/>
+                <a:t>Visual Studio for mac</a:t>
+              </a:r>
+              <a:endParaRPr lang="zh-CN" altLang="en-US" sz="1400" dirty="0"/>
+            </a:p>
+          </p:txBody>
+        </p:sp>
+        <p:sp>
+          <p:nvSpPr>
+            <p:cNvPr id="17" name="矩形 16">
+              <a:extLst>
+                <a:ext uri="{FF2B5EF4-FFF2-40B4-BE49-F238E27FC236}">
+                  <a16:creationId xmlns:a16="http://schemas.microsoft.com/office/drawing/2014/main" id="{6DD6897A-4187-4B6E-8630-62B606A6FEB7}"/>
+                </a:ext>
+              </a:extLst>
+            </p:cNvPr>
+            <p:cNvSpPr/>
+            <p:nvPr/>
+          </p:nvSpPr>
+          <p:spPr>
+            <a:xfrm>
+              <a:off x="6608428" y="3930379"/>
+              <a:ext cx="1556156" cy="704676"/>
+            </a:xfrm>
+            <a:prstGeom prst="rect">
+              <a:avLst/>
+            </a:prstGeom>
+            <a:solidFill>
+              <a:schemeClr val="accent2"/>
+            </a:solidFill>
+            <a:ln>
+              <a:noFill/>
+            </a:ln>
+          </p:spPr>
+          <p:style>
+            <a:lnRef idx="2">
+              <a:schemeClr val="accent1">
+                <a:shade val="50000"/>
+              </a:schemeClr>
+            </a:lnRef>
+            <a:fillRef idx="1">
+              <a:schemeClr val="accent1"/>
+            </a:fillRef>
+            <a:effectRef idx="0">
+              <a:schemeClr val="accent1"/>
+            </a:effectRef>
+            <a:fontRef idx="minor">
+              <a:schemeClr val="lt1"/>
+            </a:fontRef>
+          </p:style>
+          <p:txBody>
+            <a:bodyPr rtlCol="0" anchor="ctr"/>
+            <a:lstStyle/>
+            <a:p>
+              <a:pPr algn="ctr"/>
+              <a:r>
+                <a:rPr lang="en-US" altLang="zh-CN" sz="1400" dirty="0"/>
+                <a:t>Visual Studio code</a:t>
+              </a:r>
+              <a:endParaRPr lang="zh-CN" altLang="en-US" sz="1400" dirty="0"/>
+            </a:p>
+          </p:txBody>
+        </p:sp>
+      </p:grpSp>
     </p:spTree>
     <p:extLst>
       <p:ext uri="{BB962C8B-B14F-4D97-AF65-F5344CB8AC3E}">
-        <p14:creationId xmlns:p14="http://schemas.microsoft.com/office/powerpoint/2010/main" val="2731073092"/>
+        <p14:creationId xmlns:p14="http://schemas.microsoft.com/office/powerpoint/2010/main" val="1712727591"/>
       </p:ext>
     </p:extLst>
   </p:cSld>
@@ -17141,56 +14364,2159 @@
             </a:r>
             <a:r>
               <a:rPr lang="en-US" altLang="zh-CN" dirty="0"/>
-              <a:t> core</a:t>
+              <a:t> standard</a:t>
             </a:r>
             <a:endParaRPr lang="zh-CN" altLang="en-US" dirty="0"/>
           </a:p>
         </p:txBody>
       </p:sp>
-      <p:pic>
-        <p:nvPicPr>
-          <p:cNvPr id="4" name="图片 3">
+      <p:graphicFrame>
+        <p:nvGraphicFramePr>
+          <p:cNvPr id="20" name="表格 19">
             <a:extLst>
               <a:ext uri="{FF2B5EF4-FFF2-40B4-BE49-F238E27FC236}">
-                <a16:creationId xmlns:a16="http://schemas.microsoft.com/office/drawing/2014/main" id="{19446353-C251-4388-A548-21DC54E79D3E}"/>
+                <a16:creationId xmlns:a16="http://schemas.microsoft.com/office/drawing/2014/main" id="{905D5861-F105-4C8F-8B50-0DDFE16BCE14}"/>
               </a:ext>
             </a:extLst>
           </p:cNvPr>
-          <p:cNvPicPr>
-            <a:picLocks noChangeAspect="1"/>
-          </p:cNvPicPr>
-          <p:nvPr/>
-        </p:nvPicPr>
-        <p:blipFill>
-          <a:blip r:embed="rId2"/>
-          <a:stretch>
-            <a:fillRect/>
-          </a:stretch>
-        </p:blipFill>
-        <p:spPr>
-          <a:xfrm>
-            <a:off x="2060060" y="1757880"/>
-            <a:ext cx="4828571" cy="3857143"/>
-          </a:xfrm>
-          <a:prstGeom prst="rect">
-            <a:avLst/>
-          </a:prstGeom>
-          <a:ln>
-            <a:noFill/>
-          </a:ln>
-          <a:effectLst>
-            <a:outerShdw blurRad="292100" dist="139700" dir="2700000" algn="tl" rotWithShape="0">
-              <a:srgbClr val="333333">
-                <a:alpha val="65000"/>
-              </a:srgbClr>
-            </a:outerShdw>
-          </a:effectLst>
-        </p:spPr>
-      </p:pic>
+          <p:cNvGraphicFramePr>
+            <a:graphicFrameLocks noGrp="1"/>
+          </p:cNvGraphicFramePr>
+          <p:nvPr>
+            <p:extLst>
+              <p:ext uri="{D42A27DB-BD31-4B8C-83A1-F6EECF244321}">
+                <p14:modId xmlns:p14="http://schemas.microsoft.com/office/powerpoint/2010/main" val="1918873813"/>
+              </p:ext>
+            </p:extLst>
+          </p:nvPr>
+        </p:nvGraphicFramePr>
+        <p:xfrm>
+          <a:off x="805342" y="1868575"/>
+          <a:ext cx="7533316" cy="3901907"/>
+        </p:xfrm>
+        <a:graphic>
+          <a:graphicData uri="http://schemas.openxmlformats.org/drawingml/2006/table">
+            <a:tbl>
+              <a:tblPr>
+                <a:tableStyleId>{5940675A-B579-460E-94D1-54222C63F5DA}</a:tableStyleId>
+              </a:tblPr>
+              <a:tblGrid>
+                <a:gridCol w="2650922">
+                  <a:extLst>
+                    <a:ext uri="{9D8B030D-6E8A-4147-A177-3AD203B41FA5}">
+                      <a16:colId xmlns:a16="http://schemas.microsoft.com/office/drawing/2014/main" val="1615351839"/>
+                    </a:ext>
+                  </a:extLst>
+                </a:gridCol>
+                <a:gridCol w="553673">
+                  <a:extLst>
+                    <a:ext uri="{9D8B030D-6E8A-4147-A177-3AD203B41FA5}">
+                      <a16:colId xmlns:a16="http://schemas.microsoft.com/office/drawing/2014/main" val="1865069934"/>
+                    </a:ext>
+                  </a:extLst>
+                </a:gridCol>
+                <a:gridCol w="562063">
+                  <a:extLst>
+                    <a:ext uri="{9D8B030D-6E8A-4147-A177-3AD203B41FA5}">
+                      <a16:colId xmlns:a16="http://schemas.microsoft.com/office/drawing/2014/main" val="3657944428"/>
+                    </a:ext>
+                  </a:extLst>
+                </a:gridCol>
+                <a:gridCol w="604008">
+                  <a:extLst>
+                    <a:ext uri="{9D8B030D-6E8A-4147-A177-3AD203B41FA5}">
+                      <a16:colId xmlns:a16="http://schemas.microsoft.com/office/drawing/2014/main" val="73777018"/>
+                    </a:ext>
+                  </a:extLst>
+                </a:gridCol>
+                <a:gridCol w="595618">
+                  <a:extLst>
+                    <a:ext uri="{9D8B030D-6E8A-4147-A177-3AD203B41FA5}">
+                      <a16:colId xmlns:a16="http://schemas.microsoft.com/office/drawing/2014/main" val="3282755622"/>
+                    </a:ext>
+                  </a:extLst>
+                </a:gridCol>
+                <a:gridCol w="679508">
+                  <a:extLst>
+                    <a:ext uri="{9D8B030D-6E8A-4147-A177-3AD203B41FA5}">
+                      <a16:colId xmlns:a16="http://schemas.microsoft.com/office/drawing/2014/main" val="2554084381"/>
+                    </a:ext>
+                  </a:extLst>
+                </a:gridCol>
+                <a:gridCol w="637564">
+                  <a:extLst>
+                    <a:ext uri="{9D8B030D-6E8A-4147-A177-3AD203B41FA5}">
+                      <a16:colId xmlns:a16="http://schemas.microsoft.com/office/drawing/2014/main" val="2534617562"/>
+                    </a:ext>
+                  </a:extLst>
+                </a:gridCol>
+                <a:gridCol w="604007">
+                  <a:extLst>
+                    <a:ext uri="{9D8B030D-6E8A-4147-A177-3AD203B41FA5}">
+                      <a16:colId xmlns:a16="http://schemas.microsoft.com/office/drawing/2014/main" val="3614482207"/>
+                    </a:ext>
+                  </a:extLst>
+                </a:gridCol>
+                <a:gridCol w="645953">
+                  <a:extLst>
+                    <a:ext uri="{9D8B030D-6E8A-4147-A177-3AD203B41FA5}">
+                      <a16:colId xmlns:a16="http://schemas.microsoft.com/office/drawing/2014/main" val="2177483033"/>
+                    </a:ext>
+                  </a:extLst>
+                </a:gridCol>
+              </a:tblGrid>
+              <a:tr h="401744">
+                <a:tc>
+                  <a:txBody>
+                    <a:bodyPr/>
+                    <a:lstStyle/>
+                    <a:p>
+                      <a:pPr algn="l" fontAlgn="b"/>
+                      <a:r>
+                        <a:rPr lang="en-US" sz="1000" b="1" dirty="0">
+                          <a:effectLst/>
+                          <a:latin typeface="微软雅黑" panose="020B0503020204020204" pitchFamily="34" charset="-122"/>
+                          <a:ea typeface="微软雅黑" panose="020B0503020204020204" pitchFamily="34" charset="-122"/>
+                        </a:rPr>
+                        <a:t>.NET Standard</a:t>
+                      </a:r>
+                    </a:p>
+                  </a:txBody>
+                  <a:tcPr marL="57999" marR="57999" marT="43499" marB="43499" anchor="b"/>
+                </a:tc>
+                <a:tc>
+                  <a:txBody>
+                    <a:bodyPr/>
+                    <a:lstStyle/>
+                    <a:p>
+                      <a:pPr algn="l" fontAlgn="b"/>
+                      <a:r>
+                        <a:rPr lang="en-US" altLang="zh-CN" sz="1000" b="1" u="none" strike="noStrike" dirty="0">
+                          <a:effectLst/>
+                          <a:latin typeface="微软雅黑" panose="020B0503020204020204" pitchFamily="34" charset="-122"/>
+                          <a:ea typeface="微软雅黑" panose="020B0503020204020204" pitchFamily="34" charset="-122"/>
+                          <a:hlinkClick r:id="rId2"/>
+                        </a:rPr>
+                        <a:t>1.0</a:t>
+                      </a:r>
+                      <a:endParaRPr lang="zh-CN" altLang="en-US" sz="1000" b="1" dirty="0">
+                        <a:effectLst/>
+                        <a:latin typeface="微软雅黑" panose="020B0503020204020204" pitchFamily="34" charset="-122"/>
+                        <a:ea typeface="微软雅黑" panose="020B0503020204020204" pitchFamily="34" charset="-122"/>
+                      </a:endParaRPr>
+                    </a:p>
+                  </a:txBody>
+                  <a:tcPr marL="57999" marR="57999" marT="43499" marB="43499" anchor="b"/>
+                </a:tc>
+                <a:tc>
+                  <a:txBody>
+                    <a:bodyPr/>
+                    <a:lstStyle/>
+                    <a:p>
+                      <a:pPr algn="l" fontAlgn="b"/>
+                      <a:r>
+                        <a:rPr lang="en-US" altLang="zh-CN" sz="1000" b="1" u="none" strike="noStrike" dirty="0">
+                          <a:effectLst/>
+                          <a:latin typeface="微软雅黑" panose="020B0503020204020204" pitchFamily="34" charset="-122"/>
+                          <a:ea typeface="微软雅黑" panose="020B0503020204020204" pitchFamily="34" charset="-122"/>
+                          <a:hlinkClick r:id="rId3"/>
+                        </a:rPr>
+                        <a:t>1.1</a:t>
+                      </a:r>
+                      <a:endParaRPr lang="zh-CN" altLang="en-US" sz="1000" b="1" dirty="0">
+                        <a:effectLst/>
+                        <a:latin typeface="微软雅黑" panose="020B0503020204020204" pitchFamily="34" charset="-122"/>
+                        <a:ea typeface="微软雅黑" panose="020B0503020204020204" pitchFamily="34" charset="-122"/>
+                      </a:endParaRPr>
+                    </a:p>
+                  </a:txBody>
+                  <a:tcPr marL="57999" marR="57999" marT="43499" marB="43499" anchor="b"/>
+                </a:tc>
+                <a:tc>
+                  <a:txBody>
+                    <a:bodyPr/>
+                    <a:lstStyle/>
+                    <a:p>
+                      <a:pPr algn="l" fontAlgn="b"/>
+                      <a:r>
+                        <a:rPr lang="en-US" altLang="zh-CN" sz="1000" b="1" u="none" strike="noStrike" dirty="0">
+                          <a:effectLst/>
+                          <a:latin typeface="微软雅黑" panose="020B0503020204020204" pitchFamily="34" charset="-122"/>
+                          <a:ea typeface="微软雅黑" panose="020B0503020204020204" pitchFamily="34" charset="-122"/>
+                          <a:hlinkClick r:id="rId4"/>
+                        </a:rPr>
+                        <a:t>1.2</a:t>
+                      </a:r>
+                      <a:endParaRPr lang="zh-CN" altLang="en-US" sz="1000" b="1" dirty="0">
+                        <a:effectLst/>
+                        <a:latin typeface="微软雅黑" panose="020B0503020204020204" pitchFamily="34" charset="-122"/>
+                        <a:ea typeface="微软雅黑" panose="020B0503020204020204" pitchFamily="34" charset="-122"/>
+                      </a:endParaRPr>
+                    </a:p>
+                  </a:txBody>
+                  <a:tcPr marL="57999" marR="57999" marT="43499" marB="43499" anchor="b"/>
+                </a:tc>
+                <a:tc>
+                  <a:txBody>
+                    <a:bodyPr/>
+                    <a:lstStyle/>
+                    <a:p>
+                      <a:pPr algn="l" fontAlgn="b"/>
+                      <a:r>
+                        <a:rPr lang="en-US" altLang="zh-CN" sz="1000" b="1" u="none" strike="noStrike" dirty="0">
+                          <a:effectLst/>
+                          <a:latin typeface="微软雅黑" panose="020B0503020204020204" pitchFamily="34" charset="-122"/>
+                          <a:ea typeface="微软雅黑" panose="020B0503020204020204" pitchFamily="34" charset="-122"/>
+                          <a:hlinkClick r:id="rId5"/>
+                        </a:rPr>
+                        <a:t>1.3</a:t>
+                      </a:r>
+                      <a:endParaRPr lang="zh-CN" altLang="en-US" sz="1000" b="1" dirty="0">
+                        <a:effectLst/>
+                        <a:latin typeface="微软雅黑" panose="020B0503020204020204" pitchFamily="34" charset="-122"/>
+                        <a:ea typeface="微软雅黑" panose="020B0503020204020204" pitchFamily="34" charset="-122"/>
+                      </a:endParaRPr>
+                    </a:p>
+                  </a:txBody>
+                  <a:tcPr marL="57999" marR="57999" marT="43499" marB="43499" anchor="b"/>
+                </a:tc>
+                <a:tc>
+                  <a:txBody>
+                    <a:bodyPr/>
+                    <a:lstStyle/>
+                    <a:p>
+                      <a:pPr algn="l" fontAlgn="b"/>
+                      <a:r>
+                        <a:rPr lang="en-US" altLang="zh-CN" sz="1000" b="1" u="none" strike="noStrike">
+                          <a:effectLst/>
+                          <a:latin typeface="微软雅黑" panose="020B0503020204020204" pitchFamily="34" charset="-122"/>
+                          <a:ea typeface="微软雅黑" panose="020B0503020204020204" pitchFamily="34" charset="-122"/>
+                          <a:hlinkClick r:id="rId6"/>
+                        </a:rPr>
+                        <a:t>1.4</a:t>
+                      </a:r>
+                      <a:endParaRPr lang="zh-CN" altLang="en-US" sz="1000" b="1">
+                        <a:effectLst/>
+                        <a:latin typeface="微软雅黑" panose="020B0503020204020204" pitchFamily="34" charset="-122"/>
+                        <a:ea typeface="微软雅黑" panose="020B0503020204020204" pitchFamily="34" charset="-122"/>
+                      </a:endParaRPr>
+                    </a:p>
+                  </a:txBody>
+                  <a:tcPr marL="57999" marR="57999" marT="43499" marB="43499" anchor="b"/>
+                </a:tc>
+                <a:tc>
+                  <a:txBody>
+                    <a:bodyPr/>
+                    <a:lstStyle/>
+                    <a:p>
+                      <a:pPr algn="l" fontAlgn="b"/>
+                      <a:r>
+                        <a:rPr lang="en-US" altLang="zh-CN" sz="1000" b="1" u="none" strike="noStrike">
+                          <a:effectLst/>
+                          <a:latin typeface="微软雅黑" panose="020B0503020204020204" pitchFamily="34" charset="-122"/>
+                          <a:ea typeface="微软雅黑" panose="020B0503020204020204" pitchFamily="34" charset="-122"/>
+                          <a:hlinkClick r:id="rId7"/>
+                        </a:rPr>
+                        <a:t>1.5</a:t>
+                      </a:r>
+                      <a:endParaRPr lang="zh-CN" altLang="en-US" sz="1000" b="1">
+                        <a:effectLst/>
+                        <a:latin typeface="微软雅黑" panose="020B0503020204020204" pitchFamily="34" charset="-122"/>
+                        <a:ea typeface="微软雅黑" panose="020B0503020204020204" pitchFamily="34" charset="-122"/>
+                      </a:endParaRPr>
+                    </a:p>
+                  </a:txBody>
+                  <a:tcPr marL="57999" marR="57999" marT="43499" marB="43499" anchor="b"/>
+                </a:tc>
+                <a:tc>
+                  <a:txBody>
+                    <a:bodyPr/>
+                    <a:lstStyle/>
+                    <a:p>
+                      <a:pPr algn="l" fontAlgn="b"/>
+                      <a:r>
+                        <a:rPr lang="en-US" altLang="zh-CN" sz="1000" b="1" u="none" strike="noStrike">
+                          <a:effectLst/>
+                          <a:latin typeface="微软雅黑" panose="020B0503020204020204" pitchFamily="34" charset="-122"/>
+                          <a:ea typeface="微软雅黑" panose="020B0503020204020204" pitchFamily="34" charset="-122"/>
+                          <a:hlinkClick r:id="rId8"/>
+                        </a:rPr>
+                        <a:t>1.6</a:t>
+                      </a:r>
+                      <a:endParaRPr lang="zh-CN" altLang="en-US" sz="1000" b="1">
+                        <a:effectLst/>
+                        <a:latin typeface="微软雅黑" panose="020B0503020204020204" pitchFamily="34" charset="-122"/>
+                        <a:ea typeface="微软雅黑" panose="020B0503020204020204" pitchFamily="34" charset="-122"/>
+                      </a:endParaRPr>
+                    </a:p>
+                  </a:txBody>
+                  <a:tcPr marL="57999" marR="57999" marT="43499" marB="43499" anchor="b"/>
+                </a:tc>
+                <a:tc>
+                  <a:txBody>
+                    <a:bodyPr/>
+                    <a:lstStyle/>
+                    <a:p>
+                      <a:pPr algn="l" fontAlgn="b"/>
+                      <a:r>
+                        <a:rPr lang="en-US" altLang="zh-CN" sz="1000" b="1" u="none" strike="noStrike" dirty="0">
+                          <a:effectLst/>
+                          <a:latin typeface="微软雅黑" panose="020B0503020204020204" pitchFamily="34" charset="-122"/>
+                          <a:ea typeface="微软雅黑" panose="020B0503020204020204" pitchFamily="34" charset="-122"/>
+                          <a:hlinkClick r:id="rId9"/>
+                        </a:rPr>
+                        <a:t>2.0</a:t>
+                      </a:r>
+                      <a:endParaRPr lang="zh-CN" altLang="en-US" sz="1000" b="1" dirty="0">
+                        <a:effectLst/>
+                        <a:latin typeface="微软雅黑" panose="020B0503020204020204" pitchFamily="34" charset="-122"/>
+                        <a:ea typeface="微软雅黑" panose="020B0503020204020204" pitchFamily="34" charset="-122"/>
+                      </a:endParaRPr>
+                    </a:p>
+                  </a:txBody>
+                  <a:tcPr marL="57999" marR="57999" marT="43499" marB="43499" anchor="b"/>
+                </a:tc>
+                <a:extLst>
+                  <a:ext uri="{0D108BD9-81ED-4DB2-BD59-A6C34878D82A}">
+                    <a16:rowId xmlns:a16="http://schemas.microsoft.com/office/drawing/2014/main" val="1119241179"/>
+                  </a:ext>
+                </a:extLst>
+              </a:tr>
+              <a:tr h="296941">
+                <a:tc>
+                  <a:txBody>
+                    <a:bodyPr/>
+                    <a:lstStyle/>
+                    <a:p>
+                      <a:pPr fontAlgn="t"/>
+                      <a:r>
+                        <a:rPr lang="en-US" sz="1000">
+                          <a:effectLst/>
+                          <a:latin typeface="微软雅黑" panose="020B0503020204020204" pitchFamily="34" charset="-122"/>
+                          <a:ea typeface="微软雅黑" panose="020B0503020204020204" pitchFamily="34" charset="-122"/>
+                        </a:rPr>
+                        <a:t>.NET </a:t>
+                      </a:r>
+                      <a:r>
+                        <a:rPr lang="zh-CN" altLang="en-US" sz="1000">
+                          <a:effectLst/>
+                          <a:latin typeface="微软雅黑" panose="020B0503020204020204" pitchFamily="34" charset="-122"/>
+                          <a:ea typeface="微软雅黑" panose="020B0503020204020204" pitchFamily="34" charset="-122"/>
+                        </a:rPr>
+                        <a:t>核心</a:t>
+                      </a:r>
+                    </a:p>
+                  </a:txBody>
+                  <a:tcPr marL="57999" marR="57999" marT="43499" marB="43499"/>
+                </a:tc>
+                <a:tc>
+                  <a:txBody>
+                    <a:bodyPr/>
+                    <a:lstStyle/>
+                    <a:p>
+                      <a:pPr fontAlgn="t"/>
+                      <a:r>
+                        <a:rPr lang="en-US" altLang="zh-CN" sz="1000">
+                          <a:effectLst/>
+                          <a:latin typeface="微软雅黑" panose="020B0503020204020204" pitchFamily="34" charset="-122"/>
+                          <a:ea typeface="微软雅黑" panose="020B0503020204020204" pitchFamily="34" charset="-122"/>
+                        </a:rPr>
+                        <a:t>1.0</a:t>
+                      </a:r>
+                    </a:p>
+                  </a:txBody>
+                  <a:tcPr marL="57999" marR="57999" marT="43499" marB="43499"/>
+                </a:tc>
+                <a:tc>
+                  <a:txBody>
+                    <a:bodyPr/>
+                    <a:lstStyle/>
+                    <a:p>
+                      <a:pPr fontAlgn="t"/>
+                      <a:r>
+                        <a:rPr lang="en-US" altLang="zh-CN" sz="1000">
+                          <a:effectLst/>
+                          <a:latin typeface="微软雅黑" panose="020B0503020204020204" pitchFamily="34" charset="-122"/>
+                          <a:ea typeface="微软雅黑" panose="020B0503020204020204" pitchFamily="34" charset="-122"/>
+                        </a:rPr>
+                        <a:t>1.0</a:t>
+                      </a:r>
+                    </a:p>
+                  </a:txBody>
+                  <a:tcPr marL="57999" marR="57999" marT="43499" marB="43499"/>
+                </a:tc>
+                <a:tc>
+                  <a:txBody>
+                    <a:bodyPr/>
+                    <a:lstStyle/>
+                    <a:p>
+                      <a:pPr fontAlgn="t"/>
+                      <a:r>
+                        <a:rPr lang="en-US" altLang="zh-CN" sz="1000">
+                          <a:effectLst/>
+                          <a:latin typeface="微软雅黑" panose="020B0503020204020204" pitchFamily="34" charset="-122"/>
+                          <a:ea typeface="微软雅黑" panose="020B0503020204020204" pitchFamily="34" charset="-122"/>
+                        </a:rPr>
+                        <a:t>1.0</a:t>
+                      </a:r>
+                    </a:p>
+                  </a:txBody>
+                  <a:tcPr marL="57999" marR="57999" marT="43499" marB="43499"/>
+                </a:tc>
+                <a:tc>
+                  <a:txBody>
+                    <a:bodyPr/>
+                    <a:lstStyle/>
+                    <a:p>
+                      <a:pPr fontAlgn="t"/>
+                      <a:r>
+                        <a:rPr lang="en-US" altLang="zh-CN" sz="1000" dirty="0">
+                          <a:effectLst/>
+                          <a:latin typeface="微软雅黑" panose="020B0503020204020204" pitchFamily="34" charset="-122"/>
+                          <a:ea typeface="微软雅黑" panose="020B0503020204020204" pitchFamily="34" charset="-122"/>
+                        </a:rPr>
+                        <a:t>1.0</a:t>
+                      </a:r>
+                    </a:p>
+                  </a:txBody>
+                  <a:tcPr marL="57999" marR="57999" marT="43499" marB="43499"/>
+                </a:tc>
+                <a:tc>
+                  <a:txBody>
+                    <a:bodyPr/>
+                    <a:lstStyle/>
+                    <a:p>
+                      <a:pPr fontAlgn="t"/>
+                      <a:r>
+                        <a:rPr lang="en-US" altLang="zh-CN" sz="1000" dirty="0">
+                          <a:effectLst/>
+                          <a:latin typeface="微软雅黑" panose="020B0503020204020204" pitchFamily="34" charset="-122"/>
+                          <a:ea typeface="微软雅黑" panose="020B0503020204020204" pitchFamily="34" charset="-122"/>
+                        </a:rPr>
+                        <a:t>1.0</a:t>
+                      </a:r>
+                    </a:p>
+                  </a:txBody>
+                  <a:tcPr marL="57999" marR="57999" marT="43499" marB="43499"/>
+                </a:tc>
+                <a:tc>
+                  <a:txBody>
+                    <a:bodyPr/>
+                    <a:lstStyle/>
+                    <a:p>
+                      <a:pPr fontAlgn="t"/>
+                      <a:r>
+                        <a:rPr lang="en-US" altLang="zh-CN" sz="1000" dirty="0">
+                          <a:effectLst/>
+                          <a:latin typeface="微软雅黑" panose="020B0503020204020204" pitchFamily="34" charset="-122"/>
+                          <a:ea typeface="微软雅黑" panose="020B0503020204020204" pitchFamily="34" charset="-122"/>
+                        </a:rPr>
+                        <a:t>1.0</a:t>
+                      </a:r>
+                    </a:p>
+                  </a:txBody>
+                  <a:tcPr marL="57999" marR="57999" marT="43499" marB="43499"/>
+                </a:tc>
+                <a:tc>
+                  <a:txBody>
+                    <a:bodyPr/>
+                    <a:lstStyle/>
+                    <a:p>
+                      <a:pPr fontAlgn="t"/>
+                      <a:r>
+                        <a:rPr lang="en-US" altLang="zh-CN" sz="1000">
+                          <a:effectLst/>
+                          <a:latin typeface="微软雅黑" panose="020B0503020204020204" pitchFamily="34" charset="-122"/>
+                          <a:ea typeface="微软雅黑" panose="020B0503020204020204" pitchFamily="34" charset="-122"/>
+                        </a:rPr>
+                        <a:t>1.0</a:t>
+                      </a:r>
+                    </a:p>
+                  </a:txBody>
+                  <a:tcPr marL="57999" marR="57999" marT="43499" marB="43499"/>
+                </a:tc>
+                <a:tc>
+                  <a:txBody>
+                    <a:bodyPr/>
+                    <a:lstStyle/>
+                    <a:p>
+                      <a:pPr fontAlgn="t"/>
+                      <a:r>
+                        <a:rPr lang="en-US" altLang="zh-CN" sz="1000">
+                          <a:effectLst/>
+                          <a:latin typeface="微软雅黑" panose="020B0503020204020204" pitchFamily="34" charset="-122"/>
+                          <a:ea typeface="微软雅黑" panose="020B0503020204020204" pitchFamily="34" charset="-122"/>
+                        </a:rPr>
+                        <a:t>2.0</a:t>
+                      </a:r>
+                    </a:p>
+                  </a:txBody>
+                  <a:tcPr marL="57999" marR="57999" marT="43499" marB="43499"/>
+                </a:tc>
+                <a:extLst>
+                  <a:ext uri="{0D108BD9-81ED-4DB2-BD59-A6C34878D82A}">
+                    <a16:rowId xmlns:a16="http://schemas.microsoft.com/office/drawing/2014/main" val="2390418599"/>
+                  </a:ext>
+                </a:extLst>
+              </a:tr>
+              <a:tr h="364165">
+                <a:tc>
+                  <a:txBody>
+                    <a:bodyPr/>
+                    <a:lstStyle/>
+                    <a:p>
+                      <a:pPr fontAlgn="t"/>
+                      <a:r>
+                        <a:rPr lang="nl-NL" sz="1000">
+                          <a:effectLst/>
+                          <a:latin typeface="微软雅黑" panose="020B0503020204020204" pitchFamily="34" charset="-122"/>
+                          <a:ea typeface="微软雅黑" panose="020B0503020204020204" pitchFamily="34" charset="-122"/>
+                        </a:rPr>
+                        <a:t>.NET Framework（含 .NET Core 1.x SDK）</a:t>
+                      </a:r>
+                    </a:p>
+                  </a:txBody>
+                  <a:tcPr marL="57999" marR="57999" marT="43499" marB="43499"/>
+                </a:tc>
+                <a:tc>
+                  <a:txBody>
+                    <a:bodyPr/>
+                    <a:lstStyle/>
+                    <a:p>
+                      <a:pPr fontAlgn="t"/>
+                      <a:r>
+                        <a:rPr lang="en-US" altLang="zh-CN" sz="1000">
+                          <a:effectLst/>
+                          <a:latin typeface="微软雅黑" panose="020B0503020204020204" pitchFamily="34" charset="-122"/>
+                          <a:ea typeface="微软雅黑" panose="020B0503020204020204" pitchFamily="34" charset="-122"/>
+                        </a:rPr>
+                        <a:t>4.5</a:t>
+                      </a:r>
+                    </a:p>
+                  </a:txBody>
+                  <a:tcPr marL="57999" marR="57999" marT="43499" marB="43499"/>
+                </a:tc>
+                <a:tc>
+                  <a:txBody>
+                    <a:bodyPr/>
+                    <a:lstStyle/>
+                    <a:p>
+                      <a:pPr fontAlgn="t"/>
+                      <a:r>
+                        <a:rPr lang="en-US" altLang="zh-CN" sz="1000">
+                          <a:effectLst/>
+                          <a:latin typeface="微软雅黑" panose="020B0503020204020204" pitchFamily="34" charset="-122"/>
+                          <a:ea typeface="微软雅黑" panose="020B0503020204020204" pitchFamily="34" charset="-122"/>
+                        </a:rPr>
+                        <a:t>4.5</a:t>
+                      </a:r>
+                    </a:p>
+                  </a:txBody>
+                  <a:tcPr marL="57999" marR="57999" marT="43499" marB="43499"/>
+                </a:tc>
+                <a:tc>
+                  <a:txBody>
+                    <a:bodyPr/>
+                    <a:lstStyle/>
+                    <a:p>
+                      <a:pPr fontAlgn="t"/>
+                      <a:r>
+                        <a:rPr lang="en-US" altLang="zh-CN" sz="1000">
+                          <a:effectLst/>
+                          <a:latin typeface="微软雅黑" panose="020B0503020204020204" pitchFamily="34" charset="-122"/>
+                          <a:ea typeface="微软雅黑" panose="020B0503020204020204" pitchFamily="34" charset="-122"/>
+                        </a:rPr>
+                        <a:t>4.5.1</a:t>
+                      </a:r>
+                    </a:p>
+                  </a:txBody>
+                  <a:tcPr marL="57999" marR="57999" marT="43499" marB="43499"/>
+                </a:tc>
+                <a:tc>
+                  <a:txBody>
+                    <a:bodyPr/>
+                    <a:lstStyle/>
+                    <a:p>
+                      <a:pPr fontAlgn="t"/>
+                      <a:r>
+                        <a:rPr lang="en-US" altLang="zh-CN" sz="1000">
+                          <a:effectLst/>
+                          <a:latin typeface="微软雅黑" panose="020B0503020204020204" pitchFamily="34" charset="-122"/>
+                          <a:ea typeface="微软雅黑" panose="020B0503020204020204" pitchFamily="34" charset="-122"/>
+                        </a:rPr>
+                        <a:t>4.6</a:t>
+                      </a:r>
+                    </a:p>
+                  </a:txBody>
+                  <a:tcPr marL="57999" marR="57999" marT="43499" marB="43499"/>
+                </a:tc>
+                <a:tc>
+                  <a:txBody>
+                    <a:bodyPr/>
+                    <a:lstStyle/>
+                    <a:p>
+                      <a:pPr fontAlgn="t"/>
+                      <a:r>
+                        <a:rPr lang="en-US" altLang="zh-CN" sz="1000">
+                          <a:effectLst/>
+                          <a:latin typeface="微软雅黑" panose="020B0503020204020204" pitchFamily="34" charset="-122"/>
+                          <a:ea typeface="微软雅黑" panose="020B0503020204020204" pitchFamily="34" charset="-122"/>
+                        </a:rPr>
+                        <a:t>4.6.1</a:t>
+                      </a:r>
+                    </a:p>
+                  </a:txBody>
+                  <a:tcPr marL="57999" marR="57999" marT="43499" marB="43499"/>
+                </a:tc>
+                <a:tc>
+                  <a:txBody>
+                    <a:bodyPr/>
+                    <a:lstStyle/>
+                    <a:p>
+                      <a:pPr fontAlgn="t"/>
+                      <a:r>
+                        <a:rPr lang="en-US" altLang="zh-CN" sz="1000" dirty="0">
+                          <a:effectLst/>
+                          <a:latin typeface="微软雅黑" panose="020B0503020204020204" pitchFamily="34" charset="-122"/>
+                          <a:ea typeface="微软雅黑" panose="020B0503020204020204" pitchFamily="34" charset="-122"/>
+                        </a:rPr>
+                        <a:t>4.6.2</a:t>
+                      </a:r>
+                    </a:p>
+                  </a:txBody>
+                  <a:tcPr marL="57999" marR="57999" marT="43499" marB="43499"/>
+                </a:tc>
+                <a:tc>
+                  <a:txBody>
+                    <a:bodyPr/>
+                    <a:lstStyle/>
+                    <a:p>
+                      <a:pPr fontAlgn="t"/>
+                      <a:endParaRPr lang="zh-CN" altLang="en-US" sz="1000">
+                        <a:effectLst/>
+                        <a:latin typeface="微软雅黑" panose="020B0503020204020204" pitchFamily="34" charset="-122"/>
+                        <a:ea typeface="微软雅黑" panose="020B0503020204020204" pitchFamily="34" charset="-122"/>
+                      </a:endParaRPr>
+                    </a:p>
+                  </a:txBody>
+                  <a:tcPr marL="57999" marR="57999" marT="43499" marB="43499"/>
+                </a:tc>
+                <a:tc>
+                  <a:txBody>
+                    <a:bodyPr/>
+                    <a:lstStyle/>
+                    <a:p>
+                      <a:pPr fontAlgn="t"/>
+                      <a:endParaRPr lang="zh-CN" altLang="en-US" sz="1000">
+                        <a:effectLst/>
+                        <a:latin typeface="微软雅黑" panose="020B0503020204020204" pitchFamily="34" charset="-122"/>
+                        <a:ea typeface="微软雅黑" panose="020B0503020204020204" pitchFamily="34" charset="-122"/>
+                      </a:endParaRPr>
+                    </a:p>
+                  </a:txBody>
+                  <a:tcPr marL="57999" marR="57999" marT="43499" marB="43499"/>
+                </a:tc>
+                <a:extLst>
+                  <a:ext uri="{0D108BD9-81ED-4DB2-BD59-A6C34878D82A}">
+                    <a16:rowId xmlns:a16="http://schemas.microsoft.com/office/drawing/2014/main" val="4178204188"/>
+                  </a:ext>
+                </a:extLst>
+              </a:tr>
+              <a:tr h="290907">
+                <a:tc>
+                  <a:txBody>
+                    <a:bodyPr/>
+                    <a:lstStyle/>
+                    <a:p>
+                      <a:pPr fontAlgn="t"/>
+                      <a:r>
+                        <a:rPr lang="nl-NL" sz="1000">
+                          <a:effectLst/>
+                          <a:latin typeface="微软雅黑" panose="020B0503020204020204" pitchFamily="34" charset="-122"/>
+                          <a:ea typeface="微软雅黑" panose="020B0503020204020204" pitchFamily="34" charset="-122"/>
+                        </a:rPr>
+                        <a:t>.NET Framework（含 .NET Core 2.0 SDK）</a:t>
+                      </a:r>
+                    </a:p>
+                  </a:txBody>
+                  <a:tcPr marL="57999" marR="57999" marT="43499" marB="43499"/>
+                </a:tc>
+                <a:tc>
+                  <a:txBody>
+                    <a:bodyPr/>
+                    <a:lstStyle/>
+                    <a:p>
+                      <a:pPr fontAlgn="t"/>
+                      <a:r>
+                        <a:rPr lang="en-US" altLang="zh-CN" sz="1000">
+                          <a:effectLst/>
+                          <a:latin typeface="微软雅黑" panose="020B0503020204020204" pitchFamily="34" charset="-122"/>
+                          <a:ea typeface="微软雅黑" panose="020B0503020204020204" pitchFamily="34" charset="-122"/>
+                        </a:rPr>
+                        <a:t>4.5</a:t>
+                      </a:r>
+                    </a:p>
+                  </a:txBody>
+                  <a:tcPr marL="57999" marR="57999" marT="43499" marB="43499"/>
+                </a:tc>
+                <a:tc>
+                  <a:txBody>
+                    <a:bodyPr/>
+                    <a:lstStyle/>
+                    <a:p>
+                      <a:pPr fontAlgn="t"/>
+                      <a:r>
+                        <a:rPr lang="en-US" altLang="zh-CN" sz="1000">
+                          <a:effectLst/>
+                          <a:latin typeface="微软雅黑" panose="020B0503020204020204" pitchFamily="34" charset="-122"/>
+                          <a:ea typeface="微软雅黑" panose="020B0503020204020204" pitchFamily="34" charset="-122"/>
+                        </a:rPr>
+                        <a:t>4.5</a:t>
+                      </a:r>
+                    </a:p>
+                  </a:txBody>
+                  <a:tcPr marL="57999" marR="57999" marT="43499" marB="43499"/>
+                </a:tc>
+                <a:tc>
+                  <a:txBody>
+                    <a:bodyPr/>
+                    <a:lstStyle/>
+                    <a:p>
+                      <a:pPr fontAlgn="t"/>
+                      <a:r>
+                        <a:rPr lang="en-US" altLang="zh-CN" sz="1000">
+                          <a:effectLst/>
+                          <a:latin typeface="微软雅黑" panose="020B0503020204020204" pitchFamily="34" charset="-122"/>
+                          <a:ea typeface="微软雅黑" panose="020B0503020204020204" pitchFamily="34" charset="-122"/>
+                        </a:rPr>
+                        <a:t>4.5.1</a:t>
+                      </a:r>
+                    </a:p>
+                  </a:txBody>
+                  <a:tcPr marL="57999" marR="57999" marT="43499" marB="43499"/>
+                </a:tc>
+                <a:tc>
+                  <a:txBody>
+                    <a:bodyPr/>
+                    <a:lstStyle/>
+                    <a:p>
+                      <a:pPr fontAlgn="t"/>
+                      <a:r>
+                        <a:rPr lang="en-US" altLang="zh-CN" sz="1000">
+                          <a:effectLst/>
+                          <a:latin typeface="微软雅黑" panose="020B0503020204020204" pitchFamily="34" charset="-122"/>
+                          <a:ea typeface="微软雅黑" panose="020B0503020204020204" pitchFamily="34" charset="-122"/>
+                        </a:rPr>
+                        <a:t>4.6</a:t>
+                      </a:r>
+                    </a:p>
+                  </a:txBody>
+                  <a:tcPr marL="57999" marR="57999" marT="43499" marB="43499"/>
+                </a:tc>
+                <a:tc>
+                  <a:txBody>
+                    <a:bodyPr/>
+                    <a:lstStyle/>
+                    <a:p>
+                      <a:pPr fontAlgn="t"/>
+                      <a:r>
+                        <a:rPr lang="en-US" altLang="zh-CN" sz="1000">
+                          <a:effectLst/>
+                          <a:latin typeface="微软雅黑" panose="020B0503020204020204" pitchFamily="34" charset="-122"/>
+                          <a:ea typeface="微软雅黑" panose="020B0503020204020204" pitchFamily="34" charset="-122"/>
+                        </a:rPr>
+                        <a:t>4.6.1</a:t>
+                      </a:r>
+                    </a:p>
+                  </a:txBody>
+                  <a:tcPr marL="57999" marR="57999" marT="43499" marB="43499"/>
+                </a:tc>
+                <a:tc>
+                  <a:txBody>
+                    <a:bodyPr/>
+                    <a:lstStyle/>
+                    <a:p>
+                      <a:pPr fontAlgn="t"/>
+                      <a:r>
+                        <a:rPr lang="en-US" altLang="zh-CN" sz="1000">
+                          <a:effectLst/>
+                          <a:latin typeface="微软雅黑" panose="020B0503020204020204" pitchFamily="34" charset="-122"/>
+                          <a:ea typeface="微软雅黑" panose="020B0503020204020204" pitchFamily="34" charset="-122"/>
+                        </a:rPr>
+                        <a:t>4.6.1</a:t>
+                      </a:r>
+                    </a:p>
+                  </a:txBody>
+                  <a:tcPr marL="57999" marR="57999" marT="43499" marB="43499"/>
+                </a:tc>
+                <a:tc>
+                  <a:txBody>
+                    <a:bodyPr/>
+                    <a:lstStyle/>
+                    <a:p>
+                      <a:pPr fontAlgn="t"/>
+                      <a:r>
+                        <a:rPr lang="en-US" altLang="zh-CN" sz="1000" dirty="0">
+                          <a:effectLst/>
+                          <a:latin typeface="微软雅黑" panose="020B0503020204020204" pitchFamily="34" charset="-122"/>
+                          <a:ea typeface="微软雅黑" panose="020B0503020204020204" pitchFamily="34" charset="-122"/>
+                        </a:rPr>
+                        <a:t>4.6.1</a:t>
+                      </a:r>
+                    </a:p>
+                  </a:txBody>
+                  <a:tcPr marL="57999" marR="57999" marT="43499" marB="43499"/>
+                </a:tc>
+                <a:tc>
+                  <a:txBody>
+                    <a:bodyPr/>
+                    <a:lstStyle/>
+                    <a:p>
+                      <a:pPr fontAlgn="t"/>
+                      <a:r>
+                        <a:rPr lang="en-US" altLang="zh-CN" sz="1000">
+                          <a:effectLst/>
+                          <a:latin typeface="微软雅黑" panose="020B0503020204020204" pitchFamily="34" charset="-122"/>
+                          <a:ea typeface="微软雅黑" panose="020B0503020204020204" pitchFamily="34" charset="-122"/>
+                        </a:rPr>
+                        <a:t>4.6.1</a:t>
+                      </a:r>
+                    </a:p>
+                  </a:txBody>
+                  <a:tcPr marL="57999" marR="57999" marT="43499" marB="43499"/>
+                </a:tc>
+                <a:extLst>
+                  <a:ext uri="{0D108BD9-81ED-4DB2-BD59-A6C34878D82A}">
+                    <a16:rowId xmlns:a16="http://schemas.microsoft.com/office/drawing/2014/main" val="1196949899"/>
+                  </a:ext>
+                </a:extLst>
+              </a:tr>
+              <a:tr h="241050">
+                <a:tc>
+                  <a:txBody>
+                    <a:bodyPr/>
+                    <a:lstStyle/>
+                    <a:p>
+                      <a:pPr fontAlgn="t"/>
+                      <a:r>
+                        <a:rPr lang="en-US" sz="1000">
+                          <a:effectLst/>
+                          <a:latin typeface="微软雅黑" panose="020B0503020204020204" pitchFamily="34" charset="-122"/>
+                          <a:ea typeface="微软雅黑" panose="020B0503020204020204" pitchFamily="34" charset="-122"/>
+                        </a:rPr>
+                        <a:t>Mono</a:t>
+                      </a:r>
+                    </a:p>
+                  </a:txBody>
+                  <a:tcPr marL="57999" marR="57999" marT="43499" marB="43499"/>
+                </a:tc>
+                <a:tc>
+                  <a:txBody>
+                    <a:bodyPr/>
+                    <a:lstStyle/>
+                    <a:p>
+                      <a:pPr fontAlgn="t"/>
+                      <a:r>
+                        <a:rPr lang="en-US" altLang="zh-CN" sz="1000">
+                          <a:effectLst/>
+                          <a:latin typeface="微软雅黑" panose="020B0503020204020204" pitchFamily="34" charset="-122"/>
+                          <a:ea typeface="微软雅黑" panose="020B0503020204020204" pitchFamily="34" charset="-122"/>
+                        </a:rPr>
+                        <a:t>4.6</a:t>
+                      </a:r>
+                    </a:p>
+                  </a:txBody>
+                  <a:tcPr marL="57999" marR="57999" marT="43499" marB="43499"/>
+                </a:tc>
+                <a:tc>
+                  <a:txBody>
+                    <a:bodyPr/>
+                    <a:lstStyle/>
+                    <a:p>
+                      <a:pPr fontAlgn="t"/>
+                      <a:r>
+                        <a:rPr lang="en-US" altLang="zh-CN" sz="1000">
+                          <a:effectLst/>
+                          <a:latin typeface="微软雅黑" panose="020B0503020204020204" pitchFamily="34" charset="-122"/>
+                          <a:ea typeface="微软雅黑" panose="020B0503020204020204" pitchFamily="34" charset="-122"/>
+                        </a:rPr>
+                        <a:t>4.6</a:t>
+                      </a:r>
+                    </a:p>
+                  </a:txBody>
+                  <a:tcPr marL="57999" marR="57999" marT="43499" marB="43499"/>
+                </a:tc>
+                <a:tc>
+                  <a:txBody>
+                    <a:bodyPr/>
+                    <a:lstStyle/>
+                    <a:p>
+                      <a:pPr fontAlgn="t"/>
+                      <a:r>
+                        <a:rPr lang="en-US" altLang="zh-CN" sz="1000">
+                          <a:effectLst/>
+                          <a:latin typeface="微软雅黑" panose="020B0503020204020204" pitchFamily="34" charset="-122"/>
+                          <a:ea typeface="微软雅黑" panose="020B0503020204020204" pitchFamily="34" charset="-122"/>
+                        </a:rPr>
+                        <a:t>4.6</a:t>
+                      </a:r>
+                    </a:p>
+                  </a:txBody>
+                  <a:tcPr marL="57999" marR="57999" marT="43499" marB="43499"/>
+                </a:tc>
+                <a:tc>
+                  <a:txBody>
+                    <a:bodyPr/>
+                    <a:lstStyle/>
+                    <a:p>
+                      <a:pPr fontAlgn="t"/>
+                      <a:r>
+                        <a:rPr lang="en-US" altLang="zh-CN" sz="1000">
+                          <a:effectLst/>
+                          <a:latin typeface="微软雅黑" panose="020B0503020204020204" pitchFamily="34" charset="-122"/>
+                          <a:ea typeface="微软雅黑" panose="020B0503020204020204" pitchFamily="34" charset="-122"/>
+                        </a:rPr>
+                        <a:t>4.6</a:t>
+                      </a:r>
+                    </a:p>
+                  </a:txBody>
+                  <a:tcPr marL="57999" marR="57999" marT="43499" marB="43499"/>
+                </a:tc>
+                <a:tc>
+                  <a:txBody>
+                    <a:bodyPr/>
+                    <a:lstStyle/>
+                    <a:p>
+                      <a:pPr fontAlgn="t"/>
+                      <a:r>
+                        <a:rPr lang="en-US" altLang="zh-CN" sz="1000">
+                          <a:effectLst/>
+                          <a:latin typeface="微软雅黑" panose="020B0503020204020204" pitchFamily="34" charset="-122"/>
+                          <a:ea typeface="微软雅黑" panose="020B0503020204020204" pitchFamily="34" charset="-122"/>
+                        </a:rPr>
+                        <a:t>4.6</a:t>
+                      </a:r>
+                    </a:p>
+                  </a:txBody>
+                  <a:tcPr marL="57999" marR="57999" marT="43499" marB="43499"/>
+                </a:tc>
+                <a:tc>
+                  <a:txBody>
+                    <a:bodyPr/>
+                    <a:lstStyle/>
+                    <a:p>
+                      <a:pPr fontAlgn="t"/>
+                      <a:r>
+                        <a:rPr lang="en-US" altLang="zh-CN" sz="1000">
+                          <a:effectLst/>
+                          <a:latin typeface="微软雅黑" panose="020B0503020204020204" pitchFamily="34" charset="-122"/>
+                          <a:ea typeface="微软雅黑" panose="020B0503020204020204" pitchFamily="34" charset="-122"/>
+                        </a:rPr>
+                        <a:t>4.6</a:t>
+                      </a:r>
+                    </a:p>
+                  </a:txBody>
+                  <a:tcPr marL="57999" marR="57999" marT="43499" marB="43499"/>
+                </a:tc>
+                <a:tc>
+                  <a:txBody>
+                    <a:bodyPr/>
+                    <a:lstStyle/>
+                    <a:p>
+                      <a:pPr fontAlgn="t"/>
+                      <a:r>
+                        <a:rPr lang="en-US" altLang="zh-CN" sz="1000" dirty="0">
+                          <a:effectLst/>
+                          <a:latin typeface="微软雅黑" panose="020B0503020204020204" pitchFamily="34" charset="-122"/>
+                          <a:ea typeface="微软雅黑" panose="020B0503020204020204" pitchFamily="34" charset="-122"/>
+                        </a:rPr>
+                        <a:t>4.6</a:t>
+                      </a:r>
+                    </a:p>
+                  </a:txBody>
+                  <a:tcPr marL="57999" marR="57999" marT="43499" marB="43499"/>
+                </a:tc>
+                <a:tc>
+                  <a:txBody>
+                    <a:bodyPr/>
+                    <a:lstStyle/>
+                    <a:p>
+                      <a:pPr fontAlgn="t"/>
+                      <a:r>
+                        <a:rPr lang="en-US" altLang="zh-CN" sz="1000">
+                          <a:effectLst/>
+                          <a:latin typeface="微软雅黑" panose="020B0503020204020204" pitchFamily="34" charset="-122"/>
+                          <a:ea typeface="微软雅黑" panose="020B0503020204020204" pitchFamily="34" charset="-122"/>
+                        </a:rPr>
+                        <a:t>5.4</a:t>
+                      </a:r>
+                    </a:p>
+                  </a:txBody>
+                  <a:tcPr marL="57999" marR="57999" marT="43499" marB="43499"/>
+                </a:tc>
+                <a:extLst>
+                  <a:ext uri="{0D108BD9-81ED-4DB2-BD59-A6C34878D82A}">
+                    <a16:rowId xmlns:a16="http://schemas.microsoft.com/office/drawing/2014/main" val="2437861421"/>
+                  </a:ext>
+                </a:extLst>
+              </a:tr>
+              <a:tr h="296941">
+                <a:tc>
+                  <a:txBody>
+                    <a:bodyPr/>
+                    <a:lstStyle/>
+                    <a:p>
+                      <a:pPr fontAlgn="t"/>
+                      <a:r>
+                        <a:rPr lang="en-US" sz="1000">
+                          <a:effectLst/>
+                          <a:latin typeface="微软雅黑" panose="020B0503020204020204" pitchFamily="34" charset="-122"/>
+                          <a:ea typeface="微软雅黑" panose="020B0503020204020204" pitchFamily="34" charset="-122"/>
+                        </a:rPr>
+                        <a:t>Xamarin.iOS</a:t>
+                      </a:r>
+                    </a:p>
+                  </a:txBody>
+                  <a:tcPr marL="57999" marR="57999" marT="43499" marB="43499"/>
+                </a:tc>
+                <a:tc>
+                  <a:txBody>
+                    <a:bodyPr/>
+                    <a:lstStyle/>
+                    <a:p>
+                      <a:pPr fontAlgn="t"/>
+                      <a:r>
+                        <a:rPr lang="en-US" altLang="zh-CN" sz="1000">
+                          <a:effectLst/>
+                          <a:latin typeface="微软雅黑" panose="020B0503020204020204" pitchFamily="34" charset="-122"/>
+                          <a:ea typeface="微软雅黑" panose="020B0503020204020204" pitchFamily="34" charset="-122"/>
+                        </a:rPr>
+                        <a:t>10.0</a:t>
+                      </a:r>
+                    </a:p>
+                  </a:txBody>
+                  <a:tcPr marL="57999" marR="57999" marT="43499" marB="43499"/>
+                </a:tc>
+                <a:tc>
+                  <a:txBody>
+                    <a:bodyPr/>
+                    <a:lstStyle/>
+                    <a:p>
+                      <a:pPr fontAlgn="t"/>
+                      <a:r>
+                        <a:rPr lang="en-US" altLang="zh-CN" sz="1000">
+                          <a:effectLst/>
+                          <a:latin typeface="微软雅黑" panose="020B0503020204020204" pitchFamily="34" charset="-122"/>
+                          <a:ea typeface="微软雅黑" panose="020B0503020204020204" pitchFamily="34" charset="-122"/>
+                        </a:rPr>
+                        <a:t>10.0</a:t>
+                      </a:r>
+                    </a:p>
+                  </a:txBody>
+                  <a:tcPr marL="57999" marR="57999" marT="43499" marB="43499"/>
+                </a:tc>
+                <a:tc>
+                  <a:txBody>
+                    <a:bodyPr/>
+                    <a:lstStyle/>
+                    <a:p>
+                      <a:pPr fontAlgn="t"/>
+                      <a:r>
+                        <a:rPr lang="en-US" altLang="zh-CN" sz="1000">
+                          <a:effectLst/>
+                          <a:latin typeface="微软雅黑" panose="020B0503020204020204" pitchFamily="34" charset="-122"/>
+                          <a:ea typeface="微软雅黑" panose="020B0503020204020204" pitchFamily="34" charset="-122"/>
+                        </a:rPr>
+                        <a:t>10.0</a:t>
+                      </a:r>
+                    </a:p>
+                  </a:txBody>
+                  <a:tcPr marL="57999" marR="57999" marT="43499" marB="43499"/>
+                </a:tc>
+                <a:tc>
+                  <a:txBody>
+                    <a:bodyPr/>
+                    <a:lstStyle/>
+                    <a:p>
+                      <a:pPr fontAlgn="t"/>
+                      <a:r>
+                        <a:rPr lang="en-US" altLang="zh-CN" sz="1000">
+                          <a:effectLst/>
+                          <a:latin typeface="微软雅黑" panose="020B0503020204020204" pitchFamily="34" charset="-122"/>
+                          <a:ea typeface="微软雅黑" panose="020B0503020204020204" pitchFamily="34" charset="-122"/>
+                        </a:rPr>
+                        <a:t>10.0</a:t>
+                      </a:r>
+                    </a:p>
+                  </a:txBody>
+                  <a:tcPr marL="57999" marR="57999" marT="43499" marB="43499"/>
+                </a:tc>
+                <a:tc>
+                  <a:txBody>
+                    <a:bodyPr/>
+                    <a:lstStyle/>
+                    <a:p>
+                      <a:pPr fontAlgn="t"/>
+                      <a:r>
+                        <a:rPr lang="en-US" altLang="zh-CN" sz="1000">
+                          <a:effectLst/>
+                          <a:latin typeface="微软雅黑" panose="020B0503020204020204" pitchFamily="34" charset="-122"/>
+                          <a:ea typeface="微软雅黑" panose="020B0503020204020204" pitchFamily="34" charset="-122"/>
+                        </a:rPr>
+                        <a:t>10.0</a:t>
+                      </a:r>
+                    </a:p>
+                  </a:txBody>
+                  <a:tcPr marL="57999" marR="57999" marT="43499" marB="43499"/>
+                </a:tc>
+                <a:tc>
+                  <a:txBody>
+                    <a:bodyPr/>
+                    <a:lstStyle/>
+                    <a:p>
+                      <a:pPr fontAlgn="t"/>
+                      <a:r>
+                        <a:rPr lang="en-US" altLang="zh-CN" sz="1000">
+                          <a:effectLst/>
+                          <a:latin typeface="微软雅黑" panose="020B0503020204020204" pitchFamily="34" charset="-122"/>
+                          <a:ea typeface="微软雅黑" panose="020B0503020204020204" pitchFamily="34" charset="-122"/>
+                        </a:rPr>
+                        <a:t>10.0</a:t>
+                      </a:r>
+                    </a:p>
+                  </a:txBody>
+                  <a:tcPr marL="57999" marR="57999" marT="43499" marB="43499"/>
+                </a:tc>
+                <a:tc>
+                  <a:txBody>
+                    <a:bodyPr/>
+                    <a:lstStyle/>
+                    <a:p>
+                      <a:pPr fontAlgn="t"/>
+                      <a:r>
+                        <a:rPr lang="en-US" altLang="zh-CN" sz="1000" dirty="0">
+                          <a:effectLst/>
+                          <a:latin typeface="微软雅黑" panose="020B0503020204020204" pitchFamily="34" charset="-122"/>
+                          <a:ea typeface="微软雅黑" panose="020B0503020204020204" pitchFamily="34" charset="-122"/>
+                        </a:rPr>
+                        <a:t>10.0</a:t>
+                      </a:r>
+                    </a:p>
+                  </a:txBody>
+                  <a:tcPr marL="57999" marR="57999" marT="43499" marB="43499"/>
+                </a:tc>
+                <a:tc>
+                  <a:txBody>
+                    <a:bodyPr/>
+                    <a:lstStyle/>
+                    <a:p>
+                      <a:pPr fontAlgn="t"/>
+                      <a:r>
+                        <a:rPr lang="en-US" altLang="zh-CN" sz="1000">
+                          <a:effectLst/>
+                          <a:latin typeface="微软雅黑" panose="020B0503020204020204" pitchFamily="34" charset="-122"/>
+                          <a:ea typeface="微软雅黑" panose="020B0503020204020204" pitchFamily="34" charset="-122"/>
+                        </a:rPr>
+                        <a:t>10.14</a:t>
+                      </a:r>
+                    </a:p>
+                  </a:txBody>
+                  <a:tcPr marL="57999" marR="57999" marT="43499" marB="43499"/>
+                </a:tc>
+                <a:extLst>
+                  <a:ext uri="{0D108BD9-81ED-4DB2-BD59-A6C34878D82A}">
+                    <a16:rowId xmlns:a16="http://schemas.microsoft.com/office/drawing/2014/main" val="1374075145"/>
+                  </a:ext>
+                </a:extLst>
+              </a:tr>
+              <a:tr h="296941">
+                <a:tc>
+                  <a:txBody>
+                    <a:bodyPr/>
+                    <a:lstStyle/>
+                    <a:p>
+                      <a:pPr fontAlgn="t"/>
+                      <a:r>
+                        <a:rPr lang="en-US" sz="1000">
+                          <a:effectLst/>
+                          <a:latin typeface="微软雅黑" panose="020B0503020204020204" pitchFamily="34" charset="-122"/>
+                          <a:ea typeface="微软雅黑" panose="020B0503020204020204" pitchFamily="34" charset="-122"/>
+                        </a:rPr>
+                        <a:t>Xamarin.Mac</a:t>
+                      </a:r>
+                    </a:p>
+                  </a:txBody>
+                  <a:tcPr marL="57999" marR="57999" marT="43499" marB="43499"/>
+                </a:tc>
+                <a:tc>
+                  <a:txBody>
+                    <a:bodyPr/>
+                    <a:lstStyle/>
+                    <a:p>
+                      <a:pPr fontAlgn="t"/>
+                      <a:r>
+                        <a:rPr lang="en-US" altLang="zh-CN" sz="1000">
+                          <a:effectLst/>
+                          <a:latin typeface="微软雅黑" panose="020B0503020204020204" pitchFamily="34" charset="-122"/>
+                          <a:ea typeface="微软雅黑" panose="020B0503020204020204" pitchFamily="34" charset="-122"/>
+                        </a:rPr>
+                        <a:t>3.0</a:t>
+                      </a:r>
+                    </a:p>
+                  </a:txBody>
+                  <a:tcPr marL="57999" marR="57999" marT="43499" marB="43499"/>
+                </a:tc>
+                <a:tc>
+                  <a:txBody>
+                    <a:bodyPr/>
+                    <a:lstStyle/>
+                    <a:p>
+                      <a:pPr fontAlgn="t"/>
+                      <a:r>
+                        <a:rPr lang="en-US" altLang="zh-CN" sz="1000">
+                          <a:effectLst/>
+                          <a:latin typeface="微软雅黑" panose="020B0503020204020204" pitchFamily="34" charset="-122"/>
+                          <a:ea typeface="微软雅黑" panose="020B0503020204020204" pitchFamily="34" charset="-122"/>
+                        </a:rPr>
+                        <a:t>3.0</a:t>
+                      </a:r>
+                    </a:p>
+                  </a:txBody>
+                  <a:tcPr marL="57999" marR="57999" marT="43499" marB="43499"/>
+                </a:tc>
+                <a:tc>
+                  <a:txBody>
+                    <a:bodyPr/>
+                    <a:lstStyle/>
+                    <a:p>
+                      <a:pPr fontAlgn="t"/>
+                      <a:r>
+                        <a:rPr lang="en-US" altLang="zh-CN" sz="1000">
+                          <a:effectLst/>
+                          <a:latin typeface="微软雅黑" panose="020B0503020204020204" pitchFamily="34" charset="-122"/>
+                          <a:ea typeface="微软雅黑" panose="020B0503020204020204" pitchFamily="34" charset="-122"/>
+                        </a:rPr>
+                        <a:t>3.0</a:t>
+                      </a:r>
+                    </a:p>
+                  </a:txBody>
+                  <a:tcPr marL="57999" marR="57999" marT="43499" marB="43499"/>
+                </a:tc>
+                <a:tc>
+                  <a:txBody>
+                    <a:bodyPr/>
+                    <a:lstStyle/>
+                    <a:p>
+                      <a:pPr fontAlgn="t"/>
+                      <a:r>
+                        <a:rPr lang="en-US" altLang="zh-CN" sz="1000">
+                          <a:effectLst/>
+                          <a:latin typeface="微软雅黑" panose="020B0503020204020204" pitchFamily="34" charset="-122"/>
+                          <a:ea typeface="微软雅黑" panose="020B0503020204020204" pitchFamily="34" charset="-122"/>
+                        </a:rPr>
+                        <a:t>3.0</a:t>
+                      </a:r>
+                    </a:p>
+                  </a:txBody>
+                  <a:tcPr marL="57999" marR="57999" marT="43499" marB="43499"/>
+                </a:tc>
+                <a:tc>
+                  <a:txBody>
+                    <a:bodyPr/>
+                    <a:lstStyle/>
+                    <a:p>
+                      <a:pPr fontAlgn="t"/>
+                      <a:r>
+                        <a:rPr lang="en-US" altLang="zh-CN" sz="1000">
+                          <a:effectLst/>
+                          <a:latin typeface="微软雅黑" panose="020B0503020204020204" pitchFamily="34" charset="-122"/>
+                          <a:ea typeface="微软雅黑" panose="020B0503020204020204" pitchFamily="34" charset="-122"/>
+                        </a:rPr>
+                        <a:t>3.0</a:t>
+                      </a:r>
+                    </a:p>
+                  </a:txBody>
+                  <a:tcPr marL="57999" marR="57999" marT="43499" marB="43499"/>
+                </a:tc>
+                <a:tc>
+                  <a:txBody>
+                    <a:bodyPr/>
+                    <a:lstStyle/>
+                    <a:p>
+                      <a:pPr fontAlgn="t"/>
+                      <a:r>
+                        <a:rPr lang="en-US" altLang="zh-CN" sz="1000">
+                          <a:effectLst/>
+                          <a:latin typeface="微软雅黑" panose="020B0503020204020204" pitchFamily="34" charset="-122"/>
+                          <a:ea typeface="微软雅黑" panose="020B0503020204020204" pitchFamily="34" charset="-122"/>
+                        </a:rPr>
+                        <a:t>3.0</a:t>
+                      </a:r>
+                    </a:p>
+                  </a:txBody>
+                  <a:tcPr marL="57999" marR="57999" marT="43499" marB="43499"/>
+                </a:tc>
+                <a:tc>
+                  <a:txBody>
+                    <a:bodyPr/>
+                    <a:lstStyle/>
+                    <a:p>
+                      <a:pPr fontAlgn="t"/>
+                      <a:r>
+                        <a:rPr lang="en-US" altLang="zh-CN" sz="1000" dirty="0">
+                          <a:effectLst/>
+                          <a:latin typeface="微软雅黑" panose="020B0503020204020204" pitchFamily="34" charset="-122"/>
+                          <a:ea typeface="微软雅黑" panose="020B0503020204020204" pitchFamily="34" charset="-122"/>
+                        </a:rPr>
+                        <a:t>3.0</a:t>
+                      </a:r>
+                    </a:p>
+                  </a:txBody>
+                  <a:tcPr marL="57999" marR="57999" marT="43499" marB="43499"/>
+                </a:tc>
+                <a:tc>
+                  <a:txBody>
+                    <a:bodyPr/>
+                    <a:lstStyle/>
+                    <a:p>
+                      <a:pPr fontAlgn="t"/>
+                      <a:r>
+                        <a:rPr lang="en-US" altLang="zh-CN" sz="1000">
+                          <a:effectLst/>
+                          <a:latin typeface="微软雅黑" panose="020B0503020204020204" pitchFamily="34" charset="-122"/>
+                          <a:ea typeface="微软雅黑" panose="020B0503020204020204" pitchFamily="34" charset="-122"/>
+                        </a:rPr>
+                        <a:t>3.8</a:t>
+                      </a:r>
+                    </a:p>
+                  </a:txBody>
+                  <a:tcPr marL="57999" marR="57999" marT="43499" marB="43499"/>
+                </a:tc>
+                <a:extLst>
+                  <a:ext uri="{0D108BD9-81ED-4DB2-BD59-A6C34878D82A}">
+                    <a16:rowId xmlns:a16="http://schemas.microsoft.com/office/drawing/2014/main" val="2852558647"/>
+                  </a:ext>
+                </a:extLst>
+              </a:tr>
+              <a:tr h="301521">
+                <a:tc>
+                  <a:txBody>
+                    <a:bodyPr/>
+                    <a:lstStyle/>
+                    <a:p>
+                      <a:pPr fontAlgn="t"/>
+                      <a:r>
+                        <a:rPr lang="en-US" sz="1000">
+                          <a:effectLst/>
+                          <a:latin typeface="微软雅黑" panose="020B0503020204020204" pitchFamily="34" charset="-122"/>
+                          <a:ea typeface="微软雅黑" panose="020B0503020204020204" pitchFamily="34" charset="-122"/>
+                        </a:rPr>
+                        <a:t>Xamarin.Android</a:t>
+                      </a:r>
+                    </a:p>
+                  </a:txBody>
+                  <a:tcPr marL="57999" marR="57999" marT="43499" marB="43499"/>
+                </a:tc>
+                <a:tc>
+                  <a:txBody>
+                    <a:bodyPr/>
+                    <a:lstStyle/>
+                    <a:p>
+                      <a:pPr fontAlgn="t"/>
+                      <a:r>
+                        <a:rPr lang="en-US" altLang="zh-CN" sz="1000">
+                          <a:effectLst/>
+                          <a:latin typeface="微软雅黑" panose="020B0503020204020204" pitchFamily="34" charset="-122"/>
+                          <a:ea typeface="微软雅黑" panose="020B0503020204020204" pitchFamily="34" charset="-122"/>
+                        </a:rPr>
+                        <a:t>7.0</a:t>
+                      </a:r>
+                    </a:p>
+                  </a:txBody>
+                  <a:tcPr marL="57999" marR="57999" marT="43499" marB="43499"/>
+                </a:tc>
+                <a:tc>
+                  <a:txBody>
+                    <a:bodyPr/>
+                    <a:lstStyle/>
+                    <a:p>
+                      <a:pPr fontAlgn="t"/>
+                      <a:r>
+                        <a:rPr lang="en-US" altLang="zh-CN" sz="1000">
+                          <a:effectLst/>
+                          <a:latin typeface="微软雅黑" panose="020B0503020204020204" pitchFamily="34" charset="-122"/>
+                          <a:ea typeface="微软雅黑" panose="020B0503020204020204" pitchFamily="34" charset="-122"/>
+                        </a:rPr>
+                        <a:t>7.0</a:t>
+                      </a:r>
+                    </a:p>
+                  </a:txBody>
+                  <a:tcPr marL="57999" marR="57999" marT="43499" marB="43499"/>
+                </a:tc>
+                <a:tc>
+                  <a:txBody>
+                    <a:bodyPr/>
+                    <a:lstStyle/>
+                    <a:p>
+                      <a:pPr fontAlgn="t"/>
+                      <a:r>
+                        <a:rPr lang="en-US" altLang="zh-CN" sz="1000">
+                          <a:effectLst/>
+                          <a:latin typeface="微软雅黑" panose="020B0503020204020204" pitchFamily="34" charset="-122"/>
+                          <a:ea typeface="微软雅黑" panose="020B0503020204020204" pitchFamily="34" charset="-122"/>
+                        </a:rPr>
+                        <a:t>7.0</a:t>
+                      </a:r>
+                    </a:p>
+                  </a:txBody>
+                  <a:tcPr marL="57999" marR="57999" marT="43499" marB="43499"/>
+                </a:tc>
+                <a:tc>
+                  <a:txBody>
+                    <a:bodyPr/>
+                    <a:lstStyle/>
+                    <a:p>
+                      <a:pPr fontAlgn="t"/>
+                      <a:r>
+                        <a:rPr lang="en-US" altLang="zh-CN" sz="1000">
+                          <a:effectLst/>
+                          <a:latin typeface="微软雅黑" panose="020B0503020204020204" pitchFamily="34" charset="-122"/>
+                          <a:ea typeface="微软雅黑" panose="020B0503020204020204" pitchFamily="34" charset="-122"/>
+                        </a:rPr>
+                        <a:t>7.0</a:t>
+                      </a:r>
+                    </a:p>
+                  </a:txBody>
+                  <a:tcPr marL="57999" marR="57999" marT="43499" marB="43499"/>
+                </a:tc>
+                <a:tc>
+                  <a:txBody>
+                    <a:bodyPr/>
+                    <a:lstStyle/>
+                    <a:p>
+                      <a:pPr fontAlgn="t"/>
+                      <a:r>
+                        <a:rPr lang="en-US" altLang="zh-CN" sz="1000">
+                          <a:effectLst/>
+                          <a:latin typeface="微软雅黑" panose="020B0503020204020204" pitchFamily="34" charset="-122"/>
+                          <a:ea typeface="微软雅黑" panose="020B0503020204020204" pitchFamily="34" charset="-122"/>
+                        </a:rPr>
+                        <a:t>7.0</a:t>
+                      </a:r>
+                    </a:p>
+                  </a:txBody>
+                  <a:tcPr marL="57999" marR="57999" marT="43499" marB="43499"/>
+                </a:tc>
+                <a:tc>
+                  <a:txBody>
+                    <a:bodyPr/>
+                    <a:lstStyle/>
+                    <a:p>
+                      <a:pPr fontAlgn="t"/>
+                      <a:r>
+                        <a:rPr lang="en-US" altLang="zh-CN" sz="1000">
+                          <a:effectLst/>
+                          <a:latin typeface="微软雅黑" panose="020B0503020204020204" pitchFamily="34" charset="-122"/>
+                          <a:ea typeface="微软雅黑" panose="020B0503020204020204" pitchFamily="34" charset="-122"/>
+                        </a:rPr>
+                        <a:t>7.0</a:t>
+                      </a:r>
+                    </a:p>
+                  </a:txBody>
+                  <a:tcPr marL="57999" marR="57999" marT="43499" marB="43499"/>
+                </a:tc>
+                <a:tc>
+                  <a:txBody>
+                    <a:bodyPr/>
+                    <a:lstStyle/>
+                    <a:p>
+                      <a:pPr fontAlgn="t"/>
+                      <a:r>
+                        <a:rPr lang="en-US" altLang="zh-CN" sz="1000" dirty="0">
+                          <a:effectLst/>
+                          <a:latin typeface="微软雅黑" panose="020B0503020204020204" pitchFamily="34" charset="-122"/>
+                          <a:ea typeface="微软雅黑" panose="020B0503020204020204" pitchFamily="34" charset="-122"/>
+                        </a:rPr>
+                        <a:t>7.0</a:t>
+                      </a:r>
+                    </a:p>
+                  </a:txBody>
+                  <a:tcPr marL="57999" marR="57999" marT="43499" marB="43499"/>
+                </a:tc>
+                <a:tc>
+                  <a:txBody>
+                    <a:bodyPr/>
+                    <a:lstStyle/>
+                    <a:p>
+                      <a:pPr fontAlgn="t"/>
+                      <a:r>
+                        <a:rPr lang="en-US" altLang="zh-CN" sz="1000">
+                          <a:effectLst/>
+                          <a:latin typeface="微软雅黑" panose="020B0503020204020204" pitchFamily="34" charset="-122"/>
+                          <a:ea typeface="微软雅黑" panose="020B0503020204020204" pitchFamily="34" charset="-122"/>
+                        </a:rPr>
+                        <a:t>8.0</a:t>
+                      </a:r>
+                    </a:p>
+                  </a:txBody>
+                  <a:tcPr marL="57999" marR="57999" marT="43499" marB="43499"/>
+                </a:tc>
+                <a:extLst>
+                  <a:ext uri="{0D108BD9-81ED-4DB2-BD59-A6C34878D82A}">
+                    <a16:rowId xmlns:a16="http://schemas.microsoft.com/office/drawing/2014/main" val="2738844854"/>
+                  </a:ext>
+                </a:extLst>
+              </a:tr>
+              <a:tr h="401744">
+                <a:tc>
+                  <a:txBody>
+                    <a:bodyPr/>
+                    <a:lstStyle/>
+                    <a:p>
+                      <a:pPr fontAlgn="t"/>
+                      <a:r>
+                        <a:rPr lang="zh-CN" altLang="en-US" sz="1000" dirty="0">
+                          <a:effectLst/>
+                          <a:latin typeface="微软雅黑" panose="020B0503020204020204" pitchFamily="34" charset="-122"/>
+                          <a:ea typeface="微软雅黑" panose="020B0503020204020204" pitchFamily="34" charset="-122"/>
+                        </a:rPr>
+                        <a:t>通用 </a:t>
+                      </a:r>
+                      <a:r>
+                        <a:rPr lang="en-US" sz="1000" dirty="0">
+                          <a:effectLst/>
+                          <a:latin typeface="微软雅黑" panose="020B0503020204020204" pitchFamily="34" charset="-122"/>
+                          <a:ea typeface="微软雅黑" panose="020B0503020204020204" pitchFamily="34" charset="-122"/>
+                        </a:rPr>
+                        <a:t>Windows </a:t>
+                      </a:r>
+                      <a:r>
+                        <a:rPr lang="zh-CN" altLang="en-US" sz="1000" dirty="0">
+                          <a:effectLst/>
+                          <a:latin typeface="微软雅黑" panose="020B0503020204020204" pitchFamily="34" charset="-122"/>
+                          <a:ea typeface="微软雅黑" panose="020B0503020204020204" pitchFamily="34" charset="-122"/>
+                        </a:rPr>
+                        <a:t>平台</a:t>
+                      </a:r>
+                    </a:p>
+                  </a:txBody>
+                  <a:tcPr marL="57999" marR="57999" marT="43499" marB="43499"/>
+                </a:tc>
+                <a:tc>
+                  <a:txBody>
+                    <a:bodyPr/>
+                    <a:lstStyle/>
+                    <a:p>
+                      <a:pPr fontAlgn="t"/>
+                      <a:r>
+                        <a:rPr lang="en-US" altLang="zh-CN" sz="1000">
+                          <a:effectLst/>
+                          <a:latin typeface="微软雅黑" panose="020B0503020204020204" pitchFamily="34" charset="-122"/>
+                          <a:ea typeface="微软雅黑" panose="020B0503020204020204" pitchFamily="34" charset="-122"/>
+                        </a:rPr>
+                        <a:t>10.0</a:t>
+                      </a:r>
+                    </a:p>
+                  </a:txBody>
+                  <a:tcPr marL="57999" marR="57999" marT="43499" marB="43499"/>
+                </a:tc>
+                <a:tc>
+                  <a:txBody>
+                    <a:bodyPr/>
+                    <a:lstStyle/>
+                    <a:p>
+                      <a:pPr fontAlgn="t"/>
+                      <a:r>
+                        <a:rPr lang="en-US" altLang="zh-CN" sz="1000">
+                          <a:effectLst/>
+                          <a:latin typeface="微软雅黑" panose="020B0503020204020204" pitchFamily="34" charset="-122"/>
+                          <a:ea typeface="微软雅黑" panose="020B0503020204020204" pitchFamily="34" charset="-122"/>
+                        </a:rPr>
+                        <a:t>10.0</a:t>
+                      </a:r>
+                    </a:p>
+                  </a:txBody>
+                  <a:tcPr marL="57999" marR="57999" marT="43499" marB="43499"/>
+                </a:tc>
+                <a:tc>
+                  <a:txBody>
+                    <a:bodyPr/>
+                    <a:lstStyle/>
+                    <a:p>
+                      <a:pPr fontAlgn="t"/>
+                      <a:r>
+                        <a:rPr lang="en-US" altLang="zh-CN" sz="1000">
+                          <a:effectLst/>
+                          <a:latin typeface="微软雅黑" panose="020B0503020204020204" pitchFamily="34" charset="-122"/>
+                          <a:ea typeface="微软雅黑" panose="020B0503020204020204" pitchFamily="34" charset="-122"/>
+                        </a:rPr>
+                        <a:t>10.0</a:t>
+                      </a:r>
+                    </a:p>
+                  </a:txBody>
+                  <a:tcPr marL="57999" marR="57999" marT="43499" marB="43499"/>
+                </a:tc>
+                <a:tc>
+                  <a:txBody>
+                    <a:bodyPr/>
+                    <a:lstStyle/>
+                    <a:p>
+                      <a:pPr fontAlgn="t"/>
+                      <a:r>
+                        <a:rPr lang="en-US" altLang="zh-CN" sz="1000">
+                          <a:effectLst/>
+                          <a:latin typeface="微软雅黑" panose="020B0503020204020204" pitchFamily="34" charset="-122"/>
+                          <a:ea typeface="微软雅黑" panose="020B0503020204020204" pitchFamily="34" charset="-122"/>
+                        </a:rPr>
+                        <a:t>10.0</a:t>
+                      </a:r>
+                    </a:p>
+                  </a:txBody>
+                  <a:tcPr marL="57999" marR="57999" marT="43499" marB="43499"/>
+                </a:tc>
+                <a:tc>
+                  <a:txBody>
+                    <a:bodyPr/>
+                    <a:lstStyle/>
+                    <a:p>
+                      <a:pPr fontAlgn="t"/>
+                      <a:r>
+                        <a:rPr lang="en-US" altLang="zh-CN" sz="1000" dirty="0">
+                          <a:effectLst/>
+                          <a:latin typeface="微软雅黑" panose="020B0503020204020204" pitchFamily="34" charset="-122"/>
+                          <a:ea typeface="微软雅黑" panose="020B0503020204020204" pitchFamily="34" charset="-122"/>
+                        </a:rPr>
+                        <a:t>10.0</a:t>
+                      </a:r>
+                    </a:p>
+                  </a:txBody>
+                  <a:tcPr marL="57999" marR="57999" marT="43499" marB="43499"/>
+                </a:tc>
+                <a:tc>
+                  <a:txBody>
+                    <a:bodyPr/>
+                    <a:lstStyle/>
+                    <a:p>
+                      <a:pPr fontAlgn="t"/>
+                      <a:r>
+                        <a:rPr lang="en-US" sz="1000">
+                          <a:effectLst/>
+                          <a:latin typeface="微软雅黑" panose="020B0503020204020204" pitchFamily="34" charset="-122"/>
+                          <a:ea typeface="微软雅黑" panose="020B0503020204020204" pitchFamily="34" charset="-122"/>
+                        </a:rPr>
+                        <a:t>vNext</a:t>
+                      </a:r>
+                    </a:p>
+                  </a:txBody>
+                  <a:tcPr marL="57999" marR="57999" marT="43499" marB="43499"/>
+                </a:tc>
+                <a:tc>
+                  <a:txBody>
+                    <a:bodyPr/>
+                    <a:lstStyle/>
+                    <a:p>
+                      <a:pPr fontAlgn="t"/>
+                      <a:r>
+                        <a:rPr lang="en-US" sz="1000" dirty="0" err="1">
+                          <a:effectLst/>
+                          <a:latin typeface="微软雅黑" panose="020B0503020204020204" pitchFamily="34" charset="-122"/>
+                          <a:ea typeface="微软雅黑" panose="020B0503020204020204" pitchFamily="34" charset="-122"/>
+                        </a:rPr>
+                        <a:t>vNext</a:t>
+                      </a:r>
+                      <a:endParaRPr lang="en-US" sz="1000" dirty="0">
+                        <a:effectLst/>
+                        <a:latin typeface="微软雅黑" panose="020B0503020204020204" pitchFamily="34" charset="-122"/>
+                        <a:ea typeface="微软雅黑" panose="020B0503020204020204" pitchFamily="34" charset="-122"/>
+                      </a:endParaRPr>
+                    </a:p>
+                  </a:txBody>
+                  <a:tcPr marL="57999" marR="57999" marT="43499" marB="43499"/>
+                </a:tc>
+                <a:tc>
+                  <a:txBody>
+                    <a:bodyPr/>
+                    <a:lstStyle/>
+                    <a:p>
+                      <a:pPr fontAlgn="t"/>
+                      <a:r>
+                        <a:rPr lang="en-US" sz="1000">
+                          <a:effectLst/>
+                          <a:latin typeface="微软雅黑" panose="020B0503020204020204" pitchFamily="34" charset="-122"/>
+                          <a:ea typeface="微软雅黑" panose="020B0503020204020204" pitchFamily="34" charset="-122"/>
+                        </a:rPr>
+                        <a:t>vNext</a:t>
+                      </a:r>
+                    </a:p>
+                  </a:txBody>
+                  <a:tcPr marL="57999" marR="57999" marT="43499" marB="43499"/>
+                </a:tc>
+                <a:extLst>
+                  <a:ext uri="{0D108BD9-81ED-4DB2-BD59-A6C34878D82A}">
+                    <a16:rowId xmlns:a16="http://schemas.microsoft.com/office/drawing/2014/main" val="1491636004"/>
+                  </a:ext>
+                </a:extLst>
+              </a:tr>
+              <a:tr h="331588">
+                <a:tc>
+                  <a:txBody>
+                    <a:bodyPr/>
+                    <a:lstStyle/>
+                    <a:p>
+                      <a:pPr fontAlgn="t"/>
+                      <a:r>
+                        <a:rPr lang="en-US" sz="1000">
+                          <a:effectLst/>
+                          <a:latin typeface="微软雅黑" panose="020B0503020204020204" pitchFamily="34" charset="-122"/>
+                          <a:ea typeface="微软雅黑" panose="020B0503020204020204" pitchFamily="34" charset="-122"/>
+                        </a:rPr>
+                        <a:t>Windows</a:t>
+                      </a:r>
+                    </a:p>
+                  </a:txBody>
+                  <a:tcPr marL="57999" marR="57999" marT="43499" marB="43499"/>
+                </a:tc>
+                <a:tc>
+                  <a:txBody>
+                    <a:bodyPr/>
+                    <a:lstStyle/>
+                    <a:p>
+                      <a:pPr fontAlgn="t"/>
+                      <a:r>
+                        <a:rPr lang="en-US" altLang="zh-CN" sz="1000">
+                          <a:effectLst/>
+                          <a:latin typeface="微软雅黑" panose="020B0503020204020204" pitchFamily="34" charset="-122"/>
+                          <a:ea typeface="微软雅黑" panose="020B0503020204020204" pitchFamily="34" charset="-122"/>
+                        </a:rPr>
+                        <a:t>8.0</a:t>
+                      </a:r>
+                    </a:p>
+                  </a:txBody>
+                  <a:tcPr marL="57999" marR="57999" marT="43499" marB="43499"/>
+                </a:tc>
+                <a:tc>
+                  <a:txBody>
+                    <a:bodyPr/>
+                    <a:lstStyle/>
+                    <a:p>
+                      <a:pPr fontAlgn="t"/>
+                      <a:r>
+                        <a:rPr lang="en-US" altLang="zh-CN" sz="1000">
+                          <a:effectLst/>
+                          <a:latin typeface="微软雅黑" panose="020B0503020204020204" pitchFamily="34" charset="-122"/>
+                          <a:ea typeface="微软雅黑" panose="020B0503020204020204" pitchFamily="34" charset="-122"/>
+                        </a:rPr>
+                        <a:t>8.0</a:t>
+                      </a:r>
+                    </a:p>
+                  </a:txBody>
+                  <a:tcPr marL="57999" marR="57999" marT="43499" marB="43499"/>
+                </a:tc>
+                <a:tc>
+                  <a:txBody>
+                    <a:bodyPr/>
+                    <a:lstStyle/>
+                    <a:p>
+                      <a:pPr fontAlgn="t"/>
+                      <a:r>
+                        <a:rPr lang="en-US" altLang="zh-CN" sz="1000">
+                          <a:effectLst/>
+                          <a:latin typeface="微软雅黑" panose="020B0503020204020204" pitchFamily="34" charset="-122"/>
+                          <a:ea typeface="微软雅黑" panose="020B0503020204020204" pitchFamily="34" charset="-122"/>
+                        </a:rPr>
+                        <a:t>8.1</a:t>
+                      </a:r>
+                    </a:p>
+                  </a:txBody>
+                  <a:tcPr marL="57999" marR="57999" marT="43499" marB="43499"/>
+                </a:tc>
+                <a:tc>
+                  <a:txBody>
+                    <a:bodyPr/>
+                    <a:lstStyle/>
+                    <a:p>
+                      <a:pPr fontAlgn="t"/>
+                      <a:endParaRPr lang="zh-CN" altLang="en-US" sz="1000">
+                        <a:effectLst/>
+                        <a:latin typeface="微软雅黑" panose="020B0503020204020204" pitchFamily="34" charset="-122"/>
+                        <a:ea typeface="微软雅黑" panose="020B0503020204020204" pitchFamily="34" charset="-122"/>
+                      </a:endParaRPr>
+                    </a:p>
+                  </a:txBody>
+                  <a:tcPr marL="57999" marR="57999" marT="43499" marB="43499"/>
+                </a:tc>
+                <a:tc>
+                  <a:txBody>
+                    <a:bodyPr/>
+                    <a:lstStyle/>
+                    <a:p>
+                      <a:pPr fontAlgn="t"/>
+                      <a:endParaRPr lang="zh-CN" altLang="en-US" sz="1000">
+                        <a:effectLst/>
+                        <a:latin typeface="微软雅黑" panose="020B0503020204020204" pitchFamily="34" charset="-122"/>
+                        <a:ea typeface="微软雅黑" panose="020B0503020204020204" pitchFamily="34" charset="-122"/>
+                      </a:endParaRPr>
+                    </a:p>
+                  </a:txBody>
+                  <a:tcPr marL="57999" marR="57999" marT="43499" marB="43499"/>
+                </a:tc>
+                <a:tc>
+                  <a:txBody>
+                    <a:bodyPr/>
+                    <a:lstStyle/>
+                    <a:p>
+                      <a:pPr fontAlgn="t"/>
+                      <a:endParaRPr lang="zh-CN" altLang="en-US" sz="1000">
+                        <a:effectLst/>
+                        <a:latin typeface="微软雅黑" panose="020B0503020204020204" pitchFamily="34" charset="-122"/>
+                        <a:ea typeface="微软雅黑" panose="020B0503020204020204" pitchFamily="34" charset="-122"/>
+                      </a:endParaRPr>
+                    </a:p>
+                  </a:txBody>
+                  <a:tcPr marL="57999" marR="57999" marT="43499" marB="43499"/>
+                </a:tc>
+                <a:tc>
+                  <a:txBody>
+                    <a:bodyPr/>
+                    <a:lstStyle/>
+                    <a:p>
+                      <a:pPr fontAlgn="t"/>
+                      <a:endParaRPr lang="zh-CN" altLang="en-US" sz="1000" dirty="0">
+                        <a:effectLst/>
+                        <a:latin typeface="微软雅黑" panose="020B0503020204020204" pitchFamily="34" charset="-122"/>
+                        <a:ea typeface="微软雅黑" panose="020B0503020204020204" pitchFamily="34" charset="-122"/>
+                      </a:endParaRPr>
+                    </a:p>
+                  </a:txBody>
+                  <a:tcPr marL="57999" marR="57999" marT="43499" marB="43499"/>
+                </a:tc>
+                <a:tc>
+                  <a:txBody>
+                    <a:bodyPr/>
+                    <a:lstStyle/>
+                    <a:p>
+                      <a:pPr fontAlgn="t"/>
+                      <a:endParaRPr lang="zh-CN" altLang="en-US" sz="1000">
+                        <a:effectLst/>
+                        <a:latin typeface="微软雅黑" panose="020B0503020204020204" pitchFamily="34" charset="-122"/>
+                        <a:ea typeface="微软雅黑" panose="020B0503020204020204" pitchFamily="34" charset="-122"/>
+                      </a:endParaRPr>
+                    </a:p>
+                  </a:txBody>
+                  <a:tcPr marL="57999" marR="57999" marT="43499" marB="43499"/>
+                </a:tc>
+                <a:extLst>
+                  <a:ext uri="{0D108BD9-81ED-4DB2-BD59-A6C34878D82A}">
+                    <a16:rowId xmlns:a16="http://schemas.microsoft.com/office/drawing/2014/main" val="2515637505"/>
+                  </a:ext>
+                </a:extLst>
+              </a:tr>
+              <a:tr h="328262">
+                <a:tc>
+                  <a:txBody>
+                    <a:bodyPr/>
+                    <a:lstStyle/>
+                    <a:p>
+                      <a:pPr fontAlgn="t"/>
+                      <a:r>
+                        <a:rPr lang="en-US" sz="1000">
+                          <a:effectLst/>
+                          <a:latin typeface="微软雅黑" panose="020B0503020204020204" pitchFamily="34" charset="-122"/>
+                          <a:ea typeface="微软雅黑" panose="020B0503020204020204" pitchFamily="34" charset="-122"/>
+                        </a:rPr>
+                        <a:t>Windows Phone</a:t>
+                      </a:r>
+                    </a:p>
+                  </a:txBody>
+                  <a:tcPr marL="57999" marR="57999" marT="43499" marB="43499"/>
+                </a:tc>
+                <a:tc>
+                  <a:txBody>
+                    <a:bodyPr/>
+                    <a:lstStyle/>
+                    <a:p>
+                      <a:pPr fontAlgn="t"/>
+                      <a:r>
+                        <a:rPr lang="en-US" altLang="zh-CN" sz="1000">
+                          <a:effectLst/>
+                          <a:latin typeface="微软雅黑" panose="020B0503020204020204" pitchFamily="34" charset="-122"/>
+                          <a:ea typeface="微软雅黑" panose="020B0503020204020204" pitchFamily="34" charset="-122"/>
+                        </a:rPr>
+                        <a:t>8.1</a:t>
+                      </a:r>
+                    </a:p>
+                  </a:txBody>
+                  <a:tcPr marL="57999" marR="57999" marT="43499" marB="43499"/>
+                </a:tc>
+                <a:tc>
+                  <a:txBody>
+                    <a:bodyPr/>
+                    <a:lstStyle/>
+                    <a:p>
+                      <a:pPr fontAlgn="t"/>
+                      <a:r>
+                        <a:rPr lang="en-US" altLang="zh-CN" sz="1000">
+                          <a:effectLst/>
+                          <a:latin typeface="微软雅黑" panose="020B0503020204020204" pitchFamily="34" charset="-122"/>
+                          <a:ea typeface="微软雅黑" panose="020B0503020204020204" pitchFamily="34" charset="-122"/>
+                        </a:rPr>
+                        <a:t>8.1</a:t>
+                      </a:r>
+                    </a:p>
+                  </a:txBody>
+                  <a:tcPr marL="57999" marR="57999" marT="43499" marB="43499"/>
+                </a:tc>
+                <a:tc>
+                  <a:txBody>
+                    <a:bodyPr/>
+                    <a:lstStyle/>
+                    <a:p>
+                      <a:pPr fontAlgn="t"/>
+                      <a:r>
+                        <a:rPr lang="en-US" altLang="zh-CN" sz="1000">
+                          <a:effectLst/>
+                          <a:latin typeface="微软雅黑" panose="020B0503020204020204" pitchFamily="34" charset="-122"/>
+                          <a:ea typeface="微软雅黑" panose="020B0503020204020204" pitchFamily="34" charset="-122"/>
+                        </a:rPr>
+                        <a:t>8.1</a:t>
+                      </a:r>
+                    </a:p>
+                  </a:txBody>
+                  <a:tcPr marL="57999" marR="57999" marT="43499" marB="43499"/>
+                </a:tc>
+                <a:tc>
+                  <a:txBody>
+                    <a:bodyPr/>
+                    <a:lstStyle/>
+                    <a:p>
+                      <a:pPr fontAlgn="t"/>
+                      <a:endParaRPr lang="zh-CN" altLang="en-US" sz="1000">
+                        <a:effectLst/>
+                        <a:latin typeface="微软雅黑" panose="020B0503020204020204" pitchFamily="34" charset="-122"/>
+                        <a:ea typeface="微软雅黑" panose="020B0503020204020204" pitchFamily="34" charset="-122"/>
+                      </a:endParaRPr>
+                    </a:p>
+                  </a:txBody>
+                  <a:tcPr marL="57999" marR="57999" marT="43499" marB="43499"/>
+                </a:tc>
+                <a:tc>
+                  <a:txBody>
+                    <a:bodyPr/>
+                    <a:lstStyle/>
+                    <a:p>
+                      <a:pPr fontAlgn="t"/>
+                      <a:endParaRPr lang="zh-CN" altLang="en-US" sz="1000">
+                        <a:effectLst/>
+                        <a:latin typeface="微软雅黑" panose="020B0503020204020204" pitchFamily="34" charset="-122"/>
+                        <a:ea typeface="微软雅黑" panose="020B0503020204020204" pitchFamily="34" charset="-122"/>
+                      </a:endParaRPr>
+                    </a:p>
+                  </a:txBody>
+                  <a:tcPr marL="57999" marR="57999" marT="43499" marB="43499"/>
+                </a:tc>
+                <a:tc>
+                  <a:txBody>
+                    <a:bodyPr/>
+                    <a:lstStyle/>
+                    <a:p>
+                      <a:pPr fontAlgn="t"/>
+                      <a:endParaRPr lang="zh-CN" altLang="en-US" sz="1000">
+                        <a:effectLst/>
+                        <a:latin typeface="微软雅黑" panose="020B0503020204020204" pitchFamily="34" charset="-122"/>
+                        <a:ea typeface="微软雅黑" panose="020B0503020204020204" pitchFamily="34" charset="-122"/>
+                      </a:endParaRPr>
+                    </a:p>
+                  </a:txBody>
+                  <a:tcPr marL="57999" marR="57999" marT="43499" marB="43499"/>
+                </a:tc>
+                <a:tc>
+                  <a:txBody>
+                    <a:bodyPr/>
+                    <a:lstStyle/>
+                    <a:p>
+                      <a:pPr fontAlgn="t"/>
+                      <a:endParaRPr lang="zh-CN" altLang="en-US" sz="1000" dirty="0">
+                        <a:effectLst/>
+                        <a:latin typeface="微软雅黑" panose="020B0503020204020204" pitchFamily="34" charset="-122"/>
+                        <a:ea typeface="微软雅黑" panose="020B0503020204020204" pitchFamily="34" charset="-122"/>
+                      </a:endParaRPr>
+                    </a:p>
+                  </a:txBody>
+                  <a:tcPr marL="57999" marR="57999" marT="43499" marB="43499"/>
+                </a:tc>
+                <a:tc>
+                  <a:txBody>
+                    <a:bodyPr/>
+                    <a:lstStyle/>
+                    <a:p>
+                      <a:pPr fontAlgn="t"/>
+                      <a:endParaRPr lang="zh-CN" altLang="en-US" sz="1000" dirty="0">
+                        <a:effectLst/>
+                        <a:latin typeface="微软雅黑" panose="020B0503020204020204" pitchFamily="34" charset="-122"/>
+                        <a:ea typeface="微软雅黑" panose="020B0503020204020204" pitchFamily="34" charset="-122"/>
+                      </a:endParaRPr>
+                    </a:p>
+                  </a:txBody>
+                  <a:tcPr marL="57999" marR="57999" marT="43499" marB="43499"/>
+                </a:tc>
+                <a:extLst>
+                  <a:ext uri="{0D108BD9-81ED-4DB2-BD59-A6C34878D82A}">
+                    <a16:rowId xmlns:a16="http://schemas.microsoft.com/office/drawing/2014/main" val="116077566"/>
+                  </a:ext>
+                </a:extLst>
+              </a:tr>
+              <a:tr h="350103">
+                <a:tc>
+                  <a:txBody>
+                    <a:bodyPr/>
+                    <a:lstStyle/>
+                    <a:p>
+                      <a:pPr fontAlgn="t"/>
+                      <a:r>
+                        <a:rPr lang="en-US" sz="1000" dirty="0">
+                          <a:effectLst/>
+                          <a:latin typeface="微软雅黑" panose="020B0503020204020204" pitchFamily="34" charset="-122"/>
+                          <a:ea typeface="微软雅黑" panose="020B0503020204020204" pitchFamily="34" charset="-122"/>
+                        </a:rPr>
+                        <a:t>Windows Phone Silverlight</a:t>
+                      </a:r>
+                    </a:p>
+                  </a:txBody>
+                  <a:tcPr marL="57999" marR="57999" marT="43499" marB="43499"/>
+                </a:tc>
+                <a:tc>
+                  <a:txBody>
+                    <a:bodyPr/>
+                    <a:lstStyle/>
+                    <a:p>
+                      <a:pPr fontAlgn="t"/>
+                      <a:r>
+                        <a:rPr lang="en-US" altLang="zh-CN" sz="1000" dirty="0">
+                          <a:effectLst/>
+                          <a:latin typeface="微软雅黑" panose="020B0503020204020204" pitchFamily="34" charset="-122"/>
+                          <a:ea typeface="微软雅黑" panose="020B0503020204020204" pitchFamily="34" charset="-122"/>
+                        </a:rPr>
+                        <a:t>8.0</a:t>
+                      </a:r>
+                    </a:p>
+                  </a:txBody>
+                  <a:tcPr marL="57999" marR="57999" marT="43499" marB="43499"/>
+                </a:tc>
+                <a:tc>
+                  <a:txBody>
+                    <a:bodyPr/>
+                    <a:lstStyle/>
+                    <a:p>
+                      <a:pPr fontAlgn="t"/>
+                      <a:endParaRPr lang="zh-CN" altLang="en-US" sz="1000" dirty="0">
+                        <a:effectLst/>
+                        <a:latin typeface="微软雅黑" panose="020B0503020204020204" pitchFamily="34" charset="-122"/>
+                        <a:ea typeface="微软雅黑" panose="020B0503020204020204" pitchFamily="34" charset="-122"/>
+                      </a:endParaRPr>
+                    </a:p>
+                  </a:txBody>
+                  <a:tcPr marL="57999" marR="57999" marT="43499" marB="43499"/>
+                </a:tc>
+                <a:tc>
+                  <a:txBody>
+                    <a:bodyPr/>
+                    <a:lstStyle/>
+                    <a:p>
+                      <a:pPr fontAlgn="t"/>
+                      <a:endParaRPr lang="zh-CN" altLang="en-US" sz="1000" dirty="0">
+                        <a:effectLst/>
+                        <a:latin typeface="微软雅黑" panose="020B0503020204020204" pitchFamily="34" charset="-122"/>
+                        <a:ea typeface="微软雅黑" panose="020B0503020204020204" pitchFamily="34" charset="-122"/>
+                      </a:endParaRPr>
+                    </a:p>
+                  </a:txBody>
+                  <a:tcPr marL="57999" marR="57999" marT="43499" marB="43499"/>
+                </a:tc>
+                <a:tc>
+                  <a:txBody>
+                    <a:bodyPr/>
+                    <a:lstStyle/>
+                    <a:p>
+                      <a:pPr fontAlgn="t"/>
+                      <a:endParaRPr lang="zh-CN" altLang="en-US" sz="1000" dirty="0">
+                        <a:effectLst/>
+                        <a:latin typeface="微软雅黑" panose="020B0503020204020204" pitchFamily="34" charset="-122"/>
+                        <a:ea typeface="微软雅黑" panose="020B0503020204020204" pitchFamily="34" charset="-122"/>
+                      </a:endParaRPr>
+                    </a:p>
+                  </a:txBody>
+                  <a:tcPr marL="57999" marR="57999" marT="43499" marB="43499"/>
+                </a:tc>
+                <a:tc>
+                  <a:txBody>
+                    <a:bodyPr/>
+                    <a:lstStyle/>
+                    <a:p>
+                      <a:pPr fontAlgn="t"/>
+                      <a:endParaRPr lang="zh-CN" altLang="en-US" sz="1000" dirty="0">
+                        <a:effectLst/>
+                        <a:latin typeface="微软雅黑" panose="020B0503020204020204" pitchFamily="34" charset="-122"/>
+                        <a:ea typeface="微软雅黑" panose="020B0503020204020204" pitchFamily="34" charset="-122"/>
+                      </a:endParaRPr>
+                    </a:p>
+                  </a:txBody>
+                  <a:tcPr marL="57999" marR="57999" marT="43499" marB="43499"/>
+                </a:tc>
+                <a:tc>
+                  <a:txBody>
+                    <a:bodyPr/>
+                    <a:lstStyle/>
+                    <a:p>
+                      <a:pPr fontAlgn="t"/>
+                      <a:endParaRPr lang="zh-CN" altLang="en-US" sz="1000" dirty="0">
+                        <a:effectLst/>
+                        <a:latin typeface="微软雅黑" panose="020B0503020204020204" pitchFamily="34" charset="-122"/>
+                        <a:ea typeface="微软雅黑" panose="020B0503020204020204" pitchFamily="34" charset="-122"/>
+                      </a:endParaRPr>
+                    </a:p>
+                  </a:txBody>
+                  <a:tcPr marL="57999" marR="57999" marT="43499" marB="43499"/>
+                </a:tc>
+                <a:tc>
+                  <a:txBody>
+                    <a:bodyPr/>
+                    <a:lstStyle/>
+                    <a:p>
+                      <a:endParaRPr lang="zh-CN" altLang="en-US" sz="1000" dirty="0">
+                        <a:latin typeface="微软雅黑" panose="020B0503020204020204" pitchFamily="34" charset="-122"/>
+                        <a:ea typeface="微软雅黑" panose="020B0503020204020204" pitchFamily="34" charset="-122"/>
+                      </a:endParaRPr>
+                    </a:p>
+                  </a:txBody>
+                  <a:tcPr marL="34799" marR="34799" marT="17400" marB="17400"/>
+                </a:tc>
+                <a:tc>
+                  <a:txBody>
+                    <a:bodyPr/>
+                    <a:lstStyle/>
+                    <a:p>
+                      <a:endParaRPr lang="zh-CN" altLang="en-US" sz="1000" dirty="0">
+                        <a:latin typeface="微软雅黑" panose="020B0503020204020204" pitchFamily="34" charset="-122"/>
+                        <a:ea typeface="微软雅黑" panose="020B0503020204020204" pitchFamily="34" charset="-122"/>
+                      </a:endParaRPr>
+                    </a:p>
+                  </a:txBody>
+                  <a:tcPr marL="34799" marR="34799" marT="17400" marB="17400"/>
+                </a:tc>
+                <a:extLst>
+                  <a:ext uri="{0D108BD9-81ED-4DB2-BD59-A6C34878D82A}">
+                    <a16:rowId xmlns:a16="http://schemas.microsoft.com/office/drawing/2014/main" val="2669518925"/>
+                  </a:ext>
+                </a:extLst>
+              </a:tr>
+            </a:tbl>
+          </a:graphicData>
+        </a:graphic>
+      </p:graphicFrame>
     </p:spTree>
     <p:extLst>
       <p:ext uri="{BB962C8B-B14F-4D97-AF65-F5344CB8AC3E}">
-        <p14:creationId xmlns:p14="http://schemas.microsoft.com/office/powerpoint/2010/main" val="2300977495"/>
+        <p14:creationId xmlns:p14="http://schemas.microsoft.com/office/powerpoint/2010/main" val="3606691994"/>
       </p:ext>
     </p:extLst>
   </p:cSld>
@@ -17201,200 +16527,6 @@
 </file>
 
 <file path=ppt/slides/slide5.xml><?xml version="1.0" encoding="utf-8"?>
-<p:sld xmlns:a="http://schemas.openxmlformats.org/drawingml/2006/main" xmlns:r="http://schemas.openxmlformats.org/officeDocument/2006/relationships" xmlns:p="http://schemas.openxmlformats.org/presentationml/2006/main">
-  <p:cSld>
-    <p:spTree>
-      <p:nvGrpSpPr>
-        <p:cNvPr id="1" name=""/>
-        <p:cNvGrpSpPr/>
-        <p:nvPr/>
-      </p:nvGrpSpPr>
-      <p:grpSpPr>
-        <a:xfrm>
-          <a:off x="0" y="0"/>
-          <a:ext cx="0" cy="0"/>
-          <a:chOff x="0" y="0"/>
-          <a:chExt cx="0" cy="0"/>
-        </a:xfrm>
-      </p:grpSpPr>
-      <p:sp>
-        <p:nvSpPr>
-          <p:cNvPr id="2" name="标题 1"/>
-          <p:cNvSpPr>
-            <a:spLocks noGrp="1"/>
-          </p:cNvSpPr>
-          <p:nvPr>
-            <p:ph type="title"/>
-          </p:nvPr>
-        </p:nvSpPr>
-        <p:spPr/>
-        <p:txBody>
-          <a:bodyPr/>
-          <a:lstStyle/>
-          <a:p>
-            <a:r>
-              <a:rPr lang="en-US" altLang="zh-CN" dirty="0" err="1"/>
-              <a:t>.net</a:t>
-            </a:r>
-            <a:r>
-              <a:rPr lang="en-US" altLang="zh-CN" dirty="0"/>
-              <a:t> core</a:t>
-            </a:r>
-            <a:endParaRPr lang="zh-CN" altLang="en-US" dirty="0"/>
-          </a:p>
-        </p:txBody>
-      </p:sp>
-      <p:pic>
-        <p:nvPicPr>
-          <p:cNvPr id="6" name="图片 5">
-            <a:extLst>
-              <a:ext uri="{FF2B5EF4-FFF2-40B4-BE49-F238E27FC236}">
-                <a16:creationId xmlns:a16="http://schemas.microsoft.com/office/drawing/2014/main" id="{F58FE10E-E819-4BAA-B787-46611F0C6EFC}"/>
-              </a:ext>
-            </a:extLst>
-          </p:cNvPr>
-          <p:cNvPicPr>
-            <a:picLocks noChangeAspect="1"/>
-          </p:cNvPicPr>
-          <p:nvPr/>
-        </p:nvPicPr>
-        <p:blipFill>
-          <a:blip r:embed="rId2"/>
-          <a:stretch>
-            <a:fillRect/>
-          </a:stretch>
-        </p:blipFill>
-        <p:spPr>
-          <a:xfrm>
-            <a:off x="2509687" y="1727920"/>
-            <a:ext cx="4266667" cy="4609524"/>
-          </a:xfrm>
-          <a:prstGeom prst="rect">
-            <a:avLst/>
-          </a:prstGeom>
-          <a:ln>
-            <a:noFill/>
-          </a:ln>
-          <a:effectLst>
-            <a:outerShdw blurRad="292100" dist="139700" dir="2700000" algn="tl" rotWithShape="0">
-              <a:srgbClr val="333333">
-                <a:alpha val="65000"/>
-              </a:srgbClr>
-            </a:outerShdw>
-          </a:effectLst>
-        </p:spPr>
-      </p:pic>
-    </p:spTree>
-    <p:extLst>
-      <p:ext uri="{BB962C8B-B14F-4D97-AF65-F5344CB8AC3E}">
-        <p14:creationId xmlns:p14="http://schemas.microsoft.com/office/powerpoint/2010/main" val="3851235067"/>
-      </p:ext>
-    </p:extLst>
-  </p:cSld>
-  <p:clrMapOvr>
-    <a:masterClrMapping/>
-  </p:clrMapOvr>
-</p:sld>
-</file>
-
-<file path=ppt/slides/slide6.xml><?xml version="1.0" encoding="utf-8"?>
-<p:sld xmlns:a="http://schemas.openxmlformats.org/drawingml/2006/main" xmlns:r="http://schemas.openxmlformats.org/officeDocument/2006/relationships" xmlns:p="http://schemas.openxmlformats.org/presentationml/2006/main">
-  <p:cSld>
-    <p:spTree>
-      <p:nvGrpSpPr>
-        <p:cNvPr id="1" name=""/>
-        <p:cNvGrpSpPr/>
-        <p:nvPr/>
-      </p:nvGrpSpPr>
-      <p:grpSpPr>
-        <a:xfrm>
-          <a:off x="0" y="0"/>
-          <a:ext cx="0" cy="0"/>
-          <a:chOff x="0" y="0"/>
-          <a:chExt cx="0" cy="0"/>
-        </a:xfrm>
-      </p:grpSpPr>
-      <p:sp>
-        <p:nvSpPr>
-          <p:cNvPr id="2" name="标题 1"/>
-          <p:cNvSpPr>
-            <a:spLocks noGrp="1"/>
-          </p:cNvSpPr>
-          <p:nvPr>
-            <p:ph type="title"/>
-          </p:nvPr>
-        </p:nvSpPr>
-        <p:spPr/>
-        <p:txBody>
-          <a:bodyPr/>
-          <a:lstStyle/>
-          <a:p>
-            <a:r>
-              <a:rPr lang="en-US" altLang="zh-CN" dirty="0" err="1"/>
-              <a:t>.net</a:t>
-            </a:r>
-            <a:r>
-              <a:rPr lang="en-US" altLang="zh-CN" dirty="0"/>
-              <a:t> core</a:t>
-            </a:r>
-            <a:endParaRPr lang="zh-CN" altLang="en-US" dirty="0"/>
-          </a:p>
-        </p:txBody>
-      </p:sp>
-      <p:pic>
-        <p:nvPicPr>
-          <p:cNvPr id="3" name="图片 2">
-            <a:extLst>
-              <a:ext uri="{FF2B5EF4-FFF2-40B4-BE49-F238E27FC236}">
-                <a16:creationId xmlns:a16="http://schemas.microsoft.com/office/drawing/2014/main" id="{1429E8AC-D3A2-48DC-BB89-55595D066AE8}"/>
-              </a:ext>
-            </a:extLst>
-          </p:cNvPr>
-          <p:cNvPicPr>
-            <a:picLocks noChangeAspect="1"/>
-          </p:cNvPicPr>
-          <p:nvPr/>
-        </p:nvPicPr>
-        <p:blipFill>
-          <a:blip r:embed="rId2"/>
-          <a:stretch>
-            <a:fillRect/>
-          </a:stretch>
-        </p:blipFill>
-        <p:spPr>
-          <a:xfrm>
-            <a:off x="628650" y="2203678"/>
-            <a:ext cx="7838983" cy="3089218"/>
-          </a:xfrm>
-          <a:prstGeom prst="rect">
-            <a:avLst/>
-          </a:prstGeom>
-          <a:ln>
-            <a:noFill/>
-          </a:ln>
-          <a:effectLst>
-            <a:outerShdw blurRad="292100" dist="139700" dir="2700000" algn="tl" rotWithShape="0">
-              <a:srgbClr val="333333">
-                <a:alpha val="65000"/>
-              </a:srgbClr>
-            </a:outerShdw>
-          </a:effectLst>
-        </p:spPr>
-      </p:pic>
-    </p:spTree>
-    <p:extLst>
-      <p:ext uri="{BB962C8B-B14F-4D97-AF65-F5344CB8AC3E}">
-        <p14:creationId xmlns:p14="http://schemas.microsoft.com/office/powerpoint/2010/main" val="3908018531"/>
-      </p:ext>
-    </p:extLst>
-  </p:cSld>
-  <p:clrMapOvr>
-    <a:masterClrMapping/>
-  </p:clrMapOvr>
-</p:sld>
-</file>
-
-<file path=ppt/slides/slide7.xml><?xml version="1.0" encoding="utf-8"?>
 <p:sld xmlns:a="http://schemas.openxmlformats.org/drawingml/2006/main" xmlns:r="http://schemas.openxmlformats.org/officeDocument/2006/relationships" xmlns:p="http://schemas.openxmlformats.org/presentationml/2006/main">
   <p:cSld>
     <p:spTree>
@@ -17491,7 +16623,7 @@
 </p:sld>
 </file>
 
-<file path=ppt/slides/slide8.xml><?xml version="1.0" encoding="utf-8"?>
+<file path=ppt/slides/slide6.xml><?xml version="1.0" encoding="utf-8"?>
 <p:sld xmlns:a="http://schemas.openxmlformats.org/drawingml/2006/main" xmlns:r="http://schemas.openxmlformats.org/officeDocument/2006/relationships" xmlns:p="http://schemas.openxmlformats.org/presentationml/2006/main">
   <p:cSld>
     <p:spTree>
@@ -17545,8 +16677,8 @@
         </p:nvSpPr>
         <p:spPr bwMode="auto">
           <a:xfrm>
-            <a:off x="829617" y="1266014"/>
-            <a:ext cx="4554689" cy="1200329"/>
+            <a:off x="829617" y="1358347"/>
+            <a:ext cx="4554689" cy="1015663"/>
           </a:xfrm>
           <a:prstGeom prst="rect">
             <a:avLst/>
@@ -17617,13 +16749,13 @@
               </a:spcAft>
             </a:pPr>
             <a:r>
-              <a:rPr lang="en-US" altLang="zh-CN" dirty="0">
+              <a:rPr lang="en-US" altLang="zh-CN" sz="1400" dirty="0">
                 <a:latin typeface="Arial" panose="020B0604020202020204" pitchFamily="34" charset="0"/>
                 <a:hlinkClick r:id="rId2"/>
               </a:rPr>
               <a:t>https://www.microsoft.com/net</a:t>
             </a:r>
-            <a:endParaRPr lang="en-US" altLang="zh-CN" dirty="0">
+            <a:endParaRPr lang="en-US" altLang="zh-CN" sz="1400" dirty="0">
               <a:latin typeface="Arial" panose="020B0604020202020204" pitchFamily="34" charset="0"/>
             </a:endParaRPr>
           </a:p>
@@ -17637,13 +16769,13 @@
               </a:spcAft>
             </a:pPr>
             <a:r>
-              <a:rPr lang="en-US" altLang="zh-CN" dirty="0">
+              <a:rPr lang="en-US" altLang="zh-CN" sz="1400" dirty="0">
                 <a:latin typeface="Arial" panose="020B0604020202020204" pitchFamily="34" charset="0"/>
                 <a:hlinkClick r:id="rId3"/>
               </a:rPr>
               <a:t>https://dotnetfoundation.org/</a:t>
             </a:r>
-            <a:endParaRPr lang="en-US" altLang="zh-CN" dirty="0">
+            <a:endParaRPr lang="en-US" altLang="zh-CN" sz="1400" dirty="0">
               <a:latin typeface="Arial" panose="020B0604020202020204" pitchFamily="34" charset="0"/>
             </a:endParaRPr>
           </a:p>
@@ -17657,13 +16789,13 @@
               </a:spcAft>
             </a:pPr>
             <a:r>
-              <a:rPr lang="en-US" altLang="zh-CN" dirty="0">
+              <a:rPr lang="en-US" altLang="zh-CN" sz="1400" dirty="0">
                 <a:latin typeface="Arial" panose="020B0604020202020204" pitchFamily="34" charset="0"/>
                 <a:hlinkClick r:id="rId4"/>
               </a:rPr>
               <a:t>https://github.com/dotnet</a:t>
             </a:r>
-            <a:endParaRPr lang="en-US" altLang="zh-CN" dirty="0">
+            <a:endParaRPr lang="en-US" altLang="zh-CN" sz="1400" dirty="0">
               <a:latin typeface="Arial" panose="020B0604020202020204" pitchFamily="34" charset="0"/>
             </a:endParaRPr>
           </a:p>
@@ -17951,7 +17083,7 @@
 </p:sld>
 </file>
 
-<file path=ppt/slides/slide9.xml><?xml version="1.0" encoding="utf-8"?>
+<file path=ppt/slides/slide7.xml><?xml version="1.0" encoding="utf-8"?>
 <p:sld xmlns:a="http://schemas.openxmlformats.org/drawingml/2006/main" xmlns:r="http://schemas.openxmlformats.org/officeDocument/2006/relationships" xmlns:p="http://schemas.openxmlformats.org/presentationml/2006/main">
   <p:cSld>
     <p:spTree>
@@ -18042,6 +17174,1971 @@
     <p:extLst>
       <p:ext uri="{BB962C8B-B14F-4D97-AF65-F5344CB8AC3E}">
         <p14:creationId xmlns:p14="http://schemas.microsoft.com/office/powerpoint/2010/main" val="4081974075"/>
+      </p:ext>
+    </p:extLst>
+  </p:cSld>
+  <p:clrMapOvr>
+    <a:masterClrMapping/>
+  </p:clrMapOvr>
+</p:sld>
+</file>
+
+<file path=ppt/slides/slide8.xml><?xml version="1.0" encoding="utf-8"?>
+<p:sld xmlns:a="http://schemas.openxmlformats.org/drawingml/2006/main" xmlns:r="http://schemas.openxmlformats.org/officeDocument/2006/relationships" xmlns:p="http://schemas.openxmlformats.org/presentationml/2006/main">
+  <p:cSld>
+    <p:spTree>
+      <p:nvGrpSpPr>
+        <p:cNvPr id="1" name=""/>
+        <p:cNvGrpSpPr/>
+        <p:nvPr/>
+      </p:nvGrpSpPr>
+      <p:grpSpPr>
+        <a:xfrm>
+          <a:off x="0" y="0"/>
+          <a:ext cx="0" cy="0"/>
+          <a:chOff x="0" y="0"/>
+          <a:chExt cx="0" cy="0"/>
+        </a:xfrm>
+      </p:grpSpPr>
+      <p:sp>
+        <p:nvSpPr>
+          <p:cNvPr id="2" name="标题 1"/>
+          <p:cNvSpPr>
+            <a:spLocks noGrp="1"/>
+          </p:cNvSpPr>
+          <p:nvPr>
+            <p:ph type="title"/>
+          </p:nvPr>
+        </p:nvSpPr>
+        <p:spPr/>
+        <p:txBody>
+          <a:bodyPr/>
+          <a:lstStyle/>
+          <a:p>
+            <a:r>
+              <a:rPr lang="en-US" altLang="zh-CN" dirty="0" err="1"/>
+              <a:t>.net</a:t>
+            </a:r>
+            <a:r>
+              <a:rPr lang="en-US" altLang="zh-CN" dirty="0"/>
+              <a:t> core</a:t>
+            </a:r>
+            <a:r>
+              <a:rPr lang="zh-CN" altLang="en-US" dirty="0"/>
+              <a:t>的安装</a:t>
+            </a:r>
+          </a:p>
+        </p:txBody>
+      </p:sp>
+      <p:pic>
+        <p:nvPicPr>
+          <p:cNvPr id="4" name="图片 3">
+            <a:extLst>
+              <a:ext uri="{FF2B5EF4-FFF2-40B4-BE49-F238E27FC236}">
+                <a16:creationId xmlns:a16="http://schemas.microsoft.com/office/drawing/2014/main" id="{E5714AE6-D928-4D95-9E5B-1BC2707DF2B5}"/>
+              </a:ext>
+            </a:extLst>
+          </p:cNvPr>
+          <p:cNvPicPr>
+            <a:picLocks noChangeAspect="1"/>
+          </p:cNvPicPr>
+          <p:nvPr/>
+        </p:nvPicPr>
+        <p:blipFill>
+          <a:blip r:embed="rId2"/>
+          <a:stretch>
+            <a:fillRect/>
+          </a:stretch>
+        </p:blipFill>
+        <p:spPr>
+          <a:xfrm>
+            <a:off x="585926" y="1783480"/>
+            <a:ext cx="7972148" cy="4274462"/>
+          </a:xfrm>
+          <a:prstGeom prst="rect">
+            <a:avLst/>
+          </a:prstGeom>
+          <a:ln>
+            <a:noFill/>
+          </a:ln>
+          <a:effectLst>
+            <a:outerShdw blurRad="292100" dist="139700" dir="2700000" algn="tl" rotWithShape="0">
+              <a:srgbClr val="333333">
+                <a:alpha val="65000"/>
+              </a:srgbClr>
+            </a:outerShdw>
+          </a:effectLst>
+        </p:spPr>
+      </p:pic>
+    </p:spTree>
+    <p:extLst>
+      <p:ext uri="{BB962C8B-B14F-4D97-AF65-F5344CB8AC3E}">
+        <p14:creationId xmlns:p14="http://schemas.microsoft.com/office/powerpoint/2010/main" val="3992856089"/>
+      </p:ext>
+    </p:extLst>
+  </p:cSld>
+  <p:clrMapOvr>
+    <a:masterClrMapping/>
+  </p:clrMapOvr>
+</p:sld>
+</file>
+
+<file path=ppt/slides/slide9.xml><?xml version="1.0" encoding="utf-8"?>
+<p:sld xmlns:a="http://schemas.openxmlformats.org/drawingml/2006/main" xmlns:r="http://schemas.openxmlformats.org/officeDocument/2006/relationships" xmlns:p="http://schemas.openxmlformats.org/presentationml/2006/main">
+  <p:cSld>
+    <p:spTree>
+      <p:nvGrpSpPr>
+        <p:cNvPr id="1" name=""/>
+        <p:cNvGrpSpPr/>
+        <p:nvPr/>
+      </p:nvGrpSpPr>
+      <p:grpSpPr>
+        <a:xfrm>
+          <a:off x="0" y="0"/>
+          <a:ext cx="0" cy="0"/>
+          <a:chOff x="0" y="0"/>
+          <a:chExt cx="0" cy="0"/>
+        </a:xfrm>
+      </p:grpSpPr>
+      <p:sp>
+        <p:nvSpPr>
+          <p:cNvPr id="2" name="标题 1"/>
+          <p:cNvSpPr>
+            <a:spLocks noGrp="1"/>
+          </p:cNvSpPr>
+          <p:nvPr>
+            <p:ph type="title"/>
+          </p:nvPr>
+        </p:nvSpPr>
+        <p:spPr/>
+        <p:txBody>
+          <a:bodyPr/>
+          <a:lstStyle/>
+          <a:p>
+            <a:r>
+              <a:rPr lang="en-US" altLang="zh-CN" dirty="0" err="1"/>
+              <a:t>.net</a:t>
+            </a:r>
+            <a:r>
+              <a:rPr lang="en-US" altLang="zh-CN" dirty="0"/>
+              <a:t> core</a:t>
+            </a:r>
+            <a:r>
+              <a:rPr lang="zh-CN" altLang="en-US" dirty="0"/>
+              <a:t>的</a:t>
+            </a:r>
+            <a:r>
+              <a:rPr lang="en-US" altLang="zh-CN" dirty="0"/>
+              <a:t>command-line</a:t>
+            </a:r>
+            <a:endParaRPr lang="zh-CN" altLang="en-US" dirty="0"/>
+          </a:p>
+        </p:txBody>
+      </p:sp>
+      <p:sp>
+        <p:nvSpPr>
+          <p:cNvPr id="4" name="Rectangle 1"/>
+          <p:cNvSpPr>
+            <a:spLocks noChangeArrowheads="1"/>
+          </p:cNvSpPr>
+          <p:nvPr/>
+        </p:nvSpPr>
+        <p:spPr bwMode="auto">
+          <a:xfrm>
+            <a:off x="509029" y="1286801"/>
+            <a:ext cx="8125942" cy="5424562"/>
+          </a:xfrm>
+          <a:prstGeom prst="rect">
+            <a:avLst/>
+          </a:prstGeom>
+          <a:solidFill>
+            <a:schemeClr val="tx1"/>
+          </a:solidFill>
+          <a:ln>
+            <a:noFill/>
+          </a:ln>
+          <a:effectLst>
+            <a:outerShdw blurRad="50800" dist="38100" dir="5400000" algn="t" rotWithShape="0">
+              <a:prstClr val="black">
+                <a:alpha val="40000"/>
+              </a:prstClr>
+            </a:outerShdw>
+          </a:effectLst>
+          <a:extLst/>
+        </p:spPr>
+        <p:txBody>
+          <a:bodyPr vert="horz" wrap="none" lIns="91440" tIns="45720" rIns="91440" bIns="45720" numCol="1" anchor="ctr" anchorCtr="0" compatLnSpc="1">
+            <a:prstTxWarp prst="textNoShape">
+              <a:avLst/>
+            </a:prstTxWarp>
+            <a:spAutoFit/>
+          </a:bodyPr>
+          <a:lstStyle/>
+          <a:p>
+            <a:pPr lvl="0" defTabSz="914400" eaLnBrk="0" fontAlgn="base" hangingPunct="0">
+              <a:spcBef>
+                <a:spcPct val="0"/>
+              </a:spcBef>
+              <a:spcAft>
+                <a:spcPct val="0"/>
+              </a:spcAft>
+            </a:pPr>
+            <a:r>
+              <a:rPr lang="en-US" altLang="zh-CN" sz="1050">
+                <a:solidFill>
+                  <a:schemeClr val="bg1"/>
+                </a:solidFill>
+                <a:latin typeface="Anonymous Pro" panose="02060609030202000504" pitchFamily="49" charset="0"/>
+              </a:rPr>
+              <a:t>  </a:t>
+            </a:r>
+            <a:r>
+              <a:rPr lang="en-US" altLang="zh-CN" sz="1050" dirty="0">
+                <a:solidFill>
+                  <a:schemeClr val="bg1"/>
+                </a:solidFill>
+                <a:latin typeface="Anonymous Pro" panose="02060609030202000504" pitchFamily="49" charset="0"/>
+              </a:rPr>
+              <a:t>new              </a:t>
+            </a:r>
+            <a:r>
+              <a:rPr lang="zh-CN" altLang="en-US" sz="1050" dirty="0">
+                <a:solidFill>
+                  <a:schemeClr val="bg1"/>
+                </a:solidFill>
+                <a:latin typeface="Anonymous Pro" panose="02060609030202000504" pitchFamily="49" charset="0"/>
+              </a:rPr>
+              <a:t>初始化 </a:t>
+            </a:r>
+            <a:r>
+              <a:rPr lang="en-US" altLang="zh-CN" sz="1050" dirty="0">
+                <a:solidFill>
+                  <a:schemeClr val="bg1"/>
+                </a:solidFill>
+                <a:latin typeface="Anonymous Pro" panose="02060609030202000504" pitchFamily="49" charset="0"/>
+              </a:rPr>
+              <a:t>.NET </a:t>
+            </a:r>
+            <a:r>
+              <a:rPr lang="zh-CN" altLang="en-US" sz="1050" dirty="0">
+                <a:solidFill>
+                  <a:schemeClr val="bg1"/>
+                </a:solidFill>
+                <a:latin typeface="Anonymous Pro" panose="02060609030202000504" pitchFamily="49" charset="0"/>
+              </a:rPr>
+              <a:t>项目。</a:t>
+            </a:r>
+          </a:p>
+          <a:p>
+            <a:pPr lvl="0" defTabSz="914400" eaLnBrk="0" fontAlgn="base" hangingPunct="0">
+              <a:spcBef>
+                <a:spcPct val="0"/>
+              </a:spcBef>
+              <a:spcAft>
+                <a:spcPct val="0"/>
+              </a:spcAft>
+            </a:pPr>
+            <a:r>
+              <a:rPr lang="zh-CN" altLang="en-US" sz="1050" dirty="0">
+                <a:solidFill>
+                  <a:schemeClr val="bg1"/>
+                </a:solidFill>
+                <a:latin typeface="Anonymous Pro" panose="02060609030202000504" pitchFamily="49" charset="0"/>
+              </a:rPr>
+              <a:t>  </a:t>
+            </a:r>
+            <a:r>
+              <a:rPr lang="en-US" altLang="zh-CN" sz="1050" dirty="0">
+                <a:solidFill>
+                  <a:schemeClr val="bg1"/>
+                </a:solidFill>
+                <a:latin typeface="Anonymous Pro" panose="02060609030202000504" pitchFamily="49" charset="0"/>
+              </a:rPr>
+              <a:t>restore          </a:t>
+            </a:r>
+            <a:r>
+              <a:rPr lang="zh-CN" altLang="en-US" sz="1050" dirty="0">
+                <a:solidFill>
+                  <a:schemeClr val="bg1"/>
+                </a:solidFill>
+                <a:latin typeface="Anonymous Pro" panose="02060609030202000504" pitchFamily="49" charset="0"/>
+              </a:rPr>
+              <a:t>还原 </a:t>
+            </a:r>
+            <a:r>
+              <a:rPr lang="en-US" altLang="zh-CN" sz="1050" dirty="0">
+                <a:solidFill>
+                  <a:schemeClr val="bg1"/>
+                </a:solidFill>
+                <a:latin typeface="Anonymous Pro" panose="02060609030202000504" pitchFamily="49" charset="0"/>
+              </a:rPr>
+              <a:t>.NET </a:t>
+            </a:r>
+            <a:r>
+              <a:rPr lang="zh-CN" altLang="en-US" sz="1050" dirty="0">
+                <a:solidFill>
+                  <a:schemeClr val="bg1"/>
+                </a:solidFill>
+                <a:latin typeface="Anonymous Pro" panose="02060609030202000504" pitchFamily="49" charset="0"/>
+              </a:rPr>
+              <a:t>项目中指定的依赖项。</a:t>
+            </a:r>
+          </a:p>
+          <a:p>
+            <a:pPr lvl="0" defTabSz="914400" eaLnBrk="0" fontAlgn="base" hangingPunct="0">
+              <a:spcBef>
+                <a:spcPct val="0"/>
+              </a:spcBef>
+              <a:spcAft>
+                <a:spcPct val="0"/>
+              </a:spcAft>
+            </a:pPr>
+            <a:r>
+              <a:rPr lang="zh-CN" altLang="en-US" sz="1050" dirty="0">
+                <a:solidFill>
+                  <a:schemeClr val="bg1"/>
+                </a:solidFill>
+                <a:latin typeface="Anonymous Pro" panose="02060609030202000504" pitchFamily="49" charset="0"/>
+              </a:rPr>
+              <a:t>  </a:t>
+            </a:r>
+            <a:r>
+              <a:rPr lang="en-US" altLang="zh-CN" sz="1050" dirty="0">
+                <a:solidFill>
+                  <a:schemeClr val="bg1"/>
+                </a:solidFill>
+                <a:latin typeface="Anonymous Pro" panose="02060609030202000504" pitchFamily="49" charset="0"/>
+              </a:rPr>
+              <a:t>run              </a:t>
+            </a:r>
+            <a:r>
+              <a:rPr lang="zh-CN" altLang="en-US" sz="1050" dirty="0">
+                <a:solidFill>
+                  <a:schemeClr val="bg1"/>
+                </a:solidFill>
+                <a:latin typeface="Anonymous Pro" panose="02060609030202000504" pitchFamily="49" charset="0"/>
+              </a:rPr>
+              <a:t>编译并立即执行 </a:t>
+            </a:r>
+            <a:r>
+              <a:rPr lang="en-US" altLang="zh-CN" sz="1050" dirty="0">
+                <a:solidFill>
+                  <a:schemeClr val="bg1"/>
+                </a:solidFill>
+                <a:latin typeface="Anonymous Pro" panose="02060609030202000504" pitchFamily="49" charset="0"/>
+              </a:rPr>
+              <a:t>.NET </a:t>
+            </a:r>
+            <a:r>
+              <a:rPr lang="zh-CN" altLang="en-US" sz="1050" dirty="0">
+                <a:solidFill>
+                  <a:schemeClr val="bg1"/>
+                </a:solidFill>
+                <a:latin typeface="Anonymous Pro" panose="02060609030202000504" pitchFamily="49" charset="0"/>
+              </a:rPr>
+              <a:t>项目。</a:t>
+            </a:r>
+          </a:p>
+          <a:p>
+            <a:pPr lvl="0" defTabSz="914400" eaLnBrk="0" fontAlgn="base" hangingPunct="0">
+              <a:spcBef>
+                <a:spcPct val="0"/>
+              </a:spcBef>
+              <a:spcAft>
+                <a:spcPct val="0"/>
+              </a:spcAft>
+            </a:pPr>
+            <a:r>
+              <a:rPr lang="zh-CN" altLang="en-US" sz="1050" dirty="0">
+                <a:solidFill>
+                  <a:schemeClr val="bg1"/>
+                </a:solidFill>
+                <a:latin typeface="Anonymous Pro" panose="02060609030202000504" pitchFamily="49" charset="0"/>
+              </a:rPr>
+              <a:t>  </a:t>
+            </a:r>
+            <a:r>
+              <a:rPr lang="en-US" altLang="zh-CN" sz="1050" dirty="0">
+                <a:solidFill>
+                  <a:schemeClr val="bg1"/>
+                </a:solidFill>
+                <a:latin typeface="Anonymous Pro" panose="02060609030202000504" pitchFamily="49" charset="0"/>
+              </a:rPr>
+              <a:t>build            </a:t>
+            </a:r>
+            <a:r>
+              <a:rPr lang="zh-CN" altLang="en-US" sz="1050" dirty="0">
+                <a:solidFill>
+                  <a:schemeClr val="bg1"/>
+                </a:solidFill>
+                <a:latin typeface="Anonymous Pro" panose="02060609030202000504" pitchFamily="49" charset="0"/>
+              </a:rPr>
+              <a:t>生成 </a:t>
+            </a:r>
+            <a:r>
+              <a:rPr lang="en-US" altLang="zh-CN" sz="1050" dirty="0">
+                <a:solidFill>
+                  <a:schemeClr val="bg1"/>
+                </a:solidFill>
+                <a:latin typeface="Anonymous Pro" panose="02060609030202000504" pitchFamily="49" charset="0"/>
+              </a:rPr>
+              <a:t>.NET </a:t>
+            </a:r>
+            <a:r>
+              <a:rPr lang="zh-CN" altLang="en-US" sz="1050" dirty="0">
+                <a:solidFill>
+                  <a:schemeClr val="bg1"/>
+                </a:solidFill>
+                <a:latin typeface="Anonymous Pro" panose="02060609030202000504" pitchFamily="49" charset="0"/>
+              </a:rPr>
+              <a:t>项目。</a:t>
+            </a:r>
+          </a:p>
+          <a:p>
+            <a:pPr lvl="0" defTabSz="914400" eaLnBrk="0" fontAlgn="base" hangingPunct="0">
+              <a:spcBef>
+                <a:spcPct val="0"/>
+              </a:spcBef>
+              <a:spcAft>
+                <a:spcPct val="0"/>
+              </a:spcAft>
+            </a:pPr>
+            <a:r>
+              <a:rPr lang="zh-CN" altLang="en-US" sz="1050" dirty="0">
+                <a:solidFill>
+                  <a:schemeClr val="bg1"/>
+                </a:solidFill>
+                <a:latin typeface="Anonymous Pro" panose="02060609030202000504" pitchFamily="49" charset="0"/>
+              </a:rPr>
+              <a:t>  </a:t>
+            </a:r>
+            <a:r>
+              <a:rPr lang="en-US" altLang="zh-CN" sz="1050" dirty="0">
+                <a:solidFill>
+                  <a:schemeClr val="bg1"/>
+                </a:solidFill>
+                <a:latin typeface="Anonymous Pro" panose="02060609030202000504" pitchFamily="49" charset="0"/>
+              </a:rPr>
+              <a:t>publish          </a:t>
+            </a:r>
+            <a:r>
+              <a:rPr lang="zh-CN" altLang="en-US" sz="1050" dirty="0">
+                <a:solidFill>
+                  <a:schemeClr val="bg1"/>
+                </a:solidFill>
+                <a:latin typeface="Anonymous Pro" panose="02060609030202000504" pitchFamily="49" charset="0"/>
+              </a:rPr>
+              <a:t>发布 </a:t>
+            </a:r>
+            <a:r>
+              <a:rPr lang="en-US" altLang="zh-CN" sz="1050" dirty="0">
+                <a:solidFill>
+                  <a:schemeClr val="bg1"/>
+                </a:solidFill>
+                <a:latin typeface="Anonymous Pro" panose="02060609030202000504" pitchFamily="49" charset="0"/>
+              </a:rPr>
+              <a:t>.NET </a:t>
+            </a:r>
+            <a:r>
+              <a:rPr lang="zh-CN" altLang="en-US" sz="1050" dirty="0">
+                <a:solidFill>
+                  <a:schemeClr val="bg1"/>
+                </a:solidFill>
+                <a:latin typeface="Anonymous Pro" panose="02060609030202000504" pitchFamily="49" charset="0"/>
+              </a:rPr>
+              <a:t>项目以进行部署</a:t>
+            </a:r>
+            <a:r>
+              <a:rPr lang="en-US" altLang="zh-CN" sz="1050" dirty="0">
+                <a:solidFill>
+                  <a:schemeClr val="bg1"/>
+                </a:solidFill>
+                <a:latin typeface="Anonymous Pro" panose="02060609030202000504" pitchFamily="49" charset="0"/>
+              </a:rPr>
+              <a:t>(</a:t>
+            </a:r>
+            <a:r>
+              <a:rPr lang="zh-CN" altLang="en-US" sz="1050" dirty="0">
+                <a:solidFill>
+                  <a:schemeClr val="bg1"/>
+                </a:solidFill>
+                <a:latin typeface="Anonymous Pro" panose="02060609030202000504" pitchFamily="49" charset="0"/>
+              </a:rPr>
+              <a:t>包括运行时</a:t>
+            </a:r>
+            <a:r>
+              <a:rPr lang="en-US" altLang="zh-CN" sz="1050" dirty="0">
+                <a:solidFill>
+                  <a:schemeClr val="bg1"/>
+                </a:solidFill>
+                <a:latin typeface="Anonymous Pro" panose="02060609030202000504" pitchFamily="49" charset="0"/>
+              </a:rPr>
+              <a:t>)</a:t>
+            </a:r>
+            <a:r>
+              <a:rPr lang="zh-CN" altLang="en-US" sz="1050" dirty="0">
+                <a:solidFill>
+                  <a:schemeClr val="bg1"/>
+                </a:solidFill>
+                <a:latin typeface="Anonymous Pro" panose="02060609030202000504" pitchFamily="49" charset="0"/>
+              </a:rPr>
+              <a:t>。</a:t>
+            </a:r>
+          </a:p>
+          <a:p>
+            <a:pPr lvl="0" defTabSz="914400" eaLnBrk="0" fontAlgn="base" hangingPunct="0">
+              <a:spcBef>
+                <a:spcPct val="0"/>
+              </a:spcBef>
+              <a:spcAft>
+                <a:spcPct val="0"/>
+              </a:spcAft>
+            </a:pPr>
+            <a:r>
+              <a:rPr lang="zh-CN" altLang="en-US" sz="1050" dirty="0">
+                <a:solidFill>
+                  <a:schemeClr val="bg1"/>
+                </a:solidFill>
+                <a:latin typeface="Anonymous Pro" panose="02060609030202000504" pitchFamily="49" charset="0"/>
+              </a:rPr>
+              <a:t>  </a:t>
+            </a:r>
+            <a:r>
+              <a:rPr lang="en-US" altLang="zh-CN" sz="1050" dirty="0">
+                <a:solidFill>
+                  <a:schemeClr val="bg1"/>
+                </a:solidFill>
+                <a:latin typeface="Anonymous Pro" panose="02060609030202000504" pitchFamily="49" charset="0"/>
+              </a:rPr>
+              <a:t>test             </a:t>
+            </a:r>
+            <a:r>
+              <a:rPr lang="zh-CN" altLang="en-US" sz="1050" dirty="0">
+                <a:solidFill>
+                  <a:schemeClr val="bg1"/>
+                </a:solidFill>
+                <a:latin typeface="Anonymous Pro" panose="02060609030202000504" pitchFamily="49" charset="0"/>
+              </a:rPr>
+              <a:t>使用项目中指定的测试运行程序运行单元测试。</a:t>
+            </a:r>
+          </a:p>
+          <a:p>
+            <a:pPr lvl="0" defTabSz="914400" eaLnBrk="0" fontAlgn="base" hangingPunct="0">
+              <a:spcBef>
+                <a:spcPct val="0"/>
+              </a:spcBef>
+              <a:spcAft>
+                <a:spcPct val="0"/>
+              </a:spcAft>
+            </a:pPr>
+            <a:r>
+              <a:rPr lang="zh-CN" altLang="en-US" sz="1050" dirty="0">
+                <a:solidFill>
+                  <a:schemeClr val="bg1"/>
+                </a:solidFill>
+                <a:latin typeface="Anonymous Pro" panose="02060609030202000504" pitchFamily="49" charset="0"/>
+              </a:rPr>
+              <a:t>  </a:t>
+            </a:r>
+            <a:r>
+              <a:rPr lang="en-US" altLang="zh-CN" sz="1050" dirty="0">
+                <a:solidFill>
+                  <a:schemeClr val="bg1"/>
+                </a:solidFill>
+                <a:latin typeface="Anonymous Pro" panose="02060609030202000504" pitchFamily="49" charset="0"/>
+              </a:rPr>
+              <a:t>pack             </a:t>
+            </a:r>
+            <a:r>
+              <a:rPr lang="zh-CN" altLang="en-US" sz="1050" dirty="0">
+                <a:solidFill>
+                  <a:schemeClr val="bg1"/>
+                </a:solidFill>
+                <a:latin typeface="Anonymous Pro" panose="02060609030202000504" pitchFamily="49" charset="0"/>
+              </a:rPr>
+              <a:t>创建 </a:t>
+            </a:r>
+            <a:r>
+              <a:rPr lang="en-US" altLang="zh-CN" sz="1050" dirty="0">
+                <a:solidFill>
+                  <a:schemeClr val="bg1"/>
+                </a:solidFill>
+                <a:latin typeface="Anonymous Pro" panose="02060609030202000504" pitchFamily="49" charset="0"/>
+              </a:rPr>
+              <a:t>NuGet </a:t>
+            </a:r>
+            <a:r>
+              <a:rPr lang="zh-CN" altLang="en-US" sz="1050" dirty="0">
+                <a:solidFill>
+                  <a:schemeClr val="bg1"/>
+                </a:solidFill>
+                <a:latin typeface="Anonymous Pro" panose="02060609030202000504" pitchFamily="49" charset="0"/>
+              </a:rPr>
+              <a:t>包。</a:t>
+            </a:r>
+          </a:p>
+          <a:p>
+            <a:pPr lvl="0" defTabSz="914400" eaLnBrk="0" fontAlgn="base" hangingPunct="0">
+              <a:spcBef>
+                <a:spcPct val="0"/>
+              </a:spcBef>
+              <a:spcAft>
+                <a:spcPct val="0"/>
+              </a:spcAft>
+            </a:pPr>
+            <a:r>
+              <a:rPr lang="zh-CN" altLang="en-US" sz="1050" dirty="0">
+                <a:solidFill>
+                  <a:schemeClr val="bg1"/>
+                </a:solidFill>
+                <a:latin typeface="Anonymous Pro" panose="02060609030202000504" pitchFamily="49" charset="0"/>
+              </a:rPr>
+              <a:t>  </a:t>
+            </a:r>
+            <a:r>
+              <a:rPr lang="en-US" altLang="zh-CN" sz="1050" dirty="0">
+                <a:solidFill>
+                  <a:schemeClr val="bg1"/>
+                </a:solidFill>
+                <a:latin typeface="Anonymous Pro" panose="02060609030202000504" pitchFamily="49" charset="0"/>
+              </a:rPr>
+              <a:t>migrate          </a:t>
+            </a:r>
+            <a:r>
+              <a:rPr lang="zh-CN" altLang="en-US" sz="1050" dirty="0">
+                <a:solidFill>
+                  <a:schemeClr val="bg1"/>
+                </a:solidFill>
+                <a:latin typeface="Anonymous Pro" panose="02060609030202000504" pitchFamily="49" charset="0"/>
+              </a:rPr>
+              <a:t>将基于 </a:t>
+            </a:r>
+            <a:r>
+              <a:rPr lang="en-US" altLang="zh-CN" sz="1050" dirty="0" err="1">
+                <a:solidFill>
+                  <a:schemeClr val="bg1"/>
+                </a:solidFill>
+                <a:latin typeface="Anonymous Pro" panose="02060609030202000504" pitchFamily="49" charset="0"/>
+              </a:rPr>
+              <a:t>project.json</a:t>
+            </a:r>
+            <a:r>
+              <a:rPr lang="en-US" altLang="zh-CN" sz="1050" dirty="0">
+                <a:solidFill>
+                  <a:schemeClr val="bg1"/>
+                </a:solidFill>
+                <a:latin typeface="Anonymous Pro" panose="02060609030202000504" pitchFamily="49" charset="0"/>
+              </a:rPr>
+              <a:t> </a:t>
+            </a:r>
+            <a:r>
+              <a:rPr lang="zh-CN" altLang="en-US" sz="1050" dirty="0">
+                <a:solidFill>
+                  <a:schemeClr val="bg1"/>
+                </a:solidFill>
+                <a:latin typeface="Anonymous Pro" panose="02060609030202000504" pitchFamily="49" charset="0"/>
+              </a:rPr>
+              <a:t>的项目迁移到基于 </a:t>
+            </a:r>
+            <a:r>
+              <a:rPr lang="en-US" altLang="zh-CN" sz="1050" dirty="0" err="1">
+                <a:solidFill>
+                  <a:schemeClr val="bg1"/>
+                </a:solidFill>
+                <a:latin typeface="Anonymous Pro" panose="02060609030202000504" pitchFamily="49" charset="0"/>
+              </a:rPr>
+              <a:t>MSBuild</a:t>
+            </a:r>
+            <a:r>
+              <a:rPr lang="en-US" altLang="zh-CN" sz="1050" dirty="0">
+                <a:solidFill>
+                  <a:schemeClr val="bg1"/>
+                </a:solidFill>
+                <a:latin typeface="Anonymous Pro" panose="02060609030202000504" pitchFamily="49" charset="0"/>
+              </a:rPr>
+              <a:t> </a:t>
+            </a:r>
+            <a:r>
+              <a:rPr lang="zh-CN" altLang="en-US" sz="1050" dirty="0">
+                <a:solidFill>
+                  <a:schemeClr val="bg1"/>
+                </a:solidFill>
+                <a:latin typeface="Anonymous Pro" panose="02060609030202000504" pitchFamily="49" charset="0"/>
+              </a:rPr>
+              <a:t>的项目。</a:t>
+            </a:r>
+          </a:p>
+          <a:p>
+            <a:pPr lvl="0" defTabSz="914400" eaLnBrk="0" fontAlgn="base" hangingPunct="0">
+              <a:spcBef>
+                <a:spcPct val="0"/>
+              </a:spcBef>
+              <a:spcAft>
+                <a:spcPct val="0"/>
+              </a:spcAft>
+            </a:pPr>
+            <a:r>
+              <a:rPr lang="zh-CN" altLang="en-US" sz="1050" dirty="0">
+                <a:solidFill>
+                  <a:schemeClr val="bg1"/>
+                </a:solidFill>
+                <a:latin typeface="Anonymous Pro" panose="02060609030202000504" pitchFamily="49" charset="0"/>
+              </a:rPr>
+              <a:t>  </a:t>
+            </a:r>
+            <a:r>
+              <a:rPr lang="en-US" altLang="zh-CN" sz="1050" dirty="0">
+                <a:solidFill>
+                  <a:schemeClr val="bg1"/>
+                </a:solidFill>
+                <a:latin typeface="Anonymous Pro" panose="02060609030202000504" pitchFamily="49" charset="0"/>
+              </a:rPr>
+              <a:t>clean            </a:t>
+            </a:r>
+            <a:r>
+              <a:rPr lang="zh-CN" altLang="en-US" sz="1050" dirty="0">
+                <a:solidFill>
+                  <a:schemeClr val="bg1"/>
+                </a:solidFill>
+                <a:latin typeface="Anonymous Pro" panose="02060609030202000504" pitchFamily="49" charset="0"/>
+              </a:rPr>
+              <a:t>清除生成输出。</a:t>
+            </a:r>
+          </a:p>
+          <a:p>
+            <a:pPr lvl="0" defTabSz="914400" eaLnBrk="0" fontAlgn="base" hangingPunct="0">
+              <a:spcBef>
+                <a:spcPct val="0"/>
+              </a:spcBef>
+              <a:spcAft>
+                <a:spcPct val="0"/>
+              </a:spcAft>
+            </a:pPr>
+            <a:r>
+              <a:rPr lang="zh-CN" altLang="en-US" sz="1050" dirty="0">
+                <a:solidFill>
+                  <a:schemeClr val="bg1"/>
+                </a:solidFill>
+                <a:latin typeface="Anonymous Pro" panose="02060609030202000504" pitchFamily="49" charset="0"/>
+              </a:rPr>
+              <a:t>  </a:t>
+            </a:r>
+            <a:r>
+              <a:rPr lang="en-US" altLang="zh-CN" sz="1050" dirty="0" err="1">
+                <a:solidFill>
+                  <a:schemeClr val="bg1"/>
+                </a:solidFill>
+                <a:latin typeface="Anonymous Pro" panose="02060609030202000504" pitchFamily="49" charset="0"/>
+              </a:rPr>
+              <a:t>sln</a:t>
+            </a:r>
+            <a:r>
+              <a:rPr lang="en-US" altLang="zh-CN" sz="1050" dirty="0">
+                <a:solidFill>
+                  <a:schemeClr val="bg1"/>
+                </a:solidFill>
+                <a:latin typeface="Anonymous Pro" panose="02060609030202000504" pitchFamily="49" charset="0"/>
+              </a:rPr>
+              <a:t>              </a:t>
+            </a:r>
+            <a:r>
+              <a:rPr lang="zh-CN" altLang="en-US" sz="1050" dirty="0">
+                <a:solidFill>
+                  <a:schemeClr val="bg1"/>
+                </a:solidFill>
+                <a:latin typeface="Anonymous Pro" panose="02060609030202000504" pitchFamily="49" charset="0"/>
+              </a:rPr>
+              <a:t>修改解决方案</a:t>
+            </a:r>
+            <a:r>
+              <a:rPr lang="en-US" altLang="zh-CN" sz="1050" dirty="0">
+                <a:solidFill>
+                  <a:schemeClr val="bg1"/>
+                </a:solidFill>
+                <a:latin typeface="Anonymous Pro" panose="02060609030202000504" pitchFamily="49" charset="0"/>
+              </a:rPr>
+              <a:t>(SLN)</a:t>
+            </a:r>
+            <a:r>
+              <a:rPr lang="zh-CN" altLang="en-US" sz="1050" dirty="0">
+                <a:solidFill>
+                  <a:schemeClr val="bg1"/>
+                </a:solidFill>
+                <a:latin typeface="Anonymous Pro" panose="02060609030202000504" pitchFamily="49" charset="0"/>
+              </a:rPr>
+              <a:t>文件。</a:t>
+            </a:r>
+          </a:p>
+          <a:p>
+            <a:pPr lvl="0" defTabSz="914400" eaLnBrk="0" fontAlgn="base" hangingPunct="0">
+              <a:spcBef>
+                <a:spcPct val="0"/>
+              </a:spcBef>
+              <a:spcAft>
+                <a:spcPct val="0"/>
+              </a:spcAft>
+            </a:pPr>
+            <a:r>
+              <a:rPr lang="zh-CN" altLang="en-US" sz="1050" dirty="0">
+                <a:solidFill>
+                  <a:schemeClr val="bg1"/>
+                </a:solidFill>
+                <a:latin typeface="Anonymous Pro" panose="02060609030202000504" pitchFamily="49" charset="0"/>
+              </a:rPr>
+              <a:t>  </a:t>
+            </a:r>
+            <a:r>
+              <a:rPr lang="en-US" altLang="zh-CN" sz="1050" dirty="0">
+                <a:solidFill>
+                  <a:schemeClr val="bg1"/>
+                </a:solidFill>
+                <a:latin typeface="Anonymous Pro" panose="02060609030202000504" pitchFamily="49" charset="0"/>
+              </a:rPr>
+              <a:t>add              </a:t>
+            </a:r>
+            <a:r>
+              <a:rPr lang="zh-CN" altLang="en-US" sz="1050" dirty="0">
+                <a:solidFill>
+                  <a:schemeClr val="bg1"/>
+                </a:solidFill>
+                <a:latin typeface="Anonymous Pro" panose="02060609030202000504" pitchFamily="49" charset="0"/>
+              </a:rPr>
+              <a:t>将引用添加到项目中。</a:t>
+            </a:r>
+          </a:p>
+          <a:p>
+            <a:pPr lvl="0" defTabSz="914400" eaLnBrk="0" fontAlgn="base" hangingPunct="0">
+              <a:spcBef>
+                <a:spcPct val="0"/>
+              </a:spcBef>
+              <a:spcAft>
+                <a:spcPct val="0"/>
+              </a:spcAft>
+            </a:pPr>
+            <a:r>
+              <a:rPr lang="zh-CN" altLang="en-US" sz="1050" dirty="0">
+                <a:solidFill>
+                  <a:schemeClr val="bg1"/>
+                </a:solidFill>
+                <a:latin typeface="Anonymous Pro" panose="02060609030202000504" pitchFamily="49" charset="0"/>
+              </a:rPr>
+              <a:t>  </a:t>
+            </a:r>
+            <a:r>
+              <a:rPr lang="en-US" altLang="zh-CN" sz="1050" dirty="0">
+                <a:solidFill>
+                  <a:schemeClr val="bg1"/>
+                </a:solidFill>
+                <a:latin typeface="Anonymous Pro" panose="02060609030202000504" pitchFamily="49" charset="0"/>
+              </a:rPr>
+              <a:t>remove           </a:t>
+            </a:r>
+            <a:r>
+              <a:rPr lang="zh-CN" altLang="en-US" sz="1050" dirty="0">
+                <a:solidFill>
+                  <a:schemeClr val="bg1"/>
+                </a:solidFill>
+                <a:latin typeface="Anonymous Pro" panose="02060609030202000504" pitchFamily="49" charset="0"/>
+              </a:rPr>
+              <a:t>从项目中删除引用。</a:t>
+            </a:r>
+          </a:p>
+          <a:p>
+            <a:pPr lvl="0" defTabSz="914400" eaLnBrk="0" fontAlgn="base" hangingPunct="0">
+              <a:spcBef>
+                <a:spcPct val="0"/>
+              </a:spcBef>
+              <a:spcAft>
+                <a:spcPct val="0"/>
+              </a:spcAft>
+            </a:pPr>
+            <a:r>
+              <a:rPr lang="zh-CN" altLang="en-US" sz="1050" dirty="0">
+                <a:solidFill>
+                  <a:schemeClr val="bg1"/>
+                </a:solidFill>
+                <a:latin typeface="Anonymous Pro" panose="02060609030202000504" pitchFamily="49" charset="0"/>
+              </a:rPr>
+              <a:t>  </a:t>
+            </a:r>
+            <a:r>
+              <a:rPr lang="en-US" altLang="zh-CN" sz="1050" dirty="0">
+                <a:solidFill>
+                  <a:schemeClr val="bg1"/>
+                </a:solidFill>
+                <a:latin typeface="Anonymous Pro" panose="02060609030202000504" pitchFamily="49" charset="0"/>
+              </a:rPr>
+              <a:t>list             </a:t>
+            </a:r>
+            <a:r>
+              <a:rPr lang="zh-CN" altLang="en-US" sz="1050" dirty="0">
+                <a:solidFill>
+                  <a:schemeClr val="bg1"/>
+                </a:solidFill>
+                <a:latin typeface="Anonymous Pro" panose="02060609030202000504" pitchFamily="49" charset="0"/>
+              </a:rPr>
+              <a:t>列出项目中的引用。</a:t>
+            </a:r>
+          </a:p>
+          <a:p>
+            <a:pPr lvl="0" defTabSz="914400" eaLnBrk="0" fontAlgn="base" hangingPunct="0">
+              <a:spcBef>
+                <a:spcPct val="0"/>
+              </a:spcBef>
+              <a:spcAft>
+                <a:spcPct val="0"/>
+              </a:spcAft>
+            </a:pPr>
+            <a:r>
+              <a:rPr lang="zh-CN" altLang="en-US" sz="1050" dirty="0">
+                <a:solidFill>
+                  <a:schemeClr val="bg1"/>
+                </a:solidFill>
+                <a:latin typeface="Anonymous Pro" panose="02060609030202000504" pitchFamily="49" charset="0"/>
+              </a:rPr>
+              <a:t>  </a:t>
+            </a:r>
+            <a:r>
+              <a:rPr lang="en-US" altLang="zh-CN" sz="1050" dirty="0" err="1">
+                <a:solidFill>
+                  <a:schemeClr val="bg1"/>
+                </a:solidFill>
+                <a:latin typeface="Anonymous Pro" panose="02060609030202000504" pitchFamily="49" charset="0"/>
+              </a:rPr>
+              <a:t>nuget</a:t>
+            </a:r>
+            <a:r>
+              <a:rPr lang="en-US" altLang="zh-CN" sz="1050" dirty="0">
+                <a:solidFill>
+                  <a:schemeClr val="bg1"/>
+                </a:solidFill>
+                <a:latin typeface="Anonymous Pro" panose="02060609030202000504" pitchFamily="49" charset="0"/>
+              </a:rPr>
+              <a:t>            </a:t>
+            </a:r>
+            <a:r>
+              <a:rPr lang="zh-CN" altLang="en-US" sz="1050" dirty="0">
+                <a:solidFill>
+                  <a:schemeClr val="bg1"/>
+                </a:solidFill>
+                <a:latin typeface="Anonymous Pro" panose="02060609030202000504" pitchFamily="49" charset="0"/>
+              </a:rPr>
+              <a:t>提供其他 </a:t>
+            </a:r>
+            <a:r>
+              <a:rPr lang="en-US" altLang="zh-CN" sz="1050" dirty="0">
+                <a:solidFill>
+                  <a:schemeClr val="bg1"/>
+                </a:solidFill>
+                <a:latin typeface="Anonymous Pro" panose="02060609030202000504" pitchFamily="49" charset="0"/>
+              </a:rPr>
+              <a:t>NuGet </a:t>
+            </a:r>
+            <a:r>
+              <a:rPr lang="zh-CN" altLang="en-US" sz="1050" dirty="0">
+                <a:solidFill>
+                  <a:schemeClr val="bg1"/>
+                </a:solidFill>
+                <a:latin typeface="Anonymous Pro" panose="02060609030202000504" pitchFamily="49" charset="0"/>
+              </a:rPr>
+              <a:t>命令。</a:t>
+            </a:r>
+          </a:p>
+          <a:p>
+            <a:pPr lvl="0" defTabSz="914400" eaLnBrk="0" fontAlgn="base" hangingPunct="0">
+              <a:spcBef>
+                <a:spcPct val="0"/>
+              </a:spcBef>
+              <a:spcAft>
+                <a:spcPct val="0"/>
+              </a:spcAft>
+            </a:pPr>
+            <a:r>
+              <a:rPr lang="zh-CN" altLang="en-US" sz="1050" dirty="0">
+                <a:solidFill>
+                  <a:schemeClr val="bg1"/>
+                </a:solidFill>
+                <a:latin typeface="Anonymous Pro" panose="02060609030202000504" pitchFamily="49" charset="0"/>
+              </a:rPr>
+              <a:t>  </a:t>
+            </a:r>
+            <a:r>
+              <a:rPr lang="en-US" altLang="zh-CN" sz="1050" dirty="0" err="1">
+                <a:solidFill>
+                  <a:schemeClr val="bg1"/>
+                </a:solidFill>
+                <a:latin typeface="Anonymous Pro" panose="02060609030202000504" pitchFamily="49" charset="0"/>
+              </a:rPr>
+              <a:t>msbuild</a:t>
+            </a:r>
+            <a:r>
+              <a:rPr lang="en-US" altLang="zh-CN" sz="1050" dirty="0">
+                <a:solidFill>
+                  <a:schemeClr val="bg1"/>
+                </a:solidFill>
+                <a:latin typeface="Anonymous Pro" panose="02060609030202000504" pitchFamily="49" charset="0"/>
+              </a:rPr>
+              <a:t>          </a:t>
+            </a:r>
+            <a:r>
+              <a:rPr lang="zh-CN" altLang="en-US" sz="1050" dirty="0">
+                <a:solidFill>
+                  <a:schemeClr val="bg1"/>
+                </a:solidFill>
+                <a:latin typeface="Anonymous Pro" panose="02060609030202000504" pitchFamily="49" charset="0"/>
+              </a:rPr>
+              <a:t>运行 </a:t>
+            </a:r>
+            <a:r>
+              <a:rPr lang="en-US" altLang="zh-CN" sz="1050" dirty="0">
+                <a:solidFill>
+                  <a:schemeClr val="bg1"/>
+                </a:solidFill>
+                <a:latin typeface="Anonymous Pro" panose="02060609030202000504" pitchFamily="49" charset="0"/>
+              </a:rPr>
+              <a:t>Microsoft </a:t>
+            </a:r>
+            <a:r>
+              <a:rPr lang="zh-CN" altLang="en-US" sz="1050" dirty="0">
+                <a:solidFill>
+                  <a:schemeClr val="bg1"/>
+                </a:solidFill>
+                <a:latin typeface="Anonymous Pro" panose="02060609030202000504" pitchFamily="49" charset="0"/>
+              </a:rPr>
+              <a:t>生成引擎 </a:t>
+            </a:r>
+            <a:r>
+              <a:rPr lang="en-US" altLang="zh-CN" sz="1050" dirty="0">
+                <a:solidFill>
+                  <a:schemeClr val="bg1"/>
+                </a:solidFill>
+                <a:latin typeface="Anonymous Pro" panose="02060609030202000504" pitchFamily="49" charset="0"/>
+              </a:rPr>
+              <a:t>(</a:t>
+            </a:r>
+            <a:r>
+              <a:rPr lang="en-US" altLang="zh-CN" sz="1050" dirty="0" err="1">
+                <a:solidFill>
+                  <a:schemeClr val="bg1"/>
+                </a:solidFill>
+                <a:latin typeface="Anonymous Pro" panose="02060609030202000504" pitchFamily="49" charset="0"/>
+              </a:rPr>
+              <a:t>MSBuild</a:t>
+            </a:r>
+            <a:r>
+              <a:rPr lang="en-US" altLang="zh-CN" sz="1050" dirty="0">
+                <a:solidFill>
+                  <a:schemeClr val="bg1"/>
+                </a:solidFill>
+                <a:latin typeface="Anonymous Pro" panose="02060609030202000504" pitchFamily="49" charset="0"/>
+              </a:rPr>
+              <a:t>)</a:t>
+            </a:r>
+            <a:r>
+              <a:rPr lang="zh-CN" altLang="en-US" sz="1050" dirty="0">
+                <a:solidFill>
+                  <a:schemeClr val="bg1"/>
+                </a:solidFill>
+                <a:latin typeface="Anonymous Pro" panose="02060609030202000504" pitchFamily="49" charset="0"/>
+              </a:rPr>
+              <a:t>。</a:t>
+            </a:r>
+          </a:p>
+          <a:p>
+            <a:pPr lvl="0" defTabSz="914400" eaLnBrk="0" fontAlgn="base" hangingPunct="0">
+              <a:spcBef>
+                <a:spcPct val="0"/>
+              </a:spcBef>
+              <a:spcAft>
+                <a:spcPct val="0"/>
+              </a:spcAft>
+            </a:pPr>
+            <a:r>
+              <a:rPr lang="zh-CN" altLang="en-US" sz="1050" dirty="0">
+                <a:solidFill>
+                  <a:schemeClr val="bg1"/>
+                </a:solidFill>
+                <a:latin typeface="Anonymous Pro" panose="02060609030202000504" pitchFamily="49" charset="0"/>
+              </a:rPr>
+              <a:t>  </a:t>
+            </a:r>
+            <a:r>
+              <a:rPr lang="en-US" altLang="zh-CN" sz="1050" dirty="0" err="1">
+                <a:solidFill>
+                  <a:schemeClr val="bg1"/>
+                </a:solidFill>
+                <a:latin typeface="Anonymous Pro" panose="02060609030202000504" pitchFamily="49" charset="0"/>
+              </a:rPr>
+              <a:t>vstest</a:t>
+            </a:r>
+            <a:r>
+              <a:rPr lang="en-US" altLang="zh-CN" sz="1050" dirty="0">
+                <a:solidFill>
+                  <a:schemeClr val="bg1"/>
+                </a:solidFill>
+                <a:latin typeface="Anonymous Pro" panose="02060609030202000504" pitchFamily="49" charset="0"/>
+              </a:rPr>
+              <a:t>           </a:t>
+            </a:r>
+            <a:r>
+              <a:rPr lang="zh-CN" altLang="en-US" sz="1050" dirty="0">
+                <a:solidFill>
+                  <a:schemeClr val="bg1"/>
+                </a:solidFill>
+                <a:latin typeface="Anonymous Pro" panose="02060609030202000504" pitchFamily="49" charset="0"/>
+              </a:rPr>
+              <a:t>运行 </a:t>
+            </a:r>
+            <a:r>
+              <a:rPr lang="en-US" altLang="zh-CN" sz="1050" dirty="0">
+                <a:solidFill>
+                  <a:schemeClr val="bg1"/>
+                </a:solidFill>
+                <a:latin typeface="Anonymous Pro" panose="02060609030202000504" pitchFamily="49" charset="0"/>
+              </a:rPr>
+              <a:t>Microsoft </a:t>
+            </a:r>
+            <a:r>
+              <a:rPr lang="zh-CN" altLang="en-US" sz="1050" dirty="0">
+                <a:solidFill>
+                  <a:schemeClr val="bg1"/>
+                </a:solidFill>
+                <a:latin typeface="Anonymous Pro" panose="02060609030202000504" pitchFamily="49" charset="0"/>
+              </a:rPr>
+              <a:t>测试执行命令行工具。</a:t>
+            </a:r>
+          </a:p>
+          <a:p>
+            <a:pPr lvl="0" defTabSz="914400" eaLnBrk="0" fontAlgn="base" hangingPunct="0">
+              <a:spcBef>
+                <a:spcPct val="0"/>
+              </a:spcBef>
+              <a:spcAft>
+                <a:spcPct val="0"/>
+              </a:spcAft>
+            </a:pPr>
+            <a:endParaRPr lang="zh-CN" altLang="en-US" sz="1050" dirty="0">
+              <a:solidFill>
+                <a:schemeClr val="bg1"/>
+              </a:solidFill>
+              <a:latin typeface="Anonymous Pro" panose="02060609030202000504" pitchFamily="49" charset="0"/>
+            </a:endParaRPr>
+          </a:p>
+          <a:p>
+            <a:pPr lvl="0" defTabSz="914400" eaLnBrk="0" fontAlgn="base" hangingPunct="0">
+              <a:spcBef>
+                <a:spcPct val="0"/>
+              </a:spcBef>
+              <a:spcAft>
+                <a:spcPct val="0"/>
+              </a:spcAft>
+            </a:pPr>
+            <a:r>
+              <a:rPr lang="zh-CN" altLang="en-US" sz="1050" dirty="0">
+                <a:solidFill>
+                  <a:schemeClr val="bg1"/>
+                </a:solidFill>
+                <a:latin typeface="Anonymous Pro" panose="02060609030202000504" pitchFamily="49" charset="0"/>
+              </a:rPr>
+              <a:t>常用选项</a:t>
+            </a:r>
+            <a:r>
+              <a:rPr lang="en-US" altLang="zh-CN" sz="1050" dirty="0">
+                <a:solidFill>
+                  <a:schemeClr val="bg1"/>
+                </a:solidFill>
+                <a:latin typeface="Anonymous Pro" panose="02060609030202000504" pitchFamily="49" charset="0"/>
+              </a:rPr>
+              <a:t>:</a:t>
+            </a:r>
+          </a:p>
+          <a:p>
+            <a:pPr lvl="0" defTabSz="914400" eaLnBrk="0" fontAlgn="base" hangingPunct="0">
+              <a:spcBef>
+                <a:spcPct val="0"/>
+              </a:spcBef>
+              <a:spcAft>
+                <a:spcPct val="0"/>
+              </a:spcAft>
+            </a:pPr>
+            <a:r>
+              <a:rPr lang="en-US" altLang="zh-CN" sz="1050" dirty="0">
+                <a:solidFill>
+                  <a:schemeClr val="bg1"/>
+                </a:solidFill>
+                <a:latin typeface="Anonymous Pro" panose="02060609030202000504" pitchFamily="49" charset="0"/>
+              </a:rPr>
+              <a:t>  -v|--verbosity        </a:t>
+            </a:r>
+            <a:r>
+              <a:rPr lang="zh-CN" altLang="en-US" sz="1050" dirty="0">
+                <a:solidFill>
+                  <a:schemeClr val="bg1"/>
+                </a:solidFill>
+                <a:latin typeface="Anonymous Pro" panose="02060609030202000504" pitchFamily="49" charset="0"/>
+              </a:rPr>
+              <a:t>设置命令的详细级别。允许值为 </a:t>
+            </a:r>
+            <a:r>
+              <a:rPr lang="en-US" altLang="zh-CN" sz="1050" dirty="0">
+                <a:solidFill>
+                  <a:schemeClr val="bg1"/>
+                </a:solidFill>
+                <a:latin typeface="Anonymous Pro" panose="02060609030202000504" pitchFamily="49" charset="0"/>
+              </a:rPr>
+              <a:t>q[</a:t>
+            </a:r>
+            <a:r>
+              <a:rPr lang="en-US" altLang="zh-CN" sz="1050" dirty="0" err="1">
+                <a:solidFill>
+                  <a:schemeClr val="bg1"/>
+                </a:solidFill>
+                <a:latin typeface="Anonymous Pro" panose="02060609030202000504" pitchFamily="49" charset="0"/>
+              </a:rPr>
+              <a:t>uiet</a:t>
+            </a:r>
+            <a:r>
+              <a:rPr lang="en-US" altLang="zh-CN" sz="1050" dirty="0">
+                <a:solidFill>
+                  <a:schemeClr val="bg1"/>
+                </a:solidFill>
+                <a:latin typeface="Anonymous Pro" panose="02060609030202000504" pitchFamily="49" charset="0"/>
+              </a:rPr>
+              <a:t>]</a:t>
+            </a:r>
+            <a:r>
+              <a:rPr lang="zh-CN" altLang="en-US" sz="1050" dirty="0">
+                <a:solidFill>
+                  <a:schemeClr val="bg1"/>
+                </a:solidFill>
+                <a:latin typeface="Anonymous Pro" panose="02060609030202000504" pitchFamily="49" charset="0"/>
+              </a:rPr>
+              <a:t>、</a:t>
+            </a:r>
+            <a:r>
+              <a:rPr lang="en-US" altLang="zh-CN" sz="1050" dirty="0">
+                <a:solidFill>
+                  <a:schemeClr val="bg1"/>
+                </a:solidFill>
+                <a:latin typeface="Anonymous Pro" panose="02060609030202000504" pitchFamily="49" charset="0"/>
+              </a:rPr>
+              <a:t>m[</a:t>
+            </a:r>
+            <a:r>
+              <a:rPr lang="en-US" altLang="zh-CN" sz="1050" dirty="0" err="1">
+                <a:solidFill>
+                  <a:schemeClr val="bg1"/>
+                </a:solidFill>
+                <a:latin typeface="Anonymous Pro" panose="02060609030202000504" pitchFamily="49" charset="0"/>
+              </a:rPr>
+              <a:t>inimal</a:t>
+            </a:r>
+            <a:r>
+              <a:rPr lang="en-US" altLang="zh-CN" sz="1050" dirty="0">
+                <a:solidFill>
+                  <a:schemeClr val="bg1"/>
+                </a:solidFill>
+                <a:latin typeface="Anonymous Pro" panose="02060609030202000504" pitchFamily="49" charset="0"/>
+              </a:rPr>
+              <a:t>]</a:t>
+            </a:r>
+            <a:r>
+              <a:rPr lang="zh-CN" altLang="en-US" sz="1050" dirty="0">
+                <a:solidFill>
+                  <a:schemeClr val="bg1"/>
+                </a:solidFill>
+                <a:latin typeface="Anonymous Pro" panose="02060609030202000504" pitchFamily="49" charset="0"/>
+              </a:rPr>
+              <a:t>、</a:t>
+            </a:r>
+            <a:r>
+              <a:rPr lang="en-US" altLang="zh-CN" sz="1050" dirty="0">
+                <a:solidFill>
+                  <a:schemeClr val="bg1"/>
+                </a:solidFill>
+                <a:latin typeface="Anonymous Pro" panose="02060609030202000504" pitchFamily="49" charset="0"/>
+              </a:rPr>
+              <a:t>n[</a:t>
+            </a:r>
+            <a:r>
+              <a:rPr lang="en-US" altLang="zh-CN" sz="1050" dirty="0" err="1">
+                <a:solidFill>
+                  <a:schemeClr val="bg1"/>
+                </a:solidFill>
+                <a:latin typeface="Anonymous Pro" panose="02060609030202000504" pitchFamily="49" charset="0"/>
+              </a:rPr>
+              <a:t>ormal</a:t>
+            </a:r>
+            <a:r>
+              <a:rPr lang="en-US" altLang="zh-CN" sz="1050" dirty="0">
+                <a:solidFill>
+                  <a:schemeClr val="bg1"/>
+                </a:solidFill>
+                <a:latin typeface="Anonymous Pro" panose="02060609030202000504" pitchFamily="49" charset="0"/>
+              </a:rPr>
+              <a:t>]</a:t>
+            </a:r>
+            <a:r>
+              <a:rPr lang="zh-CN" altLang="en-US" sz="1050" dirty="0">
+                <a:solidFill>
+                  <a:schemeClr val="bg1"/>
+                </a:solidFill>
+                <a:latin typeface="Anonymous Pro" panose="02060609030202000504" pitchFamily="49" charset="0"/>
+              </a:rPr>
+              <a:t>、</a:t>
+            </a:r>
+            <a:r>
+              <a:rPr lang="en-US" altLang="zh-CN" sz="1050" dirty="0">
+                <a:solidFill>
+                  <a:schemeClr val="bg1"/>
+                </a:solidFill>
+                <a:latin typeface="Anonymous Pro" panose="02060609030202000504" pitchFamily="49" charset="0"/>
+              </a:rPr>
+              <a:t>d[</a:t>
+            </a:r>
+            <a:r>
+              <a:rPr lang="en-US" altLang="zh-CN" sz="1050" dirty="0" err="1">
+                <a:solidFill>
+                  <a:schemeClr val="bg1"/>
+                </a:solidFill>
+                <a:latin typeface="Anonymous Pro" panose="02060609030202000504" pitchFamily="49" charset="0"/>
+              </a:rPr>
+              <a:t>etailed</a:t>
+            </a:r>
+            <a:r>
+              <a:rPr lang="en-US" altLang="zh-CN" sz="1050" dirty="0">
+                <a:solidFill>
+                  <a:schemeClr val="bg1"/>
+                </a:solidFill>
+                <a:latin typeface="Anonymous Pro" panose="02060609030202000504" pitchFamily="49" charset="0"/>
+              </a:rPr>
+              <a:t>] </a:t>
+            </a:r>
+            <a:r>
+              <a:rPr lang="zh-CN" altLang="en-US" sz="1050" dirty="0">
+                <a:solidFill>
+                  <a:schemeClr val="bg1"/>
+                </a:solidFill>
+                <a:latin typeface="Anonymous Pro" panose="02060609030202000504" pitchFamily="49" charset="0"/>
+              </a:rPr>
+              <a:t>和 </a:t>
+            </a:r>
+            <a:r>
+              <a:rPr lang="en-US" altLang="zh-CN" sz="1050" dirty="0" err="1">
+                <a:solidFill>
+                  <a:schemeClr val="bg1"/>
+                </a:solidFill>
+                <a:latin typeface="Anonymous Pro" panose="02060609030202000504" pitchFamily="49" charset="0"/>
+              </a:rPr>
+              <a:t>diag</a:t>
+            </a:r>
+            <a:r>
+              <a:rPr lang="en-US" altLang="zh-CN" sz="1050" dirty="0">
+                <a:solidFill>
+                  <a:schemeClr val="bg1"/>
+                </a:solidFill>
+                <a:latin typeface="Anonymous Pro" panose="02060609030202000504" pitchFamily="49" charset="0"/>
+              </a:rPr>
+              <a:t>[</a:t>
+            </a:r>
+            <a:r>
+              <a:rPr lang="en-US" altLang="zh-CN" sz="1050" dirty="0" err="1">
+                <a:solidFill>
+                  <a:schemeClr val="bg1"/>
+                </a:solidFill>
+                <a:latin typeface="Anonymous Pro" panose="02060609030202000504" pitchFamily="49" charset="0"/>
+              </a:rPr>
+              <a:t>nostic</a:t>
+            </a:r>
+            <a:r>
+              <a:rPr lang="en-US" altLang="zh-CN" sz="1050" dirty="0">
+                <a:solidFill>
+                  <a:schemeClr val="bg1"/>
+                </a:solidFill>
+                <a:latin typeface="Anonymous Pro" panose="02060609030202000504" pitchFamily="49" charset="0"/>
+              </a:rPr>
+              <a:t>]</a:t>
+            </a:r>
+            <a:r>
+              <a:rPr lang="zh-CN" altLang="en-US" sz="1050" dirty="0">
+                <a:solidFill>
+                  <a:schemeClr val="bg1"/>
+                </a:solidFill>
+                <a:latin typeface="Anonymous Pro" panose="02060609030202000504" pitchFamily="49" charset="0"/>
+              </a:rPr>
+              <a:t>。</a:t>
+            </a:r>
+          </a:p>
+          <a:p>
+            <a:pPr lvl="0" defTabSz="914400" eaLnBrk="0" fontAlgn="base" hangingPunct="0">
+              <a:spcBef>
+                <a:spcPct val="0"/>
+              </a:spcBef>
+              <a:spcAft>
+                <a:spcPct val="0"/>
+              </a:spcAft>
+            </a:pPr>
+            <a:r>
+              <a:rPr lang="zh-CN" altLang="en-US" sz="1050" dirty="0">
+                <a:solidFill>
+                  <a:schemeClr val="bg1"/>
+                </a:solidFill>
+                <a:latin typeface="Anonymous Pro" panose="02060609030202000504" pitchFamily="49" charset="0"/>
+              </a:rPr>
+              <a:t>  </a:t>
+            </a:r>
+            <a:r>
+              <a:rPr lang="en-US" altLang="zh-CN" sz="1050" dirty="0">
+                <a:solidFill>
+                  <a:schemeClr val="bg1"/>
+                </a:solidFill>
+                <a:latin typeface="Anonymous Pro" panose="02060609030202000504" pitchFamily="49" charset="0"/>
+              </a:rPr>
+              <a:t>-h|--help             </a:t>
+            </a:r>
+            <a:r>
+              <a:rPr lang="zh-CN" altLang="en-US" sz="1050" dirty="0">
+                <a:solidFill>
+                  <a:schemeClr val="bg1"/>
+                </a:solidFill>
+                <a:latin typeface="Anonymous Pro" panose="02060609030202000504" pitchFamily="49" charset="0"/>
+              </a:rPr>
+              <a:t>显示帮助。</a:t>
+            </a:r>
+          </a:p>
+          <a:p>
+            <a:pPr lvl="0" defTabSz="914400" eaLnBrk="0" fontAlgn="base" hangingPunct="0">
+              <a:spcBef>
+                <a:spcPct val="0"/>
+              </a:spcBef>
+              <a:spcAft>
+                <a:spcPct val="0"/>
+              </a:spcAft>
+            </a:pPr>
+            <a:endParaRPr lang="zh-CN" altLang="en-US" sz="1050" dirty="0">
+              <a:solidFill>
+                <a:schemeClr val="bg1"/>
+              </a:solidFill>
+              <a:latin typeface="Anonymous Pro" panose="02060609030202000504" pitchFamily="49" charset="0"/>
+            </a:endParaRPr>
+          </a:p>
+          <a:p>
+            <a:pPr lvl="0" defTabSz="914400" eaLnBrk="0" fontAlgn="base" hangingPunct="0">
+              <a:spcBef>
+                <a:spcPct val="0"/>
+              </a:spcBef>
+              <a:spcAft>
+                <a:spcPct val="0"/>
+              </a:spcAft>
+            </a:pPr>
+            <a:r>
+              <a:rPr lang="zh-CN" altLang="en-US" sz="1050" dirty="0">
+                <a:solidFill>
+                  <a:schemeClr val="bg1"/>
+                </a:solidFill>
+                <a:latin typeface="Anonymous Pro" panose="02060609030202000504" pitchFamily="49" charset="0"/>
+              </a:rPr>
+              <a:t>运行“</a:t>
+            </a:r>
+            <a:r>
+              <a:rPr lang="en-US" altLang="zh-CN" sz="1050" dirty="0" err="1">
+                <a:solidFill>
+                  <a:schemeClr val="bg1"/>
+                </a:solidFill>
+                <a:latin typeface="Anonymous Pro" panose="02060609030202000504" pitchFamily="49" charset="0"/>
+              </a:rPr>
+              <a:t>dotnet</a:t>
+            </a:r>
+            <a:r>
+              <a:rPr lang="en-US" altLang="zh-CN" sz="1050" dirty="0">
+                <a:solidFill>
+                  <a:schemeClr val="bg1"/>
+                </a:solidFill>
+                <a:latin typeface="Anonymous Pro" panose="02060609030202000504" pitchFamily="49" charset="0"/>
+              </a:rPr>
+              <a:t> </a:t>
+            </a:r>
+            <a:r>
+              <a:rPr lang="zh-CN" altLang="en-US" sz="1050" dirty="0">
+                <a:solidFill>
+                  <a:schemeClr val="bg1"/>
+                </a:solidFill>
+                <a:latin typeface="Anonymous Pro" panose="02060609030202000504" pitchFamily="49" charset="0"/>
+              </a:rPr>
+              <a:t>命令 </a:t>
+            </a:r>
+            <a:r>
+              <a:rPr lang="en-US" altLang="zh-CN" sz="1050" dirty="0">
+                <a:solidFill>
+                  <a:schemeClr val="bg1"/>
+                </a:solidFill>
+                <a:latin typeface="Anonymous Pro" panose="02060609030202000504" pitchFamily="49" charset="0"/>
+              </a:rPr>
+              <a:t>--help”</a:t>
+            </a:r>
+            <a:r>
+              <a:rPr lang="zh-CN" altLang="en-US" sz="1050" dirty="0">
+                <a:solidFill>
+                  <a:schemeClr val="bg1"/>
+                </a:solidFill>
+                <a:latin typeface="Anonymous Pro" panose="02060609030202000504" pitchFamily="49" charset="0"/>
+              </a:rPr>
+              <a:t>，获取有关命令的详细信息。</a:t>
+            </a:r>
+          </a:p>
+          <a:p>
+            <a:pPr lvl="0" defTabSz="914400" eaLnBrk="0" fontAlgn="base" hangingPunct="0">
+              <a:spcBef>
+                <a:spcPct val="0"/>
+              </a:spcBef>
+              <a:spcAft>
+                <a:spcPct val="0"/>
+              </a:spcAft>
+            </a:pPr>
+            <a:endParaRPr lang="zh-CN" altLang="en-US" sz="1050" dirty="0">
+              <a:solidFill>
+                <a:schemeClr val="bg1"/>
+              </a:solidFill>
+              <a:latin typeface="Anonymous Pro" panose="02060609030202000504" pitchFamily="49" charset="0"/>
+            </a:endParaRPr>
+          </a:p>
+          <a:p>
+            <a:pPr lvl="0" defTabSz="914400" eaLnBrk="0" fontAlgn="base" hangingPunct="0">
+              <a:spcBef>
+                <a:spcPct val="0"/>
+              </a:spcBef>
+              <a:spcAft>
+                <a:spcPct val="0"/>
+              </a:spcAft>
+            </a:pPr>
+            <a:r>
+              <a:rPr lang="en-US" altLang="zh-CN" sz="1050" dirty="0" err="1">
+                <a:solidFill>
+                  <a:schemeClr val="bg1"/>
+                </a:solidFill>
+                <a:latin typeface="Anonymous Pro" panose="02060609030202000504" pitchFamily="49" charset="0"/>
+              </a:rPr>
+              <a:t>sdk</a:t>
+            </a:r>
+            <a:r>
+              <a:rPr lang="en-US" altLang="zh-CN" sz="1050" dirty="0">
+                <a:solidFill>
+                  <a:schemeClr val="bg1"/>
+                </a:solidFill>
+                <a:latin typeface="Anonymous Pro" panose="02060609030202000504" pitchFamily="49" charset="0"/>
+              </a:rPr>
+              <a:t>-options:</a:t>
+            </a:r>
+          </a:p>
+          <a:p>
+            <a:pPr lvl="0" defTabSz="914400" eaLnBrk="0" fontAlgn="base" hangingPunct="0">
+              <a:spcBef>
+                <a:spcPct val="0"/>
+              </a:spcBef>
+              <a:spcAft>
+                <a:spcPct val="0"/>
+              </a:spcAft>
+            </a:pPr>
+            <a:r>
+              <a:rPr lang="en-US" altLang="zh-CN" sz="1050" dirty="0">
+                <a:solidFill>
+                  <a:schemeClr val="bg1"/>
+                </a:solidFill>
+                <a:latin typeface="Anonymous Pro" panose="02060609030202000504" pitchFamily="49" charset="0"/>
+              </a:rPr>
+              <a:t>  --version        </a:t>
+            </a:r>
+            <a:r>
+              <a:rPr lang="zh-CN" altLang="en-US" sz="1050" dirty="0">
+                <a:solidFill>
+                  <a:schemeClr val="bg1"/>
+                </a:solidFill>
+                <a:latin typeface="Anonymous Pro" panose="02060609030202000504" pitchFamily="49" charset="0"/>
+              </a:rPr>
+              <a:t>显示 </a:t>
+            </a:r>
+            <a:r>
+              <a:rPr lang="en-US" altLang="zh-CN" sz="1050" dirty="0">
+                <a:solidFill>
+                  <a:schemeClr val="bg1"/>
+                </a:solidFill>
+                <a:latin typeface="Anonymous Pro" panose="02060609030202000504" pitchFamily="49" charset="0"/>
+              </a:rPr>
+              <a:t>.NET Core SDK </a:t>
+            </a:r>
+            <a:r>
+              <a:rPr lang="zh-CN" altLang="en-US" sz="1050" dirty="0">
+                <a:solidFill>
+                  <a:schemeClr val="bg1"/>
+                </a:solidFill>
+                <a:latin typeface="Anonymous Pro" panose="02060609030202000504" pitchFamily="49" charset="0"/>
+              </a:rPr>
+              <a:t>版本。</a:t>
+            </a:r>
+          </a:p>
+          <a:p>
+            <a:pPr lvl="0" defTabSz="914400" eaLnBrk="0" fontAlgn="base" hangingPunct="0">
+              <a:spcBef>
+                <a:spcPct val="0"/>
+              </a:spcBef>
+              <a:spcAft>
+                <a:spcPct val="0"/>
+              </a:spcAft>
+            </a:pPr>
+            <a:r>
+              <a:rPr lang="zh-CN" altLang="en-US" sz="1050" dirty="0">
+                <a:solidFill>
+                  <a:schemeClr val="bg1"/>
+                </a:solidFill>
+                <a:latin typeface="Anonymous Pro" panose="02060609030202000504" pitchFamily="49" charset="0"/>
+              </a:rPr>
+              <a:t>  </a:t>
+            </a:r>
+            <a:r>
+              <a:rPr lang="en-US" altLang="zh-CN" sz="1050" dirty="0">
+                <a:solidFill>
+                  <a:schemeClr val="bg1"/>
+                </a:solidFill>
+                <a:latin typeface="Anonymous Pro" panose="02060609030202000504" pitchFamily="49" charset="0"/>
+              </a:rPr>
+              <a:t>--info           </a:t>
+            </a:r>
+            <a:r>
+              <a:rPr lang="zh-CN" altLang="en-US" sz="1050" dirty="0">
+                <a:solidFill>
+                  <a:schemeClr val="bg1"/>
+                </a:solidFill>
+                <a:latin typeface="Anonymous Pro" panose="02060609030202000504" pitchFamily="49" charset="0"/>
+              </a:rPr>
+              <a:t>显示 </a:t>
+            </a:r>
+            <a:r>
+              <a:rPr lang="en-US" altLang="zh-CN" sz="1050" dirty="0">
+                <a:solidFill>
+                  <a:schemeClr val="bg1"/>
+                </a:solidFill>
+                <a:latin typeface="Anonymous Pro" panose="02060609030202000504" pitchFamily="49" charset="0"/>
+              </a:rPr>
+              <a:t>.NET Core </a:t>
+            </a:r>
+            <a:r>
+              <a:rPr lang="zh-CN" altLang="en-US" sz="1050" dirty="0">
+                <a:solidFill>
+                  <a:schemeClr val="bg1"/>
+                </a:solidFill>
+                <a:latin typeface="Anonymous Pro" panose="02060609030202000504" pitchFamily="49" charset="0"/>
+              </a:rPr>
+              <a:t>信息。</a:t>
+            </a:r>
+          </a:p>
+          <a:p>
+            <a:pPr lvl="0" defTabSz="914400" eaLnBrk="0" fontAlgn="base" hangingPunct="0">
+              <a:spcBef>
+                <a:spcPct val="0"/>
+              </a:spcBef>
+              <a:spcAft>
+                <a:spcPct val="0"/>
+              </a:spcAft>
+            </a:pPr>
+            <a:r>
+              <a:rPr lang="zh-CN" altLang="en-US" sz="1050" dirty="0">
+                <a:solidFill>
+                  <a:schemeClr val="bg1"/>
+                </a:solidFill>
+                <a:latin typeface="Anonymous Pro" panose="02060609030202000504" pitchFamily="49" charset="0"/>
+              </a:rPr>
+              <a:t>  </a:t>
+            </a:r>
+            <a:r>
+              <a:rPr lang="en-US" altLang="zh-CN" sz="1050" dirty="0">
+                <a:solidFill>
+                  <a:schemeClr val="bg1"/>
+                </a:solidFill>
+                <a:latin typeface="Anonymous Pro" panose="02060609030202000504" pitchFamily="49" charset="0"/>
+              </a:rPr>
+              <a:t>-d|--diagnostics </a:t>
+            </a:r>
+            <a:r>
+              <a:rPr lang="zh-CN" altLang="en-US" sz="1050" dirty="0">
+                <a:solidFill>
+                  <a:schemeClr val="bg1"/>
+                </a:solidFill>
+                <a:latin typeface="Anonymous Pro" panose="02060609030202000504" pitchFamily="49" charset="0"/>
+              </a:rPr>
+              <a:t>启用诊断输出。</a:t>
+            </a:r>
+          </a:p>
+          <a:p>
+            <a:pPr lvl="0" defTabSz="914400" eaLnBrk="0" fontAlgn="base" hangingPunct="0">
+              <a:spcBef>
+                <a:spcPct val="0"/>
+              </a:spcBef>
+              <a:spcAft>
+                <a:spcPct val="0"/>
+              </a:spcAft>
+            </a:pPr>
+            <a:endParaRPr lang="zh-CN" altLang="en-US" sz="1050" dirty="0">
+              <a:solidFill>
+                <a:schemeClr val="bg1"/>
+              </a:solidFill>
+              <a:latin typeface="Anonymous Pro" panose="02060609030202000504" pitchFamily="49" charset="0"/>
+            </a:endParaRPr>
+          </a:p>
+          <a:p>
+            <a:pPr lvl="0" defTabSz="914400" eaLnBrk="0" fontAlgn="base" hangingPunct="0">
+              <a:spcBef>
+                <a:spcPct val="0"/>
+              </a:spcBef>
+              <a:spcAft>
+                <a:spcPct val="0"/>
+              </a:spcAft>
+            </a:pPr>
+            <a:r>
+              <a:rPr lang="en-US" altLang="zh-CN" sz="1050" dirty="0">
+                <a:solidFill>
+                  <a:schemeClr val="bg1"/>
+                </a:solidFill>
+                <a:latin typeface="Anonymous Pro" panose="02060609030202000504" pitchFamily="49" charset="0"/>
+              </a:rPr>
+              <a:t>runtime-options:</a:t>
+            </a:r>
+          </a:p>
+          <a:p>
+            <a:pPr lvl="0" defTabSz="914400" eaLnBrk="0" fontAlgn="base" hangingPunct="0">
+              <a:spcBef>
+                <a:spcPct val="0"/>
+              </a:spcBef>
+              <a:spcAft>
+                <a:spcPct val="0"/>
+              </a:spcAft>
+            </a:pPr>
+            <a:r>
+              <a:rPr lang="en-US" altLang="zh-CN" sz="1050" dirty="0">
+                <a:solidFill>
+                  <a:schemeClr val="bg1"/>
+                </a:solidFill>
+                <a:latin typeface="Anonymous Pro" panose="02060609030202000504" pitchFamily="49" charset="0"/>
+              </a:rPr>
+              <a:t>  --</a:t>
+            </a:r>
+            <a:r>
+              <a:rPr lang="en-US" altLang="zh-CN" sz="1050" dirty="0" err="1">
+                <a:solidFill>
+                  <a:schemeClr val="bg1"/>
+                </a:solidFill>
+                <a:latin typeface="Anonymous Pro" panose="02060609030202000504" pitchFamily="49" charset="0"/>
+              </a:rPr>
+              <a:t>additionalprobingpath</a:t>
+            </a:r>
+            <a:r>
+              <a:rPr lang="en-US" altLang="zh-CN" sz="1050" dirty="0">
+                <a:solidFill>
+                  <a:schemeClr val="bg1"/>
+                </a:solidFill>
+                <a:latin typeface="Anonymous Pro" panose="02060609030202000504" pitchFamily="49" charset="0"/>
+              </a:rPr>
+              <a:t> &lt;path&gt;    </a:t>
+            </a:r>
+            <a:r>
+              <a:rPr lang="zh-CN" altLang="en-US" sz="1050" dirty="0">
+                <a:solidFill>
+                  <a:schemeClr val="bg1"/>
+                </a:solidFill>
+                <a:latin typeface="Anonymous Pro" panose="02060609030202000504" pitchFamily="49" charset="0"/>
+              </a:rPr>
+              <a:t>要探测的包含探测策略和程序集的路径。</a:t>
+            </a:r>
+          </a:p>
+          <a:p>
+            <a:pPr lvl="0" defTabSz="914400" eaLnBrk="0" fontAlgn="base" hangingPunct="0">
+              <a:spcBef>
+                <a:spcPct val="0"/>
+              </a:spcBef>
+              <a:spcAft>
+                <a:spcPct val="0"/>
+              </a:spcAft>
+            </a:pPr>
+            <a:r>
+              <a:rPr lang="zh-CN" altLang="en-US" sz="1050" dirty="0">
+                <a:solidFill>
+                  <a:schemeClr val="bg1"/>
+                </a:solidFill>
+                <a:latin typeface="Anonymous Pro" panose="02060609030202000504" pitchFamily="49" charset="0"/>
+              </a:rPr>
+              <a:t>  </a:t>
+            </a:r>
+            <a:r>
+              <a:rPr lang="en-US" altLang="zh-CN" sz="1050" dirty="0">
+                <a:solidFill>
+                  <a:schemeClr val="bg1"/>
+                </a:solidFill>
+                <a:latin typeface="Anonymous Pro" panose="02060609030202000504" pitchFamily="49" charset="0"/>
+              </a:rPr>
+              <a:t>--</a:t>
+            </a:r>
+            <a:r>
+              <a:rPr lang="en-US" altLang="zh-CN" sz="1050" dirty="0" err="1">
+                <a:solidFill>
+                  <a:schemeClr val="bg1"/>
+                </a:solidFill>
+                <a:latin typeface="Anonymous Pro" panose="02060609030202000504" pitchFamily="49" charset="0"/>
+              </a:rPr>
+              <a:t>fx</a:t>
+            </a:r>
+            <a:r>
+              <a:rPr lang="en-US" altLang="zh-CN" sz="1050" dirty="0">
+                <a:solidFill>
+                  <a:schemeClr val="bg1"/>
+                </a:solidFill>
+                <a:latin typeface="Anonymous Pro" panose="02060609030202000504" pitchFamily="49" charset="0"/>
+              </a:rPr>
+              <a:t>-version &lt;version&gt;            </a:t>
+            </a:r>
+            <a:r>
+              <a:rPr lang="zh-CN" altLang="en-US" sz="1050" dirty="0">
+                <a:solidFill>
+                  <a:schemeClr val="bg1"/>
+                </a:solidFill>
+                <a:latin typeface="Anonymous Pro" panose="02060609030202000504" pitchFamily="49" charset="0"/>
+              </a:rPr>
+              <a:t>要用于运行应用程序的安装版共享框架的版本。</a:t>
+            </a:r>
+          </a:p>
+          <a:p>
+            <a:pPr lvl="0" defTabSz="914400" eaLnBrk="0" fontAlgn="base" hangingPunct="0">
+              <a:spcBef>
+                <a:spcPct val="0"/>
+              </a:spcBef>
+              <a:spcAft>
+                <a:spcPct val="0"/>
+              </a:spcAft>
+            </a:pPr>
+            <a:r>
+              <a:rPr lang="zh-CN" altLang="en-US" sz="1050" dirty="0">
+                <a:solidFill>
+                  <a:schemeClr val="bg1"/>
+                </a:solidFill>
+                <a:latin typeface="Anonymous Pro" panose="02060609030202000504" pitchFamily="49" charset="0"/>
+              </a:rPr>
+              <a:t>  </a:t>
+            </a:r>
+            <a:r>
+              <a:rPr lang="en-US" altLang="zh-CN" sz="1050" dirty="0">
+                <a:solidFill>
+                  <a:schemeClr val="bg1"/>
+                </a:solidFill>
+                <a:latin typeface="Anonymous Pro" panose="02060609030202000504" pitchFamily="49" charset="0"/>
+              </a:rPr>
+              <a:t>--roll-forward-on-no-candidate-</a:t>
+            </a:r>
+            <a:r>
+              <a:rPr lang="en-US" altLang="zh-CN" sz="1050" dirty="0" err="1">
+                <a:solidFill>
+                  <a:schemeClr val="bg1"/>
+                </a:solidFill>
+                <a:latin typeface="Anonymous Pro" panose="02060609030202000504" pitchFamily="49" charset="0"/>
+              </a:rPr>
+              <a:t>fx</a:t>
+            </a:r>
+            <a:r>
+              <a:rPr lang="en-US" altLang="zh-CN" sz="1050" dirty="0">
+                <a:solidFill>
+                  <a:schemeClr val="bg1"/>
+                </a:solidFill>
+                <a:latin typeface="Anonymous Pro" panose="02060609030202000504" pitchFamily="49" charset="0"/>
+              </a:rPr>
+              <a:t> </a:t>
+            </a:r>
+            <a:r>
+              <a:rPr lang="zh-CN" altLang="en-US" sz="1050" dirty="0">
+                <a:solidFill>
+                  <a:schemeClr val="bg1"/>
+                </a:solidFill>
+                <a:latin typeface="Anonymous Pro" panose="02060609030202000504" pitchFamily="49" charset="0"/>
+              </a:rPr>
+              <a:t>已启用“不前滚到候选共享框架”。</a:t>
+            </a:r>
+          </a:p>
+          <a:p>
+            <a:pPr lvl="0" defTabSz="914400" eaLnBrk="0" fontAlgn="base" hangingPunct="0">
+              <a:spcBef>
+                <a:spcPct val="0"/>
+              </a:spcBef>
+              <a:spcAft>
+                <a:spcPct val="0"/>
+              </a:spcAft>
+            </a:pPr>
+            <a:r>
+              <a:rPr lang="zh-CN" altLang="en-US" sz="1050" dirty="0">
+                <a:solidFill>
+                  <a:schemeClr val="bg1"/>
+                </a:solidFill>
+                <a:latin typeface="Anonymous Pro" panose="02060609030202000504" pitchFamily="49" charset="0"/>
+              </a:rPr>
+              <a:t>  </a:t>
+            </a:r>
+            <a:r>
+              <a:rPr lang="en-US" altLang="zh-CN" sz="1050" dirty="0">
+                <a:solidFill>
+                  <a:schemeClr val="bg1"/>
+                </a:solidFill>
+                <a:latin typeface="Anonymous Pro" panose="02060609030202000504" pitchFamily="49" charset="0"/>
+              </a:rPr>
+              <a:t>--additional-deps &lt;path&gt;          </a:t>
+            </a:r>
+            <a:r>
+              <a:rPr lang="zh-CN" altLang="en-US" sz="1050" dirty="0">
+                <a:solidFill>
+                  <a:schemeClr val="bg1"/>
+                </a:solidFill>
+                <a:latin typeface="Anonymous Pro" panose="02060609030202000504" pitchFamily="49" charset="0"/>
+              </a:rPr>
+              <a:t>其他 </a:t>
+            </a:r>
+            <a:r>
+              <a:rPr lang="en-US" altLang="zh-CN" sz="1050" dirty="0" err="1">
+                <a:solidFill>
+                  <a:schemeClr val="bg1"/>
+                </a:solidFill>
+                <a:latin typeface="Anonymous Pro" panose="02060609030202000504" pitchFamily="49" charset="0"/>
+              </a:rPr>
+              <a:t>deps.json</a:t>
+            </a:r>
+            <a:r>
+              <a:rPr lang="en-US" altLang="zh-CN" sz="1050" dirty="0">
+                <a:solidFill>
+                  <a:schemeClr val="bg1"/>
+                </a:solidFill>
+                <a:latin typeface="Anonymous Pro" panose="02060609030202000504" pitchFamily="49" charset="0"/>
+              </a:rPr>
+              <a:t> </a:t>
+            </a:r>
+            <a:r>
+              <a:rPr lang="zh-CN" altLang="en-US" sz="1050" dirty="0">
+                <a:solidFill>
+                  <a:schemeClr val="bg1"/>
+                </a:solidFill>
+                <a:latin typeface="Anonymous Pro" panose="02060609030202000504" pitchFamily="49" charset="0"/>
+              </a:rPr>
+              <a:t>文件的路径。</a:t>
+            </a:r>
+            <a:endParaRPr kumimoji="0" lang="zh-CN" altLang="zh-CN" sz="1050" b="0" i="0" u="none" strike="noStrike" cap="none" normalizeH="0" baseline="0" dirty="0">
+              <a:ln>
+                <a:noFill/>
+              </a:ln>
+              <a:solidFill>
+                <a:schemeClr val="bg1"/>
+              </a:solidFill>
+              <a:effectLst/>
+              <a:latin typeface="Arial" panose="020B0604020202020204" pitchFamily="34" charset="0"/>
+            </a:endParaRPr>
+          </a:p>
+        </p:txBody>
+      </p:sp>
+    </p:spTree>
+    <p:extLst>
+      <p:ext uri="{BB962C8B-B14F-4D97-AF65-F5344CB8AC3E}">
+        <p14:creationId xmlns:p14="http://schemas.microsoft.com/office/powerpoint/2010/main" val="2329505190"/>
       </p:ext>
     </p:extLst>
   </p:cSld>
